--- a/docs/deployment_guide/images/Quick Start Ref. Arch.pptx
+++ b/docs/deployment_guide/images/Quick Start Ref. Arch.pptx
@@ -8,6 +8,7 @@
   <p:sldIdLst>
     <p:sldId id="452" r:id="rId3"/>
     <p:sldId id="497" r:id="rId4"/>
+    <p:sldId id="498" r:id="rId5"/>
   </p:sldIdLst>
   <p:sldSz cx="12192000" cy="6858000"/>
   <p:notesSz cx="6858000" cy="9144000"/>
@@ -116,6 +117,7 @@
           <p14:sldIdLst>
             <p14:sldId id="452"/>
             <p14:sldId id="497"/>
+            <p14:sldId id="498"/>
           </p14:sldIdLst>
         </p14:section>
       </p14:sectionLst>
@@ -27306,6 +27308,5592 @@
     <p:extLst>
       <p:ext uri="{BB962C8B-B14F-4D97-AF65-F5344CB8AC3E}">
         <p14:creationId xmlns:p14="http://schemas.microsoft.com/office/powerpoint/2010/main" val="2797177133"/>
+      </p:ext>
+    </p:extLst>
+  </p:cSld>
+  <p:clrMapOvr>
+    <a:masterClrMapping/>
+  </p:clrMapOvr>
+</p:sld>
+</file>
+
+<file path=ppt/slides/slide3.xml><?xml version="1.0" encoding="utf-8"?>
+<p:sld xmlns:a="http://schemas.openxmlformats.org/drawingml/2006/main" xmlns:r="http://schemas.openxmlformats.org/officeDocument/2006/relationships" xmlns:p="http://schemas.openxmlformats.org/presentationml/2006/main">
+  <p:cSld>
+    <p:spTree>
+      <p:nvGrpSpPr>
+        <p:cNvPr id="1" name=""/>
+        <p:cNvGrpSpPr/>
+        <p:nvPr/>
+      </p:nvGrpSpPr>
+      <p:grpSpPr>
+        <a:xfrm>
+          <a:off x="0" y="0"/>
+          <a:ext cx="0" cy="0"/>
+          <a:chOff x="0" y="0"/>
+          <a:chExt cx="0" cy="0"/>
+        </a:xfrm>
+      </p:grpSpPr>
+      <p:sp>
+        <p:nvSpPr>
+          <p:cNvPr id="47" name="Rectangle 46">
+            <a:extLst>
+              <a:ext uri="{FF2B5EF4-FFF2-40B4-BE49-F238E27FC236}">
+                <a16:creationId xmlns:a16="http://schemas.microsoft.com/office/drawing/2014/main" id="{247C39BF-014C-8D44-AFEA-98A99FFC5687}"/>
+              </a:ext>
+            </a:extLst>
+          </p:cNvPr>
+          <p:cNvSpPr/>
+          <p:nvPr/>
+        </p:nvSpPr>
+        <p:spPr>
+          <a:xfrm>
+            <a:off x="1062902" y="3487736"/>
+            <a:ext cx="2760031" cy="2192629"/>
+          </a:xfrm>
+          <a:prstGeom prst="rect">
+            <a:avLst/>
+          </a:prstGeom>
+          <a:solidFill>
+            <a:srgbClr val="007CBC">
+              <a:alpha val="9804"/>
+            </a:srgbClr>
+          </a:solidFill>
+          <a:ln w="12700">
+            <a:noFill/>
+            <a:prstDash val="dash"/>
+          </a:ln>
+        </p:spPr>
+        <p:style>
+          <a:lnRef idx="2">
+            <a:schemeClr val="accent1">
+              <a:shade val="50000"/>
+            </a:schemeClr>
+          </a:lnRef>
+          <a:fillRef idx="1">
+            <a:schemeClr val="accent1"/>
+          </a:fillRef>
+          <a:effectRef idx="0">
+            <a:schemeClr val="accent1"/>
+          </a:effectRef>
+          <a:fontRef idx="minor">
+            <a:schemeClr val="lt1"/>
+          </a:fontRef>
+        </p:style>
+        <p:txBody>
+          <a:bodyPr lIns="502920"/>
+          <a:lstStyle/>
+          <a:p>
+            <a:pPr eaLnBrk="1" fontAlgn="auto" hangingPunct="1">
+              <a:spcBef>
+                <a:spcPts val="0"/>
+              </a:spcBef>
+              <a:spcAft>
+                <a:spcPts val="0"/>
+              </a:spcAft>
+              <a:defRPr/>
+            </a:pPr>
+            <a:r>
+              <a:rPr lang="en-US" sz="1200" dirty="0">
+                <a:solidFill>
+                  <a:srgbClr val="5B9CD5"/>
+                </a:solidFill>
+                <a:latin typeface="Arial" panose="020B0604020202020204" pitchFamily="34" charset="0"/>
+                <a:cs typeface="Arial" panose="020B0604020202020204" pitchFamily="34" charset="0"/>
+              </a:rPr>
+              <a:t>Private subnet</a:t>
+            </a:r>
+          </a:p>
+        </p:txBody>
+      </p:sp>
+      <p:sp>
+        <p:nvSpPr>
+          <p:cNvPr id="48" name="Rectangle 47">
+            <a:extLst>
+              <a:ext uri="{FF2B5EF4-FFF2-40B4-BE49-F238E27FC236}">
+                <a16:creationId xmlns:a16="http://schemas.microsoft.com/office/drawing/2014/main" id="{931C30A7-0EA7-714F-9E85-7DA67B33C606}"/>
+              </a:ext>
+            </a:extLst>
+          </p:cNvPr>
+          <p:cNvSpPr/>
+          <p:nvPr/>
+        </p:nvSpPr>
+        <p:spPr>
+          <a:xfrm>
+            <a:off x="1059585" y="2079842"/>
+            <a:ext cx="2763348" cy="1266028"/>
+          </a:xfrm>
+          <a:prstGeom prst="rect">
+            <a:avLst/>
+          </a:prstGeom>
+          <a:solidFill>
+            <a:srgbClr val="1D8900">
+              <a:alpha val="9804"/>
+            </a:srgbClr>
+          </a:solidFill>
+          <a:ln w="12700">
+            <a:noFill/>
+            <a:prstDash val="dash"/>
+          </a:ln>
+        </p:spPr>
+        <p:style>
+          <a:lnRef idx="2">
+            <a:schemeClr val="accent1">
+              <a:shade val="50000"/>
+            </a:schemeClr>
+          </a:lnRef>
+          <a:fillRef idx="1">
+            <a:schemeClr val="accent1"/>
+          </a:fillRef>
+          <a:effectRef idx="0">
+            <a:schemeClr val="accent1"/>
+          </a:effectRef>
+          <a:fontRef idx="minor">
+            <a:schemeClr val="lt1"/>
+          </a:fontRef>
+        </p:style>
+        <p:txBody>
+          <a:bodyPr lIns="502920"/>
+          <a:lstStyle/>
+          <a:p>
+            <a:pPr marL="12700" eaLnBrk="1" fontAlgn="auto" hangingPunct="1">
+              <a:spcBef>
+                <a:spcPts val="0"/>
+              </a:spcBef>
+              <a:spcAft>
+                <a:spcPts val="0"/>
+              </a:spcAft>
+              <a:defRPr/>
+            </a:pPr>
+            <a:r>
+              <a:rPr lang="en-US" sz="1200" dirty="0">
+                <a:solidFill>
+                  <a:srgbClr val="1E8900"/>
+                </a:solidFill>
+                <a:latin typeface="Arial" panose="020B0604020202020204" pitchFamily="34" charset="0"/>
+                <a:cs typeface="Arial" panose="020B0604020202020204" pitchFamily="34" charset="0"/>
+              </a:rPr>
+              <a:t>Public subnet</a:t>
+            </a:r>
+          </a:p>
+        </p:txBody>
+      </p:sp>
+      <p:sp>
+        <p:nvSpPr>
+          <p:cNvPr id="47105" name="Title 1">
+            <a:extLst>
+              <a:ext uri="{FF2B5EF4-FFF2-40B4-BE49-F238E27FC236}">
+                <a16:creationId xmlns:a16="http://schemas.microsoft.com/office/drawing/2014/main" id="{6EA39E97-4C97-AD40-972C-394E863845C9}"/>
+              </a:ext>
+            </a:extLst>
+          </p:cNvPr>
+          <p:cNvSpPr>
+            <a:spLocks noGrp="1" noChangeArrowheads="1"/>
+          </p:cNvSpPr>
+          <p:nvPr>
+            <p:ph type="title"/>
+          </p:nvPr>
+        </p:nvSpPr>
+        <p:spPr>
+          <a:xfrm>
+            <a:off x="241300" y="-98029"/>
+            <a:ext cx="11709400" cy="644525"/>
+          </a:xfrm>
+        </p:spPr>
+        <p:txBody>
+          <a:bodyPr/>
+          <a:lstStyle/>
+          <a:p>
+            <a:pPr algn="ctr" eaLnBrk="1" hangingPunct="1"/>
+            <a:r>
+              <a:rPr lang="en-US" altLang="en-US" sz="2400" dirty="0"/>
+              <a:t>Amazon WorkSpaces Quick Start – Existing Directory Service</a:t>
+            </a:r>
+          </a:p>
+        </p:txBody>
+      </p:sp>
+      <p:sp>
+        <p:nvSpPr>
+          <p:cNvPr id="4" name="Rectangle 3">
+            <a:extLst>
+              <a:ext uri="{FF2B5EF4-FFF2-40B4-BE49-F238E27FC236}">
+                <a16:creationId xmlns:a16="http://schemas.microsoft.com/office/drawing/2014/main" id="{AE0DCB38-C38F-3E45-91A5-BC77EA90215A}"/>
+              </a:ext>
+            </a:extLst>
+          </p:cNvPr>
+          <p:cNvSpPr/>
+          <p:nvPr/>
+        </p:nvSpPr>
+        <p:spPr bwMode="auto">
+          <a:xfrm>
+            <a:off x="512618" y="1716377"/>
+            <a:ext cx="9694623" cy="4023877"/>
+          </a:xfrm>
+          <a:prstGeom prst="rect">
+            <a:avLst/>
+          </a:prstGeom>
+          <a:noFill/>
+          <a:ln w="12700">
+            <a:solidFill>
+              <a:srgbClr val="1E8900"/>
+            </a:solidFill>
+          </a:ln>
+        </p:spPr>
+        <p:style>
+          <a:lnRef idx="2">
+            <a:schemeClr val="accent1">
+              <a:shade val="50000"/>
+            </a:schemeClr>
+          </a:lnRef>
+          <a:fillRef idx="1">
+            <a:schemeClr val="accent1"/>
+          </a:fillRef>
+          <a:effectRef idx="0">
+            <a:schemeClr val="accent1"/>
+          </a:effectRef>
+          <a:fontRef idx="minor">
+            <a:schemeClr val="lt1"/>
+          </a:fontRef>
+        </p:style>
+        <p:txBody>
+          <a:bodyPr lIns="502920" tIns="91440"/>
+          <a:lstStyle/>
+          <a:p>
+            <a:pPr marL="0" marR="0" lvl="0" indent="0" algn="l" defTabSz="914400" rtl="0" eaLnBrk="1" fontAlgn="auto" latinLnBrk="0" hangingPunct="1">
+              <a:lnSpc>
+                <a:spcPct val="100000"/>
+              </a:lnSpc>
+              <a:spcBef>
+                <a:spcPts val="0"/>
+              </a:spcBef>
+              <a:spcAft>
+                <a:spcPts val="0"/>
+              </a:spcAft>
+              <a:buClrTx/>
+              <a:buSzTx/>
+              <a:buFontTx/>
+              <a:buNone/>
+              <a:tabLst/>
+              <a:defRPr/>
+            </a:pPr>
+            <a:r>
+              <a:rPr kumimoji="0" lang="en-US" sz="1200" b="0" i="0" u="none" strike="noStrike" kern="1200" cap="none" spc="0" normalizeH="0" baseline="0" noProof="0" dirty="0">
+                <a:ln w="0"/>
+                <a:solidFill>
+                  <a:srgbClr val="1E8900"/>
+                </a:solidFill>
+                <a:effectLst/>
+                <a:uLnTx/>
+                <a:uFillTx/>
+                <a:latin typeface="Arial" panose="020B0604020202020204" pitchFamily="34" charset="0"/>
+                <a:ea typeface="+mn-ea"/>
+                <a:cs typeface="Arial" panose="020B0604020202020204" pitchFamily="34" charset="0"/>
+              </a:rPr>
+              <a:t>VPC</a:t>
+            </a:r>
+          </a:p>
+        </p:txBody>
+      </p:sp>
+      <p:sp>
+        <p:nvSpPr>
+          <p:cNvPr id="5" name="Rectangle 4">
+            <a:extLst>
+              <a:ext uri="{FF2B5EF4-FFF2-40B4-BE49-F238E27FC236}">
+                <a16:creationId xmlns:a16="http://schemas.microsoft.com/office/drawing/2014/main" id="{EBD78DDC-6CA6-8B4C-8030-D09C702BCE2A}"/>
+              </a:ext>
+            </a:extLst>
+          </p:cNvPr>
+          <p:cNvSpPr/>
+          <p:nvPr/>
+        </p:nvSpPr>
+        <p:spPr bwMode="auto">
+          <a:xfrm>
+            <a:off x="241300" y="546496"/>
+            <a:ext cx="11736207" cy="5494086"/>
+          </a:xfrm>
+          <a:prstGeom prst="rect">
+            <a:avLst/>
+          </a:prstGeom>
+          <a:noFill/>
+          <a:ln w="12700">
+            <a:solidFill>
+              <a:schemeClr val="tx1"/>
+            </a:solidFill>
+          </a:ln>
+        </p:spPr>
+        <p:style>
+          <a:lnRef idx="2">
+            <a:schemeClr val="accent1">
+              <a:shade val="50000"/>
+            </a:schemeClr>
+          </a:lnRef>
+          <a:fillRef idx="1">
+            <a:schemeClr val="accent1"/>
+          </a:fillRef>
+          <a:effectRef idx="0">
+            <a:schemeClr val="accent1"/>
+          </a:effectRef>
+          <a:fontRef idx="minor">
+            <a:schemeClr val="lt1"/>
+          </a:fontRef>
+        </p:style>
+        <p:txBody>
+          <a:bodyPr lIns="502920" tIns="91440"/>
+          <a:lstStyle/>
+          <a:p>
+            <a:pPr marL="0" marR="0" lvl="0" indent="0" algn="l" defTabSz="914400" rtl="0" eaLnBrk="1" fontAlgn="auto" latinLnBrk="0" hangingPunct="1">
+              <a:lnSpc>
+                <a:spcPct val="100000"/>
+              </a:lnSpc>
+              <a:spcBef>
+                <a:spcPts val="0"/>
+              </a:spcBef>
+              <a:spcAft>
+                <a:spcPts val="0"/>
+              </a:spcAft>
+              <a:buClrTx/>
+              <a:buSzTx/>
+              <a:buFontTx/>
+              <a:buNone/>
+              <a:tabLst/>
+              <a:defRPr/>
+            </a:pPr>
+            <a:r>
+              <a:rPr kumimoji="0" lang="en-US" sz="1200" b="0" i="0" u="none" strike="noStrike" kern="1200" cap="none" spc="0" normalizeH="0" baseline="0" noProof="0" dirty="0">
+                <a:ln>
+                  <a:noFill/>
+                </a:ln>
+                <a:solidFill>
+                  <a:sysClr val="windowText" lastClr="000000"/>
+                </a:solidFill>
+                <a:effectLst/>
+                <a:uLnTx/>
+                <a:uFillTx/>
+                <a:latin typeface="Arial" panose="020B0604020202020204" pitchFamily="34" charset="0"/>
+                <a:ea typeface="+mn-ea"/>
+                <a:cs typeface="Arial" panose="020B0604020202020204" pitchFamily="34" charset="0"/>
+              </a:rPr>
+              <a:t>AWS Cloud</a:t>
+            </a:r>
+          </a:p>
+        </p:txBody>
+      </p:sp>
+      <p:sp>
+        <p:nvSpPr>
+          <p:cNvPr id="6" name="Rectangle 5">
+            <a:extLst>
+              <a:ext uri="{FF2B5EF4-FFF2-40B4-BE49-F238E27FC236}">
+                <a16:creationId xmlns:a16="http://schemas.microsoft.com/office/drawing/2014/main" id="{95D102AA-00CD-FF49-9C6E-1658BE901624}"/>
+              </a:ext>
+            </a:extLst>
+          </p:cNvPr>
+          <p:cNvSpPr/>
+          <p:nvPr/>
+        </p:nvSpPr>
+        <p:spPr bwMode="auto">
+          <a:xfrm>
+            <a:off x="974414" y="1400097"/>
+            <a:ext cx="2990308" cy="4432667"/>
+          </a:xfrm>
+          <a:prstGeom prst="rect">
+            <a:avLst/>
+          </a:prstGeom>
+          <a:noFill/>
+          <a:ln w="12700">
+            <a:solidFill>
+              <a:srgbClr val="5B9CD5"/>
+            </a:solidFill>
+            <a:prstDash val="dash"/>
+          </a:ln>
+        </p:spPr>
+        <p:style>
+          <a:lnRef idx="2">
+            <a:schemeClr val="accent1">
+              <a:shade val="50000"/>
+            </a:schemeClr>
+          </a:lnRef>
+          <a:fillRef idx="1">
+            <a:schemeClr val="accent1"/>
+          </a:fillRef>
+          <a:effectRef idx="0">
+            <a:schemeClr val="accent1"/>
+          </a:effectRef>
+          <a:fontRef idx="minor">
+            <a:schemeClr val="lt1"/>
+          </a:fontRef>
+        </p:style>
+        <p:txBody>
+          <a:bodyPr tIns="91440"/>
+          <a:lstStyle/>
+          <a:p>
+            <a:pPr marL="0" marR="0" lvl="0" indent="0" algn="ctr" defTabSz="914400" rtl="0" eaLnBrk="1" fontAlgn="auto" latinLnBrk="0" hangingPunct="1">
+              <a:lnSpc>
+                <a:spcPct val="100000"/>
+              </a:lnSpc>
+              <a:spcBef>
+                <a:spcPts val="0"/>
+              </a:spcBef>
+              <a:spcAft>
+                <a:spcPts val="0"/>
+              </a:spcAft>
+              <a:buClrTx/>
+              <a:buSzTx/>
+              <a:buFontTx/>
+              <a:buNone/>
+              <a:tabLst/>
+              <a:defRPr/>
+            </a:pPr>
+            <a:r>
+              <a:rPr kumimoji="0" lang="en-US" sz="1200" b="0" i="0" u="none" strike="noStrike" kern="1200" cap="none" spc="0" normalizeH="0" baseline="0" noProof="0" dirty="0">
+                <a:ln>
+                  <a:noFill/>
+                </a:ln>
+                <a:solidFill>
+                  <a:srgbClr val="5B9CD5"/>
+                </a:solidFill>
+                <a:effectLst/>
+                <a:uLnTx/>
+                <a:uFillTx/>
+                <a:latin typeface="Arial" panose="020B0604020202020204" pitchFamily="34" charset="0"/>
+                <a:ea typeface="+mn-ea"/>
+                <a:cs typeface="Arial" panose="020B0604020202020204" pitchFamily="34" charset="0"/>
+              </a:rPr>
+              <a:t>Availability Zone 1</a:t>
+            </a:r>
+          </a:p>
+        </p:txBody>
+      </p:sp>
+      <p:pic>
+        <p:nvPicPr>
+          <p:cNvPr id="47128" name="Graphic 13">
+            <a:extLst>
+              <a:ext uri="{FF2B5EF4-FFF2-40B4-BE49-F238E27FC236}">
+                <a16:creationId xmlns:a16="http://schemas.microsoft.com/office/drawing/2014/main" id="{FC8054DF-2FE8-BD4E-AC79-83D80F0BC2E6}"/>
+              </a:ext>
+            </a:extLst>
+          </p:cNvPr>
+          <p:cNvPicPr>
+            <a:picLocks noChangeAspect="1" noChangeArrowheads="1"/>
+          </p:cNvPicPr>
+          <p:nvPr/>
+        </p:nvPicPr>
+        <p:blipFill>
+          <a:blip r:embed="rId2">
+            <a:extLst>
+              <a:ext uri="{28A0092B-C50C-407E-A947-70E740481C1C}">
+                <a14:useLocalDpi xmlns:a14="http://schemas.microsoft.com/office/drawing/2010/main" val="0"/>
+              </a:ext>
+            </a:extLst>
+          </a:blip>
+          <a:srcRect/>
+          <a:stretch>
+            <a:fillRect/>
+          </a:stretch>
+        </p:blipFill>
+        <p:spPr bwMode="auto">
+          <a:xfrm>
+            <a:off x="2036385" y="2440415"/>
+            <a:ext cx="469900" cy="469900"/>
+          </a:xfrm>
+          <a:prstGeom prst="rect">
+            <a:avLst/>
+          </a:prstGeom>
+          <a:noFill/>
+          <a:ln>
+            <a:noFill/>
+          </a:ln>
+          <a:extLst>
+            <a:ext uri="{909E8E84-426E-40DD-AFC4-6F175D3DCCD1}">
+              <a14:hiddenFill xmlns:a14="http://schemas.microsoft.com/office/drawing/2010/main">
+                <a:solidFill>
+                  <a:srgbClr val="FFFFFF"/>
+                </a:solidFill>
+              </a14:hiddenFill>
+            </a:ext>
+            <a:ext uri="{91240B29-F687-4F45-9708-019B960494DF}">
+              <a14:hiddenLine xmlns:a14="http://schemas.microsoft.com/office/drawing/2010/main" w="9525">
+                <a:solidFill>
+                  <a:srgbClr val="000000"/>
+                </a:solidFill>
+                <a:miter lim="800000"/>
+                <a:headEnd/>
+                <a:tailEnd/>
+              </a14:hiddenLine>
+            </a:ext>
+          </a:extLst>
+        </p:spPr>
+      </p:pic>
+      <p:sp>
+        <p:nvSpPr>
+          <p:cNvPr id="47129" name="TextBox 14">
+            <a:extLst>
+              <a:ext uri="{FF2B5EF4-FFF2-40B4-BE49-F238E27FC236}">
+                <a16:creationId xmlns:a16="http://schemas.microsoft.com/office/drawing/2014/main" id="{E0A60E92-2AEF-B843-8489-37EF750E1FAB}"/>
+              </a:ext>
+            </a:extLst>
+          </p:cNvPr>
+          <p:cNvSpPr txBox="1">
+            <a:spLocks noChangeArrowheads="1"/>
+          </p:cNvSpPr>
+          <p:nvPr/>
+        </p:nvSpPr>
+        <p:spPr bwMode="auto">
+          <a:xfrm>
+            <a:off x="1387158" y="2909633"/>
+            <a:ext cx="1767152" cy="246221"/>
+          </a:xfrm>
+          <a:prstGeom prst="rect">
+            <a:avLst/>
+          </a:prstGeom>
+          <a:noFill/>
+          <a:ln>
+            <a:noFill/>
+          </a:ln>
+          <a:extLst>
+            <a:ext uri="{909E8E84-426E-40DD-AFC4-6F175D3DCCD1}">
+              <a14:hiddenFill xmlns:a14="http://schemas.microsoft.com/office/drawing/2010/main">
+                <a:solidFill>
+                  <a:srgbClr val="FFFFFF"/>
+                </a:solidFill>
+              </a14:hiddenFill>
+            </a:ext>
+            <a:ext uri="{91240B29-F687-4F45-9708-019B960494DF}">
+              <a14:hiddenLine xmlns:a14="http://schemas.microsoft.com/office/drawing/2010/main" w="9525">
+                <a:solidFill>
+                  <a:srgbClr val="000000"/>
+                </a:solidFill>
+                <a:miter lim="800000"/>
+                <a:headEnd/>
+                <a:tailEnd/>
+              </a14:hiddenLine>
+            </a:ext>
+          </a:extLst>
+        </p:spPr>
+        <p:txBody>
+          <a:bodyPr>
+            <a:spAutoFit/>
+          </a:bodyPr>
+          <a:lstStyle>
+            <a:lvl1pPr>
+              <a:defRPr>
+                <a:solidFill>
+                  <a:schemeClr val="tx1"/>
+                </a:solidFill>
+                <a:latin typeface="Calibri" panose="020F0502020204030204" pitchFamily="34" charset="0"/>
+              </a:defRPr>
+            </a:lvl1pPr>
+            <a:lvl2pPr marL="742950" indent="-285750">
+              <a:defRPr>
+                <a:solidFill>
+                  <a:schemeClr val="tx1"/>
+                </a:solidFill>
+                <a:latin typeface="Calibri" panose="020F0502020204030204" pitchFamily="34" charset="0"/>
+              </a:defRPr>
+            </a:lvl2pPr>
+            <a:lvl3pPr marL="1143000" indent="-228600">
+              <a:defRPr>
+                <a:solidFill>
+                  <a:schemeClr val="tx1"/>
+                </a:solidFill>
+                <a:latin typeface="Calibri" panose="020F0502020204030204" pitchFamily="34" charset="0"/>
+              </a:defRPr>
+            </a:lvl3pPr>
+            <a:lvl4pPr marL="1600200" indent="-228600">
+              <a:defRPr>
+                <a:solidFill>
+                  <a:schemeClr val="tx1"/>
+                </a:solidFill>
+                <a:latin typeface="Calibri" panose="020F0502020204030204" pitchFamily="34" charset="0"/>
+              </a:defRPr>
+            </a:lvl4pPr>
+            <a:lvl5pPr marL="2057400" indent="-228600">
+              <a:defRPr>
+                <a:solidFill>
+                  <a:schemeClr val="tx1"/>
+                </a:solidFill>
+                <a:latin typeface="Calibri" panose="020F0502020204030204" pitchFamily="34" charset="0"/>
+              </a:defRPr>
+            </a:lvl5pPr>
+            <a:lvl6pPr marL="2514600" indent="-228600" eaLnBrk="0" fontAlgn="base" hangingPunct="0">
+              <a:spcBef>
+                <a:spcPct val="0"/>
+              </a:spcBef>
+              <a:spcAft>
+                <a:spcPct val="0"/>
+              </a:spcAft>
+              <a:defRPr>
+                <a:solidFill>
+                  <a:schemeClr val="tx1"/>
+                </a:solidFill>
+                <a:latin typeface="Calibri" panose="020F0502020204030204" pitchFamily="34" charset="0"/>
+              </a:defRPr>
+            </a:lvl6pPr>
+            <a:lvl7pPr marL="2971800" indent="-228600" eaLnBrk="0" fontAlgn="base" hangingPunct="0">
+              <a:spcBef>
+                <a:spcPct val="0"/>
+              </a:spcBef>
+              <a:spcAft>
+                <a:spcPct val="0"/>
+              </a:spcAft>
+              <a:defRPr>
+                <a:solidFill>
+                  <a:schemeClr val="tx1"/>
+                </a:solidFill>
+                <a:latin typeface="Calibri" panose="020F0502020204030204" pitchFamily="34" charset="0"/>
+              </a:defRPr>
+            </a:lvl7pPr>
+            <a:lvl8pPr marL="3429000" indent="-228600" eaLnBrk="0" fontAlgn="base" hangingPunct="0">
+              <a:spcBef>
+                <a:spcPct val="0"/>
+              </a:spcBef>
+              <a:spcAft>
+                <a:spcPct val="0"/>
+              </a:spcAft>
+              <a:defRPr>
+                <a:solidFill>
+                  <a:schemeClr val="tx1"/>
+                </a:solidFill>
+                <a:latin typeface="Calibri" panose="020F0502020204030204" pitchFamily="34" charset="0"/>
+              </a:defRPr>
+            </a:lvl8pPr>
+            <a:lvl9pPr marL="3886200" indent="-228600" eaLnBrk="0" fontAlgn="base" hangingPunct="0">
+              <a:spcBef>
+                <a:spcPct val="0"/>
+              </a:spcBef>
+              <a:spcAft>
+                <a:spcPct val="0"/>
+              </a:spcAft>
+              <a:defRPr>
+                <a:solidFill>
+                  <a:schemeClr val="tx1"/>
+                </a:solidFill>
+                <a:latin typeface="Calibri" panose="020F0502020204030204" pitchFamily="34" charset="0"/>
+              </a:defRPr>
+            </a:lvl9pPr>
+          </a:lstStyle>
+          <a:p>
+            <a:pPr marL="0" marR="0" lvl="0" indent="0" algn="ctr" defTabSz="914400" rtl="0" eaLnBrk="1" fontAlgn="base" latinLnBrk="0" hangingPunct="1">
+              <a:lnSpc>
+                <a:spcPct val="100000"/>
+              </a:lnSpc>
+              <a:spcBef>
+                <a:spcPct val="0"/>
+              </a:spcBef>
+              <a:spcAft>
+                <a:spcPct val="0"/>
+              </a:spcAft>
+              <a:buClrTx/>
+              <a:buSzTx/>
+              <a:buFontTx/>
+              <a:buNone/>
+              <a:tabLst/>
+              <a:defRPr/>
+            </a:pPr>
+            <a:r>
+              <a:rPr kumimoji="0" lang="en-US" altLang="en-US" sz="1000" b="0" i="0" u="none" strike="noStrike" kern="1200" cap="none" spc="0" normalizeH="0" baseline="0" noProof="0" dirty="0">
+                <a:ln>
+                  <a:noFill/>
+                </a:ln>
+                <a:solidFill>
+                  <a:srgbClr val="232F3E"/>
+                </a:solidFill>
+                <a:effectLst/>
+                <a:uLnTx/>
+                <a:uFillTx/>
+                <a:latin typeface="Arial" panose="020B0604020202020204" pitchFamily="34" charset="0"/>
+                <a:ea typeface="+mn-ea"/>
+                <a:cs typeface="Arial" panose="020B0604020202020204" pitchFamily="34" charset="0"/>
+              </a:rPr>
+              <a:t>NAT gateway</a:t>
+            </a:r>
+          </a:p>
+        </p:txBody>
+      </p:sp>
+      <p:pic>
+        <p:nvPicPr>
+          <p:cNvPr id="47134" name="Graphic 19">
+            <a:extLst>
+              <a:ext uri="{FF2B5EF4-FFF2-40B4-BE49-F238E27FC236}">
+                <a16:creationId xmlns:a16="http://schemas.microsoft.com/office/drawing/2014/main" id="{42F21C60-77A6-9248-9259-8ECAF066AE7D}"/>
+              </a:ext>
+            </a:extLst>
+          </p:cNvPr>
+          <p:cNvPicPr>
+            <a:picLocks noChangeAspect="1" noChangeArrowheads="1"/>
+          </p:cNvPicPr>
+          <p:nvPr/>
+        </p:nvPicPr>
+        <p:blipFill>
+          <a:blip r:embed="rId3">
+            <a:extLst>
+              <a:ext uri="{28A0092B-C50C-407E-A947-70E740481C1C}">
+                <a14:useLocalDpi xmlns:a14="http://schemas.microsoft.com/office/drawing/2010/main" val="0"/>
+              </a:ext>
+            </a:extLst>
+          </a:blip>
+          <a:srcRect/>
+          <a:stretch>
+            <a:fillRect/>
+          </a:stretch>
+        </p:blipFill>
+        <p:spPr bwMode="auto">
+          <a:xfrm>
+            <a:off x="3119042" y="4116232"/>
+            <a:ext cx="405603" cy="405603"/>
+          </a:xfrm>
+          <a:prstGeom prst="rect">
+            <a:avLst/>
+          </a:prstGeom>
+          <a:noFill/>
+          <a:ln>
+            <a:noFill/>
+          </a:ln>
+          <a:extLst>
+            <a:ext uri="{909E8E84-426E-40DD-AFC4-6F175D3DCCD1}">
+              <a14:hiddenFill xmlns:a14="http://schemas.microsoft.com/office/drawing/2010/main">
+                <a:solidFill>
+                  <a:srgbClr val="FFFFFF"/>
+                </a:solidFill>
+              </a14:hiddenFill>
+            </a:ext>
+            <a:ext uri="{91240B29-F687-4F45-9708-019B960494DF}">
+              <a14:hiddenLine xmlns:a14="http://schemas.microsoft.com/office/drawing/2010/main" w="9525">
+                <a:solidFill>
+                  <a:srgbClr val="000000"/>
+                </a:solidFill>
+                <a:miter lim="800000"/>
+                <a:headEnd/>
+                <a:tailEnd/>
+              </a14:hiddenLine>
+            </a:ext>
+          </a:extLst>
+        </p:spPr>
+      </p:pic>
+      <p:sp>
+        <p:nvSpPr>
+          <p:cNvPr id="47135" name="TextBox 20">
+            <a:extLst>
+              <a:ext uri="{FF2B5EF4-FFF2-40B4-BE49-F238E27FC236}">
+                <a16:creationId xmlns:a16="http://schemas.microsoft.com/office/drawing/2014/main" id="{FA8353D6-92A2-D244-A9C3-D865AA88417A}"/>
+              </a:ext>
+            </a:extLst>
+          </p:cNvPr>
+          <p:cNvSpPr txBox="1">
+            <a:spLocks noChangeArrowheads="1"/>
+          </p:cNvSpPr>
+          <p:nvPr/>
+        </p:nvSpPr>
+        <p:spPr bwMode="auto">
+          <a:xfrm>
+            <a:off x="2695130" y="4532494"/>
+            <a:ext cx="1307913" cy="246221"/>
+          </a:xfrm>
+          <a:prstGeom prst="rect">
+            <a:avLst/>
+          </a:prstGeom>
+          <a:noFill/>
+          <a:ln>
+            <a:noFill/>
+          </a:ln>
+          <a:extLst>
+            <a:ext uri="{909E8E84-426E-40DD-AFC4-6F175D3DCCD1}">
+              <a14:hiddenFill xmlns:a14="http://schemas.microsoft.com/office/drawing/2010/main">
+                <a:solidFill>
+                  <a:srgbClr val="FFFFFF"/>
+                </a:solidFill>
+              </a14:hiddenFill>
+            </a:ext>
+            <a:ext uri="{91240B29-F687-4F45-9708-019B960494DF}">
+              <a14:hiddenLine xmlns:a14="http://schemas.microsoft.com/office/drawing/2010/main" w="9525">
+                <a:solidFill>
+                  <a:srgbClr val="000000"/>
+                </a:solidFill>
+                <a:miter lim="800000"/>
+                <a:headEnd/>
+                <a:tailEnd/>
+              </a14:hiddenLine>
+            </a:ext>
+          </a:extLst>
+        </p:spPr>
+        <p:txBody>
+          <a:bodyPr wrap="square">
+            <a:spAutoFit/>
+          </a:bodyPr>
+          <a:lstStyle>
+            <a:lvl1pPr>
+              <a:defRPr>
+                <a:solidFill>
+                  <a:schemeClr val="tx1"/>
+                </a:solidFill>
+                <a:latin typeface="Calibri" panose="020F0502020204030204" pitchFamily="34" charset="0"/>
+              </a:defRPr>
+            </a:lvl1pPr>
+            <a:lvl2pPr marL="742950" indent="-285750">
+              <a:defRPr>
+                <a:solidFill>
+                  <a:schemeClr val="tx1"/>
+                </a:solidFill>
+                <a:latin typeface="Calibri" panose="020F0502020204030204" pitchFamily="34" charset="0"/>
+              </a:defRPr>
+            </a:lvl2pPr>
+            <a:lvl3pPr marL="1143000" indent="-228600">
+              <a:defRPr>
+                <a:solidFill>
+                  <a:schemeClr val="tx1"/>
+                </a:solidFill>
+                <a:latin typeface="Calibri" panose="020F0502020204030204" pitchFamily="34" charset="0"/>
+              </a:defRPr>
+            </a:lvl3pPr>
+            <a:lvl4pPr marL="1600200" indent="-228600">
+              <a:defRPr>
+                <a:solidFill>
+                  <a:schemeClr val="tx1"/>
+                </a:solidFill>
+                <a:latin typeface="Calibri" panose="020F0502020204030204" pitchFamily="34" charset="0"/>
+              </a:defRPr>
+            </a:lvl4pPr>
+            <a:lvl5pPr marL="2057400" indent="-228600">
+              <a:defRPr>
+                <a:solidFill>
+                  <a:schemeClr val="tx1"/>
+                </a:solidFill>
+                <a:latin typeface="Calibri" panose="020F0502020204030204" pitchFamily="34" charset="0"/>
+              </a:defRPr>
+            </a:lvl5pPr>
+            <a:lvl6pPr marL="2514600" indent="-228600" eaLnBrk="0" fontAlgn="base" hangingPunct="0">
+              <a:spcBef>
+                <a:spcPct val="0"/>
+              </a:spcBef>
+              <a:spcAft>
+                <a:spcPct val="0"/>
+              </a:spcAft>
+              <a:defRPr>
+                <a:solidFill>
+                  <a:schemeClr val="tx1"/>
+                </a:solidFill>
+                <a:latin typeface="Calibri" panose="020F0502020204030204" pitchFamily="34" charset="0"/>
+              </a:defRPr>
+            </a:lvl6pPr>
+            <a:lvl7pPr marL="2971800" indent="-228600" eaLnBrk="0" fontAlgn="base" hangingPunct="0">
+              <a:spcBef>
+                <a:spcPct val="0"/>
+              </a:spcBef>
+              <a:spcAft>
+                <a:spcPct val="0"/>
+              </a:spcAft>
+              <a:defRPr>
+                <a:solidFill>
+                  <a:schemeClr val="tx1"/>
+                </a:solidFill>
+                <a:latin typeface="Calibri" panose="020F0502020204030204" pitchFamily="34" charset="0"/>
+              </a:defRPr>
+            </a:lvl7pPr>
+            <a:lvl8pPr marL="3429000" indent="-228600" eaLnBrk="0" fontAlgn="base" hangingPunct="0">
+              <a:spcBef>
+                <a:spcPct val="0"/>
+              </a:spcBef>
+              <a:spcAft>
+                <a:spcPct val="0"/>
+              </a:spcAft>
+              <a:defRPr>
+                <a:solidFill>
+                  <a:schemeClr val="tx1"/>
+                </a:solidFill>
+                <a:latin typeface="Calibri" panose="020F0502020204030204" pitchFamily="34" charset="0"/>
+              </a:defRPr>
+            </a:lvl8pPr>
+            <a:lvl9pPr marL="3886200" indent="-228600" eaLnBrk="0" fontAlgn="base" hangingPunct="0">
+              <a:spcBef>
+                <a:spcPct val="0"/>
+              </a:spcBef>
+              <a:spcAft>
+                <a:spcPct val="0"/>
+              </a:spcAft>
+              <a:defRPr>
+                <a:solidFill>
+                  <a:schemeClr val="tx1"/>
+                </a:solidFill>
+                <a:latin typeface="Calibri" panose="020F0502020204030204" pitchFamily="34" charset="0"/>
+              </a:defRPr>
+            </a:lvl9pPr>
+          </a:lstStyle>
+          <a:p>
+            <a:pPr marL="0" marR="0" lvl="0" indent="0" algn="ctr" defTabSz="914400" rtl="0" eaLnBrk="1" fontAlgn="base" latinLnBrk="0" hangingPunct="1">
+              <a:lnSpc>
+                <a:spcPct val="100000"/>
+              </a:lnSpc>
+              <a:spcBef>
+                <a:spcPct val="0"/>
+              </a:spcBef>
+              <a:spcAft>
+                <a:spcPct val="0"/>
+              </a:spcAft>
+              <a:buClrTx/>
+              <a:buSzTx/>
+              <a:buFontTx/>
+              <a:buNone/>
+              <a:tabLst/>
+              <a:defRPr/>
+            </a:pPr>
+            <a:r>
+              <a:rPr kumimoji="0" lang="en-US" altLang="en-US" sz="1000" b="0" i="0" u="none" strike="noStrike" kern="1200" cap="none" spc="0" normalizeH="0" baseline="0" noProof="0" dirty="0">
+                <a:ln>
+                  <a:noFill/>
+                </a:ln>
+                <a:solidFill>
+                  <a:srgbClr val="232F3E"/>
+                </a:solidFill>
+                <a:effectLst/>
+                <a:uLnTx/>
+                <a:uFillTx/>
+                <a:latin typeface="Arial" panose="020B0604020202020204" pitchFamily="34" charset="0"/>
+                <a:ea typeface="+mn-ea"/>
+                <a:cs typeface="Arial" panose="020B0604020202020204" pitchFamily="34" charset="0"/>
+              </a:rPr>
+              <a:t>RADIUS Server</a:t>
+            </a:r>
+          </a:p>
+        </p:txBody>
+      </p:sp>
+      <p:pic>
+        <p:nvPicPr>
+          <p:cNvPr id="38" name="Graphic 37">
+            <a:extLst>
+              <a:ext uri="{FF2B5EF4-FFF2-40B4-BE49-F238E27FC236}">
+                <a16:creationId xmlns:a16="http://schemas.microsoft.com/office/drawing/2014/main" id="{D78ED6D3-1731-8249-BC37-43C145C98833}"/>
+              </a:ext>
+            </a:extLst>
+          </p:cNvPr>
+          <p:cNvPicPr>
+            <a:picLocks noChangeAspect="1"/>
+          </p:cNvPicPr>
+          <p:nvPr/>
+        </p:nvPicPr>
+        <p:blipFill>
+          <a:blip r:embed="rId4">
+            <a:extLst>
+              <a:ext uri="{96DAC541-7B7A-43D3-8B79-37D633B846F1}">
+                <asvg:svgBlip xmlns:asvg="http://schemas.microsoft.com/office/drawing/2016/SVG/main" r:embed="rId5"/>
+              </a:ext>
+            </a:extLst>
+          </a:blip>
+          <a:srcRect/>
+          <a:stretch/>
+        </p:blipFill>
+        <p:spPr>
+          <a:xfrm>
+            <a:off x="241300" y="546496"/>
+            <a:ext cx="381000" cy="381000"/>
+          </a:xfrm>
+          <a:prstGeom prst="rect">
+            <a:avLst/>
+          </a:prstGeom>
+        </p:spPr>
+      </p:pic>
+      <p:pic>
+        <p:nvPicPr>
+          <p:cNvPr id="39" name="Graphic 38">
+            <a:extLst>
+              <a:ext uri="{FF2B5EF4-FFF2-40B4-BE49-F238E27FC236}">
+                <a16:creationId xmlns:a16="http://schemas.microsoft.com/office/drawing/2014/main" id="{ED425F82-30BD-E14D-A2A7-09E58EE65749}"/>
+              </a:ext>
+            </a:extLst>
+          </p:cNvPr>
+          <p:cNvPicPr>
+            <a:picLocks noChangeAspect="1"/>
+          </p:cNvPicPr>
+          <p:nvPr/>
+        </p:nvPicPr>
+        <p:blipFill>
+          <a:blip r:embed="rId6">
+            <a:extLst>
+              <a:ext uri="{96DAC541-7B7A-43D3-8B79-37D633B846F1}">
+                <asvg:svgBlip xmlns:asvg="http://schemas.microsoft.com/office/drawing/2016/SVG/main" r:embed="rId7"/>
+              </a:ext>
+            </a:extLst>
+          </a:blip>
+          <a:stretch>
+            <a:fillRect/>
+          </a:stretch>
+        </p:blipFill>
+        <p:spPr>
+          <a:xfrm>
+            <a:off x="512618" y="1725184"/>
+            <a:ext cx="381000" cy="381000"/>
+          </a:xfrm>
+          <a:prstGeom prst="rect">
+            <a:avLst/>
+          </a:prstGeom>
+        </p:spPr>
+      </p:pic>
+      <p:sp>
+        <p:nvSpPr>
+          <p:cNvPr id="44" name="Rectangle 43">
+            <a:extLst>
+              <a:ext uri="{FF2B5EF4-FFF2-40B4-BE49-F238E27FC236}">
+                <a16:creationId xmlns:a16="http://schemas.microsoft.com/office/drawing/2014/main" id="{4537C86D-7502-434C-AB1C-77DB11C905B6}"/>
+              </a:ext>
+            </a:extLst>
+          </p:cNvPr>
+          <p:cNvSpPr/>
+          <p:nvPr/>
+        </p:nvSpPr>
+        <p:spPr>
+          <a:xfrm>
+            <a:off x="301625" y="1025236"/>
+            <a:ext cx="11588749" cy="4904509"/>
+          </a:xfrm>
+          <a:prstGeom prst="rect">
+            <a:avLst/>
+          </a:prstGeom>
+          <a:noFill/>
+          <a:ln w="12700">
+            <a:solidFill>
+              <a:srgbClr val="5B9CD5"/>
+            </a:solidFill>
+            <a:prstDash val="sysDash"/>
+          </a:ln>
+        </p:spPr>
+        <p:style>
+          <a:lnRef idx="2">
+            <a:schemeClr val="accent1">
+              <a:shade val="50000"/>
+            </a:schemeClr>
+          </a:lnRef>
+          <a:fillRef idx="1">
+            <a:schemeClr val="accent1"/>
+          </a:fillRef>
+          <a:effectRef idx="0">
+            <a:schemeClr val="accent1"/>
+          </a:effectRef>
+          <a:fontRef idx="minor">
+            <a:schemeClr val="lt1"/>
+          </a:fontRef>
+        </p:style>
+        <p:txBody>
+          <a:bodyPr lIns="502920" tIns="91440"/>
+          <a:lstStyle/>
+          <a:p>
+            <a:pPr eaLnBrk="1" fontAlgn="auto" hangingPunct="1">
+              <a:spcBef>
+                <a:spcPts val="0"/>
+              </a:spcBef>
+              <a:spcAft>
+                <a:spcPts val="0"/>
+              </a:spcAft>
+              <a:defRPr/>
+            </a:pPr>
+            <a:r>
+              <a:rPr lang="en-US" sz="1200" dirty="0">
+                <a:solidFill>
+                  <a:srgbClr val="5B9CD5"/>
+                </a:solidFill>
+                <a:latin typeface="Arial" panose="020B0604020202020204" pitchFamily="34" charset="0"/>
+                <a:cs typeface="Arial" panose="020B0604020202020204" pitchFamily="34" charset="0"/>
+              </a:rPr>
+              <a:t>Region</a:t>
+            </a:r>
+          </a:p>
+        </p:txBody>
+      </p:sp>
+      <p:pic>
+        <p:nvPicPr>
+          <p:cNvPr id="46" name="Graphic 45">
+            <a:extLst>
+              <a:ext uri="{FF2B5EF4-FFF2-40B4-BE49-F238E27FC236}">
+                <a16:creationId xmlns:a16="http://schemas.microsoft.com/office/drawing/2014/main" id="{3BD774D2-D444-9F41-8C2D-95BD2DA8A293}"/>
+              </a:ext>
+            </a:extLst>
+          </p:cNvPr>
+          <p:cNvPicPr>
+            <a:picLocks noChangeAspect="1"/>
+          </p:cNvPicPr>
+          <p:nvPr/>
+        </p:nvPicPr>
+        <p:blipFill>
+          <a:blip r:embed="rId8">
+            <a:extLst>
+              <a:ext uri="{96DAC541-7B7A-43D3-8B79-37D633B846F1}">
+                <asvg:svgBlip xmlns:asvg="http://schemas.microsoft.com/office/drawing/2016/SVG/main" r:embed="rId9"/>
+              </a:ext>
+            </a:extLst>
+          </a:blip>
+          <a:stretch>
+            <a:fillRect/>
+          </a:stretch>
+        </p:blipFill>
+        <p:spPr>
+          <a:xfrm>
+            <a:off x="301625" y="1038621"/>
+            <a:ext cx="381000" cy="381000"/>
+          </a:xfrm>
+          <a:prstGeom prst="rect">
+            <a:avLst/>
+          </a:prstGeom>
+        </p:spPr>
+      </p:pic>
+      <p:pic>
+        <p:nvPicPr>
+          <p:cNvPr id="49" name="Graphic 48">
+            <a:extLst>
+              <a:ext uri="{FF2B5EF4-FFF2-40B4-BE49-F238E27FC236}">
+                <a16:creationId xmlns:a16="http://schemas.microsoft.com/office/drawing/2014/main" id="{F88FDB8F-EE69-CA4C-BA7D-77D1617E7A7A}"/>
+              </a:ext>
+            </a:extLst>
+          </p:cNvPr>
+          <p:cNvPicPr>
+            <a:picLocks noChangeAspect="1"/>
+          </p:cNvPicPr>
+          <p:nvPr/>
+        </p:nvPicPr>
+        <p:blipFill>
+          <a:blip r:embed="rId10">
+            <a:extLst>
+              <a:ext uri="{96DAC541-7B7A-43D3-8B79-37D633B846F1}">
+                <asvg:svgBlip xmlns:asvg="http://schemas.microsoft.com/office/drawing/2016/SVG/main" r:embed="rId11"/>
+              </a:ext>
+            </a:extLst>
+          </a:blip>
+          <a:stretch>
+            <a:fillRect/>
+          </a:stretch>
+        </p:blipFill>
+        <p:spPr>
+          <a:xfrm>
+            <a:off x="1060220" y="2094594"/>
+            <a:ext cx="295194" cy="295194"/>
+          </a:xfrm>
+          <a:prstGeom prst="rect">
+            <a:avLst/>
+          </a:prstGeom>
+        </p:spPr>
+      </p:pic>
+      <p:pic>
+        <p:nvPicPr>
+          <p:cNvPr id="50" name="Graphic 49">
+            <a:extLst>
+              <a:ext uri="{FF2B5EF4-FFF2-40B4-BE49-F238E27FC236}">
+                <a16:creationId xmlns:a16="http://schemas.microsoft.com/office/drawing/2014/main" id="{99CEE759-5B3C-F34D-A7E1-8309D1A608E9}"/>
+              </a:ext>
+            </a:extLst>
+          </p:cNvPr>
+          <p:cNvPicPr>
+            <a:picLocks noChangeAspect="1"/>
+          </p:cNvPicPr>
+          <p:nvPr/>
+        </p:nvPicPr>
+        <p:blipFill>
+          <a:blip r:embed="rId12">
+            <a:extLst>
+              <a:ext uri="{96DAC541-7B7A-43D3-8B79-37D633B846F1}">
+                <asvg:svgBlip xmlns:asvg="http://schemas.microsoft.com/office/drawing/2016/SVG/main" r:embed="rId13"/>
+              </a:ext>
+            </a:extLst>
+          </a:blip>
+          <a:stretch>
+            <a:fillRect/>
+          </a:stretch>
+        </p:blipFill>
+        <p:spPr>
+          <a:xfrm>
+            <a:off x="1049425" y="3489581"/>
+            <a:ext cx="381000" cy="381000"/>
+          </a:xfrm>
+          <a:prstGeom prst="rect">
+            <a:avLst/>
+          </a:prstGeom>
+        </p:spPr>
+      </p:pic>
+      <p:pic>
+        <p:nvPicPr>
+          <p:cNvPr id="53" name="Graphic 19">
+            <a:extLst>
+              <a:ext uri="{FF2B5EF4-FFF2-40B4-BE49-F238E27FC236}">
+                <a16:creationId xmlns:a16="http://schemas.microsoft.com/office/drawing/2014/main" id="{749A2ACC-557D-B544-BA01-8F8BCA057FF9}"/>
+              </a:ext>
+            </a:extLst>
+          </p:cNvPr>
+          <p:cNvPicPr>
+            <a:picLocks noChangeAspect="1" noChangeArrowheads="1"/>
+          </p:cNvPicPr>
+          <p:nvPr/>
+        </p:nvPicPr>
+        <p:blipFill>
+          <a:blip r:embed="rId14">
+            <a:extLst>
+              <a:ext uri="{28A0092B-C50C-407E-A947-70E740481C1C}">
+                <a14:useLocalDpi xmlns:a14="http://schemas.microsoft.com/office/drawing/2010/main" val="0"/>
+              </a:ext>
+            </a:extLst>
+          </a:blip>
+          <a:srcRect/>
+          <a:stretch>
+            <a:fillRect/>
+          </a:stretch>
+        </p:blipFill>
+        <p:spPr bwMode="auto">
+          <a:xfrm flipH="1">
+            <a:off x="2772091" y="4901391"/>
+            <a:ext cx="423290" cy="423290"/>
+          </a:xfrm>
+          <a:prstGeom prst="rect">
+            <a:avLst/>
+          </a:prstGeom>
+          <a:noFill/>
+          <a:ln>
+            <a:noFill/>
+          </a:ln>
+          <a:extLst>
+            <a:ext uri="{909E8E84-426E-40DD-AFC4-6F175D3DCCD1}">
+              <a14:hiddenFill xmlns:a14="http://schemas.microsoft.com/office/drawing/2010/main">
+                <a:solidFill>
+                  <a:srgbClr val="FFFFFF"/>
+                </a:solidFill>
+              </a14:hiddenFill>
+            </a:ext>
+            <a:ext uri="{91240B29-F687-4F45-9708-019B960494DF}">
+              <a14:hiddenLine xmlns:a14="http://schemas.microsoft.com/office/drawing/2010/main" w="9525">
+                <a:solidFill>
+                  <a:srgbClr val="000000"/>
+                </a:solidFill>
+                <a:miter lim="800000"/>
+                <a:headEnd/>
+                <a:tailEnd/>
+              </a14:hiddenLine>
+            </a:ext>
+          </a:extLst>
+        </p:spPr>
+      </p:pic>
+      <p:sp>
+        <p:nvSpPr>
+          <p:cNvPr id="54" name="TextBox 11">
+            <a:extLst>
+              <a:ext uri="{FF2B5EF4-FFF2-40B4-BE49-F238E27FC236}">
+                <a16:creationId xmlns:a16="http://schemas.microsoft.com/office/drawing/2014/main" id="{EAB96A6D-25B1-6F41-B613-63A853A15E9B}"/>
+              </a:ext>
+            </a:extLst>
+          </p:cNvPr>
+          <p:cNvSpPr txBox="1">
+            <a:spLocks noChangeArrowheads="1"/>
+          </p:cNvSpPr>
+          <p:nvPr/>
+        </p:nvSpPr>
+        <p:spPr bwMode="auto">
+          <a:xfrm>
+            <a:off x="2508852" y="5256954"/>
+            <a:ext cx="1426220" cy="400110"/>
+          </a:xfrm>
+          <a:prstGeom prst="rect">
+            <a:avLst/>
+          </a:prstGeom>
+          <a:noFill/>
+          <a:ln>
+            <a:noFill/>
+          </a:ln>
+          <a:extLst>
+            <a:ext uri="{909E8E84-426E-40DD-AFC4-6F175D3DCCD1}">
+              <a14:hiddenFill xmlns:a14="http://schemas.microsoft.com/office/drawing/2010/main">
+                <a:solidFill>
+                  <a:srgbClr val="FFFFFF"/>
+                </a:solidFill>
+              </a14:hiddenFill>
+            </a:ext>
+            <a:ext uri="{91240B29-F687-4F45-9708-019B960494DF}">
+              <a14:hiddenLine xmlns:a14="http://schemas.microsoft.com/office/drawing/2010/main" w="9525">
+                <a:solidFill>
+                  <a:srgbClr val="000000"/>
+                </a:solidFill>
+                <a:miter lim="800000"/>
+                <a:headEnd/>
+                <a:tailEnd/>
+              </a14:hiddenLine>
+            </a:ext>
+          </a:extLst>
+        </p:spPr>
+        <p:txBody>
+          <a:bodyPr wrap="square">
+            <a:spAutoFit/>
+          </a:bodyPr>
+          <a:lstStyle>
+            <a:lvl1pPr>
+              <a:defRPr>
+                <a:solidFill>
+                  <a:schemeClr val="tx1"/>
+                </a:solidFill>
+                <a:latin typeface="Calibri" panose="020F0502020204030204" pitchFamily="34" charset="0"/>
+              </a:defRPr>
+            </a:lvl1pPr>
+            <a:lvl2pPr marL="742950" indent="-285750">
+              <a:defRPr>
+                <a:solidFill>
+                  <a:schemeClr val="tx1"/>
+                </a:solidFill>
+                <a:latin typeface="Calibri" panose="020F0502020204030204" pitchFamily="34" charset="0"/>
+              </a:defRPr>
+            </a:lvl2pPr>
+            <a:lvl3pPr marL="1143000" indent="-228600">
+              <a:defRPr>
+                <a:solidFill>
+                  <a:schemeClr val="tx1"/>
+                </a:solidFill>
+                <a:latin typeface="Calibri" panose="020F0502020204030204" pitchFamily="34" charset="0"/>
+              </a:defRPr>
+            </a:lvl3pPr>
+            <a:lvl4pPr marL="1600200" indent="-228600">
+              <a:defRPr>
+                <a:solidFill>
+                  <a:schemeClr val="tx1"/>
+                </a:solidFill>
+                <a:latin typeface="Calibri" panose="020F0502020204030204" pitchFamily="34" charset="0"/>
+              </a:defRPr>
+            </a:lvl4pPr>
+            <a:lvl5pPr marL="2057400" indent="-228600">
+              <a:defRPr>
+                <a:solidFill>
+                  <a:schemeClr val="tx1"/>
+                </a:solidFill>
+                <a:latin typeface="Calibri" panose="020F0502020204030204" pitchFamily="34" charset="0"/>
+              </a:defRPr>
+            </a:lvl5pPr>
+            <a:lvl6pPr marL="2514600" indent="-228600" eaLnBrk="0" fontAlgn="base" hangingPunct="0">
+              <a:spcBef>
+                <a:spcPct val="0"/>
+              </a:spcBef>
+              <a:spcAft>
+                <a:spcPct val="0"/>
+              </a:spcAft>
+              <a:defRPr>
+                <a:solidFill>
+                  <a:schemeClr val="tx1"/>
+                </a:solidFill>
+                <a:latin typeface="Calibri" panose="020F0502020204030204" pitchFamily="34" charset="0"/>
+              </a:defRPr>
+            </a:lvl6pPr>
+            <a:lvl7pPr marL="2971800" indent="-228600" eaLnBrk="0" fontAlgn="base" hangingPunct="0">
+              <a:spcBef>
+                <a:spcPct val="0"/>
+              </a:spcBef>
+              <a:spcAft>
+                <a:spcPct val="0"/>
+              </a:spcAft>
+              <a:defRPr>
+                <a:solidFill>
+                  <a:schemeClr val="tx1"/>
+                </a:solidFill>
+                <a:latin typeface="Calibri" panose="020F0502020204030204" pitchFamily="34" charset="0"/>
+              </a:defRPr>
+            </a:lvl7pPr>
+            <a:lvl8pPr marL="3429000" indent="-228600" eaLnBrk="0" fontAlgn="base" hangingPunct="0">
+              <a:spcBef>
+                <a:spcPct val="0"/>
+              </a:spcBef>
+              <a:spcAft>
+                <a:spcPct val="0"/>
+              </a:spcAft>
+              <a:defRPr>
+                <a:solidFill>
+                  <a:schemeClr val="tx1"/>
+                </a:solidFill>
+                <a:latin typeface="Calibri" panose="020F0502020204030204" pitchFamily="34" charset="0"/>
+              </a:defRPr>
+            </a:lvl8pPr>
+            <a:lvl9pPr marL="3886200" indent="-228600" eaLnBrk="0" fontAlgn="base" hangingPunct="0">
+              <a:spcBef>
+                <a:spcPct val="0"/>
+              </a:spcBef>
+              <a:spcAft>
+                <a:spcPct val="0"/>
+              </a:spcAft>
+              <a:defRPr>
+                <a:solidFill>
+                  <a:schemeClr val="tx1"/>
+                </a:solidFill>
+                <a:latin typeface="Calibri" panose="020F0502020204030204" pitchFamily="34" charset="0"/>
+              </a:defRPr>
+            </a:lvl9pPr>
+          </a:lstStyle>
+          <a:p>
+            <a:pPr algn="ctr" eaLnBrk="1" hangingPunct="1"/>
+            <a:r>
+              <a:rPr lang="en-US" altLang="en-US" sz="1000" dirty="0">
+                <a:latin typeface="Arial" panose="020B0604020202020204" pitchFamily="34" charset="0"/>
+                <a:ea typeface="Amazon Ember" panose="020B0603020204020204" pitchFamily="34" charset="0"/>
+                <a:cs typeface="Arial" panose="020B0604020202020204" pitchFamily="34" charset="0"/>
+              </a:rPr>
+              <a:t>Amazon </a:t>
+            </a:r>
+          </a:p>
+          <a:p>
+            <a:pPr algn="ctr" eaLnBrk="1" hangingPunct="1"/>
+            <a:r>
+              <a:rPr lang="en-US" altLang="en-US" sz="1000" dirty="0">
+                <a:latin typeface="Arial" panose="020B0604020202020204" pitchFamily="34" charset="0"/>
+                <a:ea typeface="Amazon Ember" panose="020B0603020204020204" pitchFamily="34" charset="0"/>
+                <a:cs typeface="Arial" panose="020B0604020202020204" pitchFamily="34" charset="0"/>
+              </a:rPr>
+              <a:t>WorkSpaces</a:t>
+            </a:r>
+          </a:p>
+        </p:txBody>
+      </p:sp>
+      <p:sp>
+        <p:nvSpPr>
+          <p:cNvPr id="56" name="Rectangle 55">
+            <a:extLst>
+              <a:ext uri="{FF2B5EF4-FFF2-40B4-BE49-F238E27FC236}">
+                <a16:creationId xmlns:a16="http://schemas.microsoft.com/office/drawing/2014/main" id="{2BD351F1-3F5B-144D-A3CB-8114C507BB78}"/>
+              </a:ext>
+            </a:extLst>
+          </p:cNvPr>
+          <p:cNvSpPr/>
+          <p:nvPr/>
+        </p:nvSpPr>
+        <p:spPr>
+          <a:xfrm>
+            <a:off x="7205675" y="3449247"/>
+            <a:ext cx="2760031" cy="2192629"/>
+          </a:xfrm>
+          <a:prstGeom prst="rect">
+            <a:avLst/>
+          </a:prstGeom>
+          <a:solidFill>
+            <a:srgbClr val="007CBC">
+              <a:alpha val="9804"/>
+            </a:srgbClr>
+          </a:solidFill>
+          <a:ln w="12700">
+            <a:noFill/>
+            <a:prstDash val="dash"/>
+          </a:ln>
+        </p:spPr>
+        <p:style>
+          <a:lnRef idx="2">
+            <a:schemeClr val="accent1">
+              <a:shade val="50000"/>
+            </a:schemeClr>
+          </a:lnRef>
+          <a:fillRef idx="1">
+            <a:schemeClr val="accent1"/>
+          </a:fillRef>
+          <a:effectRef idx="0">
+            <a:schemeClr val="accent1"/>
+          </a:effectRef>
+          <a:fontRef idx="minor">
+            <a:schemeClr val="lt1"/>
+          </a:fontRef>
+        </p:style>
+        <p:txBody>
+          <a:bodyPr lIns="502920"/>
+          <a:lstStyle/>
+          <a:p>
+            <a:pPr eaLnBrk="1" fontAlgn="auto" hangingPunct="1">
+              <a:spcBef>
+                <a:spcPts val="0"/>
+              </a:spcBef>
+              <a:spcAft>
+                <a:spcPts val="0"/>
+              </a:spcAft>
+              <a:defRPr/>
+            </a:pPr>
+            <a:r>
+              <a:rPr lang="en-US" sz="1200" dirty="0">
+                <a:solidFill>
+                  <a:srgbClr val="5B9CD5"/>
+                </a:solidFill>
+                <a:latin typeface="Arial" panose="020B0604020202020204" pitchFamily="34" charset="0"/>
+                <a:cs typeface="Arial" panose="020B0604020202020204" pitchFamily="34" charset="0"/>
+              </a:rPr>
+              <a:t>Private subnet</a:t>
+            </a:r>
+          </a:p>
+        </p:txBody>
+      </p:sp>
+      <p:sp>
+        <p:nvSpPr>
+          <p:cNvPr id="57" name="Rectangle 56">
+            <a:extLst>
+              <a:ext uri="{FF2B5EF4-FFF2-40B4-BE49-F238E27FC236}">
+                <a16:creationId xmlns:a16="http://schemas.microsoft.com/office/drawing/2014/main" id="{0BD21FFD-C80D-A74F-8C33-DF6266EEE923}"/>
+              </a:ext>
+            </a:extLst>
+          </p:cNvPr>
+          <p:cNvSpPr/>
+          <p:nvPr/>
+        </p:nvSpPr>
+        <p:spPr>
+          <a:xfrm>
+            <a:off x="7202358" y="1963766"/>
+            <a:ext cx="2763348" cy="1343616"/>
+          </a:xfrm>
+          <a:prstGeom prst="rect">
+            <a:avLst/>
+          </a:prstGeom>
+          <a:solidFill>
+            <a:srgbClr val="1D8900">
+              <a:alpha val="9804"/>
+            </a:srgbClr>
+          </a:solidFill>
+          <a:ln w="12700">
+            <a:noFill/>
+            <a:prstDash val="dash"/>
+          </a:ln>
+        </p:spPr>
+        <p:style>
+          <a:lnRef idx="2">
+            <a:schemeClr val="accent1">
+              <a:shade val="50000"/>
+            </a:schemeClr>
+          </a:lnRef>
+          <a:fillRef idx="1">
+            <a:schemeClr val="accent1"/>
+          </a:fillRef>
+          <a:effectRef idx="0">
+            <a:schemeClr val="accent1"/>
+          </a:effectRef>
+          <a:fontRef idx="minor">
+            <a:schemeClr val="lt1"/>
+          </a:fontRef>
+        </p:style>
+        <p:txBody>
+          <a:bodyPr lIns="502920"/>
+          <a:lstStyle/>
+          <a:p>
+            <a:pPr eaLnBrk="1" fontAlgn="auto" hangingPunct="1">
+              <a:spcBef>
+                <a:spcPts val="0"/>
+              </a:spcBef>
+              <a:spcAft>
+                <a:spcPts val="0"/>
+              </a:spcAft>
+              <a:defRPr/>
+            </a:pPr>
+            <a:r>
+              <a:rPr lang="en-US" sz="1200" dirty="0">
+                <a:solidFill>
+                  <a:srgbClr val="1E8900"/>
+                </a:solidFill>
+                <a:latin typeface="Arial" panose="020B0604020202020204" pitchFamily="34" charset="0"/>
+                <a:cs typeface="Arial" panose="020B0604020202020204" pitchFamily="34" charset="0"/>
+              </a:rPr>
+              <a:t>Public subnet</a:t>
+            </a:r>
+          </a:p>
+        </p:txBody>
+      </p:sp>
+      <p:sp>
+        <p:nvSpPr>
+          <p:cNvPr id="58" name="Rectangle 57">
+            <a:extLst>
+              <a:ext uri="{FF2B5EF4-FFF2-40B4-BE49-F238E27FC236}">
+                <a16:creationId xmlns:a16="http://schemas.microsoft.com/office/drawing/2014/main" id="{A67CB6E5-FED0-1643-95C9-597CDFECC02A}"/>
+              </a:ext>
+            </a:extLst>
+          </p:cNvPr>
+          <p:cNvSpPr/>
+          <p:nvPr/>
+        </p:nvSpPr>
+        <p:spPr bwMode="auto">
+          <a:xfrm>
+            <a:off x="7144683" y="1419621"/>
+            <a:ext cx="2962812" cy="4413143"/>
+          </a:xfrm>
+          <a:prstGeom prst="rect">
+            <a:avLst/>
+          </a:prstGeom>
+          <a:noFill/>
+          <a:ln w="12700">
+            <a:solidFill>
+              <a:srgbClr val="5B9CD5"/>
+            </a:solidFill>
+            <a:prstDash val="dash"/>
+          </a:ln>
+        </p:spPr>
+        <p:style>
+          <a:lnRef idx="2">
+            <a:schemeClr val="accent1">
+              <a:shade val="50000"/>
+            </a:schemeClr>
+          </a:lnRef>
+          <a:fillRef idx="1">
+            <a:schemeClr val="accent1"/>
+          </a:fillRef>
+          <a:effectRef idx="0">
+            <a:schemeClr val="accent1"/>
+          </a:effectRef>
+          <a:fontRef idx="minor">
+            <a:schemeClr val="lt1"/>
+          </a:fontRef>
+        </p:style>
+        <p:txBody>
+          <a:bodyPr tIns="91440"/>
+          <a:lstStyle/>
+          <a:p>
+            <a:pPr marL="0" marR="0" lvl="0" indent="0" algn="ctr" defTabSz="914400" rtl="0" eaLnBrk="1" fontAlgn="auto" latinLnBrk="0" hangingPunct="1">
+              <a:lnSpc>
+                <a:spcPct val="100000"/>
+              </a:lnSpc>
+              <a:spcBef>
+                <a:spcPts val="0"/>
+              </a:spcBef>
+              <a:spcAft>
+                <a:spcPts val="0"/>
+              </a:spcAft>
+              <a:buClrTx/>
+              <a:buSzTx/>
+              <a:buFontTx/>
+              <a:buNone/>
+              <a:tabLst/>
+              <a:defRPr/>
+            </a:pPr>
+            <a:r>
+              <a:rPr kumimoji="0" lang="en-US" sz="1200" b="0" i="0" u="none" strike="noStrike" kern="1200" cap="none" spc="0" normalizeH="0" baseline="0" noProof="0" dirty="0">
+                <a:ln>
+                  <a:noFill/>
+                </a:ln>
+                <a:solidFill>
+                  <a:srgbClr val="5B9CD5"/>
+                </a:solidFill>
+                <a:effectLst/>
+                <a:uLnTx/>
+                <a:uFillTx/>
+                <a:latin typeface="Arial" panose="020B0604020202020204" pitchFamily="34" charset="0"/>
+                <a:ea typeface="+mn-ea"/>
+                <a:cs typeface="Arial" panose="020B0604020202020204" pitchFamily="34" charset="0"/>
+              </a:rPr>
+              <a:t>Availability Zone 2</a:t>
+            </a:r>
+          </a:p>
+        </p:txBody>
+      </p:sp>
+      <p:pic>
+        <p:nvPicPr>
+          <p:cNvPr id="59" name="Graphic 13">
+            <a:extLst>
+              <a:ext uri="{FF2B5EF4-FFF2-40B4-BE49-F238E27FC236}">
+                <a16:creationId xmlns:a16="http://schemas.microsoft.com/office/drawing/2014/main" id="{9871D6BF-CA77-A14E-A68D-8AC5BD3E7068}"/>
+              </a:ext>
+            </a:extLst>
+          </p:cNvPr>
+          <p:cNvPicPr>
+            <a:picLocks noChangeAspect="1" noChangeArrowheads="1"/>
+          </p:cNvPicPr>
+          <p:nvPr/>
+        </p:nvPicPr>
+        <p:blipFill>
+          <a:blip r:embed="rId2">
+            <a:extLst>
+              <a:ext uri="{28A0092B-C50C-407E-A947-70E740481C1C}">
+                <a14:useLocalDpi xmlns:a14="http://schemas.microsoft.com/office/drawing/2010/main" val="0"/>
+              </a:ext>
+            </a:extLst>
+          </a:blip>
+          <a:srcRect/>
+          <a:stretch>
+            <a:fillRect/>
+          </a:stretch>
+        </p:blipFill>
+        <p:spPr bwMode="auto">
+          <a:xfrm>
+            <a:off x="8417094" y="2325396"/>
+            <a:ext cx="469900" cy="469900"/>
+          </a:xfrm>
+          <a:prstGeom prst="rect">
+            <a:avLst/>
+          </a:prstGeom>
+          <a:noFill/>
+          <a:ln>
+            <a:noFill/>
+          </a:ln>
+          <a:extLst>
+            <a:ext uri="{909E8E84-426E-40DD-AFC4-6F175D3DCCD1}">
+              <a14:hiddenFill xmlns:a14="http://schemas.microsoft.com/office/drawing/2010/main">
+                <a:solidFill>
+                  <a:srgbClr val="FFFFFF"/>
+                </a:solidFill>
+              </a14:hiddenFill>
+            </a:ext>
+            <a:ext uri="{91240B29-F687-4F45-9708-019B960494DF}">
+              <a14:hiddenLine xmlns:a14="http://schemas.microsoft.com/office/drawing/2010/main" w="9525">
+                <a:solidFill>
+                  <a:srgbClr val="000000"/>
+                </a:solidFill>
+                <a:miter lim="800000"/>
+                <a:headEnd/>
+                <a:tailEnd/>
+              </a14:hiddenLine>
+            </a:ext>
+          </a:extLst>
+        </p:spPr>
+      </p:pic>
+      <p:sp>
+        <p:nvSpPr>
+          <p:cNvPr id="60" name="TextBox 14">
+            <a:extLst>
+              <a:ext uri="{FF2B5EF4-FFF2-40B4-BE49-F238E27FC236}">
+                <a16:creationId xmlns:a16="http://schemas.microsoft.com/office/drawing/2014/main" id="{3DA53A85-9347-1045-8931-DF0819FAAE27}"/>
+              </a:ext>
+            </a:extLst>
+          </p:cNvPr>
+          <p:cNvSpPr txBox="1">
+            <a:spLocks noChangeArrowheads="1"/>
+          </p:cNvSpPr>
+          <p:nvPr/>
+        </p:nvSpPr>
+        <p:spPr bwMode="auto">
+          <a:xfrm>
+            <a:off x="7767867" y="2794614"/>
+            <a:ext cx="1767152" cy="246221"/>
+          </a:xfrm>
+          <a:prstGeom prst="rect">
+            <a:avLst/>
+          </a:prstGeom>
+          <a:noFill/>
+          <a:ln>
+            <a:noFill/>
+          </a:ln>
+          <a:extLst>
+            <a:ext uri="{909E8E84-426E-40DD-AFC4-6F175D3DCCD1}">
+              <a14:hiddenFill xmlns:a14="http://schemas.microsoft.com/office/drawing/2010/main">
+                <a:solidFill>
+                  <a:srgbClr val="FFFFFF"/>
+                </a:solidFill>
+              </a14:hiddenFill>
+            </a:ext>
+            <a:ext uri="{91240B29-F687-4F45-9708-019B960494DF}">
+              <a14:hiddenLine xmlns:a14="http://schemas.microsoft.com/office/drawing/2010/main" w="9525">
+                <a:solidFill>
+                  <a:srgbClr val="000000"/>
+                </a:solidFill>
+                <a:miter lim="800000"/>
+                <a:headEnd/>
+                <a:tailEnd/>
+              </a14:hiddenLine>
+            </a:ext>
+          </a:extLst>
+        </p:spPr>
+        <p:txBody>
+          <a:bodyPr>
+            <a:spAutoFit/>
+          </a:bodyPr>
+          <a:lstStyle>
+            <a:lvl1pPr>
+              <a:defRPr>
+                <a:solidFill>
+                  <a:schemeClr val="tx1"/>
+                </a:solidFill>
+                <a:latin typeface="Calibri" panose="020F0502020204030204" pitchFamily="34" charset="0"/>
+              </a:defRPr>
+            </a:lvl1pPr>
+            <a:lvl2pPr marL="742950" indent="-285750">
+              <a:defRPr>
+                <a:solidFill>
+                  <a:schemeClr val="tx1"/>
+                </a:solidFill>
+                <a:latin typeface="Calibri" panose="020F0502020204030204" pitchFamily="34" charset="0"/>
+              </a:defRPr>
+            </a:lvl2pPr>
+            <a:lvl3pPr marL="1143000" indent="-228600">
+              <a:defRPr>
+                <a:solidFill>
+                  <a:schemeClr val="tx1"/>
+                </a:solidFill>
+                <a:latin typeface="Calibri" panose="020F0502020204030204" pitchFamily="34" charset="0"/>
+              </a:defRPr>
+            </a:lvl3pPr>
+            <a:lvl4pPr marL="1600200" indent="-228600">
+              <a:defRPr>
+                <a:solidFill>
+                  <a:schemeClr val="tx1"/>
+                </a:solidFill>
+                <a:latin typeface="Calibri" panose="020F0502020204030204" pitchFamily="34" charset="0"/>
+              </a:defRPr>
+            </a:lvl4pPr>
+            <a:lvl5pPr marL="2057400" indent="-228600">
+              <a:defRPr>
+                <a:solidFill>
+                  <a:schemeClr val="tx1"/>
+                </a:solidFill>
+                <a:latin typeface="Calibri" panose="020F0502020204030204" pitchFamily="34" charset="0"/>
+              </a:defRPr>
+            </a:lvl5pPr>
+            <a:lvl6pPr marL="2514600" indent="-228600" eaLnBrk="0" fontAlgn="base" hangingPunct="0">
+              <a:spcBef>
+                <a:spcPct val="0"/>
+              </a:spcBef>
+              <a:spcAft>
+                <a:spcPct val="0"/>
+              </a:spcAft>
+              <a:defRPr>
+                <a:solidFill>
+                  <a:schemeClr val="tx1"/>
+                </a:solidFill>
+                <a:latin typeface="Calibri" panose="020F0502020204030204" pitchFamily="34" charset="0"/>
+              </a:defRPr>
+            </a:lvl6pPr>
+            <a:lvl7pPr marL="2971800" indent="-228600" eaLnBrk="0" fontAlgn="base" hangingPunct="0">
+              <a:spcBef>
+                <a:spcPct val="0"/>
+              </a:spcBef>
+              <a:spcAft>
+                <a:spcPct val="0"/>
+              </a:spcAft>
+              <a:defRPr>
+                <a:solidFill>
+                  <a:schemeClr val="tx1"/>
+                </a:solidFill>
+                <a:latin typeface="Calibri" panose="020F0502020204030204" pitchFamily="34" charset="0"/>
+              </a:defRPr>
+            </a:lvl7pPr>
+            <a:lvl8pPr marL="3429000" indent="-228600" eaLnBrk="0" fontAlgn="base" hangingPunct="0">
+              <a:spcBef>
+                <a:spcPct val="0"/>
+              </a:spcBef>
+              <a:spcAft>
+                <a:spcPct val="0"/>
+              </a:spcAft>
+              <a:defRPr>
+                <a:solidFill>
+                  <a:schemeClr val="tx1"/>
+                </a:solidFill>
+                <a:latin typeface="Calibri" panose="020F0502020204030204" pitchFamily="34" charset="0"/>
+              </a:defRPr>
+            </a:lvl8pPr>
+            <a:lvl9pPr marL="3886200" indent="-228600" eaLnBrk="0" fontAlgn="base" hangingPunct="0">
+              <a:spcBef>
+                <a:spcPct val="0"/>
+              </a:spcBef>
+              <a:spcAft>
+                <a:spcPct val="0"/>
+              </a:spcAft>
+              <a:defRPr>
+                <a:solidFill>
+                  <a:schemeClr val="tx1"/>
+                </a:solidFill>
+                <a:latin typeface="Calibri" panose="020F0502020204030204" pitchFamily="34" charset="0"/>
+              </a:defRPr>
+            </a:lvl9pPr>
+          </a:lstStyle>
+          <a:p>
+            <a:pPr marL="0" marR="0" lvl="0" indent="0" algn="ctr" defTabSz="914400" rtl="0" eaLnBrk="1" fontAlgn="base" latinLnBrk="0" hangingPunct="1">
+              <a:lnSpc>
+                <a:spcPct val="100000"/>
+              </a:lnSpc>
+              <a:spcBef>
+                <a:spcPct val="0"/>
+              </a:spcBef>
+              <a:spcAft>
+                <a:spcPct val="0"/>
+              </a:spcAft>
+              <a:buClrTx/>
+              <a:buSzTx/>
+              <a:buFontTx/>
+              <a:buNone/>
+              <a:tabLst/>
+              <a:defRPr/>
+            </a:pPr>
+            <a:r>
+              <a:rPr kumimoji="0" lang="en-US" altLang="en-US" sz="1000" b="0" i="0" u="none" strike="noStrike" kern="1200" cap="none" spc="0" normalizeH="0" baseline="0" noProof="0" dirty="0">
+                <a:ln>
+                  <a:noFill/>
+                </a:ln>
+                <a:solidFill>
+                  <a:srgbClr val="232F3E"/>
+                </a:solidFill>
+                <a:effectLst/>
+                <a:uLnTx/>
+                <a:uFillTx/>
+                <a:latin typeface="Arial" panose="020B0604020202020204" pitchFamily="34" charset="0"/>
+                <a:ea typeface="+mn-ea"/>
+                <a:cs typeface="Arial" panose="020B0604020202020204" pitchFamily="34" charset="0"/>
+              </a:rPr>
+              <a:t>NAT Gateway</a:t>
+            </a:r>
+          </a:p>
+        </p:txBody>
+      </p:sp>
+      <p:pic>
+        <p:nvPicPr>
+          <p:cNvPr id="61" name="Graphic 19">
+            <a:extLst>
+              <a:ext uri="{FF2B5EF4-FFF2-40B4-BE49-F238E27FC236}">
+                <a16:creationId xmlns:a16="http://schemas.microsoft.com/office/drawing/2014/main" id="{B4CB90BD-DB23-9246-98C7-C5B6AD92D7D6}"/>
+              </a:ext>
+            </a:extLst>
+          </p:cNvPr>
+          <p:cNvPicPr>
+            <a:picLocks noChangeAspect="1" noChangeArrowheads="1"/>
+          </p:cNvPicPr>
+          <p:nvPr/>
+        </p:nvPicPr>
+        <p:blipFill>
+          <a:blip r:embed="rId3">
+            <a:extLst>
+              <a:ext uri="{28A0092B-C50C-407E-A947-70E740481C1C}">
+                <a14:useLocalDpi xmlns:a14="http://schemas.microsoft.com/office/drawing/2010/main" val="0"/>
+              </a:ext>
+            </a:extLst>
+          </a:blip>
+          <a:srcRect/>
+          <a:stretch>
+            <a:fillRect/>
+          </a:stretch>
+        </p:blipFill>
+        <p:spPr bwMode="auto">
+          <a:xfrm>
+            <a:off x="9059864" y="4052966"/>
+            <a:ext cx="469900" cy="469900"/>
+          </a:xfrm>
+          <a:prstGeom prst="rect">
+            <a:avLst/>
+          </a:prstGeom>
+          <a:noFill/>
+          <a:ln>
+            <a:noFill/>
+          </a:ln>
+          <a:extLst>
+            <a:ext uri="{909E8E84-426E-40DD-AFC4-6F175D3DCCD1}">
+              <a14:hiddenFill xmlns:a14="http://schemas.microsoft.com/office/drawing/2010/main">
+                <a:solidFill>
+                  <a:srgbClr val="FFFFFF"/>
+                </a:solidFill>
+              </a14:hiddenFill>
+            </a:ext>
+            <a:ext uri="{91240B29-F687-4F45-9708-019B960494DF}">
+              <a14:hiddenLine xmlns:a14="http://schemas.microsoft.com/office/drawing/2010/main" w="9525">
+                <a:solidFill>
+                  <a:srgbClr val="000000"/>
+                </a:solidFill>
+                <a:miter lim="800000"/>
+                <a:headEnd/>
+                <a:tailEnd/>
+              </a14:hiddenLine>
+            </a:ext>
+          </a:extLst>
+        </p:spPr>
+      </p:pic>
+      <p:sp>
+        <p:nvSpPr>
+          <p:cNvPr id="62" name="TextBox 20">
+            <a:extLst>
+              <a:ext uri="{FF2B5EF4-FFF2-40B4-BE49-F238E27FC236}">
+                <a16:creationId xmlns:a16="http://schemas.microsoft.com/office/drawing/2014/main" id="{23E8513C-C819-5945-961C-CC00A94C49BE}"/>
+              </a:ext>
+            </a:extLst>
+          </p:cNvPr>
+          <p:cNvSpPr txBox="1">
+            <a:spLocks noChangeArrowheads="1"/>
+          </p:cNvSpPr>
+          <p:nvPr/>
+        </p:nvSpPr>
+        <p:spPr bwMode="auto">
+          <a:xfrm>
+            <a:off x="8410855" y="4498336"/>
+            <a:ext cx="1767152" cy="246221"/>
+          </a:xfrm>
+          <a:prstGeom prst="rect">
+            <a:avLst/>
+          </a:prstGeom>
+          <a:noFill/>
+          <a:ln>
+            <a:noFill/>
+          </a:ln>
+          <a:extLst>
+            <a:ext uri="{909E8E84-426E-40DD-AFC4-6F175D3DCCD1}">
+              <a14:hiddenFill xmlns:a14="http://schemas.microsoft.com/office/drawing/2010/main">
+                <a:solidFill>
+                  <a:srgbClr val="FFFFFF"/>
+                </a:solidFill>
+              </a14:hiddenFill>
+            </a:ext>
+            <a:ext uri="{91240B29-F687-4F45-9708-019B960494DF}">
+              <a14:hiddenLine xmlns:a14="http://schemas.microsoft.com/office/drawing/2010/main" w="9525">
+                <a:solidFill>
+                  <a:srgbClr val="000000"/>
+                </a:solidFill>
+                <a:miter lim="800000"/>
+                <a:headEnd/>
+                <a:tailEnd/>
+              </a14:hiddenLine>
+            </a:ext>
+          </a:extLst>
+        </p:spPr>
+        <p:txBody>
+          <a:bodyPr>
+            <a:spAutoFit/>
+          </a:bodyPr>
+          <a:lstStyle>
+            <a:lvl1pPr>
+              <a:defRPr>
+                <a:solidFill>
+                  <a:schemeClr val="tx1"/>
+                </a:solidFill>
+                <a:latin typeface="Calibri" panose="020F0502020204030204" pitchFamily="34" charset="0"/>
+              </a:defRPr>
+            </a:lvl1pPr>
+            <a:lvl2pPr marL="742950" indent="-285750">
+              <a:defRPr>
+                <a:solidFill>
+                  <a:schemeClr val="tx1"/>
+                </a:solidFill>
+                <a:latin typeface="Calibri" panose="020F0502020204030204" pitchFamily="34" charset="0"/>
+              </a:defRPr>
+            </a:lvl2pPr>
+            <a:lvl3pPr marL="1143000" indent="-228600">
+              <a:defRPr>
+                <a:solidFill>
+                  <a:schemeClr val="tx1"/>
+                </a:solidFill>
+                <a:latin typeface="Calibri" panose="020F0502020204030204" pitchFamily="34" charset="0"/>
+              </a:defRPr>
+            </a:lvl3pPr>
+            <a:lvl4pPr marL="1600200" indent="-228600">
+              <a:defRPr>
+                <a:solidFill>
+                  <a:schemeClr val="tx1"/>
+                </a:solidFill>
+                <a:latin typeface="Calibri" panose="020F0502020204030204" pitchFamily="34" charset="0"/>
+              </a:defRPr>
+            </a:lvl4pPr>
+            <a:lvl5pPr marL="2057400" indent="-228600">
+              <a:defRPr>
+                <a:solidFill>
+                  <a:schemeClr val="tx1"/>
+                </a:solidFill>
+                <a:latin typeface="Calibri" panose="020F0502020204030204" pitchFamily="34" charset="0"/>
+              </a:defRPr>
+            </a:lvl5pPr>
+            <a:lvl6pPr marL="2514600" indent="-228600" eaLnBrk="0" fontAlgn="base" hangingPunct="0">
+              <a:spcBef>
+                <a:spcPct val="0"/>
+              </a:spcBef>
+              <a:spcAft>
+                <a:spcPct val="0"/>
+              </a:spcAft>
+              <a:defRPr>
+                <a:solidFill>
+                  <a:schemeClr val="tx1"/>
+                </a:solidFill>
+                <a:latin typeface="Calibri" panose="020F0502020204030204" pitchFamily="34" charset="0"/>
+              </a:defRPr>
+            </a:lvl6pPr>
+            <a:lvl7pPr marL="2971800" indent="-228600" eaLnBrk="0" fontAlgn="base" hangingPunct="0">
+              <a:spcBef>
+                <a:spcPct val="0"/>
+              </a:spcBef>
+              <a:spcAft>
+                <a:spcPct val="0"/>
+              </a:spcAft>
+              <a:defRPr>
+                <a:solidFill>
+                  <a:schemeClr val="tx1"/>
+                </a:solidFill>
+                <a:latin typeface="Calibri" panose="020F0502020204030204" pitchFamily="34" charset="0"/>
+              </a:defRPr>
+            </a:lvl7pPr>
+            <a:lvl8pPr marL="3429000" indent="-228600" eaLnBrk="0" fontAlgn="base" hangingPunct="0">
+              <a:spcBef>
+                <a:spcPct val="0"/>
+              </a:spcBef>
+              <a:spcAft>
+                <a:spcPct val="0"/>
+              </a:spcAft>
+              <a:defRPr>
+                <a:solidFill>
+                  <a:schemeClr val="tx1"/>
+                </a:solidFill>
+                <a:latin typeface="Calibri" panose="020F0502020204030204" pitchFamily="34" charset="0"/>
+              </a:defRPr>
+            </a:lvl8pPr>
+            <a:lvl9pPr marL="3886200" indent="-228600" eaLnBrk="0" fontAlgn="base" hangingPunct="0">
+              <a:spcBef>
+                <a:spcPct val="0"/>
+              </a:spcBef>
+              <a:spcAft>
+                <a:spcPct val="0"/>
+              </a:spcAft>
+              <a:defRPr>
+                <a:solidFill>
+                  <a:schemeClr val="tx1"/>
+                </a:solidFill>
+                <a:latin typeface="Calibri" panose="020F0502020204030204" pitchFamily="34" charset="0"/>
+              </a:defRPr>
+            </a:lvl9pPr>
+          </a:lstStyle>
+          <a:p>
+            <a:pPr marL="0" marR="0" lvl="0" indent="0" algn="ctr" defTabSz="914400" rtl="0" eaLnBrk="1" fontAlgn="base" latinLnBrk="0" hangingPunct="1">
+              <a:lnSpc>
+                <a:spcPct val="100000"/>
+              </a:lnSpc>
+              <a:spcBef>
+                <a:spcPct val="0"/>
+              </a:spcBef>
+              <a:spcAft>
+                <a:spcPct val="0"/>
+              </a:spcAft>
+              <a:buClrTx/>
+              <a:buSzTx/>
+              <a:buFontTx/>
+              <a:buNone/>
+              <a:tabLst/>
+              <a:defRPr/>
+            </a:pPr>
+            <a:r>
+              <a:rPr kumimoji="0" lang="en-US" altLang="en-US" sz="1000" b="0" i="0" u="none" strike="noStrike" kern="1200" cap="none" spc="0" normalizeH="0" baseline="0" noProof="0" dirty="0">
+                <a:ln>
+                  <a:noFill/>
+                </a:ln>
+                <a:solidFill>
+                  <a:srgbClr val="232F3E"/>
+                </a:solidFill>
+                <a:effectLst/>
+                <a:uLnTx/>
+                <a:uFillTx/>
+                <a:latin typeface="Arial" panose="020B0604020202020204" pitchFamily="34" charset="0"/>
+                <a:ea typeface="+mn-ea"/>
+                <a:cs typeface="Arial" panose="020B0604020202020204" pitchFamily="34" charset="0"/>
+              </a:rPr>
+              <a:t>Domain Controller 2</a:t>
+            </a:r>
+          </a:p>
+        </p:txBody>
+      </p:sp>
+      <p:pic>
+        <p:nvPicPr>
+          <p:cNvPr id="63" name="Graphic 62">
+            <a:extLst>
+              <a:ext uri="{FF2B5EF4-FFF2-40B4-BE49-F238E27FC236}">
+                <a16:creationId xmlns:a16="http://schemas.microsoft.com/office/drawing/2014/main" id="{503C64AB-5A3E-8F47-8941-0590B1290A56}"/>
+              </a:ext>
+            </a:extLst>
+          </p:cNvPr>
+          <p:cNvPicPr>
+            <a:picLocks noChangeAspect="1"/>
+          </p:cNvPicPr>
+          <p:nvPr/>
+        </p:nvPicPr>
+        <p:blipFill>
+          <a:blip r:embed="rId10">
+            <a:extLst>
+              <a:ext uri="{96DAC541-7B7A-43D3-8B79-37D633B846F1}">
+                <asvg:svgBlip xmlns:asvg="http://schemas.microsoft.com/office/drawing/2016/SVG/main" r:embed="rId11"/>
+              </a:ext>
+            </a:extLst>
+          </a:blip>
+          <a:stretch>
+            <a:fillRect/>
+          </a:stretch>
+        </p:blipFill>
+        <p:spPr>
+          <a:xfrm>
+            <a:off x="7202993" y="1972979"/>
+            <a:ext cx="309246" cy="309246"/>
+          </a:xfrm>
+          <a:prstGeom prst="rect">
+            <a:avLst/>
+          </a:prstGeom>
+        </p:spPr>
+      </p:pic>
+      <p:pic>
+        <p:nvPicPr>
+          <p:cNvPr id="64" name="Graphic 63">
+            <a:extLst>
+              <a:ext uri="{FF2B5EF4-FFF2-40B4-BE49-F238E27FC236}">
+                <a16:creationId xmlns:a16="http://schemas.microsoft.com/office/drawing/2014/main" id="{B0C037B8-F7FB-2944-A79A-2A8C09C863CE}"/>
+              </a:ext>
+            </a:extLst>
+          </p:cNvPr>
+          <p:cNvPicPr>
+            <a:picLocks noChangeAspect="1"/>
+          </p:cNvPicPr>
+          <p:nvPr/>
+        </p:nvPicPr>
+        <p:blipFill>
+          <a:blip r:embed="rId12">
+            <a:extLst>
+              <a:ext uri="{96DAC541-7B7A-43D3-8B79-37D633B846F1}">
+                <asvg:svgBlip xmlns:asvg="http://schemas.microsoft.com/office/drawing/2016/SVG/main" r:embed="rId13"/>
+              </a:ext>
+            </a:extLst>
+          </a:blip>
+          <a:stretch>
+            <a:fillRect/>
+          </a:stretch>
+        </p:blipFill>
+        <p:spPr>
+          <a:xfrm>
+            <a:off x="7192198" y="3451092"/>
+            <a:ext cx="381000" cy="381000"/>
+          </a:xfrm>
+          <a:prstGeom prst="rect">
+            <a:avLst/>
+          </a:prstGeom>
+        </p:spPr>
+      </p:pic>
+      <p:pic>
+        <p:nvPicPr>
+          <p:cNvPr id="67" name="Graphic 19">
+            <a:extLst>
+              <a:ext uri="{FF2B5EF4-FFF2-40B4-BE49-F238E27FC236}">
+                <a16:creationId xmlns:a16="http://schemas.microsoft.com/office/drawing/2014/main" id="{3536B8D6-DD01-8847-8F74-41136FE03951}"/>
+              </a:ext>
+            </a:extLst>
+          </p:cNvPr>
+          <p:cNvPicPr>
+            <a:picLocks noChangeAspect="1" noChangeArrowheads="1"/>
+          </p:cNvPicPr>
+          <p:nvPr/>
+        </p:nvPicPr>
+        <p:blipFill>
+          <a:blip r:embed="rId14">
+            <a:extLst>
+              <a:ext uri="{28A0092B-C50C-407E-A947-70E740481C1C}">
+                <a14:useLocalDpi xmlns:a14="http://schemas.microsoft.com/office/drawing/2010/main" val="0"/>
+              </a:ext>
+            </a:extLst>
+          </a:blip>
+          <a:srcRect/>
+          <a:stretch>
+            <a:fillRect/>
+          </a:stretch>
+        </p:blipFill>
+        <p:spPr bwMode="auto">
+          <a:xfrm flipH="1">
+            <a:off x="7378414" y="4881992"/>
+            <a:ext cx="423290" cy="423290"/>
+          </a:xfrm>
+          <a:prstGeom prst="rect">
+            <a:avLst/>
+          </a:prstGeom>
+          <a:noFill/>
+          <a:ln>
+            <a:noFill/>
+          </a:ln>
+          <a:extLst>
+            <a:ext uri="{909E8E84-426E-40DD-AFC4-6F175D3DCCD1}">
+              <a14:hiddenFill xmlns:a14="http://schemas.microsoft.com/office/drawing/2010/main">
+                <a:solidFill>
+                  <a:srgbClr val="FFFFFF"/>
+                </a:solidFill>
+              </a14:hiddenFill>
+            </a:ext>
+            <a:ext uri="{91240B29-F687-4F45-9708-019B960494DF}">
+              <a14:hiddenLine xmlns:a14="http://schemas.microsoft.com/office/drawing/2010/main" w="9525">
+                <a:solidFill>
+                  <a:srgbClr val="000000"/>
+                </a:solidFill>
+                <a:miter lim="800000"/>
+                <a:headEnd/>
+                <a:tailEnd/>
+              </a14:hiddenLine>
+            </a:ext>
+          </a:extLst>
+        </p:spPr>
+      </p:pic>
+      <p:sp>
+        <p:nvSpPr>
+          <p:cNvPr id="68" name="TextBox 11">
+            <a:extLst>
+              <a:ext uri="{FF2B5EF4-FFF2-40B4-BE49-F238E27FC236}">
+                <a16:creationId xmlns:a16="http://schemas.microsoft.com/office/drawing/2014/main" id="{1F570DAC-810D-EB46-A011-0FD98B2BDC52}"/>
+              </a:ext>
+            </a:extLst>
+          </p:cNvPr>
+          <p:cNvSpPr txBox="1">
+            <a:spLocks noChangeArrowheads="1"/>
+          </p:cNvSpPr>
+          <p:nvPr/>
+        </p:nvSpPr>
+        <p:spPr bwMode="auto">
+          <a:xfrm>
+            <a:off x="7115175" y="5265265"/>
+            <a:ext cx="1426220" cy="400110"/>
+          </a:xfrm>
+          <a:prstGeom prst="rect">
+            <a:avLst/>
+          </a:prstGeom>
+          <a:noFill/>
+          <a:ln>
+            <a:noFill/>
+          </a:ln>
+          <a:extLst>
+            <a:ext uri="{909E8E84-426E-40DD-AFC4-6F175D3DCCD1}">
+              <a14:hiddenFill xmlns:a14="http://schemas.microsoft.com/office/drawing/2010/main">
+                <a:solidFill>
+                  <a:srgbClr val="FFFFFF"/>
+                </a:solidFill>
+              </a14:hiddenFill>
+            </a:ext>
+            <a:ext uri="{91240B29-F687-4F45-9708-019B960494DF}">
+              <a14:hiddenLine xmlns:a14="http://schemas.microsoft.com/office/drawing/2010/main" w="9525">
+                <a:solidFill>
+                  <a:srgbClr val="000000"/>
+                </a:solidFill>
+                <a:miter lim="800000"/>
+                <a:headEnd/>
+                <a:tailEnd/>
+              </a14:hiddenLine>
+            </a:ext>
+          </a:extLst>
+        </p:spPr>
+        <p:txBody>
+          <a:bodyPr wrap="square">
+            <a:spAutoFit/>
+          </a:bodyPr>
+          <a:lstStyle>
+            <a:lvl1pPr>
+              <a:defRPr>
+                <a:solidFill>
+                  <a:schemeClr val="tx1"/>
+                </a:solidFill>
+                <a:latin typeface="Calibri" panose="020F0502020204030204" pitchFamily="34" charset="0"/>
+              </a:defRPr>
+            </a:lvl1pPr>
+            <a:lvl2pPr marL="742950" indent="-285750">
+              <a:defRPr>
+                <a:solidFill>
+                  <a:schemeClr val="tx1"/>
+                </a:solidFill>
+                <a:latin typeface="Calibri" panose="020F0502020204030204" pitchFamily="34" charset="0"/>
+              </a:defRPr>
+            </a:lvl2pPr>
+            <a:lvl3pPr marL="1143000" indent="-228600">
+              <a:defRPr>
+                <a:solidFill>
+                  <a:schemeClr val="tx1"/>
+                </a:solidFill>
+                <a:latin typeface="Calibri" panose="020F0502020204030204" pitchFamily="34" charset="0"/>
+              </a:defRPr>
+            </a:lvl3pPr>
+            <a:lvl4pPr marL="1600200" indent="-228600">
+              <a:defRPr>
+                <a:solidFill>
+                  <a:schemeClr val="tx1"/>
+                </a:solidFill>
+                <a:latin typeface="Calibri" panose="020F0502020204030204" pitchFamily="34" charset="0"/>
+              </a:defRPr>
+            </a:lvl4pPr>
+            <a:lvl5pPr marL="2057400" indent="-228600">
+              <a:defRPr>
+                <a:solidFill>
+                  <a:schemeClr val="tx1"/>
+                </a:solidFill>
+                <a:latin typeface="Calibri" panose="020F0502020204030204" pitchFamily="34" charset="0"/>
+              </a:defRPr>
+            </a:lvl5pPr>
+            <a:lvl6pPr marL="2514600" indent="-228600" eaLnBrk="0" fontAlgn="base" hangingPunct="0">
+              <a:spcBef>
+                <a:spcPct val="0"/>
+              </a:spcBef>
+              <a:spcAft>
+                <a:spcPct val="0"/>
+              </a:spcAft>
+              <a:defRPr>
+                <a:solidFill>
+                  <a:schemeClr val="tx1"/>
+                </a:solidFill>
+                <a:latin typeface="Calibri" panose="020F0502020204030204" pitchFamily="34" charset="0"/>
+              </a:defRPr>
+            </a:lvl6pPr>
+            <a:lvl7pPr marL="2971800" indent="-228600" eaLnBrk="0" fontAlgn="base" hangingPunct="0">
+              <a:spcBef>
+                <a:spcPct val="0"/>
+              </a:spcBef>
+              <a:spcAft>
+                <a:spcPct val="0"/>
+              </a:spcAft>
+              <a:defRPr>
+                <a:solidFill>
+                  <a:schemeClr val="tx1"/>
+                </a:solidFill>
+                <a:latin typeface="Calibri" panose="020F0502020204030204" pitchFamily="34" charset="0"/>
+              </a:defRPr>
+            </a:lvl7pPr>
+            <a:lvl8pPr marL="3429000" indent="-228600" eaLnBrk="0" fontAlgn="base" hangingPunct="0">
+              <a:spcBef>
+                <a:spcPct val="0"/>
+              </a:spcBef>
+              <a:spcAft>
+                <a:spcPct val="0"/>
+              </a:spcAft>
+              <a:defRPr>
+                <a:solidFill>
+                  <a:schemeClr val="tx1"/>
+                </a:solidFill>
+                <a:latin typeface="Calibri" panose="020F0502020204030204" pitchFamily="34" charset="0"/>
+              </a:defRPr>
+            </a:lvl8pPr>
+            <a:lvl9pPr marL="3886200" indent="-228600" eaLnBrk="0" fontAlgn="base" hangingPunct="0">
+              <a:spcBef>
+                <a:spcPct val="0"/>
+              </a:spcBef>
+              <a:spcAft>
+                <a:spcPct val="0"/>
+              </a:spcAft>
+              <a:defRPr>
+                <a:solidFill>
+                  <a:schemeClr val="tx1"/>
+                </a:solidFill>
+                <a:latin typeface="Calibri" panose="020F0502020204030204" pitchFamily="34" charset="0"/>
+              </a:defRPr>
+            </a:lvl9pPr>
+          </a:lstStyle>
+          <a:p>
+            <a:pPr algn="ctr" eaLnBrk="1" hangingPunct="1"/>
+            <a:r>
+              <a:rPr lang="en-US" altLang="en-US" sz="1000" dirty="0">
+                <a:latin typeface="Arial" panose="020B0604020202020204" pitchFamily="34" charset="0"/>
+                <a:ea typeface="Amazon Ember" panose="020B0603020204020204" pitchFamily="34" charset="0"/>
+                <a:cs typeface="Arial" panose="020B0604020202020204" pitchFamily="34" charset="0"/>
+              </a:rPr>
+              <a:t>Amazon </a:t>
+            </a:r>
+          </a:p>
+          <a:p>
+            <a:pPr algn="ctr" eaLnBrk="1" hangingPunct="1"/>
+            <a:r>
+              <a:rPr lang="en-US" altLang="en-US" sz="1000" dirty="0">
+                <a:latin typeface="Arial" panose="020B0604020202020204" pitchFamily="34" charset="0"/>
+                <a:ea typeface="Amazon Ember" panose="020B0603020204020204" pitchFamily="34" charset="0"/>
+                <a:cs typeface="Arial" panose="020B0604020202020204" pitchFamily="34" charset="0"/>
+              </a:rPr>
+              <a:t>WorkSpaces</a:t>
+            </a:r>
+          </a:p>
+        </p:txBody>
+      </p:sp>
+      <p:pic>
+        <p:nvPicPr>
+          <p:cNvPr id="69" name="Graphic 19">
+            <a:extLst>
+              <a:ext uri="{FF2B5EF4-FFF2-40B4-BE49-F238E27FC236}">
+                <a16:creationId xmlns:a16="http://schemas.microsoft.com/office/drawing/2014/main" id="{C8DD5E97-8554-534F-96AA-D6DE6DC370AB}"/>
+              </a:ext>
+            </a:extLst>
+          </p:cNvPr>
+          <p:cNvPicPr>
+            <a:picLocks noChangeAspect="1" noChangeArrowheads="1"/>
+          </p:cNvPicPr>
+          <p:nvPr/>
+        </p:nvPicPr>
+        <p:blipFill>
+          <a:blip r:embed="rId14">
+            <a:extLst>
+              <a:ext uri="{28A0092B-C50C-407E-A947-70E740481C1C}">
+                <a14:useLocalDpi xmlns:a14="http://schemas.microsoft.com/office/drawing/2010/main" val="0"/>
+              </a:ext>
+            </a:extLst>
+          </a:blip>
+          <a:srcRect/>
+          <a:stretch>
+            <a:fillRect/>
+          </a:stretch>
+        </p:blipFill>
+        <p:spPr bwMode="auto">
+          <a:xfrm flipH="1">
+            <a:off x="7887752" y="4865796"/>
+            <a:ext cx="423290" cy="423290"/>
+          </a:xfrm>
+          <a:prstGeom prst="rect">
+            <a:avLst/>
+          </a:prstGeom>
+          <a:noFill/>
+          <a:ln>
+            <a:noFill/>
+          </a:ln>
+          <a:extLst>
+            <a:ext uri="{909E8E84-426E-40DD-AFC4-6F175D3DCCD1}">
+              <a14:hiddenFill xmlns:a14="http://schemas.microsoft.com/office/drawing/2010/main">
+                <a:solidFill>
+                  <a:srgbClr val="FFFFFF"/>
+                </a:solidFill>
+              </a14:hiddenFill>
+            </a:ext>
+            <a:ext uri="{91240B29-F687-4F45-9708-019B960494DF}">
+              <a14:hiddenLine xmlns:a14="http://schemas.microsoft.com/office/drawing/2010/main" w="9525">
+                <a:solidFill>
+                  <a:srgbClr val="000000"/>
+                </a:solidFill>
+                <a:miter lim="800000"/>
+                <a:headEnd/>
+                <a:tailEnd/>
+              </a14:hiddenLine>
+            </a:ext>
+          </a:extLst>
+        </p:spPr>
+      </p:pic>
+      <p:pic>
+        <p:nvPicPr>
+          <p:cNvPr id="76" name="Graphic 7">
+            <a:extLst>
+              <a:ext uri="{FF2B5EF4-FFF2-40B4-BE49-F238E27FC236}">
+                <a16:creationId xmlns:a16="http://schemas.microsoft.com/office/drawing/2014/main" id="{EF1D85D4-5FCF-E147-A6EF-D15201C04ED4}"/>
+              </a:ext>
+            </a:extLst>
+          </p:cNvPr>
+          <p:cNvPicPr>
+            <a:picLocks noChangeAspect="1" noChangeArrowheads="1"/>
+          </p:cNvPicPr>
+          <p:nvPr/>
+        </p:nvPicPr>
+        <p:blipFill>
+          <a:blip r:embed="rId15">
+            <a:extLst>
+              <a:ext uri="{28A0092B-C50C-407E-A947-70E740481C1C}">
+                <a14:useLocalDpi xmlns:a14="http://schemas.microsoft.com/office/drawing/2010/main" val="0"/>
+              </a:ext>
+            </a:extLst>
+          </a:blip>
+          <a:srcRect/>
+          <a:stretch>
+            <a:fillRect/>
+          </a:stretch>
+        </p:blipFill>
+        <p:spPr bwMode="auto">
+          <a:xfrm>
+            <a:off x="1360927" y="4901062"/>
+            <a:ext cx="379600" cy="379600"/>
+          </a:xfrm>
+          <a:prstGeom prst="rect">
+            <a:avLst/>
+          </a:prstGeom>
+          <a:noFill/>
+          <a:ln>
+            <a:noFill/>
+          </a:ln>
+          <a:extLst>
+            <a:ext uri="{909E8E84-426E-40DD-AFC4-6F175D3DCCD1}">
+              <a14:hiddenFill xmlns:a14="http://schemas.microsoft.com/office/drawing/2010/main">
+                <a:solidFill>
+                  <a:srgbClr val="FFFFFF"/>
+                </a:solidFill>
+              </a14:hiddenFill>
+            </a:ext>
+            <a:ext uri="{91240B29-F687-4F45-9708-019B960494DF}">
+              <a14:hiddenLine xmlns:a14="http://schemas.microsoft.com/office/drawing/2010/main" w="9525">
+                <a:solidFill>
+                  <a:srgbClr val="000000"/>
+                </a:solidFill>
+                <a:miter lim="800000"/>
+                <a:headEnd/>
+                <a:tailEnd/>
+              </a14:hiddenLine>
+            </a:ext>
+          </a:extLst>
+        </p:spPr>
+      </p:pic>
+      <p:sp>
+        <p:nvSpPr>
+          <p:cNvPr id="77" name="TextBox 9">
+            <a:extLst>
+              <a:ext uri="{FF2B5EF4-FFF2-40B4-BE49-F238E27FC236}">
+                <a16:creationId xmlns:a16="http://schemas.microsoft.com/office/drawing/2014/main" id="{63D5E8C9-8373-9E4E-B811-296251AEFEC6}"/>
+              </a:ext>
+            </a:extLst>
+          </p:cNvPr>
+          <p:cNvSpPr txBox="1">
+            <a:spLocks noChangeArrowheads="1"/>
+          </p:cNvSpPr>
+          <p:nvPr/>
+        </p:nvSpPr>
+        <p:spPr bwMode="auto">
+          <a:xfrm>
+            <a:off x="1082790" y="5230474"/>
+            <a:ext cx="1096705" cy="246221"/>
+          </a:xfrm>
+          <a:prstGeom prst="rect">
+            <a:avLst/>
+          </a:prstGeom>
+          <a:noFill/>
+          <a:ln>
+            <a:noFill/>
+          </a:ln>
+          <a:extLst>
+            <a:ext uri="{909E8E84-426E-40DD-AFC4-6F175D3DCCD1}">
+              <a14:hiddenFill xmlns:a14="http://schemas.microsoft.com/office/drawing/2010/main">
+                <a:solidFill>
+                  <a:srgbClr val="FFFFFF"/>
+                </a:solidFill>
+              </a14:hiddenFill>
+            </a:ext>
+            <a:ext uri="{91240B29-F687-4F45-9708-019B960494DF}">
+              <a14:hiddenLine xmlns:a14="http://schemas.microsoft.com/office/drawing/2010/main" w="9525">
+                <a:solidFill>
+                  <a:srgbClr val="000000"/>
+                </a:solidFill>
+                <a:miter lim="800000"/>
+                <a:headEnd/>
+                <a:tailEnd/>
+              </a14:hiddenLine>
+            </a:ext>
+          </a:extLst>
+        </p:spPr>
+        <p:txBody>
+          <a:bodyPr wrap="square">
+            <a:spAutoFit/>
+          </a:bodyPr>
+          <a:lstStyle>
+            <a:lvl1pPr>
+              <a:defRPr>
+                <a:solidFill>
+                  <a:schemeClr val="tx1"/>
+                </a:solidFill>
+                <a:latin typeface="Calibri" panose="020F0502020204030204" pitchFamily="34" charset="0"/>
+              </a:defRPr>
+            </a:lvl1pPr>
+            <a:lvl2pPr marL="742950" indent="-285750">
+              <a:defRPr>
+                <a:solidFill>
+                  <a:schemeClr val="tx1"/>
+                </a:solidFill>
+                <a:latin typeface="Calibri" panose="020F0502020204030204" pitchFamily="34" charset="0"/>
+              </a:defRPr>
+            </a:lvl2pPr>
+            <a:lvl3pPr marL="1143000" indent="-228600">
+              <a:defRPr>
+                <a:solidFill>
+                  <a:schemeClr val="tx1"/>
+                </a:solidFill>
+                <a:latin typeface="Calibri" panose="020F0502020204030204" pitchFamily="34" charset="0"/>
+              </a:defRPr>
+            </a:lvl3pPr>
+            <a:lvl4pPr marL="1600200" indent="-228600">
+              <a:defRPr>
+                <a:solidFill>
+                  <a:schemeClr val="tx1"/>
+                </a:solidFill>
+                <a:latin typeface="Calibri" panose="020F0502020204030204" pitchFamily="34" charset="0"/>
+              </a:defRPr>
+            </a:lvl4pPr>
+            <a:lvl5pPr marL="2057400" indent="-228600">
+              <a:defRPr>
+                <a:solidFill>
+                  <a:schemeClr val="tx1"/>
+                </a:solidFill>
+                <a:latin typeface="Calibri" panose="020F0502020204030204" pitchFamily="34" charset="0"/>
+              </a:defRPr>
+            </a:lvl5pPr>
+            <a:lvl6pPr marL="2514600" indent="-228600" eaLnBrk="0" fontAlgn="base" hangingPunct="0">
+              <a:spcBef>
+                <a:spcPct val="0"/>
+              </a:spcBef>
+              <a:spcAft>
+                <a:spcPct val="0"/>
+              </a:spcAft>
+              <a:defRPr>
+                <a:solidFill>
+                  <a:schemeClr val="tx1"/>
+                </a:solidFill>
+                <a:latin typeface="Calibri" panose="020F0502020204030204" pitchFamily="34" charset="0"/>
+              </a:defRPr>
+            </a:lvl6pPr>
+            <a:lvl7pPr marL="2971800" indent="-228600" eaLnBrk="0" fontAlgn="base" hangingPunct="0">
+              <a:spcBef>
+                <a:spcPct val="0"/>
+              </a:spcBef>
+              <a:spcAft>
+                <a:spcPct val="0"/>
+              </a:spcAft>
+              <a:defRPr>
+                <a:solidFill>
+                  <a:schemeClr val="tx1"/>
+                </a:solidFill>
+                <a:latin typeface="Calibri" panose="020F0502020204030204" pitchFamily="34" charset="0"/>
+              </a:defRPr>
+            </a:lvl7pPr>
+            <a:lvl8pPr marL="3429000" indent="-228600" eaLnBrk="0" fontAlgn="base" hangingPunct="0">
+              <a:spcBef>
+                <a:spcPct val="0"/>
+              </a:spcBef>
+              <a:spcAft>
+                <a:spcPct val="0"/>
+              </a:spcAft>
+              <a:defRPr>
+                <a:solidFill>
+                  <a:schemeClr val="tx1"/>
+                </a:solidFill>
+                <a:latin typeface="Calibri" panose="020F0502020204030204" pitchFamily="34" charset="0"/>
+              </a:defRPr>
+            </a:lvl8pPr>
+            <a:lvl9pPr marL="3886200" indent="-228600" eaLnBrk="0" fontAlgn="base" hangingPunct="0">
+              <a:spcBef>
+                <a:spcPct val="0"/>
+              </a:spcBef>
+              <a:spcAft>
+                <a:spcPct val="0"/>
+              </a:spcAft>
+              <a:defRPr>
+                <a:solidFill>
+                  <a:schemeClr val="tx1"/>
+                </a:solidFill>
+                <a:latin typeface="Calibri" panose="020F0502020204030204" pitchFamily="34" charset="0"/>
+              </a:defRPr>
+            </a:lvl9pPr>
+          </a:lstStyle>
+          <a:p>
+            <a:pPr algn="ctr" eaLnBrk="1" hangingPunct="1"/>
+            <a:r>
+              <a:rPr lang="en-US" altLang="en-US" sz="1000" dirty="0">
+                <a:latin typeface="Arial" panose="020B0604020202020204" pitchFamily="34" charset="0"/>
+                <a:ea typeface="Amazon Ember" panose="020B0603020204020204" pitchFamily="34" charset="0"/>
+                <a:cs typeface="Arial" panose="020B0604020202020204" pitchFamily="34" charset="0"/>
+              </a:rPr>
+              <a:t>Amazon Aurora</a:t>
+            </a:r>
+          </a:p>
+        </p:txBody>
+      </p:sp>
+      <p:sp>
+        <p:nvSpPr>
+          <p:cNvPr id="78" name="TextBox 12">
+            <a:extLst>
+              <a:ext uri="{FF2B5EF4-FFF2-40B4-BE49-F238E27FC236}">
+                <a16:creationId xmlns:a16="http://schemas.microsoft.com/office/drawing/2014/main" id="{FD1D5076-2EB7-AC48-9BB5-DF7900D47544}"/>
+              </a:ext>
+            </a:extLst>
+          </p:cNvPr>
+          <p:cNvSpPr txBox="1">
+            <a:spLocks noChangeArrowheads="1"/>
+          </p:cNvSpPr>
+          <p:nvPr/>
+        </p:nvSpPr>
+        <p:spPr bwMode="auto">
+          <a:xfrm>
+            <a:off x="4840204" y="1903346"/>
+            <a:ext cx="1403350" cy="246221"/>
+          </a:xfrm>
+          <a:prstGeom prst="rect">
+            <a:avLst/>
+          </a:prstGeom>
+          <a:noFill/>
+          <a:ln>
+            <a:noFill/>
+          </a:ln>
+          <a:extLst>
+            <a:ext uri="{909E8E84-426E-40DD-AFC4-6F175D3DCCD1}">
+              <a14:hiddenFill xmlns:a14="http://schemas.microsoft.com/office/drawing/2010/main">
+                <a:solidFill>
+                  <a:srgbClr val="FFFFFF"/>
+                </a:solidFill>
+              </a14:hiddenFill>
+            </a:ext>
+            <a:ext uri="{91240B29-F687-4F45-9708-019B960494DF}">
+              <a14:hiddenLine xmlns:a14="http://schemas.microsoft.com/office/drawing/2010/main" w="9525">
+                <a:solidFill>
+                  <a:srgbClr val="000000"/>
+                </a:solidFill>
+                <a:miter lim="800000"/>
+                <a:headEnd/>
+                <a:tailEnd/>
+              </a14:hiddenLine>
+            </a:ext>
+          </a:extLst>
+        </p:spPr>
+        <p:txBody>
+          <a:bodyPr>
+            <a:spAutoFit/>
+          </a:bodyPr>
+          <a:lstStyle>
+            <a:lvl1pPr>
+              <a:defRPr>
+                <a:solidFill>
+                  <a:schemeClr val="tx1"/>
+                </a:solidFill>
+                <a:latin typeface="Calibri" panose="020F0502020204030204" pitchFamily="34" charset="0"/>
+              </a:defRPr>
+            </a:lvl1pPr>
+            <a:lvl2pPr marL="742950" indent="-285750">
+              <a:defRPr>
+                <a:solidFill>
+                  <a:schemeClr val="tx1"/>
+                </a:solidFill>
+                <a:latin typeface="Calibri" panose="020F0502020204030204" pitchFamily="34" charset="0"/>
+              </a:defRPr>
+            </a:lvl2pPr>
+            <a:lvl3pPr marL="1143000" indent="-228600">
+              <a:defRPr>
+                <a:solidFill>
+                  <a:schemeClr val="tx1"/>
+                </a:solidFill>
+                <a:latin typeface="Calibri" panose="020F0502020204030204" pitchFamily="34" charset="0"/>
+              </a:defRPr>
+            </a:lvl3pPr>
+            <a:lvl4pPr marL="1600200" indent="-228600">
+              <a:defRPr>
+                <a:solidFill>
+                  <a:schemeClr val="tx1"/>
+                </a:solidFill>
+                <a:latin typeface="Calibri" panose="020F0502020204030204" pitchFamily="34" charset="0"/>
+              </a:defRPr>
+            </a:lvl4pPr>
+            <a:lvl5pPr marL="2057400" indent="-228600">
+              <a:defRPr>
+                <a:solidFill>
+                  <a:schemeClr val="tx1"/>
+                </a:solidFill>
+                <a:latin typeface="Calibri" panose="020F0502020204030204" pitchFamily="34" charset="0"/>
+              </a:defRPr>
+            </a:lvl5pPr>
+            <a:lvl6pPr marL="2514600" indent="-228600" eaLnBrk="0" fontAlgn="base" hangingPunct="0">
+              <a:spcBef>
+                <a:spcPct val="0"/>
+              </a:spcBef>
+              <a:spcAft>
+                <a:spcPct val="0"/>
+              </a:spcAft>
+              <a:defRPr>
+                <a:solidFill>
+                  <a:schemeClr val="tx1"/>
+                </a:solidFill>
+                <a:latin typeface="Calibri" panose="020F0502020204030204" pitchFamily="34" charset="0"/>
+              </a:defRPr>
+            </a:lvl6pPr>
+            <a:lvl7pPr marL="2971800" indent="-228600" eaLnBrk="0" fontAlgn="base" hangingPunct="0">
+              <a:spcBef>
+                <a:spcPct val="0"/>
+              </a:spcBef>
+              <a:spcAft>
+                <a:spcPct val="0"/>
+              </a:spcAft>
+              <a:defRPr>
+                <a:solidFill>
+                  <a:schemeClr val="tx1"/>
+                </a:solidFill>
+                <a:latin typeface="Calibri" panose="020F0502020204030204" pitchFamily="34" charset="0"/>
+              </a:defRPr>
+            </a:lvl7pPr>
+            <a:lvl8pPr marL="3429000" indent="-228600" eaLnBrk="0" fontAlgn="base" hangingPunct="0">
+              <a:spcBef>
+                <a:spcPct val="0"/>
+              </a:spcBef>
+              <a:spcAft>
+                <a:spcPct val="0"/>
+              </a:spcAft>
+              <a:defRPr>
+                <a:solidFill>
+                  <a:schemeClr val="tx1"/>
+                </a:solidFill>
+                <a:latin typeface="Calibri" panose="020F0502020204030204" pitchFamily="34" charset="0"/>
+              </a:defRPr>
+            </a:lvl8pPr>
+            <a:lvl9pPr marL="3886200" indent="-228600" eaLnBrk="0" fontAlgn="base" hangingPunct="0">
+              <a:spcBef>
+                <a:spcPct val="0"/>
+              </a:spcBef>
+              <a:spcAft>
+                <a:spcPct val="0"/>
+              </a:spcAft>
+              <a:defRPr>
+                <a:solidFill>
+                  <a:schemeClr val="tx1"/>
+                </a:solidFill>
+                <a:latin typeface="Calibri" panose="020F0502020204030204" pitchFamily="34" charset="0"/>
+              </a:defRPr>
+            </a:lvl9pPr>
+          </a:lstStyle>
+          <a:p>
+            <a:pPr algn="ctr" eaLnBrk="1" hangingPunct="1"/>
+            <a:r>
+              <a:rPr lang="en-US" altLang="en-US" sz="1000" dirty="0">
+                <a:latin typeface="Arial" panose="020B0604020202020204" pitchFamily="34" charset="0"/>
+                <a:ea typeface="Amazon Ember" panose="020B0603020204020204" pitchFamily="34" charset="0"/>
+                <a:cs typeface="Arial" panose="020B0604020202020204" pitchFamily="34" charset="0"/>
+              </a:rPr>
+              <a:t>Internet gateway</a:t>
+            </a:r>
+          </a:p>
+        </p:txBody>
+      </p:sp>
+      <p:pic>
+        <p:nvPicPr>
+          <p:cNvPr id="79" name="Graphic 10">
+            <a:extLst>
+              <a:ext uri="{FF2B5EF4-FFF2-40B4-BE49-F238E27FC236}">
+                <a16:creationId xmlns:a16="http://schemas.microsoft.com/office/drawing/2014/main" id="{55506C91-BF23-454A-86D3-224A2998BD91}"/>
+              </a:ext>
+            </a:extLst>
+          </p:cNvPr>
+          <p:cNvPicPr>
+            <a:picLocks noChangeAspect="1" noChangeArrowheads="1"/>
+          </p:cNvPicPr>
+          <p:nvPr/>
+        </p:nvPicPr>
+        <p:blipFill>
+          <a:blip r:embed="rId16">
+            <a:extLst>
+              <a:ext uri="{28A0092B-C50C-407E-A947-70E740481C1C}">
+                <a14:useLocalDpi xmlns:a14="http://schemas.microsoft.com/office/drawing/2010/main" val="0"/>
+              </a:ext>
+            </a:extLst>
+          </a:blip>
+          <a:srcRect/>
+          <a:stretch>
+            <a:fillRect/>
+          </a:stretch>
+        </p:blipFill>
+        <p:spPr bwMode="auto">
+          <a:xfrm>
+            <a:off x="5326102" y="1514623"/>
+            <a:ext cx="457200" cy="457200"/>
+          </a:xfrm>
+          <a:prstGeom prst="rect">
+            <a:avLst/>
+          </a:prstGeom>
+          <a:noFill/>
+          <a:ln>
+            <a:noFill/>
+          </a:ln>
+          <a:extLst>
+            <a:ext uri="{909E8E84-426E-40DD-AFC4-6F175D3DCCD1}">
+              <a14:hiddenFill xmlns:a14="http://schemas.microsoft.com/office/drawing/2010/main">
+                <a:solidFill>
+                  <a:srgbClr val="FFFFFF"/>
+                </a:solidFill>
+              </a14:hiddenFill>
+            </a:ext>
+            <a:ext uri="{91240B29-F687-4F45-9708-019B960494DF}">
+              <a14:hiddenLine xmlns:a14="http://schemas.microsoft.com/office/drawing/2010/main" w="9525">
+                <a:solidFill>
+                  <a:srgbClr val="000000"/>
+                </a:solidFill>
+                <a:miter lim="800000"/>
+                <a:headEnd/>
+                <a:tailEnd/>
+              </a14:hiddenLine>
+            </a:ext>
+          </a:extLst>
+        </p:spPr>
+      </p:pic>
+      <p:pic>
+        <p:nvPicPr>
+          <p:cNvPr id="80" name="Graphic 19">
+            <a:extLst>
+              <a:ext uri="{FF2B5EF4-FFF2-40B4-BE49-F238E27FC236}">
+                <a16:creationId xmlns:a16="http://schemas.microsoft.com/office/drawing/2014/main" id="{27001C97-2F3C-F245-858B-209B4105A147}"/>
+              </a:ext>
+            </a:extLst>
+          </p:cNvPr>
+          <p:cNvPicPr>
+            <a:picLocks noChangeAspect="1" noChangeArrowheads="1"/>
+          </p:cNvPicPr>
+          <p:nvPr/>
+        </p:nvPicPr>
+        <p:blipFill>
+          <a:blip r:embed="rId3">
+            <a:extLst>
+              <a:ext uri="{28A0092B-C50C-407E-A947-70E740481C1C}">
+                <a14:useLocalDpi xmlns:a14="http://schemas.microsoft.com/office/drawing/2010/main" val="0"/>
+              </a:ext>
+            </a:extLst>
+          </a:blip>
+          <a:srcRect/>
+          <a:stretch>
+            <a:fillRect/>
+          </a:stretch>
+        </p:blipFill>
+        <p:spPr bwMode="auto">
+          <a:xfrm>
+            <a:off x="1441366" y="4064237"/>
+            <a:ext cx="469900" cy="469900"/>
+          </a:xfrm>
+          <a:prstGeom prst="rect">
+            <a:avLst/>
+          </a:prstGeom>
+          <a:noFill/>
+          <a:ln>
+            <a:noFill/>
+          </a:ln>
+          <a:extLst>
+            <a:ext uri="{909E8E84-426E-40DD-AFC4-6F175D3DCCD1}">
+              <a14:hiddenFill xmlns:a14="http://schemas.microsoft.com/office/drawing/2010/main">
+                <a:solidFill>
+                  <a:srgbClr val="FFFFFF"/>
+                </a:solidFill>
+              </a14:hiddenFill>
+            </a:ext>
+            <a:ext uri="{91240B29-F687-4F45-9708-019B960494DF}">
+              <a14:hiddenLine xmlns:a14="http://schemas.microsoft.com/office/drawing/2010/main" w="9525">
+                <a:solidFill>
+                  <a:srgbClr val="000000"/>
+                </a:solidFill>
+                <a:miter lim="800000"/>
+                <a:headEnd/>
+                <a:tailEnd/>
+              </a14:hiddenLine>
+            </a:ext>
+          </a:extLst>
+        </p:spPr>
+      </p:pic>
+      <p:sp>
+        <p:nvSpPr>
+          <p:cNvPr id="81" name="TextBox 20">
+            <a:extLst>
+              <a:ext uri="{FF2B5EF4-FFF2-40B4-BE49-F238E27FC236}">
+                <a16:creationId xmlns:a16="http://schemas.microsoft.com/office/drawing/2014/main" id="{13BF09F2-646B-274B-A7A2-004C0C856F64}"/>
+              </a:ext>
+            </a:extLst>
+          </p:cNvPr>
+          <p:cNvSpPr txBox="1">
+            <a:spLocks noChangeArrowheads="1"/>
+          </p:cNvSpPr>
+          <p:nvPr/>
+        </p:nvSpPr>
+        <p:spPr bwMode="auto">
+          <a:xfrm>
+            <a:off x="833922" y="4509607"/>
+            <a:ext cx="1767152" cy="246221"/>
+          </a:xfrm>
+          <a:prstGeom prst="rect">
+            <a:avLst/>
+          </a:prstGeom>
+          <a:noFill/>
+          <a:ln>
+            <a:noFill/>
+          </a:ln>
+          <a:extLst>
+            <a:ext uri="{909E8E84-426E-40DD-AFC4-6F175D3DCCD1}">
+              <a14:hiddenFill xmlns:a14="http://schemas.microsoft.com/office/drawing/2010/main">
+                <a:solidFill>
+                  <a:srgbClr val="FFFFFF"/>
+                </a:solidFill>
+              </a14:hiddenFill>
+            </a:ext>
+            <a:ext uri="{91240B29-F687-4F45-9708-019B960494DF}">
+              <a14:hiddenLine xmlns:a14="http://schemas.microsoft.com/office/drawing/2010/main" w="9525">
+                <a:solidFill>
+                  <a:srgbClr val="000000"/>
+                </a:solidFill>
+                <a:miter lim="800000"/>
+                <a:headEnd/>
+                <a:tailEnd/>
+              </a14:hiddenLine>
+            </a:ext>
+          </a:extLst>
+        </p:spPr>
+        <p:txBody>
+          <a:bodyPr>
+            <a:spAutoFit/>
+          </a:bodyPr>
+          <a:lstStyle>
+            <a:lvl1pPr>
+              <a:defRPr>
+                <a:solidFill>
+                  <a:schemeClr val="tx1"/>
+                </a:solidFill>
+                <a:latin typeface="Calibri" panose="020F0502020204030204" pitchFamily="34" charset="0"/>
+              </a:defRPr>
+            </a:lvl1pPr>
+            <a:lvl2pPr marL="742950" indent="-285750">
+              <a:defRPr>
+                <a:solidFill>
+                  <a:schemeClr val="tx1"/>
+                </a:solidFill>
+                <a:latin typeface="Calibri" panose="020F0502020204030204" pitchFamily="34" charset="0"/>
+              </a:defRPr>
+            </a:lvl2pPr>
+            <a:lvl3pPr marL="1143000" indent="-228600">
+              <a:defRPr>
+                <a:solidFill>
+                  <a:schemeClr val="tx1"/>
+                </a:solidFill>
+                <a:latin typeface="Calibri" panose="020F0502020204030204" pitchFamily="34" charset="0"/>
+              </a:defRPr>
+            </a:lvl3pPr>
+            <a:lvl4pPr marL="1600200" indent="-228600">
+              <a:defRPr>
+                <a:solidFill>
+                  <a:schemeClr val="tx1"/>
+                </a:solidFill>
+                <a:latin typeface="Calibri" panose="020F0502020204030204" pitchFamily="34" charset="0"/>
+              </a:defRPr>
+            </a:lvl4pPr>
+            <a:lvl5pPr marL="2057400" indent="-228600">
+              <a:defRPr>
+                <a:solidFill>
+                  <a:schemeClr val="tx1"/>
+                </a:solidFill>
+                <a:latin typeface="Calibri" panose="020F0502020204030204" pitchFamily="34" charset="0"/>
+              </a:defRPr>
+            </a:lvl5pPr>
+            <a:lvl6pPr marL="2514600" indent="-228600" eaLnBrk="0" fontAlgn="base" hangingPunct="0">
+              <a:spcBef>
+                <a:spcPct val="0"/>
+              </a:spcBef>
+              <a:spcAft>
+                <a:spcPct val="0"/>
+              </a:spcAft>
+              <a:defRPr>
+                <a:solidFill>
+                  <a:schemeClr val="tx1"/>
+                </a:solidFill>
+                <a:latin typeface="Calibri" panose="020F0502020204030204" pitchFamily="34" charset="0"/>
+              </a:defRPr>
+            </a:lvl6pPr>
+            <a:lvl7pPr marL="2971800" indent="-228600" eaLnBrk="0" fontAlgn="base" hangingPunct="0">
+              <a:spcBef>
+                <a:spcPct val="0"/>
+              </a:spcBef>
+              <a:spcAft>
+                <a:spcPct val="0"/>
+              </a:spcAft>
+              <a:defRPr>
+                <a:solidFill>
+                  <a:schemeClr val="tx1"/>
+                </a:solidFill>
+                <a:latin typeface="Calibri" panose="020F0502020204030204" pitchFamily="34" charset="0"/>
+              </a:defRPr>
+            </a:lvl7pPr>
+            <a:lvl8pPr marL="3429000" indent="-228600" eaLnBrk="0" fontAlgn="base" hangingPunct="0">
+              <a:spcBef>
+                <a:spcPct val="0"/>
+              </a:spcBef>
+              <a:spcAft>
+                <a:spcPct val="0"/>
+              </a:spcAft>
+              <a:defRPr>
+                <a:solidFill>
+                  <a:schemeClr val="tx1"/>
+                </a:solidFill>
+                <a:latin typeface="Calibri" panose="020F0502020204030204" pitchFamily="34" charset="0"/>
+              </a:defRPr>
+            </a:lvl8pPr>
+            <a:lvl9pPr marL="3886200" indent="-228600" eaLnBrk="0" fontAlgn="base" hangingPunct="0">
+              <a:spcBef>
+                <a:spcPct val="0"/>
+              </a:spcBef>
+              <a:spcAft>
+                <a:spcPct val="0"/>
+              </a:spcAft>
+              <a:defRPr>
+                <a:solidFill>
+                  <a:schemeClr val="tx1"/>
+                </a:solidFill>
+                <a:latin typeface="Calibri" panose="020F0502020204030204" pitchFamily="34" charset="0"/>
+              </a:defRPr>
+            </a:lvl9pPr>
+          </a:lstStyle>
+          <a:p>
+            <a:pPr marL="0" marR="0" lvl="0" indent="0" algn="ctr" defTabSz="914400" rtl="0" eaLnBrk="1" fontAlgn="base" latinLnBrk="0" hangingPunct="1">
+              <a:lnSpc>
+                <a:spcPct val="100000"/>
+              </a:lnSpc>
+              <a:spcBef>
+                <a:spcPct val="0"/>
+              </a:spcBef>
+              <a:spcAft>
+                <a:spcPct val="0"/>
+              </a:spcAft>
+              <a:buClrTx/>
+              <a:buSzTx/>
+              <a:buFontTx/>
+              <a:buNone/>
+              <a:tabLst/>
+              <a:defRPr/>
+            </a:pPr>
+            <a:r>
+              <a:rPr kumimoji="0" lang="en-US" altLang="en-US" sz="1000" b="0" i="0" u="none" strike="noStrike" kern="1200" cap="none" spc="0" normalizeH="0" baseline="0" noProof="0" dirty="0">
+                <a:ln>
+                  <a:noFill/>
+                </a:ln>
+                <a:solidFill>
+                  <a:srgbClr val="232F3E"/>
+                </a:solidFill>
+                <a:effectLst/>
+                <a:uLnTx/>
+                <a:uFillTx/>
+                <a:latin typeface="Arial" panose="020B0604020202020204" pitchFamily="34" charset="0"/>
+                <a:ea typeface="+mn-ea"/>
+                <a:cs typeface="Arial" panose="020B0604020202020204" pitchFamily="34" charset="0"/>
+              </a:rPr>
+              <a:t>Domain Controller 1</a:t>
+            </a:r>
+          </a:p>
+        </p:txBody>
+      </p:sp>
+      <p:pic>
+        <p:nvPicPr>
+          <p:cNvPr id="82" name="Graphic 19">
+            <a:extLst>
+              <a:ext uri="{FF2B5EF4-FFF2-40B4-BE49-F238E27FC236}">
+                <a16:creationId xmlns:a16="http://schemas.microsoft.com/office/drawing/2014/main" id="{DA0430B4-7895-394E-AB26-8D7370F90A05}"/>
+              </a:ext>
+            </a:extLst>
+          </p:cNvPr>
+          <p:cNvPicPr>
+            <a:picLocks noChangeAspect="1" noChangeArrowheads="1"/>
+          </p:cNvPicPr>
+          <p:nvPr/>
+        </p:nvPicPr>
+        <p:blipFill>
+          <a:blip r:embed="rId3">
+            <a:extLst>
+              <a:ext uri="{28A0092B-C50C-407E-A947-70E740481C1C}">
+                <a14:useLocalDpi xmlns:a14="http://schemas.microsoft.com/office/drawing/2010/main" val="0"/>
+              </a:ext>
+            </a:extLst>
+          </a:blip>
+          <a:srcRect/>
+          <a:stretch>
+            <a:fillRect/>
+          </a:stretch>
+        </p:blipFill>
+        <p:spPr bwMode="auto">
+          <a:xfrm>
+            <a:off x="7362695" y="4090456"/>
+            <a:ext cx="417660" cy="417660"/>
+          </a:xfrm>
+          <a:prstGeom prst="rect">
+            <a:avLst/>
+          </a:prstGeom>
+          <a:noFill/>
+          <a:ln>
+            <a:noFill/>
+          </a:ln>
+          <a:extLst>
+            <a:ext uri="{909E8E84-426E-40DD-AFC4-6F175D3DCCD1}">
+              <a14:hiddenFill xmlns:a14="http://schemas.microsoft.com/office/drawing/2010/main">
+                <a:solidFill>
+                  <a:srgbClr val="FFFFFF"/>
+                </a:solidFill>
+              </a14:hiddenFill>
+            </a:ext>
+            <a:ext uri="{91240B29-F687-4F45-9708-019B960494DF}">
+              <a14:hiddenLine xmlns:a14="http://schemas.microsoft.com/office/drawing/2010/main" w="9525">
+                <a:solidFill>
+                  <a:srgbClr val="000000"/>
+                </a:solidFill>
+                <a:miter lim="800000"/>
+                <a:headEnd/>
+                <a:tailEnd/>
+              </a14:hiddenLine>
+            </a:ext>
+          </a:extLst>
+        </p:spPr>
+      </p:pic>
+      <p:sp>
+        <p:nvSpPr>
+          <p:cNvPr id="83" name="TextBox 20">
+            <a:extLst>
+              <a:ext uri="{FF2B5EF4-FFF2-40B4-BE49-F238E27FC236}">
+                <a16:creationId xmlns:a16="http://schemas.microsoft.com/office/drawing/2014/main" id="{594861DE-2D58-A64E-B072-913B821B66BC}"/>
+              </a:ext>
+            </a:extLst>
+          </p:cNvPr>
+          <p:cNvSpPr txBox="1">
+            <a:spLocks noChangeArrowheads="1"/>
+          </p:cNvSpPr>
+          <p:nvPr/>
+        </p:nvSpPr>
+        <p:spPr bwMode="auto">
+          <a:xfrm>
+            <a:off x="7031969" y="4521835"/>
+            <a:ext cx="1434306" cy="246221"/>
+          </a:xfrm>
+          <a:prstGeom prst="rect">
+            <a:avLst/>
+          </a:prstGeom>
+          <a:noFill/>
+          <a:ln>
+            <a:noFill/>
+          </a:ln>
+          <a:extLst>
+            <a:ext uri="{909E8E84-426E-40DD-AFC4-6F175D3DCCD1}">
+              <a14:hiddenFill xmlns:a14="http://schemas.microsoft.com/office/drawing/2010/main">
+                <a:solidFill>
+                  <a:srgbClr val="FFFFFF"/>
+                </a:solidFill>
+              </a14:hiddenFill>
+            </a:ext>
+            <a:ext uri="{91240B29-F687-4F45-9708-019B960494DF}">
+              <a14:hiddenLine xmlns:a14="http://schemas.microsoft.com/office/drawing/2010/main" w="9525">
+                <a:solidFill>
+                  <a:srgbClr val="000000"/>
+                </a:solidFill>
+                <a:miter lim="800000"/>
+                <a:headEnd/>
+                <a:tailEnd/>
+              </a14:hiddenLine>
+            </a:ext>
+          </a:extLst>
+        </p:spPr>
+        <p:txBody>
+          <a:bodyPr wrap="square">
+            <a:spAutoFit/>
+          </a:bodyPr>
+          <a:lstStyle>
+            <a:lvl1pPr>
+              <a:defRPr>
+                <a:solidFill>
+                  <a:schemeClr val="tx1"/>
+                </a:solidFill>
+                <a:latin typeface="Calibri" panose="020F0502020204030204" pitchFamily="34" charset="0"/>
+              </a:defRPr>
+            </a:lvl1pPr>
+            <a:lvl2pPr marL="742950" indent="-285750">
+              <a:defRPr>
+                <a:solidFill>
+                  <a:schemeClr val="tx1"/>
+                </a:solidFill>
+                <a:latin typeface="Calibri" panose="020F0502020204030204" pitchFamily="34" charset="0"/>
+              </a:defRPr>
+            </a:lvl2pPr>
+            <a:lvl3pPr marL="1143000" indent="-228600">
+              <a:defRPr>
+                <a:solidFill>
+                  <a:schemeClr val="tx1"/>
+                </a:solidFill>
+                <a:latin typeface="Calibri" panose="020F0502020204030204" pitchFamily="34" charset="0"/>
+              </a:defRPr>
+            </a:lvl3pPr>
+            <a:lvl4pPr marL="1600200" indent="-228600">
+              <a:defRPr>
+                <a:solidFill>
+                  <a:schemeClr val="tx1"/>
+                </a:solidFill>
+                <a:latin typeface="Calibri" panose="020F0502020204030204" pitchFamily="34" charset="0"/>
+              </a:defRPr>
+            </a:lvl4pPr>
+            <a:lvl5pPr marL="2057400" indent="-228600">
+              <a:defRPr>
+                <a:solidFill>
+                  <a:schemeClr val="tx1"/>
+                </a:solidFill>
+                <a:latin typeface="Calibri" panose="020F0502020204030204" pitchFamily="34" charset="0"/>
+              </a:defRPr>
+            </a:lvl5pPr>
+            <a:lvl6pPr marL="2514600" indent="-228600" eaLnBrk="0" fontAlgn="base" hangingPunct="0">
+              <a:spcBef>
+                <a:spcPct val="0"/>
+              </a:spcBef>
+              <a:spcAft>
+                <a:spcPct val="0"/>
+              </a:spcAft>
+              <a:defRPr>
+                <a:solidFill>
+                  <a:schemeClr val="tx1"/>
+                </a:solidFill>
+                <a:latin typeface="Calibri" panose="020F0502020204030204" pitchFamily="34" charset="0"/>
+              </a:defRPr>
+            </a:lvl6pPr>
+            <a:lvl7pPr marL="2971800" indent="-228600" eaLnBrk="0" fontAlgn="base" hangingPunct="0">
+              <a:spcBef>
+                <a:spcPct val="0"/>
+              </a:spcBef>
+              <a:spcAft>
+                <a:spcPct val="0"/>
+              </a:spcAft>
+              <a:defRPr>
+                <a:solidFill>
+                  <a:schemeClr val="tx1"/>
+                </a:solidFill>
+                <a:latin typeface="Calibri" panose="020F0502020204030204" pitchFamily="34" charset="0"/>
+              </a:defRPr>
+            </a:lvl7pPr>
+            <a:lvl8pPr marL="3429000" indent="-228600" eaLnBrk="0" fontAlgn="base" hangingPunct="0">
+              <a:spcBef>
+                <a:spcPct val="0"/>
+              </a:spcBef>
+              <a:spcAft>
+                <a:spcPct val="0"/>
+              </a:spcAft>
+              <a:defRPr>
+                <a:solidFill>
+                  <a:schemeClr val="tx1"/>
+                </a:solidFill>
+                <a:latin typeface="Calibri" panose="020F0502020204030204" pitchFamily="34" charset="0"/>
+              </a:defRPr>
+            </a:lvl8pPr>
+            <a:lvl9pPr marL="3886200" indent="-228600" eaLnBrk="0" fontAlgn="base" hangingPunct="0">
+              <a:spcBef>
+                <a:spcPct val="0"/>
+              </a:spcBef>
+              <a:spcAft>
+                <a:spcPct val="0"/>
+              </a:spcAft>
+              <a:defRPr>
+                <a:solidFill>
+                  <a:schemeClr val="tx1"/>
+                </a:solidFill>
+                <a:latin typeface="Calibri" panose="020F0502020204030204" pitchFamily="34" charset="0"/>
+              </a:defRPr>
+            </a:lvl9pPr>
+          </a:lstStyle>
+          <a:p>
+            <a:pPr marL="0" marR="0" lvl="0" indent="0" algn="ctr" defTabSz="914400" rtl="0" eaLnBrk="1" fontAlgn="base" latinLnBrk="0" hangingPunct="1">
+              <a:lnSpc>
+                <a:spcPct val="100000"/>
+              </a:lnSpc>
+              <a:spcBef>
+                <a:spcPct val="0"/>
+              </a:spcBef>
+              <a:spcAft>
+                <a:spcPct val="0"/>
+              </a:spcAft>
+              <a:buClrTx/>
+              <a:buSzTx/>
+              <a:buFontTx/>
+              <a:buNone/>
+              <a:tabLst/>
+              <a:defRPr/>
+            </a:pPr>
+            <a:r>
+              <a:rPr kumimoji="0" lang="en-US" altLang="en-US" sz="1000" b="0" i="0" u="none" strike="noStrike" kern="1200" cap="none" spc="0" normalizeH="0" baseline="0" noProof="0" dirty="0">
+                <a:ln>
+                  <a:noFill/>
+                </a:ln>
+                <a:solidFill>
+                  <a:srgbClr val="232F3E"/>
+                </a:solidFill>
+                <a:effectLst/>
+                <a:uLnTx/>
+                <a:uFillTx/>
+                <a:latin typeface="Arial" panose="020B0604020202020204" pitchFamily="34" charset="0"/>
+                <a:ea typeface="+mn-ea"/>
+                <a:cs typeface="Arial" panose="020B0604020202020204" pitchFamily="34" charset="0"/>
+              </a:rPr>
+              <a:t>RADIUS Server</a:t>
+            </a:r>
+          </a:p>
+        </p:txBody>
+      </p:sp>
+      <p:sp>
+        <p:nvSpPr>
+          <p:cNvPr id="88" name="Rectangle 87">
+            <a:extLst>
+              <a:ext uri="{FF2B5EF4-FFF2-40B4-BE49-F238E27FC236}">
+                <a16:creationId xmlns:a16="http://schemas.microsoft.com/office/drawing/2014/main" id="{C859C9C4-CDD9-2643-8D93-606FE8119AF5}"/>
+              </a:ext>
+            </a:extLst>
+          </p:cNvPr>
+          <p:cNvSpPr/>
+          <p:nvPr/>
+        </p:nvSpPr>
+        <p:spPr>
+          <a:xfrm>
+            <a:off x="2769062" y="4058930"/>
+            <a:ext cx="5500004" cy="734347"/>
+          </a:xfrm>
+          <a:prstGeom prst="rect">
+            <a:avLst/>
+          </a:prstGeom>
+          <a:noFill/>
+          <a:ln w="12700">
+            <a:solidFill>
+              <a:srgbClr val="D86613"/>
+            </a:solidFill>
+            <a:prstDash val="dash"/>
+          </a:ln>
+        </p:spPr>
+        <p:style>
+          <a:lnRef idx="2">
+            <a:schemeClr val="accent1">
+              <a:shade val="50000"/>
+            </a:schemeClr>
+          </a:lnRef>
+          <a:fillRef idx="1">
+            <a:schemeClr val="accent1"/>
+          </a:fillRef>
+          <a:effectRef idx="0">
+            <a:schemeClr val="accent1"/>
+          </a:effectRef>
+          <a:fontRef idx="minor">
+            <a:schemeClr val="lt1"/>
+          </a:fontRef>
+        </p:style>
+        <p:txBody>
+          <a:bodyPr tIns="91440"/>
+          <a:lstStyle/>
+          <a:p>
+            <a:pPr marL="0" marR="0" lvl="0" indent="0" algn="ctr" defTabSz="914400" rtl="0" eaLnBrk="1" fontAlgn="auto" latinLnBrk="0" hangingPunct="1">
+              <a:lnSpc>
+                <a:spcPct val="100000"/>
+              </a:lnSpc>
+              <a:spcBef>
+                <a:spcPts val="0"/>
+              </a:spcBef>
+              <a:spcAft>
+                <a:spcPts val="0"/>
+              </a:spcAft>
+              <a:buClrTx/>
+              <a:buSzTx/>
+              <a:buFontTx/>
+              <a:buNone/>
+              <a:tabLst/>
+              <a:defRPr/>
+            </a:pPr>
+            <a:endParaRPr kumimoji="0" lang="en-US" sz="1000" b="0" i="0" u="none" strike="noStrike" kern="1200" cap="none" spc="0" normalizeH="0" baseline="0" noProof="0" dirty="0">
+              <a:ln>
+                <a:noFill/>
+              </a:ln>
+              <a:solidFill>
+                <a:srgbClr val="D86613"/>
+              </a:solidFill>
+              <a:effectLst/>
+              <a:uLnTx/>
+              <a:uFillTx/>
+              <a:latin typeface="Arial" panose="020B0604020202020204" pitchFamily="34" charset="0"/>
+              <a:ea typeface="+mn-ea"/>
+              <a:cs typeface="Arial" panose="020B0604020202020204" pitchFamily="34" charset="0"/>
+            </a:endParaRPr>
+          </a:p>
+          <a:p>
+            <a:pPr marL="0" marR="0" lvl="0" indent="0" algn="ctr" defTabSz="914400" rtl="0" eaLnBrk="1" fontAlgn="auto" latinLnBrk="0" hangingPunct="1">
+              <a:lnSpc>
+                <a:spcPct val="100000"/>
+              </a:lnSpc>
+              <a:spcBef>
+                <a:spcPts val="0"/>
+              </a:spcBef>
+              <a:spcAft>
+                <a:spcPts val="0"/>
+              </a:spcAft>
+              <a:buClrTx/>
+              <a:buSzTx/>
+              <a:buFontTx/>
+              <a:buNone/>
+              <a:tabLst/>
+              <a:defRPr/>
+            </a:pPr>
+            <a:endParaRPr kumimoji="0" lang="en-US" sz="1000" b="0" i="0" u="none" strike="noStrike" kern="1200" cap="none" spc="0" normalizeH="0" baseline="0" noProof="0" dirty="0">
+              <a:ln>
+                <a:noFill/>
+              </a:ln>
+              <a:solidFill>
+                <a:srgbClr val="D86613"/>
+              </a:solidFill>
+              <a:effectLst/>
+              <a:uLnTx/>
+              <a:uFillTx/>
+              <a:latin typeface="Arial" panose="020B0604020202020204" pitchFamily="34" charset="0"/>
+              <a:ea typeface="+mn-ea"/>
+              <a:cs typeface="Arial" panose="020B0604020202020204" pitchFamily="34" charset="0"/>
+            </a:endParaRPr>
+          </a:p>
+          <a:p>
+            <a:pPr marL="0" marR="0" lvl="0" indent="0" algn="ctr" defTabSz="914400" rtl="0" eaLnBrk="1" fontAlgn="auto" latinLnBrk="0" hangingPunct="1">
+              <a:lnSpc>
+                <a:spcPct val="100000"/>
+              </a:lnSpc>
+              <a:spcBef>
+                <a:spcPts val="0"/>
+              </a:spcBef>
+              <a:spcAft>
+                <a:spcPts val="0"/>
+              </a:spcAft>
+              <a:buClrTx/>
+              <a:buSzTx/>
+              <a:buFontTx/>
+              <a:buNone/>
+              <a:tabLst/>
+              <a:defRPr/>
+            </a:pPr>
+            <a:r>
+              <a:rPr kumimoji="0" lang="en-US" sz="1000" b="0" i="0" u="none" strike="noStrike" kern="1200" cap="none" spc="0" normalizeH="0" baseline="0" noProof="0" dirty="0">
+                <a:ln>
+                  <a:noFill/>
+                </a:ln>
+                <a:solidFill>
+                  <a:srgbClr val="D86613"/>
+                </a:solidFill>
+                <a:effectLst/>
+                <a:uLnTx/>
+                <a:uFillTx/>
+                <a:latin typeface="Arial" panose="020B0604020202020204" pitchFamily="34" charset="0"/>
+                <a:ea typeface="+mn-ea"/>
+                <a:cs typeface="Arial" panose="020B0604020202020204" pitchFamily="34" charset="0"/>
+              </a:rPr>
+              <a:t>Auto Scaling group</a:t>
+            </a:r>
+          </a:p>
+        </p:txBody>
+      </p:sp>
+      <p:pic>
+        <p:nvPicPr>
+          <p:cNvPr id="89" name="Graphic 88">
+            <a:extLst>
+              <a:ext uri="{FF2B5EF4-FFF2-40B4-BE49-F238E27FC236}">
+                <a16:creationId xmlns:a16="http://schemas.microsoft.com/office/drawing/2014/main" id="{FC1E420B-2676-F248-AF74-504B9D030AEA}"/>
+              </a:ext>
+            </a:extLst>
+          </p:cNvPr>
+          <p:cNvPicPr>
+            <a:picLocks noChangeAspect="1"/>
+          </p:cNvPicPr>
+          <p:nvPr/>
+        </p:nvPicPr>
+        <p:blipFill>
+          <a:blip r:embed="rId17">
+            <a:extLst>
+              <a:ext uri="{96DAC541-7B7A-43D3-8B79-37D633B846F1}">
+                <asvg:svgBlip xmlns:asvg="http://schemas.microsoft.com/office/drawing/2016/SVG/main" r:embed="rId18"/>
+              </a:ext>
+            </a:extLst>
+          </a:blip>
+          <a:stretch>
+            <a:fillRect/>
+          </a:stretch>
+        </p:blipFill>
+        <p:spPr>
+          <a:xfrm>
+            <a:off x="5280477" y="4120756"/>
+            <a:ext cx="337338" cy="337338"/>
+          </a:xfrm>
+          <a:prstGeom prst="rect">
+            <a:avLst/>
+          </a:prstGeom>
+        </p:spPr>
+      </p:pic>
+      <p:pic>
+        <p:nvPicPr>
+          <p:cNvPr id="90" name="Graphic 15">
+            <a:extLst>
+              <a:ext uri="{FF2B5EF4-FFF2-40B4-BE49-F238E27FC236}">
+                <a16:creationId xmlns:a16="http://schemas.microsoft.com/office/drawing/2014/main" id="{3B30A437-9891-0943-966F-D9043C8CF943}"/>
+              </a:ext>
+            </a:extLst>
+          </p:cNvPr>
+          <p:cNvPicPr>
+            <a:picLocks noChangeAspect="1" noChangeArrowheads="1"/>
+          </p:cNvPicPr>
+          <p:nvPr/>
+        </p:nvPicPr>
+        <p:blipFill>
+          <a:blip r:embed="rId19">
+            <a:extLst>
+              <a:ext uri="{28A0092B-C50C-407E-A947-70E740481C1C}">
+                <a14:useLocalDpi xmlns:a14="http://schemas.microsoft.com/office/drawing/2010/main" val="0"/>
+              </a:ext>
+            </a:extLst>
+          </a:blip>
+          <a:srcRect/>
+          <a:stretch>
+            <a:fillRect/>
+          </a:stretch>
+        </p:blipFill>
+        <p:spPr bwMode="auto">
+          <a:xfrm>
+            <a:off x="10880029" y="2732779"/>
+            <a:ext cx="454819" cy="454819"/>
+          </a:xfrm>
+          <a:prstGeom prst="rect">
+            <a:avLst/>
+          </a:prstGeom>
+          <a:noFill/>
+          <a:ln>
+            <a:noFill/>
+          </a:ln>
+          <a:extLst>
+            <a:ext uri="{909E8E84-426E-40DD-AFC4-6F175D3DCCD1}">
+              <a14:hiddenFill xmlns:a14="http://schemas.microsoft.com/office/drawing/2010/main">
+                <a:solidFill>
+                  <a:srgbClr val="FFFFFF"/>
+                </a:solidFill>
+              </a14:hiddenFill>
+            </a:ext>
+            <a:ext uri="{91240B29-F687-4F45-9708-019B960494DF}">
+              <a14:hiddenLine xmlns:a14="http://schemas.microsoft.com/office/drawing/2010/main" w="9525">
+                <a:solidFill>
+                  <a:srgbClr val="000000"/>
+                </a:solidFill>
+                <a:miter lim="800000"/>
+                <a:headEnd/>
+                <a:tailEnd/>
+              </a14:hiddenLine>
+            </a:ext>
+          </a:extLst>
+        </p:spPr>
+      </p:pic>
+      <p:sp>
+        <p:nvSpPr>
+          <p:cNvPr id="91" name="TextBox 11">
+            <a:extLst>
+              <a:ext uri="{FF2B5EF4-FFF2-40B4-BE49-F238E27FC236}">
+                <a16:creationId xmlns:a16="http://schemas.microsoft.com/office/drawing/2014/main" id="{909DB966-6788-AD4F-9A1F-CBFCC227577D}"/>
+              </a:ext>
+            </a:extLst>
+          </p:cNvPr>
+          <p:cNvSpPr txBox="1">
+            <a:spLocks noChangeArrowheads="1"/>
+          </p:cNvSpPr>
+          <p:nvPr/>
+        </p:nvSpPr>
+        <p:spPr bwMode="auto">
+          <a:xfrm>
+            <a:off x="10332975" y="3136396"/>
+            <a:ext cx="1470382" cy="400110"/>
+          </a:xfrm>
+          <a:prstGeom prst="rect">
+            <a:avLst/>
+          </a:prstGeom>
+          <a:noFill/>
+          <a:ln>
+            <a:noFill/>
+          </a:ln>
+          <a:extLst>
+            <a:ext uri="{909E8E84-426E-40DD-AFC4-6F175D3DCCD1}">
+              <a14:hiddenFill xmlns:a14="http://schemas.microsoft.com/office/drawing/2010/main">
+                <a:solidFill>
+                  <a:srgbClr val="FFFFFF"/>
+                </a:solidFill>
+              </a14:hiddenFill>
+            </a:ext>
+            <a:ext uri="{91240B29-F687-4F45-9708-019B960494DF}">
+              <a14:hiddenLine xmlns:a14="http://schemas.microsoft.com/office/drawing/2010/main" w="9525">
+                <a:solidFill>
+                  <a:srgbClr val="000000"/>
+                </a:solidFill>
+                <a:miter lim="800000"/>
+                <a:headEnd/>
+                <a:tailEnd/>
+              </a14:hiddenLine>
+            </a:ext>
+          </a:extLst>
+        </p:spPr>
+        <p:txBody>
+          <a:bodyPr wrap="square">
+            <a:spAutoFit/>
+          </a:bodyPr>
+          <a:lstStyle>
+            <a:lvl1pPr>
+              <a:defRPr>
+                <a:solidFill>
+                  <a:schemeClr val="tx1"/>
+                </a:solidFill>
+                <a:latin typeface="Calibri" panose="020F0502020204030204" pitchFamily="34" charset="0"/>
+              </a:defRPr>
+            </a:lvl1pPr>
+            <a:lvl2pPr marL="742950" indent="-285750">
+              <a:defRPr>
+                <a:solidFill>
+                  <a:schemeClr val="tx1"/>
+                </a:solidFill>
+                <a:latin typeface="Calibri" panose="020F0502020204030204" pitchFamily="34" charset="0"/>
+              </a:defRPr>
+            </a:lvl2pPr>
+            <a:lvl3pPr marL="1143000" indent="-228600">
+              <a:defRPr>
+                <a:solidFill>
+                  <a:schemeClr val="tx1"/>
+                </a:solidFill>
+                <a:latin typeface="Calibri" panose="020F0502020204030204" pitchFamily="34" charset="0"/>
+              </a:defRPr>
+            </a:lvl3pPr>
+            <a:lvl4pPr marL="1600200" indent="-228600">
+              <a:defRPr>
+                <a:solidFill>
+                  <a:schemeClr val="tx1"/>
+                </a:solidFill>
+                <a:latin typeface="Calibri" panose="020F0502020204030204" pitchFamily="34" charset="0"/>
+              </a:defRPr>
+            </a:lvl4pPr>
+            <a:lvl5pPr marL="2057400" indent="-228600">
+              <a:defRPr>
+                <a:solidFill>
+                  <a:schemeClr val="tx1"/>
+                </a:solidFill>
+                <a:latin typeface="Calibri" panose="020F0502020204030204" pitchFamily="34" charset="0"/>
+              </a:defRPr>
+            </a:lvl5pPr>
+            <a:lvl6pPr marL="2514600" indent="-228600" eaLnBrk="0" fontAlgn="base" hangingPunct="0">
+              <a:spcBef>
+                <a:spcPct val="0"/>
+              </a:spcBef>
+              <a:spcAft>
+                <a:spcPct val="0"/>
+              </a:spcAft>
+              <a:defRPr>
+                <a:solidFill>
+                  <a:schemeClr val="tx1"/>
+                </a:solidFill>
+                <a:latin typeface="Calibri" panose="020F0502020204030204" pitchFamily="34" charset="0"/>
+              </a:defRPr>
+            </a:lvl6pPr>
+            <a:lvl7pPr marL="2971800" indent="-228600" eaLnBrk="0" fontAlgn="base" hangingPunct="0">
+              <a:spcBef>
+                <a:spcPct val="0"/>
+              </a:spcBef>
+              <a:spcAft>
+                <a:spcPct val="0"/>
+              </a:spcAft>
+              <a:defRPr>
+                <a:solidFill>
+                  <a:schemeClr val="tx1"/>
+                </a:solidFill>
+                <a:latin typeface="Calibri" panose="020F0502020204030204" pitchFamily="34" charset="0"/>
+              </a:defRPr>
+            </a:lvl7pPr>
+            <a:lvl8pPr marL="3429000" indent="-228600" eaLnBrk="0" fontAlgn="base" hangingPunct="0">
+              <a:spcBef>
+                <a:spcPct val="0"/>
+              </a:spcBef>
+              <a:spcAft>
+                <a:spcPct val="0"/>
+              </a:spcAft>
+              <a:defRPr>
+                <a:solidFill>
+                  <a:schemeClr val="tx1"/>
+                </a:solidFill>
+                <a:latin typeface="Calibri" panose="020F0502020204030204" pitchFamily="34" charset="0"/>
+              </a:defRPr>
+            </a:lvl8pPr>
+            <a:lvl9pPr marL="3886200" indent="-228600" eaLnBrk="0" fontAlgn="base" hangingPunct="0">
+              <a:spcBef>
+                <a:spcPct val="0"/>
+              </a:spcBef>
+              <a:spcAft>
+                <a:spcPct val="0"/>
+              </a:spcAft>
+              <a:defRPr>
+                <a:solidFill>
+                  <a:schemeClr val="tx1"/>
+                </a:solidFill>
+                <a:latin typeface="Calibri" panose="020F0502020204030204" pitchFamily="34" charset="0"/>
+              </a:defRPr>
+            </a:lvl9pPr>
+          </a:lstStyle>
+          <a:p>
+            <a:pPr algn="ctr" eaLnBrk="1" hangingPunct="1"/>
+            <a:r>
+              <a:rPr lang="en-US" altLang="en-US" sz="1000" dirty="0">
+                <a:latin typeface="Arial" panose="020B0604020202020204" pitchFamily="34" charset="0"/>
+                <a:ea typeface="Amazon Ember" panose="020B0603020204020204" pitchFamily="34" charset="0"/>
+                <a:cs typeface="Arial" panose="020B0604020202020204" pitchFamily="34" charset="0"/>
+              </a:rPr>
+              <a:t>AWS Systems </a:t>
+            </a:r>
+          </a:p>
+          <a:p>
+            <a:pPr algn="ctr" eaLnBrk="1" hangingPunct="1"/>
+            <a:r>
+              <a:rPr lang="en-US" altLang="en-US" sz="1000" dirty="0">
+                <a:latin typeface="Arial" panose="020B0604020202020204" pitchFamily="34" charset="0"/>
+                <a:ea typeface="Amazon Ember" panose="020B0603020204020204" pitchFamily="34" charset="0"/>
+                <a:cs typeface="Arial" panose="020B0604020202020204" pitchFamily="34" charset="0"/>
+              </a:rPr>
+              <a:t>Manager</a:t>
+            </a:r>
+          </a:p>
+        </p:txBody>
+      </p:sp>
+      <p:sp>
+        <p:nvSpPr>
+          <p:cNvPr id="92" name="TextBox 11">
+            <a:extLst>
+              <a:ext uri="{FF2B5EF4-FFF2-40B4-BE49-F238E27FC236}">
+                <a16:creationId xmlns:a16="http://schemas.microsoft.com/office/drawing/2014/main" id="{7F02E016-C392-7B48-AF9C-D78FCE4AF645}"/>
+              </a:ext>
+            </a:extLst>
+          </p:cNvPr>
+          <p:cNvSpPr txBox="1">
+            <a:spLocks noChangeArrowheads="1"/>
+          </p:cNvSpPr>
+          <p:nvPr/>
+        </p:nvSpPr>
+        <p:spPr bwMode="auto">
+          <a:xfrm>
+            <a:off x="10523719" y="2307753"/>
+            <a:ext cx="1193695" cy="400110"/>
+          </a:xfrm>
+          <a:prstGeom prst="rect">
+            <a:avLst/>
+          </a:prstGeom>
+          <a:noFill/>
+          <a:ln>
+            <a:noFill/>
+          </a:ln>
+          <a:extLst>
+            <a:ext uri="{909E8E84-426E-40DD-AFC4-6F175D3DCCD1}">
+              <a14:hiddenFill xmlns:a14="http://schemas.microsoft.com/office/drawing/2010/main">
+                <a:solidFill>
+                  <a:srgbClr val="FFFFFF"/>
+                </a:solidFill>
+              </a14:hiddenFill>
+            </a:ext>
+            <a:ext uri="{91240B29-F687-4F45-9708-019B960494DF}">
+              <a14:hiddenLine xmlns:a14="http://schemas.microsoft.com/office/drawing/2010/main" w="9525">
+                <a:solidFill>
+                  <a:srgbClr val="000000"/>
+                </a:solidFill>
+                <a:miter lim="800000"/>
+                <a:headEnd/>
+                <a:tailEnd/>
+              </a14:hiddenLine>
+            </a:ext>
+          </a:extLst>
+        </p:spPr>
+        <p:style>
+          <a:lnRef idx="0">
+            <a:scrgbClr r="0" g="0" b="0"/>
+          </a:lnRef>
+          <a:fillRef idx="0">
+            <a:scrgbClr r="0" g="0" b="0"/>
+          </a:fillRef>
+          <a:effectRef idx="0">
+            <a:scrgbClr r="0" g="0" b="0"/>
+          </a:effectRef>
+          <a:fontRef idx="major"/>
+        </p:style>
+        <p:txBody>
+          <a:bodyPr wrap="square">
+            <a:spAutoFit/>
+          </a:bodyPr>
+          <a:lstStyle>
+            <a:lvl1pPr>
+              <a:defRPr>
+                <a:latin typeface="+mj-lt"/>
+                <a:ea typeface="+mj-ea"/>
+                <a:cs typeface="+mj-cs"/>
+              </a:defRPr>
+            </a:lvl1pPr>
+            <a:lvl2pPr>
+              <a:defRPr>
+                <a:latin typeface="+mj-lt"/>
+                <a:ea typeface="+mj-ea"/>
+                <a:cs typeface="+mj-cs"/>
+              </a:defRPr>
+            </a:lvl2pPr>
+            <a:lvl3pPr>
+              <a:defRPr>
+                <a:latin typeface="+mj-lt"/>
+                <a:ea typeface="+mj-ea"/>
+                <a:cs typeface="+mj-cs"/>
+              </a:defRPr>
+            </a:lvl3pPr>
+            <a:lvl4pPr>
+              <a:defRPr>
+                <a:latin typeface="+mj-lt"/>
+                <a:ea typeface="+mj-ea"/>
+                <a:cs typeface="+mj-cs"/>
+              </a:defRPr>
+            </a:lvl4pPr>
+            <a:lvl5pPr>
+              <a:defRPr>
+                <a:latin typeface="+mj-lt"/>
+                <a:ea typeface="+mj-ea"/>
+                <a:cs typeface="+mj-cs"/>
+              </a:defRPr>
+            </a:lvl5pPr>
+            <a:lvl6pPr>
+              <a:defRPr>
+                <a:latin typeface="+mj-lt"/>
+                <a:ea typeface="+mj-ea"/>
+                <a:cs typeface="+mj-cs"/>
+              </a:defRPr>
+            </a:lvl6pPr>
+            <a:lvl7pPr>
+              <a:defRPr>
+                <a:latin typeface="+mj-lt"/>
+                <a:ea typeface="+mj-ea"/>
+                <a:cs typeface="+mj-cs"/>
+              </a:defRPr>
+            </a:lvl7pPr>
+            <a:lvl8pPr>
+              <a:defRPr>
+                <a:latin typeface="+mj-lt"/>
+                <a:ea typeface="+mj-ea"/>
+                <a:cs typeface="+mj-cs"/>
+              </a:defRPr>
+            </a:lvl8pPr>
+            <a:lvl9pPr>
+              <a:defRPr>
+                <a:latin typeface="+mj-lt"/>
+                <a:ea typeface="+mj-ea"/>
+                <a:cs typeface="+mj-cs"/>
+              </a:defRPr>
+            </a:lvl9pPr>
+          </a:lstStyle>
+          <a:p>
+            <a:pPr algn="ctr" eaLnBrk="1" hangingPunct="1"/>
+            <a:r>
+              <a:rPr lang="en-US" altLang="en-US" sz="1000" dirty="0">
+                <a:latin typeface="Arial" panose="020B0604020202020204" pitchFamily="34" charset="0"/>
+                <a:ea typeface="Amazon Ember" panose="020B0603020204020204" pitchFamily="34" charset="0"/>
+                <a:cs typeface="Arial" panose="020B0604020202020204" pitchFamily="34" charset="0"/>
+              </a:rPr>
+              <a:t>AWS Secrets </a:t>
+            </a:r>
+          </a:p>
+          <a:p>
+            <a:pPr algn="ctr" eaLnBrk="1" hangingPunct="1"/>
+            <a:r>
+              <a:rPr lang="en-US" altLang="en-US" sz="1000" dirty="0">
+                <a:latin typeface="Arial" panose="020B0604020202020204" pitchFamily="34" charset="0"/>
+                <a:ea typeface="Amazon Ember" panose="020B0603020204020204" pitchFamily="34" charset="0"/>
+                <a:cs typeface="Arial" panose="020B0604020202020204" pitchFamily="34" charset="0"/>
+              </a:rPr>
+              <a:t>Manager</a:t>
+            </a:r>
+          </a:p>
+        </p:txBody>
+      </p:sp>
+      <p:pic>
+        <p:nvPicPr>
+          <p:cNvPr id="93" name="Graphic 17">
+            <a:extLst>
+              <a:ext uri="{FF2B5EF4-FFF2-40B4-BE49-F238E27FC236}">
+                <a16:creationId xmlns:a16="http://schemas.microsoft.com/office/drawing/2014/main" id="{CC2D4A5A-623C-FB4C-9C04-4F3BCB62F91C}"/>
+              </a:ext>
+            </a:extLst>
+          </p:cNvPr>
+          <p:cNvPicPr>
+            <a:picLocks noChangeAspect="1" noChangeArrowheads="1"/>
+          </p:cNvPicPr>
+          <p:nvPr/>
+        </p:nvPicPr>
+        <p:blipFill>
+          <a:blip r:embed="rId20">
+            <a:extLst>
+              <a:ext uri="{28A0092B-C50C-407E-A947-70E740481C1C}">
+                <a14:useLocalDpi xmlns:a14="http://schemas.microsoft.com/office/drawing/2010/main" val="0"/>
+              </a:ext>
+            </a:extLst>
+          </a:blip>
+          <a:srcRect/>
+          <a:stretch>
+            <a:fillRect/>
+          </a:stretch>
+        </p:blipFill>
+        <p:spPr bwMode="auto">
+          <a:xfrm>
+            <a:off x="10856001" y="1863731"/>
+            <a:ext cx="461665" cy="461665"/>
+          </a:xfrm>
+          <a:prstGeom prst="rect">
+            <a:avLst/>
+          </a:prstGeom>
+          <a:noFill/>
+          <a:ln>
+            <a:noFill/>
+          </a:ln>
+          <a:extLst>
+            <a:ext uri="{909E8E84-426E-40DD-AFC4-6F175D3DCCD1}">
+              <a14:hiddenFill xmlns:a14="http://schemas.microsoft.com/office/drawing/2010/main">
+                <a:solidFill>
+                  <a:srgbClr val="FFFFFF"/>
+                </a:solidFill>
+              </a14:hiddenFill>
+            </a:ext>
+            <a:ext uri="{91240B29-F687-4F45-9708-019B960494DF}">
+              <a14:hiddenLine xmlns:a14="http://schemas.microsoft.com/office/drawing/2010/main" w="9525">
+                <a:solidFill>
+                  <a:srgbClr val="000000"/>
+                </a:solidFill>
+                <a:miter lim="800000"/>
+                <a:headEnd/>
+                <a:tailEnd/>
+              </a14:hiddenLine>
+            </a:ext>
+          </a:extLst>
+        </p:spPr>
+      </p:pic>
+      <p:sp>
+        <p:nvSpPr>
+          <p:cNvPr id="94" name="TextBox 19">
+            <a:extLst>
+              <a:ext uri="{FF2B5EF4-FFF2-40B4-BE49-F238E27FC236}">
+                <a16:creationId xmlns:a16="http://schemas.microsoft.com/office/drawing/2014/main" id="{76DB11B8-9FC3-A141-B5DF-78B2D38518E1}"/>
+              </a:ext>
+            </a:extLst>
+          </p:cNvPr>
+          <p:cNvSpPr txBox="1">
+            <a:spLocks noChangeArrowheads="1"/>
+          </p:cNvSpPr>
+          <p:nvPr/>
+        </p:nvSpPr>
+        <p:spPr bwMode="auto">
+          <a:xfrm>
+            <a:off x="4935793" y="3095337"/>
+            <a:ext cx="1255028" cy="400110"/>
+          </a:xfrm>
+          <a:prstGeom prst="rect">
+            <a:avLst/>
+          </a:prstGeom>
+          <a:noFill/>
+          <a:ln>
+            <a:noFill/>
+          </a:ln>
+          <a:extLst>
+            <a:ext uri="{909E8E84-426E-40DD-AFC4-6F175D3DCCD1}">
+              <a14:hiddenFill xmlns:a14="http://schemas.microsoft.com/office/drawing/2010/main">
+                <a:solidFill>
+                  <a:srgbClr val="FFFFFF"/>
+                </a:solidFill>
+              </a14:hiddenFill>
+            </a:ext>
+            <a:ext uri="{91240B29-F687-4F45-9708-019B960494DF}">
+              <a14:hiddenLine xmlns:a14="http://schemas.microsoft.com/office/drawing/2010/main" w="9525">
+                <a:solidFill>
+                  <a:srgbClr val="000000"/>
+                </a:solidFill>
+                <a:miter lim="800000"/>
+                <a:headEnd/>
+                <a:tailEnd/>
+              </a14:hiddenLine>
+            </a:ext>
+          </a:extLst>
+        </p:spPr>
+        <p:txBody>
+          <a:bodyPr wrap="square">
+            <a:spAutoFit/>
+          </a:bodyPr>
+          <a:lstStyle>
+            <a:lvl1pPr>
+              <a:defRPr>
+                <a:solidFill>
+                  <a:schemeClr val="tx1"/>
+                </a:solidFill>
+                <a:latin typeface="Calibri" panose="020F0502020204030204" pitchFamily="34" charset="0"/>
+              </a:defRPr>
+            </a:lvl1pPr>
+            <a:lvl2pPr marL="742950" indent="-285750">
+              <a:defRPr>
+                <a:solidFill>
+                  <a:schemeClr val="tx1"/>
+                </a:solidFill>
+                <a:latin typeface="Calibri" panose="020F0502020204030204" pitchFamily="34" charset="0"/>
+              </a:defRPr>
+            </a:lvl2pPr>
+            <a:lvl3pPr marL="1143000" indent="-228600">
+              <a:defRPr>
+                <a:solidFill>
+                  <a:schemeClr val="tx1"/>
+                </a:solidFill>
+                <a:latin typeface="Calibri" panose="020F0502020204030204" pitchFamily="34" charset="0"/>
+              </a:defRPr>
+            </a:lvl3pPr>
+            <a:lvl4pPr marL="1600200" indent="-228600">
+              <a:defRPr>
+                <a:solidFill>
+                  <a:schemeClr val="tx1"/>
+                </a:solidFill>
+                <a:latin typeface="Calibri" panose="020F0502020204030204" pitchFamily="34" charset="0"/>
+              </a:defRPr>
+            </a:lvl4pPr>
+            <a:lvl5pPr marL="2057400" indent="-228600">
+              <a:defRPr>
+                <a:solidFill>
+                  <a:schemeClr val="tx1"/>
+                </a:solidFill>
+                <a:latin typeface="Calibri" panose="020F0502020204030204" pitchFamily="34" charset="0"/>
+              </a:defRPr>
+            </a:lvl5pPr>
+            <a:lvl6pPr marL="2514600" indent="-228600" eaLnBrk="0" fontAlgn="base" hangingPunct="0">
+              <a:spcBef>
+                <a:spcPct val="0"/>
+              </a:spcBef>
+              <a:spcAft>
+                <a:spcPct val="0"/>
+              </a:spcAft>
+              <a:defRPr>
+                <a:solidFill>
+                  <a:schemeClr val="tx1"/>
+                </a:solidFill>
+                <a:latin typeface="Calibri" panose="020F0502020204030204" pitchFamily="34" charset="0"/>
+              </a:defRPr>
+            </a:lvl6pPr>
+            <a:lvl7pPr marL="2971800" indent="-228600" eaLnBrk="0" fontAlgn="base" hangingPunct="0">
+              <a:spcBef>
+                <a:spcPct val="0"/>
+              </a:spcBef>
+              <a:spcAft>
+                <a:spcPct val="0"/>
+              </a:spcAft>
+              <a:defRPr>
+                <a:solidFill>
+                  <a:schemeClr val="tx1"/>
+                </a:solidFill>
+                <a:latin typeface="Calibri" panose="020F0502020204030204" pitchFamily="34" charset="0"/>
+              </a:defRPr>
+            </a:lvl7pPr>
+            <a:lvl8pPr marL="3429000" indent="-228600" eaLnBrk="0" fontAlgn="base" hangingPunct="0">
+              <a:spcBef>
+                <a:spcPct val="0"/>
+              </a:spcBef>
+              <a:spcAft>
+                <a:spcPct val="0"/>
+              </a:spcAft>
+              <a:defRPr>
+                <a:solidFill>
+                  <a:schemeClr val="tx1"/>
+                </a:solidFill>
+                <a:latin typeface="Calibri" panose="020F0502020204030204" pitchFamily="34" charset="0"/>
+              </a:defRPr>
+            </a:lvl8pPr>
+            <a:lvl9pPr marL="3886200" indent="-228600" eaLnBrk="0" fontAlgn="base" hangingPunct="0">
+              <a:spcBef>
+                <a:spcPct val="0"/>
+              </a:spcBef>
+              <a:spcAft>
+                <a:spcPct val="0"/>
+              </a:spcAft>
+              <a:defRPr>
+                <a:solidFill>
+                  <a:schemeClr val="tx1"/>
+                </a:solidFill>
+                <a:latin typeface="Calibri" panose="020F0502020204030204" pitchFamily="34" charset="0"/>
+              </a:defRPr>
+            </a:lvl9pPr>
+          </a:lstStyle>
+          <a:p>
+            <a:pPr algn="ctr" eaLnBrk="1" hangingPunct="1"/>
+            <a:r>
+              <a:rPr lang="en-US" altLang="en-US" sz="1000" dirty="0">
+                <a:latin typeface="Arial" panose="020B0604020202020204" pitchFamily="34" charset="0"/>
+                <a:ea typeface="Amazon Ember" panose="020B0603020204020204" pitchFamily="34" charset="0"/>
+                <a:cs typeface="Arial" panose="020B0604020202020204" pitchFamily="34" charset="0"/>
+              </a:rPr>
+              <a:t>Application Load </a:t>
+            </a:r>
+            <a:br>
+              <a:rPr lang="en-US" altLang="en-US" sz="1000" dirty="0">
+                <a:latin typeface="Arial" panose="020B0604020202020204" pitchFamily="34" charset="0"/>
+                <a:ea typeface="Amazon Ember" panose="020B0603020204020204" pitchFamily="34" charset="0"/>
+                <a:cs typeface="Arial" panose="020B0604020202020204" pitchFamily="34" charset="0"/>
+              </a:rPr>
+            </a:br>
+            <a:r>
+              <a:rPr lang="en-US" altLang="en-US" sz="1000" dirty="0">
+                <a:latin typeface="Arial" panose="020B0604020202020204" pitchFamily="34" charset="0"/>
+                <a:ea typeface="Amazon Ember" panose="020B0603020204020204" pitchFamily="34" charset="0"/>
+                <a:cs typeface="Arial" panose="020B0604020202020204" pitchFamily="34" charset="0"/>
+              </a:rPr>
+              <a:t>Balancer</a:t>
+            </a:r>
+          </a:p>
+        </p:txBody>
+      </p:sp>
+      <p:pic>
+        <p:nvPicPr>
+          <p:cNvPr id="95" name="Graphic 8">
+            <a:extLst>
+              <a:ext uri="{FF2B5EF4-FFF2-40B4-BE49-F238E27FC236}">
+                <a16:creationId xmlns:a16="http://schemas.microsoft.com/office/drawing/2014/main" id="{6275CA2F-949F-2740-81ED-BA1B6038CCB3}"/>
+              </a:ext>
+            </a:extLst>
+          </p:cNvPr>
+          <p:cNvPicPr>
+            <a:picLocks noChangeAspect="1" noChangeArrowheads="1"/>
+          </p:cNvPicPr>
+          <p:nvPr/>
+        </p:nvPicPr>
+        <p:blipFill>
+          <a:blip r:embed="rId21">
+            <a:extLst>
+              <a:ext uri="{28A0092B-C50C-407E-A947-70E740481C1C}">
+                <a14:useLocalDpi xmlns:a14="http://schemas.microsoft.com/office/drawing/2010/main" val="0"/>
+              </a:ext>
+            </a:extLst>
+          </a:blip>
+          <a:srcRect/>
+          <a:stretch>
+            <a:fillRect/>
+          </a:stretch>
+        </p:blipFill>
+        <p:spPr bwMode="auto">
+          <a:xfrm>
+            <a:off x="5341556" y="2732472"/>
+            <a:ext cx="397456" cy="397456"/>
+          </a:xfrm>
+          <a:prstGeom prst="rect">
+            <a:avLst/>
+          </a:prstGeom>
+          <a:noFill/>
+          <a:ln>
+            <a:noFill/>
+          </a:ln>
+          <a:extLst>
+            <a:ext uri="{909E8E84-426E-40DD-AFC4-6F175D3DCCD1}">
+              <a14:hiddenFill xmlns:a14="http://schemas.microsoft.com/office/drawing/2010/main">
+                <a:solidFill>
+                  <a:srgbClr val="FFFFFF"/>
+                </a:solidFill>
+              </a14:hiddenFill>
+            </a:ext>
+            <a:ext uri="{91240B29-F687-4F45-9708-019B960494DF}">
+              <a14:hiddenLine xmlns:a14="http://schemas.microsoft.com/office/drawing/2010/main" w="9525">
+                <a:solidFill>
+                  <a:srgbClr val="000000"/>
+                </a:solidFill>
+                <a:miter lim="800000"/>
+                <a:headEnd/>
+                <a:tailEnd/>
+              </a14:hiddenLine>
+            </a:ext>
+          </a:extLst>
+        </p:spPr>
+      </p:pic>
+      <p:pic>
+        <p:nvPicPr>
+          <p:cNvPr id="96" name="Graphic 7">
+            <a:extLst>
+              <a:ext uri="{FF2B5EF4-FFF2-40B4-BE49-F238E27FC236}">
+                <a16:creationId xmlns:a16="http://schemas.microsoft.com/office/drawing/2014/main" id="{FDD7EBD9-D5E9-7741-8EA9-A15C0DD7212E}"/>
+              </a:ext>
+            </a:extLst>
+          </p:cNvPr>
+          <p:cNvPicPr>
+            <a:picLocks noChangeAspect="1" noChangeArrowheads="1"/>
+          </p:cNvPicPr>
+          <p:nvPr/>
+        </p:nvPicPr>
+        <p:blipFill>
+          <a:blip r:embed="rId22">
+            <a:extLst>
+              <a:ext uri="{28A0092B-C50C-407E-A947-70E740481C1C}">
+                <a14:useLocalDpi xmlns:a14="http://schemas.microsoft.com/office/drawing/2010/main" val="0"/>
+              </a:ext>
+            </a:extLst>
+          </a:blip>
+          <a:srcRect/>
+          <a:stretch>
+            <a:fillRect/>
+          </a:stretch>
+        </p:blipFill>
+        <p:spPr bwMode="auto">
+          <a:xfrm>
+            <a:off x="10867631" y="1202648"/>
+            <a:ext cx="401069" cy="401069"/>
+          </a:xfrm>
+          <a:prstGeom prst="rect">
+            <a:avLst/>
+          </a:prstGeom>
+          <a:noFill/>
+          <a:ln>
+            <a:noFill/>
+          </a:ln>
+          <a:extLst>
+            <a:ext uri="{909E8E84-426E-40DD-AFC4-6F175D3DCCD1}">
+              <a14:hiddenFill xmlns:a14="http://schemas.microsoft.com/office/drawing/2010/main">
+                <a:solidFill>
+                  <a:srgbClr val="FFFFFF"/>
+                </a:solidFill>
+              </a14:hiddenFill>
+            </a:ext>
+            <a:ext uri="{91240B29-F687-4F45-9708-019B960494DF}">
+              <a14:hiddenLine xmlns:a14="http://schemas.microsoft.com/office/drawing/2010/main" w="9525">
+                <a:solidFill>
+                  <a:srgbClr val="000000"/>
+                </a:solidFill>
+                <a:miter lim="800000"/>
+                <a:headEnd/>
+                <a:tailEnd/>
+              </a14:hiddenLine>
+            </a:ext>
+          </a:extLst>
+        </p:spPr>
+      </p:pic>
+      <p:sp>
+        <p:nvSpPr>
+          <p:cNvPr id="97" name="TextBox 9">
+            <a:extLst>
+              <a:ext uri="{FF2B5EF4-FFF2-40B4-BE49-F238E27FC236}">
+                <a16:creationId xmlns:a16="http://schemas.microsoft.com/office/drawing/2014/main" id="{76066E7C-DCF2-A948-9217-299A096C59BE}"/>
+              </a:ext>
+            </a:extLst>
+          </p:cNvPr>
+          <p:cNvSpPr txBox="1">
+            <a:spLocks noChangeArrowheads="1"/>
+          </p:cNvSpPr>
+          <p:nvPr/>
+        </p:nvSpPr>
+        <p:spPr bwMode="auto">
+          <a:xfrm>
+            <a:off x="10506659" y="1560905"/>
+            <a:ext cx="1188552" cy="246221"/>
+          </a:xfrm>
+          <a:prstGeom prst="rect">
+            <a:avLst/>
+          </a:prstGeom>
+          <a:noFill/>
+          <a:ln>
+            <a:noFill/>
+          </a:ln>
+          <a:extLst>
+            <a:ext uri="{909E8E84-426E-40DD-AFC4-6F175D3DCCD1}">
+              <a14:hiddenFill xmlns:a14="http://schemas.microsoft.com/office/drawing/2010/main">
+                <a:solidFill>
+                  <a:srgbClr val="FFFFFF"/>
+                </a:solidFill>
+              </a14:hiddenFill>
+            </a:ext>
+            <a:ext uri="{91240B29-F687-4F45-9708-019B960494DF}">
+              <a14:hiddenLine xmlns:a14="http://schemas.microsoft.com/office/drawing/2010/main" w="9525">
+                <a:solidFill>
+                  <a:srgbClr val="000000"/>
+                </a:solidFill>
+                <a:miter lim="800000"/>
+                <a:headEnd/>
+                <a:tailEnd/>
+              </a14:hiddenLine>
+            </a:ext>
+          </a:extLst>
+        </p:spPr>
+        <p:txBody>
+          <a:bodyPr wrap="square">
+            <a:spAutoFit/>
+          </a:bodyPr>
+          <a:lstStyle>
+            <a:lvl1pPr>
+              <a:defRPr>
+                <a:solidFill>
+                  <a:schemeClr val="tx1"/>
+                </a:solidFill>
+                <a:latin typeface="Calibri" panose="020F0502020204030204" pitchFamily="34" charset="0"/>
+              </a:defRPr>
+            </a:lvl1pPr>
+            <a:lvl2pPr marL="742950" indent="-285750">
+              <a:defRPr>
+                <a:solidFill>
+                  <a:schemeClr val="tx1"/>
+                </a:solidFill>
+                <a:latin typeface="Calibri" panose="020F0502020204030204" pitchFamily="34" charset="0"/>
+              </a:defRPr>
+            </a:lvl2pPr>
+            <a:lvl3pPr marL="1143000" indent="-228600">
+              <a:defRPr>
+                <a:solidFill>
+                  <a:schemeClr val="tx1"/>
+                </a:solidFill>
+                <a:latin typeface="Calibri" panose="020F0502020204030204" pitchFamily="34" charset="0"/>
+              </a:defRPr>
+            </a:lvl3pPr>
+            <a:lvl4pPr marL="1600200" indent="-228600">
+              <a:defRPr>
+                <a:solidFill>
+                  <a:schemeClr val="tx1"/>
+                </a:solidFill>
+                <a:latin typeface="Calibri" panose="020F0502020204030204" pitchFamily="34" charset="0"/>
+              </a:defRPr>
+            </a:lvl4pPr>
+            <a:lvl5pPr marL="2057400" indent="-228600">
+              <a:defRPr>
+                <a:solidFill>
+                  <a:schemeClr val="tx1"/>
+                </a:solidFill>
+                <a:latin typeface="Calibri" panose="020F0502020204030204" pitchFamily="34" charset="0"/>
+              </a:defRPr>
+            </a:lvl5pPr>
+            <a:lvl6pPr marL="2514600" indent="-228600" eaLnBrk="0" fontAlgn="base" hangingPunct="0">
+              <a:spcBef>
+                <a:spcPct val="0"/>
+              </a:spcBef>
+              <a:spcAft>
+                <a:spcPct val="0"/>
+              </a:spcAft>
+              <a:defRPr>
+                <a:solidFill>
+                  <a:schemeClr val="tx1"/>
+                </a:solidFill>
+                <a:latin typeface="Calibri" panose="020F0502020204030204" pitchFamily="34" charset="0"/>
+              </a:defRPr>
+            </a:lvl6pPr>
+            <a:lvl7pPr marL="2971800" indent="-228600" eaLnBrk="0" fontAlgn="base" hangingPunct="0">
+              <a:spcBef>
+                <a:spcPct val="0"/>
+              </a:spcBef>
+              <a:spcAft>
+                <a:spcPct val="0"/>
+              </a:spcAft>
+              <a:defRPr>
+                <a:solidFill>
+                  <a:schemeClr val="tx1"/>
+                </a:solidFill>
+                <a:latin typeface="Calibri" panose="020F0502020204030204" pitchFamily="34" charset="0"/>
+              </a:defRPr>
+            </a:lvl7pPr>
+            <a:lvl8pPr marL="3429000" indent="-228600" eaLnBrk="0" fontAlgn="base" hangingPunct="0">
+              <a:spcBef>
+                <a:spcPct val="0"/>
+              </a:spcBef>
+              <a:spcAft>
+                <a:spcPct val="0"/>
+              </a:spcAft>
+              <a:defRPr>
+                <a:solidFill>
+                  <a:schemeClr val="tx1"/>
+                </a:solidFill>
+                <a:latin typeface="Calibri" panose="020F0502020204030204" pitchFamily="34" charset="0"/>
+              </a:defRPr>
+            </a:lvl8pPr>
+            <a:lvl9pPr marL="3886200" indent="-228600" eaLnBrk="0" fontAlgn="base" hangingPunct="0">
+              <a:spcBef>
+                <a:spcPct val="0"/>
+              </a:spcBef>
+              <a:spcAft>
+                <a:spcPct val="0"/>
+              </a:spcAft>
+              <a:defRPr>
+                <a:solidFill>
+                  <a:schemeClr val="tx1"/>
+                </a:solidFill>
+                <a:latin typeface="Calibri" panose="020F0502020204030204" pitchFamily="34" charset="0"/>
+              </a:defRPr>
+            </a:lvl9pPr>
+          </a:lstStyle>
+          <a:p>
+            <a:pPr algn="ctr" eaLnBrk="1" hangingPunct="1"/>
+            <a:r>
+              <a:rPr lang="en-US" altLang="en-US" sz="1000" dirty="0">
+                <a:latin typeface="Arial" panose="020B0604020202020204" pitchFamily="34" charset="0"/>
+                <a:ea typeface="Amazon Ember" panose="020B0603020204020204" pitchFamily="34" charset="0"/>
+                <a:cs typeface="Arial" panose="020B0604020202020204" pitchFamily="34" charset="0"/>
+              </a:rPr>
+              <a:t>AWS KMS</a:t>
+            </a:r>
+          </a:p>
+        </p:txBody>
+      </p:sp>
+      <p:pic>
+        <p:nvPicPr>
+          <p:cNvPr id="98" name="Graphic 24">
+            <a:extLst>
+              <a:ext uri="{FF2B5EF4-FFF2-40B4-BE49-F238E27FC236}">
+                <a16:creationId xmlns:a16="http://schemas.microsoft.com/office/drawing/2014/main" id="{6A7032A7-C8B5-F44A-8D36-29D7B86B5ED0}"/>
+              </a:ext>
+            </a:extLst>
+          </p:cNvPr>
+          <p:cNvPicPr>
+            <a:picLocks noChangeAspect="1" noChangeArrowheads="1"/>
+          </p:cNvPicPr>
+          <p:nvPr/>
+        </p:nvPicPr>
+        <p:blipFill>
+          <a:blip r:embed="rId23">
+            <a:extLst>
+              <a:ext uri="{28A0092B-C50C-407E-A947-70E740481C1C}">
+                <a14:useLocalDpi xmlns:a14="http://schemas.microsoft.com/office/drawing/2010/main" val="0"/>
+              </a:ext>
+            </a:extLst>
+          </a:blip>
+          <a:srcRect/>
+          <a:stretch>
+            <a:fillRect/>
+          </a:stretch>
+        </p:blipFill>
+        <p:spPr bwMode="auto">
+          <a:xfrm>
+            <a:off x="10907623" y="5247491"/>
+            <a:ext cx="427225" cy="427225"/>
+          </a:xfrm>
+          <a:prstGeom prst="rect">
+            <a:avLst/>
+          </a:prstGeom>
+          <a:noFill/>
+          <a:ln>
+            <a:noFill/>
+          </a:ln>
+          <a:extLst>
+            <a:ext uri="{909E8E84-426E-40DD-AFC4-6F175D3DCCD1}">
+              <a14:hiddenFill xmlns:a14="http://schemas.microsoft.com/office/drawing/2010/main">
+                <a:solidFill>
+                  <a:srgbClr val="FFFFFF"/>
+                </a:solidFill>
+              </a14:hiddenFill>
+            </a:ext>
+            <a:ext uri="{91240B29-F687-4F45-9708-019B960494DF}">
+              <a14:hiddenLine xmlns:a14="http://schemas.microsoft.com/office/drawing/2010/main" w="9525">
+                <a:solidFill>
+                  <a:srgbClr val="000000"/>
+                </a:solidFill>
+                <a:miter lim="800000"/>
+                <a:headEnd/>
+                <a:tailEnd/>
+              </a14:hiddenLine>
+            </a:ext>
+          </a:extLst>
+        </p:spPr>
+      </p:pic>
+      <p:sp>
+        <p:nvSpPr>
+          <p:cNvPr id="99" name="TextBox 9">
+            <a:extLst>
+              <a:ext uri="{FF2B5EF4-FFF2-40B4-BE49-F238E27FC236}">
+                <a16:creationId xmlns:a16="http://schemas.microsoft.com/office/drawing/2014/main" id="{43111C42-3BC9-1246-B978-58E3C4098F26}"/>
+              </a:ext>
+            </a:extLst>
+          </p:cNvPr>
+          <p:cNvSpPr txBox="1">
+            <a:spLocks noChangeArrowheads="1"/>
+          </p:cNvSpPr>
+          <p:nvPr/>
+        </p:nvSpPr>
+        <p:spPr bwMode="auto">
+          <a:xfrm>
+            <a:off x="10514714" y="5634925"/>
+            <a:ext cx="1191449" cy="246221"/>
+          </a:xfrm>
+          <a:prstGeom prst="rect">
+            <a:avLst/>
+          </a:prstGeom>
+          <a:noFill/>
+          <a:ln>
+            <a:noFill/>
+          </a:ln>
+          <a:extLst>
+            <a:ext uri="{909E8E84-426E-40DD-AFC4-6F175D3DCCD1}">
+              <a14:hiddenFill xmlns:a14="http://schemas.microsoft.com/office/drawing/2010/main">
+                <a:solidFill>
+                  <a:srgbClr val="FFFFFF"/>
+                </a:solidFill>
+              </a14:hiddenFill>
+            </a:ext>
+            <a:ext uri="{91240B29-F687-4F45-9708-019B960494DF}">
+              <a14:hiddenLine xmlns:a14="http://schemas.microsoft.com/office/drawing/2010/main" w="9525">
+                <a:solidFill>
+                  <a:srgbClr val="000000"/>
+                </a:solidFill>
+                <a:miter lim="800000"/>
+                <a:headEnd/>
+                <a:tailEnd/>
+              </a14:hiddenLine>
+            </a:ext>
+          </a:extLst>
+        </p:spPr>
+        <p:txBody>
+          <a:bodyPr wrap="square">
+            <a:spAutoFit/>
+          </a:bodyPr>
+          <a:lstStyle>
+            <a:lvl1pPr>
+              <a:defRPr>
+                <a:solidFill>
+                  <a:schemeClr val="tx1"/>
+                </a:solidFill>
+                <a:latin typeface="Calibri" panose="020F0502020204030204" pitchFamily="34" charset="0"/>
+              </a:defRPr>
+            </a:lvl1pPr>
+            <a:lvl2pPr marL="742950" indent="-285750">
+              <a:defRPr>
+                <a:solidFill>
+                  <a:schemeClr val="tx1"/>
+                </a:solidFill>
+                <a:latin typeface="Calibri" panose="020F0502020204030204" pitchFamily="34" charset="0"/>
+              </a:defRPr>
+            </a:lvl2pPr>
+            <a:lvl3pPr marL="1143000" indent="-228600">
+              <a:defRPr>
+                <a:solidFill>
+                  <a:schemeClr val="tx1"/>
+                </a:solidFill>
+                <a:latin typeface="Calibri" panose="020F0502020204030204" pitchFamily="34" charset="0"/>
+              </a:defRPr>
+            </a:lvl3pPr>
+            <a:lvl4pPr marL="1600200" indent="-228600">
+              <a:defRPr>
+                <a:solidFill>
+                  <a:schemeClr val="tx1"/>
+                </a:solidFill>
+                <a:latin typeface="Calibri" panose="020F0502020204030204" pitchFamily="34" charset="0"/>
+              </a:defRPr>
+            </a:lvl4pPr>
+            <a:lvl5pPr marL="2057400" indent="-228600">
+              <a:defRPr>
+                <a:solidFill>
+                  <a:schemeClr val="tx1"/>
+                </a:solidFill>
+                <a:latin typeface="Calibri" panose="020F0502020204030204" pitchFamily="34" charset="0"/>
+              </a:defRPr>
+            </a:lvl5pPr>
+            <a:lvl6pPr marL="2514600" indent="-228600" eaLnBrk="0" fontAlgn="base" hangingPunct="0">
+              <a:spcBef>
+                <a:spcPct val="0"/>
+              </a:spcBef>
+              <a:spcAft>
+                <a:spcPct val="0"/>
+              </a:spcAft>
+              <a:defRPr>
+                <a:solidFill>
+                  <a:schemeClr val="tx1"/>
+                </a:solidFill>
+                <a:latin typeface="Calibri" panose="020F0502020204030204" pitchFamily="34" charset="0"/>
+              </a:defRPr>
+            </a:lvl6pPr>
+            <a:lvl7pPr marL="2971800" indent="-228600" eaLnBrk="0" fontAlgn="base" hangingPunct="0">
+              <a:spcBef>
+                <a:spcPct val="0"/>
+              </a:spcBef>
+              <a:spcAft>
+                <a:spcPct val="0"/>
+              </a:spcAft>
+              <a:defRPr>
+                <a:solidFill>
+                  <a:schemeClr val="tx1"/>
+                </a:solidFill>
+                <a:latin typeface="Calibri" panose="020F0502020204030204" pitchFamily="34" charset="0"/>
+              </a:defRPr>
+            </a:lvl7pPr>
+            <a:lvl8pPr marL="3429000" indent="-228600" eaLnBrk="0" fontAlgn="base" hangingPunct="0">
+              <a:spcBef>
+                <a:spcPct val="0"/>
+              </a:spcBef>
+              <a:spcAft>
+                <a:spcPct val="0"/>
+              </a:spcAft>
+              <a:defRPr>
+                <a:solidFill>
+                  <a:schemeClr val="tx1"/>
+                </a:solidFill>
+                <a:latin typeface="Calibri" panose="020F0502020204030204" pitchFamily="34" charset="0"/>
+              </a:defRPr>
+            </a:lvl8pPr>
+            <a:lvl9pPr marL="3886200" indent="-228600" eaLnBrk="0" fontAlgn="base" hangingPunct="0">
+              <a:spcBef>
+                <a:spcPct val="0"/>
+              </a:spcBef>
+              <a:spcAft>
+                <a:spcPct val="0"/>
+              </a:spcAft>
+              <a:defRPr>
+                <a:solidFill>
+                  <a:schemeClr val="tx1"/>
+                </a:solidFill>
+                <a:latin typeface="Calibri" panose="020F0502020204030204" pitchFamily="34" charset="0"/>
+              </a:defRPr>
+            </a:lvl9pPr>
+          </a:lstStyle>
+          <a:p>
+            <a:pPr algn="ctr" eaLnBrk="1" hangingPunct="1"/>
+            <a:r>
+              <a:rPr lang="en-US" altLang="en-US" sz="1000" dirty="0">
+                <a:latin typeface="Arial" panose="020B0604020202020204" pitchFamily="34" charset="0"/>
+                <a:ea typeface="Amazon Ember" panose="020B0603020204020204" pitchFamily="34" charset="0"/>
+                <a:cs typeface="Arial" panose="020B0604020202020204" pitchFamily="34" charset="0"/>
+              </a:rPr>
+              <a:t>Amazon SNS</a:t>
+            </a:r>
+          </a:p>
+        </p:txBody>
+      </p:sp>
+      <p:pic>
+        <p:nvPicPr>
+          <p:cNvPr id="102" name="Graphic 19">
+            <a:extLst>
+              <a:ext uri="{FF2B5EF4-FFF2-40B4-BE49-F238E27FC236}">
+                <a16:creationId xmlns:a16="http://schemas.microsoft.com/office/drawing/2014/main" id="{D497CD64-F226-5441-9A0C-145512C44541}"/>
+              </a:ext>
+            </a:extLst>
+          </p:cNvPr>
+          <p:cNvPicPr>
+            <a:picLocks noChangeAspect="1" noChangeArrowheads="1"/>
+          </p:cNvPicPr>
+          <p:nvPr/>
+        </p:nvPicPr>
+        <p:blipFill>
+          <a:blip r:embed="rId24">
+            <a:extLst>
+              <a:ext uri="{28A0092B-C50C-407E-A947-70E740481C1C}">
+                <a14:useLocalDpi xmlns:a14="http://schemas.microsoft.com/office/drawing/2010/main" val="0"/>
+              </a:ext>
+            </a:extLst>
+          </a:blip>
+          <a:srcRect/>
+          <a:stretch>
+            <a:fillRect/>
+          </a:stretch>
+        </p:blipFill>
+        <p:spPr bwMode="auto">
+          <a:xfrm>
+            <a:off x="10893156" y="3604682"/>
+            <a:ext cx="454819" cy="454819"/>
+          </a:xfrm>
+          <a:prstGeom prst="rect">
+            <a:avLst/>
+          </a:prstGeom>
+          <a:noFill/>
+          <a:ln>
+            <a:noFill/>
+          </a:ln>
+          <a:extLst>
+            <a:ext uri="{909E8E84-426E-40DD-AFC4-6F175D3DCCD1}">
+              <a14:hiddenFill xmlns:a14="http://schemas.microsoft.com/office/drawing/2010/main">
+                <a:solidFill>
+                  <a:srgbClr val="FFFFFF"/>
+                </a:solidFill>
+              </a14:hiddenFill>
+            </a:ext>
+            <a:ext uri="{91240B29-F687-4F45-9708-019B960494DF}">
+              <a14:hiddenLine xmlns:a14="http://schemas.microsoft.com/office/drawing/2010/main" w="9525">
+                <a:solidFill>
+                  <a:srgbClr val="000000"/>
+                </a:solidFill>
+                <a:miter lim="800000"/>
+                <a:headEnd/>
+                <a:tailEnd/>
+              </a14:hiddenLine>
+            </a:ext>
+          </a:extLst>
+        </p:spPr>
+      </p:pic>
+      <p:sp>
+        <p:nvSpPr>
+          <p:cNvPr id="103" name="TextBox 11">
+            <a:extLst>
+              <a:ext uri="{FF2B5EF4-FFF2-40B4-BE49-F238E27FC236}">
+                <a16:creationId xmlns:a16="http://schemas.microsoft.com/office/drawing/2014/main" id="{86B2349F-D499-D849-81A1-160796C70FEC}"/>
+              </a:ext>
+            </a:extLst>
+          </p:cNvPr>
+          <p:cNvSpPr txBox="1">
+            <a:spLocks noChangeArrowheads="1"/>
+          </p:cNvSpPr>
+          <p:nvPr/>
+        </p:nvSpPr>
+        <p:spPr bwMode="auto">
+          <a:xfrm>
+            <a:off x="10499030" y="4052966"/>
+            <a:ext cx="1391344" cy="246221"/>
+          </a:xfrm>
+          <a:prstGeom prst="rect">
+            <a:avLst/>
+          </a:prstGeom>
+          <a:noFill/>
+          <a:ln>
+            <a:noFill/>
+          </a:ln>
+          <a:extLst>
+            <a:ext uri="{909E8E84-426E-40DD-AFC4-6F175D3DCCD1}">
+              <a14:hiddenFill xmlns:a14="http://schemas.microsoft.com/office/drawing/2010/main">
+                <a:solidFill>
+                  <a:srgbClr val="FFFFFF"/>
+                </a:solidFill>
+              </a14:hiddenFill>
+            </a:ext>
+            <a:ext uri="{91240B29-F687-4F45-9708-019B960494DF}">
+              <a14:hiddenLine xmlns:a14="http://schemas.microsoft.com/office/drawing/2010/main" w="9525">
+                <a:solidFill>
+                  <a:srgbClr val="000000"/>
+                </a:solidFill>
+                <a:miter lim="800000"/>
+                <a:headEnd/>
+                <a:tailEnd/>
+              </a14:hiddenLine>
+            </a:ext>
+          </a:extLst>
+        </p:spPr>
+        <p:txBody>
+          <a:bodyPr wrap="square">
+            <a:spAutoFit/>
+          </a:bodyPr>
+          <a:lstStyle>
+            <a:lvl1pPr>
+              <a:defRPr>
+                <a:solidFill>
+                  <a:schemeClr val="tx1"/>
+                </a:solidFill>
+                <a:latin typeface="Calibri" panose="020F0502020204030204" pitchFamily="34" charset="0"/>
+              </a:defRPr>
+            </a:lvl1pPr>
+            <a:lvl2pPr marL="742950" indent="-285750">
+              <a:defRPr>
+                <a:solidFill>
+                  <a:schemeClr val="tx1"/>
+                </a:solidFill>
+                <a:latin typeface="Calibri" panose="020F0502020204030204" pitchFamily="34" charset="0"/>
+              </a:defRPr>
+            </a:lvl2pPr>
+            <a:lvl3pPr marL="1143000" indent="-228600">
+              <a:defRPr>
+                <a:solidFill>
+                  <a:schemeClr val="tx1"/>
+                </a:solidFill>
+                <a:latin typeface="Calibri" panose="020F0502020204030204" pitchFamily="34" charset="0"/>
+              </a:defRPr>
+            </a:lvl3pPr>
+            <a:lvl4pPr marL="1600200" indent="-228600">
+              <a:defRPr>
+                <a:solidFill>
+                  <a:schemeClr val="tx1"/>
+                </a:solidFill>
+                <a:latin typeface="Calibri" panose="020F0502020204030204" pitchFamily="34" charset="0"/>
+              </a:defRPr>
+            </a:lvl4pPr>
+            <a:lvl5pPr marL="2057400" indent="-228600">
+              <a:defRPr>
+                <a:solidFill>
+                  <a:schemeClr val="tx1"/>
+                </a:solidFill>
+                <a:latin typeface="Calibri" panose="020F0502020204030204" pitchFamily="34" charset="0"/>
+              </a:defRPr>
+            </a:lvl5pPr>
+            <a:lvl6pPr marL="2514600" indent="-228600" eaLnBrk="0" fontAlgn="base" hangingPunct="0">
+              <a:spcBef>
+                <a:spcPct val="0"/>
+              </a:spcBef>
+              <a:spcAft>
+                <a:spcPct val="0"/>
+              </a:spcAft>
+              <a:defRPr>
+                <a:solidFill>
+                  <a:schemeClr val="tx1"/>
+                </a:solidFill>
+                <a:latin typeface="Calibri" panose="020F0502020204030204" pitchFamily="34" charset="0"/>
+              </a:defRPr>
+            </a:lvl6pPr>
+            <a:lvl7pPr marL="2971800" indent="-228600" eaLnBrk="0" fontAlgn="base" hangingPunct="0">
+              <a:spcBef>
+                <a:spcPct val="0"/>
+              </a:spcBef>
+              <a:spcAft>
+                <a:spcPct val="0"/>
+              </a:spcAft>
+              <a:defRPr>
+                <a:solidFill>
+                  <a:schemeClr val="tx1"/>
+                </a:solidFill>
+                <a:latin typeface="Calibri" panose="020F0502020204030204" pitchFamily="34" charset="0"/>
+              </a:defRPr>
+            </a:lvl7pPr>
+            <a:lvl8pPr marL="3429000" indent="-228600" eaLnBrk="0" fontAlgn="base" hangingPunct="0">
+              <a:spcBef>
+                <a:spcPct val="0"/>
+              </a:spcBef>
+              <a:spcAft>
+                <a:spcPct val="0"/>
+              </a:spcAft>
+              <a:defRPr>
+                <a:solidFill>
+                  <a:schemeClr val="tx1"/>
+                </a:solidFill>
+                <a:latin typeface="Calibri" panose="020F0502020204030204" pitchFamily="34" charset="0"/>
+              </a:defRPr>
+            </a:lvl8pPr>
+            <a:lvl9pPr marL="3886200" indent="-228600" eaLnBrk="0" fontAlgn="base" hangingPunct="0">
+              <a:spcBef>
+                <a:spcPct val="0"/>
+              </a:spcBef>
+              <a:spcAft>
+                <a:spcPct val="0"/>
+              </a:spcAft>
+              <a:defRPr>
+                <a:solidFill>
+                  <a:schemeClr val="tx1"/>
+                </a:solidFill>
+                <a:latin typeface="Calibri" panose="020F0502020204030204" pitchFamily="34" charset="0"/>
+              </a:defRPr>
+            </a:lvl9pPr>
+          </a:lstStyle>
+          <a:p>
+            <a:pPr algn="ctr" eaLnBrk="1" hangingPunct="1"/>
+            <a:r>
+              <a:rPr lang="en-US" altLang="en-US" sz="1000" dirty="0">
+                <a:latin typeface="Arial" panose="020B0604020202020204" pitchFamily="34" charset="0"/>
+                <a:ea typeface="Amazon Ember" panose="020B0603020204020204" pitchFamily="34" charset="0"/>
+                <a:cs typeface="Arial" panose="020B0604020202020204" pitchFamily="34" charset="0"/>
+              </a:rPr>
+              <a:t>Amazon EventBridge</a:t>
+            </a:r>
+          </a:p>
+        </p:txBody>
+      </p:sp>
+      <p:sp>
+        <p:nvSpPr>
+          <p:cNvPr id="106" name="TextBox 16">
+            <a:extLst>
+              <a:ext uri="{FF2B5EF4-FFF2-40B4-BE49-F238E27FC236}">
+                <a16:creationId xmlns:a16="http://schemas.microsoft.com/office/drawing/2014/main" id="{0D1600FA-F494-F74C-B3CF-98D03B0442A1}"/>
+              </a:ext>
+            </a:extLst>
+          </p:cNvPr>
+          <p:cNvSpPr txBox="1">
+            <a:spLocks noChangeArrowheads="1"/>
+          </p:cNvSpPr>
+          <p:nvPr/>
+        </p:nvSpPr>
+        <p:spPr bwMode="auto">
+          <a:xfrm>
+            <a:off x="4915835" y="5305282"/>
+            <a:ext cx="1268992" cy="400110"/>
+          </a:xfrm>
+          <a:prstGeom prst="rect">
+            <a:avLst/>
+          </a:prstGeom>
+          <a:noFill/>
+          <a:ln>
+            <a:noFill/>
+          </a:ln>
+          <a:extLst>
+            <a:ext uri="{909E8E84-426E-40DD-AFC4-6F175D3DCCD1}">
+              <a14:hiddenFill xmlns:a14="http://schemas.microsoft.com/office/drawing/2010/main">
+                <a:solidFill>
+                  <a:srgbClr val="FFFFFF"/>
+                </a:solidFill>
+              </a14:hiddenFill>
+            </a:ext>
+            <a:ext uri="{91240B29-F687-4F45-9708-019B960494DF}">
+              <a14:hiddenLine xmlns:a14="http://schemas.microsoft.com/office/drawing/2010/main" w="9525">
+                <a:solidFill>
+                  <a:srgbClr val="000000"/>
+                </a:solidFill>
+                <a:miter lim="800000"/>
+                <a:headEnd/>
+                <a:tailEnd/>
+              </a14:hiddenLine>
+            </a:ext>
+          </a:extLst>
+        </p:spPr>
+        <p:txBody>
+          <a:bodyPr wrap="square">
+            <a:spAutoFit/>
+          </a:bodyPr>
+          <a:lstStyle>
+            <a:lvl1pPr>
+              <a:defRPr>
+                <a:solidFill>
+                  <a:schemeClr val="tx1"/>
+                </a:solidFill>
+                <a:latin typeface="Calibri" panose="020F0502020204030204" pitchFamily="34" charset="0"/>
+              </a:defRPr>
+            </a:lvl1pPr>
+            <a:lvl2pPr marL="742950" indent="-285750">
+              <a:defRPr>
+                <a:solidFill>
+                  <a:schemeClr val="tx1"/>
+                </a:solidFill>
+                <a:latin typeface="Calibri" panose="020F0502020204030204" pitchFamily="34" charset="0"/>
+              </a:defRPr>
+            </a:lvl2pPr>
+            <a:lvl3pPr marL="1143000" indent="-228600">
+              <a:defRPr>
+                <a:solidFill>
+                  <a:schemeClr val="tx1"/>
+                </a:solidFill>
+                <a:latin typeface="Calibri" panose="020F0502020204030204" pitchFamily="34" charset="0"/>
+              </a:defRPr>
+            </a:lvl3pPr>
+            <a:lvl4pPr marL="1600200" indent="-228600">
+              <a:defRPr>
+                <a:solidFill>
+                  <a:schemeClr val="tx1"/>
+                </a:solidFill>
+                <a:latin typeface="Calibri" panose="020F0502020204030204" pitchFamily="34" charset="0"/>
+              </a:defRPr>
+            </a:lvl4pPr>
+            <a:lvl5pPr marL="2057400" indent="-228600">
+              <a:defRPr>
+                <a:solidFill>
+                  <a:schemeClr val="tx1"/>
+                </a:solidFill>
+                <a:latin typeface="Calibri" panose="020F0502020204030204" pitchFamily="34" charset="0"/>
+              </a:defRPr>
+            </a:lvl5pPr>
+            <a:lvl6pPr marL="2514600" indent="-228600" eaLnBrk="0" fontAlgn="base" hangingPunct="0">
+              <a:spcBef>
+                <a:spcPct val="0"/>
+              </a:spcBef>
+              <a:spcAft>
+                <a:spcPct val="0"/>
+              </a:spcAft>
+              <a:defRPr>
+                <a:solidFill>
+                  <a:schemeClr val="tx1"/>
+                </a:solidFill>
+                <a:latin typeface="Calibri" panose="020F0502020204030204" pitchFamily="34" charset="0"/>
+              </a:defRPr>
+            </a:lvl6pPr>
+            <a:lvl7pPr marL="2971800" indent="-228600" eaLnBrk="0" fontAlgn="base" hangingPunct="0">
+              <a:spcBef>
+                <a:spcPct val="0"/>
+              </a:spcBef>
+              <a:spcAft>
+                <a:spcPct val="0"/>
+              </a:spcAft>
+              <a:defRPr>
+                <a:solidFill>
+                  <a:schemeClr val="tx1"/>
+                </a:solidFill>
+                <a:latin typeface="Calibri" panose="020F0502020204030204" pitchFamily="34" charset="0"/>
+              </a:defRPr>
+            </a:lvl7pPr>
+            <a:lvl8pPr marL="3429000" indent="-228600" eaLnBrk="0" fontAlgn="base" hangingPunct="0">
+              <a:spcBef>
+                <a:spcPct val="0"/>
+              </a:spcBef>
+              <a:spcAft>
+                <a:spcPct val="0"/>
+              </a:spcAft>
+              <a:defRPr>
+                <a:solidFill>
+                  <a:schemeClr val="tx1"/>
+                </a:solidFill>
+                <a:latin typeface="Calibri" panose="020F0502020204030204" pitchFamily="34" charset="0"/>
+              </a:defRPr>
+            </a:lvl8pPr>
+            <a:lvl9pPr marL="3886200" indent="-228600" eaLnBrk="0" fontAlgn="base" hangingPunct="0">
+              <a:spcBef>
+                <a:spcPct val="0"/>
+              </a:spcBef>
+              <a:spcAft>
+                <a:spcPct val="0"/>
+              </a:spcAft>
+              <a:defRPr>
+                <a:solidFill>
+                  <a:schemeClr val="tx1"/>
+                </a:solidFill>
+                <a:latin typeface="Calibri" panose="020F0502020204030204" pitchFamily="34" charset="0"/>
+              </a:defRPr>
+            </a:lvl9pPr>
+          </a:lstStyle>
+          <a:p>
+            <a:pPr algn="ctr" eaLnBrk="1" hangingPunct="1"/>
+            <a:r>
+              <a:rPr lang="en-US" altLang="en-US" sz="1000" dirty="0">
+                <a:latin typeface="Arial" panose="020B0604020202020204" pitchFamily="34" charset="0"/>
+                <a:ea typeface="Amazon Ember" panose="020B0603020204020204" pitchFamily="34" charset="0"/>
+                <a:cs typeface="Arial" panose="020B0604020202020204" pitchFamily="34" charset="0"/>
+              </a:rPr>
+              <a:t>AWS Directory</a:t>
+            </a:r>
+            <a:br>
+              <a:rPr lang="en-US" altLang="en-US" sz="1000" dirty="0">
+                <a:latin typeface="Arial" panose="020B0604020202020204" pitchFamily="34" charset="0"/>
+                <a:ea typeface="Amazon Ember" panose="020B0603020204020204" pitchFamily="34" charset="0"/>
+                <a:cs typeface="Arial" panose="020B0604020202020204" pitchFamily="34" charset="0"/>
+              </a:rPr>
+            </a:br>
+            <a:r>
+              <a:rPr lang="en-US" altLang="en-US" sz="1000" dirty="0">
+                <a:latin typeface="Arial" panose="020B0604020202020204" pitchFamily="34" charset="0"/>
+                <a:ea typeface="Amazon Ember" panose="020B0603020204020204" pitchFamily="34" charset="0"/>
+                <a:cs typeface="Arial" panose="020B0604020202020204" pitchFamily="34" charset="0"/>
+              </a:rPr>
+              <a:t>Service</a:t>
+            </a:r>
+          </a:p>
+        </p:txBody>
+      </p:sp>
+      <p:pic>
+        <p:nvPicPr>
+          <p:cNvPr id="110" name="Graphic 19">
+            <a:extLst>
+              <a:ext uri="{FF2B5EF4-FFF2-40B4-BE49-F238E27FC236}">
+                <a16:creationId xmlns:a16="http://schemas.microsoft.com/office/drawing/2014/main" id="{13221D24-0D6B-ED47-9968-45D4E10A0785}"/>
+              </a:ext>
+            </a:extLst>
+          </p:cNvPr>
+          <p:cNvPicPr>
+            <a:picLocks noChangeAspect="1" noChangeArrowheads="1"/>
+          </p:cNvPicPr>
+          <p:nvPr/>
+        </p:nvPicPr>
+        <p:blipFill>
+          <a:blip r:embed="rId14">
+            <a:extLst>
+              <a:ext uri="{28A0092B-C50C-407E-A947-70E740481C1C}">
+                <a14:useLocalDpi xmlns:a14="http://schemas.microsoft.com/office/drawing/2010/main" val="0"/>
+              </a:ext>
+            </a:extLst>
+          </a:blip>
+          <a:srcRect/>
+          <a:stretch>
+            <a:fillRect/>
+          </a:stretch>
+        </p:blipFill>
+        <p:spPr bwMode="auto">
+          <a:xfrm flipH="1">
+            <a:off x="3241136" y="4901391"/>
+            <a:ext cx="423290" cy="423290"/>
+          </a:xfrm>
+          <a:prstGeom prst="rect">
+            <a:avLst/>
+          </a:prstGeom>
+          <a:noFill/>
+          <a:ln>
+            <a:noFill/>
+          </a:ln>
+          <a:extLst>
+            <a:ext uri="{909E8E84-426E-40DD-AFC4-6F175D3DCCD1}">
+              <a14:hiddenFill xmlns:a14="http://schemas.microsoft.com/office/drawing/2010/main">
+                <a:solidFill>
+                  <a:srgbClr val="FFFFFF"/>
+                </a:solidFill>
+              </a14:hiddenFill>
+            </a:ext>
+            <a:ext uri="{91240B29-F687-4F45-9708-019B960494DF}">
+              <a14:hiddenLine xmlns:a14="http://schemas.microsoft.com/office/drawing/2010/main" w="9525">
+                <a:solidFill>
+                  <a:srgbClr val="000000"/>
+                </a:solidFill>
+                <a:miter lim="800000"/>
+                <a:headEnd/>
+                <a:tailEnd/>
+              </a14:hiddenLine>
+            </a:ext>
+          </a:extLst>
+        </p:spPr>
+      </p:pic>
+      <p:cxnSp>
+        <p:nvCxnSpPr>
+          <p:cNvPr id="113" name="Straight Arrow Connector 112">
+            <a:extLst>
+              <a:ext uri="{FF2B5EF4-FFF2-40B4-BE49-F238E27FC236}">
+                <a16:creationId xmlns:a16="http://schemas.microsoft.com/office/drawing/2014/main" id="{F5E2CA4F-8765-8846-B426-7900306FC85E}"/>
+              </a:ext>
+            </a:extLst>
+          </p:cNvPr>
+          <p:cNvCxnSpPr>
+            <a:cxnSpLocks/>
+          </p:cNvCxnSpPr>
+          <p:nvPr/>
+        </p:nvCxnSpPr>
+        <p:spPr bwMode="auto">
+          <a:xfrm>
+            <a:off x="5783302" y="5230474"/>
+            <a:ext cx="1579393" cy="0"/>
+          </a:xfrm>
+          <a:prstGeom prst="straightConnector1">
+            <a:avLst/>
+          </a:prstGeom>
+          <a:ln w="12700">
+            <a:solidFill>
+              <a:srgbClr val="545B64"/>
+            </a:solidFill>
+            <a:headEnd type="none" w="med" len="sm"/>
+            <a:tailEnd type="arrow" w="med" len="sm"/>
+          </a:ln>
+        </p:spPr>
+        <p:style>
+          <a:lnRef idx="1">
+            <a:schemeClr val="accent1"/>
+          </a:lnRef>
+          <a:fillRef idx="0">
+            <a:schemeClr val="accent1"/>
+          </a:fillRef>
+          <a:effectRef idx="0">
+            <a:schemeClr val="accent1"/>
+          </a:effectRef>
+          <a:fontRef idx="minor">
+            <a:schemeClr val="tx1"/>
+          </a:fontRef>
+        </p:style>
+      </p:cxnSp>
+      <p:cxnSp>
+        <p:nvCxnSpPr>
+          <p:cNvPr id="114" name="Straight Arrow Connector 113">
+            <a:extLst>
+              <a:ext uri="{FF2B5EF4-FFF2-40B4-BE49-F238E27FC236}">
+                <a16:creationId xmlns:a16="http://schemas.microsoft.com/office/drawing/2014/main" id="{395207F1-9959-7040-B3DD-8B1C631FE78E}"/>
+              </a:ext>
+            </a:extLst>
+          </p:cNvPr>
+          <p:cNvCxnSpPr>
+            <a:cxnSpLocks/>
+          </p:cNvCxnSpPr>
+          <p:nvPr/>
+        </p:nvCxnSpPr>
+        <p:spPr bwMode="auto">
+          <a:xfrm>
+            <a:off x="3696429" y="5230474"/>
+            <a:ext cx="1564001" cy="0"/>
+          </a:xfrm>
+          <a:prstGeom prst="straightConnector1">
+            <a:avLst/>
+          </a:prstGeom>
+          <a:ln w="12700">
+            <a:solidFill>
+              <a:srgbClr val="545B64"/>
+            </a:solidFill>
+            <a:headEnd type="arrow" w="med" len="sm"/>
+            <a:tailEnd type="none" w="med" len="sm"/>
+          </a:ln>
+        </p:spPr>
+        <p:style>
+          <a:lnRef idx="1">
+            <a:schemeClr val="accent1"/>
+          </a:lnRef>
+          <a:fillRef idx="0">
+            <a:schemeClr val="accent1"/>
+          </a:fillRef>
+          <a:effectRef idx="0">
+            <a:schemeClr val="accent1"/>
+          </a:effectRef>
+          <a:fontRef idx="minor">
+            <a:schemeClr val="tx1"/>
+          </a:fontRef>
+        </p:style>
+      </p:cxnSp>
+      <p:pic>
+        <p:nvPicPr>
+          <p:cNvPr id="115" name="Graphic 7">
+            <a:extLst>
+              <a:ext uri="{FF2B5EF4-FFF2-40B4-BE49-F238E27FC236}">
+                <a16:creationId xmlns:a16="http://schemas.microsoft.com/office/drawing/2014/main" id="{7B924FBF-BFEA-CA4C-B4C7-3E66FFB5A778}"/>
+              </a:ext>
+            </a:extLst>
+          </p:cNvPr>
+          <p:cNvPicPr>
+            <a:picLocks noChangeAspect="1" noChangeArrowheads="1"/>
+          </p:cNvPicPr>
+          <p:nvPr/>
+        </p:nvPicPr>
+        <p:blipFill>
+          <a:blip r:embed="rId25">
+            <a:extLst>
+              <a:ext uri="{28A0092B-C50C-407E-A947-70E740481C1C}">
+                <a14:useLocalDpi xmlns:a14="http://schemas.microsoft.com/office/drawing/2010/main" val="0"/>
+              </a:ext>
+            </a:extLst>
+          </a:blip>
+          <a:srcRect/>
+          <a:stretch>
+            <a:fillRect/>
+          </a:stretch>
+        </p:blipFill>
+        <p:spPr bwMode="auto">
+          <a:xfrm>
+            <a:off x="10928481" y="4395807"/>
+            <a:ext cx="406311" cy="406311"/>
+          </a:xfrm>
+          <a:prstGeom prst="rect">
+            <a:avLst/>
+          </a:prstGeom>
+          <a:noFill/>
+          <a:ln>
+            <a:noFill/>
+          </a:ln>
+          <a:extLst>
+            <a:ext uri="{909E8E84-426E-40DD-AFC4-6F175D3DCCD1}">
+              <a14:hiddenFill xmlns:a14="http://schemas.microsoft.com/office/drawing/2010/main">
+                <a:solidFill>
+                  <a:srgbClr val="FFFFFF"/>
+                </a:solidFill>
+              </a14:hiddenFill>
+            </a:ext>
+            <a:ext uri="{91240B29-F687-4F45-9708-019B960494DF}">
+              <a14:hiddenLine xmlns:a14="http://schemas.microsoft.com/office/drawing/2010/main" w="9525">
+                <a:solidFill>
+                  <a:srgbClr val="000000"/>
+                </a:solidFill>
+                <a:miter lim="800000"/>
+                <a:headEnd/>
+                <a:tailEnd/>
+              </a14:hiddenLine>
+            </a:ext>
+          </a:extLst>
+        </p:spPr>
+      </p:pic>
+      <p:sp>
+        <p:nvSpPr>
+          <p:cNvPr id="116" name="TextBox 11">
+            <a:extLst>
+              <a:ext uri="{FF2B5EF4-FFF2-40B4-BE49-F238E27FC236}">
+                <a16:creationId xmlns:a16="http://schemas.microsoft.com/office/drawing/2014/main" id="{43DD5A8D-A437-F042-8E75-262DB23F068A}"/>
+              </a:ext>
+            </a:extLst>
+          </p:cNvPr>
+          <p:cNvSpPr txBox="1">
+            <a:spLocks noChangeArrowheads="1"/>
+          </p:cNvSpPr>
+          <p:nvPr/>
+        </p:nvSpPr>
+        <p:spPr bwMode="auto">
+          <a:xfrm>
+            <a:off x="10557413" y="4802118"/>
+            <a:ext cx="1193293" cy="246221"/>
+          </a:xfrm>
+          <a:prstGeom prst="rect">
+            <a:avLst/>
+          </a:prstGeom>
+          <a:noFill/>
+          <a:ln>
+            <a:noFill/>
+          </a:ln>
+          <a:extLst>
+            <a:ext uri="{909E8E84-426E-40DD-AFC4-6F175D3DCCD1}">
+              <a14:hiddenFill xmlns:a14="http://schemas.microsoft.com/office/drawing/2010/main">
+                <a:solidFill>
+                  <a:srgbClr val="FFFFFF"/>
+                </a:solidFill>
+              </a14:hiddenFill>
+            </a:ext>
+            <a:ext uri="{91240B29-F687-4F45-9708-019B960494DF}">
+              <a14:hiddenLine xmlns:a14="http://schemas.microsoft.com/office/drawing/2010/main" w="9525">
+                <a:solidFill>
+                  <a:srgbClr val="000000"/>
+                </a:solidFill>
+                <a:miter lim="800000"/>
+                <a:headEnd/>
+                <a:tailEnd/>
+              </a14:hiddenLine>
+            </a:ext>
+          </a:extLst>
+        </p:spPr>
+        <p:txBody>
+          <a:bodyPr wrap="square">
+            <a:spAutoFit/>
+          </a:bodyPr>
+          <a:lstStyle>
+            <a:lvl1pPr>
+              <a:defRPr>
+                <a:solidFill>
+                  <a:schemeClr val="tx1"/>
+                </a:solidFill>
+                <a:latin typeface="Calibri" panose="020F0502020204030204" pitchFamily="34" charset="0"/>
+              </a:defRPr>
+            </a:lvl1pPr>
+            <a:lvl2pPr marL="742950" indent="-285750">
+              <a:defRPr>
+                <a:solidFill>
+                  <a:schemeClr val="tx1"/>
+                </a:solidFill>
+                <a:latin typeface="Calibri" panose="020F0502020204030204" pitchFamily="34" charset="0"/>
+              </a:defRPr>
+            </a:lvl2pPr>
+            <a:lvl3pPr marL="1143000" indent="-228600">
+              <a:defRPr>
+                <a:solidFill>
+                  <a:schemeClr val="tx1"/>
+                </a:solidFill>
+                <a:latin typeface="Calibri" panose="020F0502020204030204" pitchFamily="34" charset="0"/>
+              </a:defRPr>
+            </a:lvl3pPr>
+            <a:lvl4pPr marL="1600200" indent="-228600">
+              <a:defRPr>
+                <a:solidFill>
+                  <a:schemeClr val="tx1"/>
+                </a:solidFill>
+                <a:latin typeface="Calibri" panose="020F0502020204030204" pitchFamily="34" charset="0"/>
+              </a:defRPr>
+            </a:lvl4pPr>
+            <a:lvl5pPr marL="2057400" indent="-228600">
+              <a:defRPr>
+                <a:solidFill>
+                  <a:schemeClr val="tx1"/>
+                </a:solidFill>
+                <a:latin typeface="Calibri" panose="020F0502020204030204" pitchFamily="34" charset="0"/>
+              </a:defRPr>
+            </a:lvl5pPr>
+            <a:lvl6pPr marL="2514600" indent="-228600" eaLnBrk="0" fontAlgn="base" hangingPunct="0">
+              <a:spcBef>
+                <a:spcPct val="0"/>
+              </a:spcBef>
+              <a:spcAft>
+                <a:spcPct val="0"/>
+              </a:spcAft>
+              <a:defRPr>
+                <a:solidFill>
+                  <a:schemeClr val="tx1"/>
+                </a:solidFill>
+                <a:latin typeface="Calibri" panose="020F0502020204030204" pitchFamily="34" charset="0"/>
+              </a:defRPr>
+            </a:lvl6pPr>
+            <a:lvl7pPr marL="2971800" indent="-228600" eaLnBrk="0" fontAlgn="base" hangingPunct="0">
+              <a:spcBef>
+                <a:spcPct val="0"/>
+              </a:spcBef>
+              <a:spcAft>
+                <a:spcPct val="0"/>
+              </a:spcAft>
+              <a:defRPr>
+                <a:solidFill>
+                  <a:schemeClr val="tx1"/>
+                </a:solidFill>
+                <a:latin typeface="Calibri" panose="020F0502020204030204" pitchFamily="34" charset="0"/>
+              </a:defRPr>
+            </a:lvl7pPr>
+            <a:lvl8pPr marL="3429000" indent="-228600" eaLnBrk="0" fontAlgn="base" hangingPunct="0">
+              <a:spcBef>
+                <a:spcPct val="0"/>
+              </a:spcBef>
+              <a:spcAft>
+                <a:spcPct val="0"/>
+              </a:spcAft>
+              <a:defRPr>
+                <a:solidFill>
+                  <a:schemeClr val="tx1"/>
+                </a:solidFill>
+                <a:latin typeface="Calibri" panose="020F0502020204030204" pitchFamily="34" charset="0"/>
+              </a:defRPr>
+            </a:lvl8pPr>
+            <a:lvl9pPr marL="3886200" indent="-228600" eaLnBrk="0" fontAlgn="base" hangingPunct="0">
+              <a:spcBef>
+                <a:spcPct val="0"/>
+              </a:spcBef>
+              <a:spcAft>
+                <a:spcPct val="0"/>
+              </a:spcAft>
+              <a:defRPr>
+                <a:solidFill>
+                  <a:schemeClr val="tx1"/>
+                </a:solidFill>
+                <a:latin typeface="Calibri" panose="020F0502020204030204" pitchFamily="34" charset="0"/>
+              </a:defRPr>
+            </a:lvl9pPr>
+          </a:lstStyle>
+          <a:p>
+            <a:pPr algn="ctr" eaLnBrk="1" hangingPunct="1"/>
+            <a:r>
+              <a:rPr lang="en-US" altLang="en-US" sz="1000" dirty="0">
+                <a:latin typeface="Arial" panose="020B0604020202020204" pitchFamily="34" charset="0"/>
+                <a:cs typeface="Arial" panose="020B0604020202020204" pitchFamily="34" charset="0"/>
+              </a:rPr>
+              <a:t>AWS Lambda</a:t>
+            </a:r>
+          </a:p>
+        </p:txBody>
+      </p:sp>
+      <p:pic>
+        <p:nvPicPr>
+          <p:cNvPr id="2" name="Graphic 7">
+            <a:extLst>
+              <a:ext uri="{FF2B5EF4-FFF2-40B4-BE49-F238E27FC236}">
+                <a16:creationId xmlns:a16="http://schemas.microsoft.com/office/drawing/2014/main" id="{C69E0271-EAF7-C192-5987-D7605CACD594}"/>
+              </a:ext>
+            </a:extLst>
+          </p:cNvPr>
+          <p:cNvPicPr>
+            <a:picLocks noChangeAspect="1" noChangeArrowheads="1"/>
+          </p:cNvPicPr>
+          <p:nvPr/>
+        </p:nvPicPr>
+        <p:blipFill>
+          <a:blip r:embed="rId26">
+            <a:extLst>
+              <a:ext uri="{28A0092B-C50C-407E-A947-70E740481C1C}">
+                <a14:useLocalDpi xmlns:a14="http://schemas.microsoft.com/office/drawing/2010/main" val="0"/>
+              </a:ext>
+            </a:extLst>
+          </a:blip>
+          <a:srcRect/>
+          <a:stretch>
+            <a:fillRect/>
+          </a:stretch>
+        </p:blipFill>
+        <p:spPr bwMode="auto">
+          <a:xfrm>
+            <a:off x="5290073" y="4863731"/>
+            <a:ext cx="477776" cy="477776"/>
+          </a:xfrm>
+          <a:prstGeom prst="rect">
+            <a:avLst/>
+          </a:prstGeom>
+          <a:noFill/>
+          <a:ln>
+            <a:noFill/>
+          </a:ln>
+          <a:extLst>
+            <a:ext uri="{909E8E84-426E-40DD-AFC4-6F175D3DCCD1}">
+              <a14:hiddenFill xmlns:a14="http://schemas.microsoft.com/office/drawing/2010/main">
+                <a:solidFill>
+                  <a:srgbClr val="FFFFFF"/>
+                </a:solidFill>
+              </a14:hiddenFill>
+            </a:ext>
+            <a:ext uri="{91240B29-F687-4F45-9708-019B960494DF}">
+              <a14:hiddenLine xmlns:a14="http://schemas.microsoft.com/office/drawing/2010/main" w="9525">
+                <a:solidFill>
+                  <a:srgbClr val="000000"/>
+                </a:solidFill>
+                <a:miter lim="800000"/>
+                <a:headEnd/>
+                <a:tailEnd/>
+              </a14:hiddenLine>
+            </a:ext>
+          </a:extLst>
+        </p:spPr>
+      </p:pic>
+    </p:spTree>
+    <p:extLst>
+      <p:ext uri="{BB962C8B-B14F-4D97-AF65-F5344CB8AC3E}">
+        <p14:creationId xmlns:p14="http://schemas.microsoft.com/office/powerpoint/2010/main" val="4271195939"/>
       </p:ext>
     </p:extLst>
   </p:cSld>

--- a/docs/deployment_guide/images/Quick Start Ref. Arch.pptx
+++ b/docs/deployment_guide/images/Quick Start Ref. Arch.pptx
@@ -15236,7 +15236,7 @@
         </p:nvSpPr>
         <p:spPr>
           <a:xfrm>
-            <a:off x="1062902" y="3487736"/>
+            <a:off x="788582" y="3131120"/>
             <a:ext cx="2760031" cy="2712603"/>
           </a:xfrm>
           <a:prstGeom prst="rect">
@@ -15308,7 +15308,7 @@
         </p:nvSpPr>
         <p:spPr>
           <a:xfrm>
-            <a:off x="1059585" y="2079842"/>
+            <a:off x="785265" y="1723226"/>
             <a:ext cx="2763348" cy="1266028"/>
           </a:xfrm>
           <a:prstGeom prst="rect">
@@ -15414,7 +15414,7 @@
         </p:nvSpPr>
         <p:spPr bwMode="auto">
           <a:xfrm>
-            <a:off x="512618" y="1716377"/>
+            <a:off x="238298" y="1359761"/>
             <a:ext cx="9694623" cy="4576501"/>
           </a:xfrm>
           <a:prstGeom prst="rect">
@@ -15496,8 +15496,8 @@
         </p:nvSpPr>
         <p:spPr bwMode="auto">
           <a:xfrm>
-            <a:off x="241300" y="546495"/>
-            <a:ext cx="11836400" cy="6160211"/>
+            <a:off x="112014" y="390216"/>
+            <a:ext cx="11967972" cy="6247497"/>
           </a:xfrm>
           <a:prstGeom prst="rect">
             <a:avLst/>
@@ -15546,23 +15546,20 @@
               <a:tabLst/>
               <a:defRPr/>
             </a:pPr>
-            <a:r>
-              <a:rPr kumimoji="0" lang="en-US" sz="1200" b="0" i="0" u="none" strike="noStrike" kern="1200" cap="none" spc="0" normalizeH="0" baseline="0" noProof="0" dirty="0">
-                <a:ln>
-                  <a:noFill/>
-                </a:ln>
-                <a:solidFill>
-                  <a:sysClr val="windowText" lastClr="000000"/>
-                </a:solidFill>
-                <a:effectLst/>
-                <a:uLnTx/>
-                <a:uFillTx/>
-                <a:latin typeface="Arial" panose="020B0604020202020204" pitchFamily="34" charset="0"/>
-                <a:ea typeface="+mn-ea"/>
-                <a:cs typeface="Arial" panose="020B0604020202020204" pitchFamily="34" charset="0"/>
-              </a:rPr>
-              <a:t>AWS Cloud</a:t>
-            </a:r>
+            <a:endParaRPr kumimoji="0" lang="en-US" sz="1200" b="0" i="0" u="none" strike="noStrike" kern="1200" cap="none" spc="0" normalizeH="0" baseline="0" noProof="0" dirty="0">
+              <a:ln>
+                <a:noFill/>
+              </a:ln>
+              <a:solidFill>
+                <a:sysClr val="windowText" lastClr="000000"/>
+              </a:solidFill>
+              <a:effectLst/>
+              <a:uLnTx/>
+              <a:uFillTx/>
+              <a:latin typeface="Arial" panose="020B0604020202020204" pitchFamily="34" charset="0"/>
+              <a:ea typeface="+mn-ea"/>
+              <a:cs typeface="Arial" panose="020B0604020202020204" pitchFamily="34" charset="0"/>
+            </a:endParaRPr>
           </a:p>
         </p:txBody>
       </p:sp>
@@ -15580,7 +15577,7 @@
         </p:nvSpPr>
         <p:spPr bwMode="auto">
           <a:xfrm>
-            <a:off x="974414" y="1400096"/>
+            <a:off x="700094" y="1043480"/>
             <a:ext cx="2990308" cy="5041433"/>
           </a:xfrm>
           <a:prstGeom prst="rect">
@@ -15667,7 +15664,7 @@
         </p:nvSpPr>
         <p:spPr bwMode="auto">
           <a:xfrm>
-            <a:off x="1387158" y="2909633"/>
+            <a:off x="1112838" y="2553017"/>
             <a:ext cx="1767152" cy="246221"/>
           </a:xfrm>
           <a:prstGeom prst="rect">
@@ -15853,7 +15850,7 @@
         </p:nvSpPr>
         <p:spPr bwMode="auto">
           <a:xfrm>
-            <a:off x="2695130" y="4532494"/>
+            <a:off x="2420810" y="4175878"/>
             <a:ext cx="1307913" cy="246221"/>
           </a:xfrm>
           <a:prstGeom prst="rect">
@@ -16050,7 +16047,7 @@
         </p:blipFill>
         <p:spPr>
           <a:xfrm>
-            <a:off x="241300" y="546496"/>
+            <a:off x="122428" y="400192"/>
             <a:ext cx="381000" cy="381000"/>
           </a:xfrm>
           <a:prstGeom prst="rect">
@@ -16086,7 +16083,7 @@
         </p:blipFill>
         <p:spPr>
           <a:xfrm>
-            <a:off x="512618" y="1725184"/>
+            <a:off x="238298" y="1368568"/>
             <a:ext cx="381000" cy="381000"/>
           </a:xfrm>
           <a:prstGeom prst="rect">
@@ -16108,7 +16105,7 @@
         </p:nvSpPr>
         <p:spPr>
           <a:xfrm>
-            <a:off x="2733141" y="2390955"/>
+            <a:off x="2458821" y="2034339"/>
             <a:ext cx="5494139" cy="753131"/>
           </a:xfrm>
           <a:prstGeom prst="rect">
@@ -16245,82 +16242,12 @@
           </a:p>
         </p:txBody>
       </p:sp>
-      <p:sp>
-        <p:nvSpPr>
-          <p:cNvPr id="44" name="Rectangle 43">
-            <a:extLst>
-              <a:ext uri="{FF2B5EF4-FFF2-40B4-BE49-F238E27FC236}">
-                <a16:creationId xmlns:a16="http://schemas.microsoft.com/office/drawing/2014/main" id="{4537C86D-7502-434C-AB1C-77DB11C905B6}"/>
-              </a:ext>
-            </a:extLst>
-          </p:cNvPr>
-          <p:cNvSpPr/>
-          <p:nvPr/>
-        </p:nvSpPr>
-        <p:spPr>
-          <a:xfrm>
-            <a:off x="301625" y="976854"/>
-            <a:ext cx="11712575" cy="5614446"/>
-          </a:xfrm>
-          <a:prstGeom prst="rect">
-            <a:avLst/>
-          </a:prstGeom>
-          <a:noFill/>
-          <a:ln w="12700">
-            <a:solidFill>
-              <a:srgbClr val="5B9CD5"/>
-            </a:solidFill>
-            <a:prstDash val="sysDash"/>
-          </a:ln>
-        </p:spPr>
-        <p:style>
-          <a:lnRef idx="2">
-            <a:schemeClr val="accent1">
-              <a:shade val="50000"/>
-            </a:schemeClr>
-          </a:lnRef>
-          <a:fillRef idx="1">
-            <a:schemeClr val="accent1"/>
-          </a:fillRef>
-          <a:effectRef idx="0">
-            <a:schemeClr val="accent1"/>
-          </a:effectRef>
-          <a:fontRef idx="minor">
-            <a:schemeClr val="lt1"/>
-          </a:fontRef>
-        </p:style>
-        <p:txBody>
-          <a:bodyPr lIns="502920" tIns="91440"/>
-          <a:lstStyle/>
-          <a:p>
-            <a:pPr eaLnBrk="1" fontAlgn="auto" hangingPunct="1">
-              <a:spcBef>
-                <a:spcPts val="0"/>
-              </a:spcBef>
-              <a:spcAft>
-                <a:spcPts val="0"/>
-              </a:spcAft>
-              <a:defRPr/>
-            </a:pPr>
-            <a:r>
-              <a:rPr lang="en-US" sz="1200" dirty="0">
-                <a:solidFill>
-                  <a:srgbClr val="5B9CD5"/>
-                </a:solidFill>
-                <a:latin typeface="Arial" panose="020B0604020202020204" pitchFamily="34" charset="0"/>
-                <a:cs typeface="Arial" panose="020B0604020202020204" pitchFamily="34" charset="0"/>
-              </a:rPr>
-              <a:t>Region</a:t>
-            </a:r>
-          </a:p>
-        </p:txBody>
-      </p:sp>
       <p:pic>
         <p:nvPicPr>
-          <p:cNvPr id="46" name="Graphic 45">
-            <a:extLst>
-              <a:ext uri="{FF2B5EF4-FFF2-40B4-BE49-F238E27FC236}">
-                <a16:creationId xmlns:a16="http://schemas.microsoft.com/office/drawing/2014/main" id="{3BD774D2-D444-9F41-8C2D-95BD2DA8A293}"/>
+          <p:cNvPr id="49" name="Graphic 48">
+            <a:extLst>
+              <a:ext uri="{FF2B5EF4-FFF2-40B4-BE49-F238E27FC236}">
+                <a16:creationId xmlns:a16="http://schemas.microsoft.com/office/drawing/2014/main" id="{F88FDB8F-EE69-CA4C-BA7D-77D1617E7A7A}"/>
               </a:ext>
             </a:extLst>
           </p:cNvPr>
@@ -16343,8 +16270,8 @@
         </p:blipFill>
         <p:spPr>
           <a:xfrm>
-            <a:off x="301625" y="987821"/>
-            <a:ext cx="381000" cy="381000"/>
+            <a:off x="785900" y="1737978"/>
+            <a:ext cx="295194" cy="295194"/>
           </a:xfrm>
           <a:prstGeom prst="rect">
             <a:avLst/>
@@ -16353,10 +16280,10 @@
       </p:pic>
       <p:pic>
         <p:nvPicPr>
-          <p:cNvPr id="49" name="Graphic 48">
-            <a:extLst>
-              <a:ext uri="{FF2B5EF4-FFF2-40B4-BE49-F238E27FC236}">
-                <a16:creationId xmlns:a16="http://schemas.microsoft.com/office/drawing/2014/main" id="{F88FDB8F-EE69-CA4C-BA7D-77D1617E7A7A}"/>
+          <p:cNvPr id="50" name="Graphic 49">
+            <a:extLst>
+              <a:ext uri="{FF2B5EF4-FFF2-40B4-BE49-F238E27FC236}">
+                <a16:creationId xmlns:a16="http://schemas.microsoft.com/office/drawing/2014/main" id="{99CEE759-5B3C-F34D-A7E1-8309D1A608E9}"/>
               </a:ext>
             </a:extLst>
           </p:cNvPr>
@@ -16379,43 +16306,7 @@
         </p:blipFill>
         <p:spPr>
           <a:xfrm>
-            <a:off x="1060220" y="2094594"/>
-            <a:ext cx="295194" cy="295194"/>
-          </a:xfrm>
-          <a:prstGeom prst="rect">
-            <a:avLst/>
-          </a:prstGeom>
-        </p:spPr>
-      </p:pic>
-      <p:pic>
-        <p:nvPicPr>
-          <p:cNvPr id="50" name="Graphic 49">
-            <a:extLst>
-              <a:ext uri="{FF2B5EF4-FFF2-40B4-BE49-F238E27FC236}">
-                <a16:creationId xmlns:a16="http://schemas.microsoft.com/office/drawing/2014/main" id="{99CEE759-5B3C-F34D-A7E1-8309D1A608E9}"/>
-              </a:ext>
-            </a:extLst>
-          </p:cNvPr>
-          <p:cNvPicPr>
-            <a:picLocks noChangeAspect="1"/>
-          </p:cNvPicPr>
-          <p:nvPr/>
-        </p:nvPicPr>
-        <p:blipFill>
-          <a:blip r:embed="rId10">
-            <a:extLst>
-              <a:ext uri="{96DAC541-7B7A-43D3-8B79-37D633B846F1}">
-                <asvg:svgBlip xmlns:asvg="http://schemas.microsoft.com/office/drawing/2016/SVG/main" r:embed="rId11"/>
-              </a:ext>
-            </a:extLst>
-          </a:blip>
-          <a:stretch>
-            <a:fillRect/>
-          </a:stretch>
-        </p:blipFill>
-        <p:spPr>
-          <a:xfrm>
-            <a:off x="1049425" y="3489581"/>
+            <a:off x="775105" y="3132965"/>
             <a:ext cx="381000" cy="381000"/>
           </a:xfrm>
           <a:prstGeom prst="rect">
@@ -16437,7 +16328,7 @@
         </p:nvSpPr>
         <p:spPr>
           <a:xfrm>
-            <a:off x="7205675" y="3449247"/>
+            <a:off x="6931355" y="3092631"/>
             <a:ext cx="2760031" cy="2712603"/>
           </a:xfrm>
           <a:prstGeom prst="rect">
@@ -16509,7 +16400,7 @@
         </p:nvSpPr>
         <p:spPr>
           <a:xfrm>
-            <a:off x="7202358" y="1963766"/>
+            <a:off x="6928038" y="1607150"/>
             <a:ext cx="2763348" cy="1343616"/>
           </a:xfrm>
           <a:prstGeom prst="rect">
@@ -16581,7 +16472,7 @@
         </p:nvSpPr>
         <p:spPr bwMode="auto">
           <a:xfrm>
-            <a:off x="7144683" y="1419621"/>
+            <a:off x="6870363" y="1063005"/>
             <a:ext cx="2962812" cy="5019228"/>
           </a:xfrm>
           <a:prstGeom prst="rect">
@@ -16668,7 +16559,7 @@
         </p:nvSpPr>
         <p:spPr bwMode="auto">
           <a:xfrm>
-            <a:off x="8429364" y="2817716"/>
+            <a:off x="8155044" y="2461100"/>
             <a:ext cx="1767152" cy="246221"/>
           </a:xfrm>
           <a:prstGeom prst="rect">
@@ -16854,7 +16745,7 @@
         </p:nvSpPr>
         <p:spPr bwMode="auto">
           <a:xfrm>
-            <a:off x="8410855" y="4498336"/>
+            <a:off x="8136535" y="4141720"/>
             <a:ext cx="1767152" cy="246221"/>
           </a:xfrm>
           <a:prstGeom prst="rect">
@@ -17039,10 +16930,10 @@
           <p:nvPr/>
         </p:nvPicPr>
         <p:blipFill>
-          <a:blip r:embed="rId8">
+          <a:blip r:embed="rId6">
             <a:extLst>
               <a:ext uri="{96DAC541-7B7A-43D3-8B79-37D633B846F1}">
-                <asvg:svgBlip xmlns:asvg="http://schemas.microsoft.com/office/drawing/2016/SVG/main" r:embed="rId9"/>
+                <asvg:svgBlip xmlns:asvg="http://schemas.microsoft.com/office/drawing/2016/SVG/main" r:embed="rId7"/>
               </a:ext>
             </a:extLst>
           </a:blip>
@@ -17052,7 +16943,7 @@
         </p:blipFill>
         <p:spPr>
           <a:xfrm>
-            <a:off x="7202993" y="1972979"/>
+            <a:off x="6928673" y="1616363"/>
             <a:ext cx="309246" cy="309246"/>
           </a:xfrm>
           <a:prstGeom prst="rect">
@@ -17075,10 +16966,10 @@
           <p:nvPr/>
         </p:nvPicPr>
         <p:blipFill>
-          <a:blip r:embed="rId10">
+          <a:blip r:embed="rId8">
             <a:extLst>
               <a:ext uri="{96DAC541-7B7A-43D3-8B79-37D633B846F1}">
-                <asvg:svgBlip xmlns:asvg="http://schemas.microsoft.com/office/drawing/2016/SVG/main" r:embed="rId11"/>
+                <asvg:svgBlip xmlns:asvg="http://schemas.microsoft.com/office/drawing/2016/SVG/main" r:embed="rId9"/>
               </a:ext>
             </a:extLst>
           </a:blip>
@@ -17088,7 +16979,7 @@
         </p:blipFill>
         <p:spPr>
           <a:xfrm>
-            <a:off x="7192198" y="3451092"/>
+            <a:off x="6917878" y="3094476"/>
             <a:ext cx="381000" cy="381000"/>
           </a:xfrm>
           <a:prstGeom prst="rect">
@@ -17112,7 +17003,7 @@
         </p:nvSpPr>
         <p:spPr bwMode="auto">
           <a:xfrm>
-            <a:off x="4840204" y="1903346"/>
+            <a:off x="4565884" y="1546730"/>
             <a:ext cx="1403350" cy="246221"/>
           </a:xfrm>
           <a:prstGeom prst="rect">
@@ -17273,7 +17164,7 @@
         </p:nvSpPr>
         <p:spPr bwMode="auto">
           <a:xfrm>
-            <a:off x="833922" y="4433407"/>
+            <a:off x="559602" y="4076791"/>
             <a:ext cx="1767152" cy="246221"/>
           </a:xfrm>
           <a:prstGeom prst="rect">
@@ -17459,7 +17350,7 @@
         </p:nvSpPr>
         <p:spPr bwMode="auto">
           <a:xfrm>
-            <a:off x="7031969" y="4521835"/>
+            <a:off x="6757649" y="4165219"/>
             <a:ext cx="1434306" cy="246221"/>
           </a:xfrm>
           <a:prstGeom prst="rect">
@@ -17644,7 +17535,7 @@
           <p:nvPr/>
         </p:nvPicPr>
         <p:blipFill>
-          <a:blip r:embed="rId12">
+          <a:blip r:embed="rId10">
             <a:extLst>
               <a:ext uri="{28A0092B-C50C-407E-A947-70E740481C1C}">
                 <a14:useLocalDpi xmlns:a14="http://schemas.microsoft.com/office/drawing/2010/main" val="0"/>
@@ -17658,7 +17549,7 @@
         </p:blipFill>
         <p:spPr bwMode="auto">
           <a:xfrm>
-            <a:off x="3060128" y="2453998"/>
+            <a:off x="2785808" y="2097382"/>
             <a:ext cx="469900" cy="469900"/>
           </a:xfrm>
           <a:prstGeom prst="rect">
@@ -17705,7 +17596,7 @@
         </p:nvSpPr>
         <p:spPr bwMode="auto">
           <a:xfrm>
-            <a:off x="2411119" y="2899368"/>
+            <a:off x="2136799" y="2542752"/>
             <a:ext cx="1767152" cy="246221"/>
           </a:xfrm>
           <a:prstGeom prst="rect">
@@ -17890,7 +17781,7 @@
           <p:nvPr/>
         </p:nvPicPr>
         <p:blipFill>
-          <a:blip r:embed="rId12">
+          <a:blip r:embed="rId10">
             <a:extLst>
               <a:ext uri="{28A0092B-C50C-407E-A947-70E740481C1C}">
                 <a14:useLocalDpi xmlns:a14="http://schemas.microsoft.com/office/drawing/2010/main" val="0"/>
@@ -17904,7 +17795,7 @@
         </p:blipFill>
         <p:spPr bwMode="auto">
           <a:xfrm>
-            <a:off x="7462847" y="2415109"/>
+            <a:off x="7188527" y="2058493"/>
             <a:ext cx="469900" cy="469900"/>
           </a:xfrm>
           <a:prstGeom prst="rect">
@@ -17951,7 +17842,7 @@
         </p:nvSpPr>
         <p:spPr bwMode="auto">
           <a:xfrm>
-            <a:off x="6813838" y="2860479"/>
+            <a:off x="6539518" y="2503863"/>
             <a:ext cx="1767152" cy="246221"/>
           </a:xfrm>
           <a:prstGeom prst="rect">
@@ -18135,7 +18026,7 @@
         </p:nvSpPr>
         <p:spPr>
           <a:xfrm>
-            <a:off x="2769062" y="4058930"/>
+            <a:off x="2494742" y="3702314"/>
             <a:ext cx="5500004" cy="734347"/>
           </a:xfrm>
           <a:prstGeom prst="rect">
@@ -18288,7 +18179,7 @@
         </p:nvSpPr>
         <p:spPr bwMode="auto">
           <a:xfrm>
-            <a:off x="4886655" y="3646820"/>
+            <a:off x="4612335" y="3290204"/>
             <a:ext cx="1255028" cy="400110"/>
           </a:xfrm>
           <a:prstGeom prst="rect">
@@ -18464,7 +18355,7 @@
         </p:nvCxnSpPr>
         <p:spPr bwMode="auto">
           <a:xfrm>
-            <a:off x="5783302" y="5408274"/>
+            <a:off x="5508982" y="5051658"/>
             <a:ext cx="1579393" cy="0"/>
           </a:xfrm>
           <a:prstGeom prst="straightConnector1">
@@ -18509,7 +18400,7 @@
         </p:nvCxnSpPr>
         <p:spPr bwMode="auto">
           <a:xfrm>
-            <a:off x="3696429" y="5408274"/>
+            <a:off x="3422109" y="5051658"/>
             <a:ext cx="1564001" cy="0"/>
           </a:xfrm>
           <a:prstGeom prst="straightConnector1">
@@ -18553,7 +18444,7 @@
           <p:nvPr/>
         </p:nvPicPr>
         <p:blipFill>
-          <a:blip r:embed="rId13">
+          <a:blip r:embed="rId11">
             <a:extLst>
               <a:ext uri="{28A0092B-C50C-407E-A947-70E740481C1C}">
                 <a14:useLocalDpi xmlns:a14="http://schemas.microsoft.com/office/drawing/2010/main" val="0"/>
@@ -18567,7 +18458,7 @@
         </p:blipFill>
         <p:spPr bwMode="auto">
           <a:xfrm>
-            <a:off x="2028202" y="2451000"/>
+            <a:off x="1753882" y="2094384"/>
             <a:ext cx="469900" cy="469900"/>
           </a:xfrm>
           <a:prstGeom prst="rect">
@@ -18613,10 +18504,10 @@
           <p:nvPr/>
         </p:nvPicPr>
         <p:blipFill>
-          <a:blip r:embed="rId14">
+          <a:blip r:embed="rId12">
             <a:extLst>
               <a:ext uri="{96DAC541-7B7A-43D3-8B79-37D633B846F1}">
-                <asvg:svgBlip xmlns:asvg="http://schemas.microsoft.com/office/drawing/2016/SVG/main" r:embed="rId15"/>
+                <asvg:svgBlip xmlns:asvg="http://schemas.microsoft.com/office/drawing/2016/SVG/main" r:embed="rId13"/>
               </a:ext>
             </a:extLst>
           </a:blip>
@@ -18626,7 +18517,7 @@
         </p:blipFill>
         <p:spPr>
           <a:xfrm>
-            <a:off x="5257278" y="2385869"/>
+            <a:off x="4982958" y="2029253"/>
             <a:ext cx="381000" cy="381000"/>
           </a:xfrm>
           <a:prstGeom prst="rect">
@@ -18649,10 +18540,10 @@
           <p:nvPr/>
         </p:nvPicPr>
         <p:blipFill>
-          <a:blip r:embed="rId14">
+          <a:blip r:embed="rId12">
             <a:extLst>
               <a:ext uri="{96DAC541-7B7A-43D3-8B79-37D633B846F1}">
-                <asvg:svgBlip xmlns:asvg="http://schemas.microsoft.com/office/drawing/2016/SVG/main" r:embed="rId15"/>
+                <asvg:svgBlip xmlns:asvg="http://schemas.microsoft.com/office/drawing/2016/SVG/main" r:embed="rId13"/>
               </a:ext>
             </a:extLst>
           </a:blip>
@@ -18662,7 +18553,7 @@
         </p:blipFill>
         <p:spPr>
           <a:xfrm>
-            <a:off x="5351379" y="4069136"/>
+            <a:off x="5077059" y="3712520"/>
             <a:ext cx="381000" cy="381000"/>
           </a:xfrm>
           <a:prstGeom prst="rect">
@@ -18685,7 +18576,7 @@
           <p:nvPr/>
         </p:nvPicPr>
         <p:blipFill>
-          <a:blip r:embed="rId13">
+          <a:blip r:embed="rId11">
             <a:extLst>
               <a:ext uri="{28A0092B-C50C-407E-A947-70E740481C1C}">
                 <a14:useLocalDpi xmlns:a14="http://schemas.microsoft.com/office/drawing/2010/main" val="0"/>
@@ -18699,7 +18590,7 @@
         </p:blipFill>
         <p:spPr bwMode="auto">
           <a:xfrm>
-            <a:off x="8988959" y="2343396"/>
+            <a:off x="8714639" y="1986780"/>
             <a:ext cx="469900" cy="469900"/>
           </a:xfrm>
           <a:prstGeom prst="rect">
@@ -18745,7 +18636,7 @@
           <p:nvPr/>
         </p:nvPicPr>
         <p:blipFill>
-          <a:blip r:embed="rId12">
+          <a:blip r:embed="rId10">
             <a:extLst>
               <a:ext uri="{28A0092B-C50C-407E-A947-70E740481C1C}">
                 <a14:useLocalDpi xmlns:a14="http://schemas.microsoft.com/office/drawing/2010/main" val="0"/>
@@ -18759,7 +18650,7 @@
         </p:blipFill>
         <p:spPr bwMode="auto">
           <a:xfrm>
-            <a:off x="7422211" y="4039707"/>
+            <a:off x="7147891" y="3683091"/>
             <a:ext cx="469900" cy="469900"/>
           </a:xfrm>
           <a:prstGeom prst="rect">
@@ -18805,7 +18696,7 @@
           <p:nvPr/>
         </p:nvPicPr>
         <p:blipFill>
-          <a:blip r:embed="rId12">
+          <a:blip r:embed="rId10">
             <a:extLst>
               <a:ext uri="{28A0092B-C50C-407E-A947-70E740481C1C}">
                 <a14:useLocalDpi xmlns:a14="http://schemas.microsoft.com/office/drawing/2010/main" val="0"/>
@@ -18819,7 +18710,7 @@
         </p:blipFill>
         <p:spPr bwMode="auto">
           <a:xfrm>
-            <a:off x="9059481" y="3998523"/>
+            <a:off x="8785161" y="3641907"/>
             <a:ext cx="469900" cy="469900"/>
           </a:xfrm>
           <a:prstGeom prst="rect">
@@ -18865,7 +18756,7 @@
           <p:nvPr/>
         </p:nvPicPr>
         <p:blipFill>
-          <a:blip r:embed="rId12">
+          <a:blip r:embed="rId10">
             <a:extLst>
               <a:ext uri="{28A0092B-C50C-407E-A947-70E740481C1C}">
                 <a14:useLocalDpi xmlns:a14="http://schemas.microsoft.com/office/drawing/2010/main" val="0"/>
@@ -18879,7 +18770,7 @@
         </p:blipFill>
         <p:spPr bwMode="auto">
           <a:xfrm>
-            <a:off x="3064487" y="4065234"/>
+            <a:off x="2790167" y="3708618"/>
             <a:ext cx="469900" cy="469900"/>
           </a:xfrm>
           <a:prstGeom prst="rect">
@@ -18925,7 +18816,7 @@
           <p:nvPr/>
         </p:nvPicPr>
         <p:blipFill>
-          <a:blip r:embed="rId12">
+          <a:blip r:embed="rId10">
             <a:extLst>
               <a:ext uri="{28A0092B-C50C-407E-A947-70E740481C1C}">
                 <a14:useLocalDpi xmlns:a14="http://schemas.microsoft.com/office/drawing/2010/main" val="0"/>
@@ -18939,7 +18830,7 @@
         </p:blipFill>
         <p:spPr bwMode="auto">
           <a:xfrm>
-            <a:off x="1307940" y="3975735"/>
+            <a:off x="1033620" y="3619119"/>
             <a:ext cx="469900" cy="469900"/>
           </a:xfrm>
           <a:prstGeom prst="rect">
@@ -18985,7 +18876,7 @@
           <p:nvPr/>
         </p:nvPicPr>
         <p:blipFill>
-          <a:blip r:embed="rId16">
+          <a:blip r:embed="rId14">
             <a:extLst>
               <a:ext uri="{28A0092B-C50C-407E-A947-70E740481C1C}">
                 <a14:useLocalDpi xmlns:a14="http://schemas.microsoft.com/office/drawing/2010/main" val="0"/>
@@ -18999,7 +18890,7 @@
         </p:blipFill>
         <p:spPr bwMode="auto">
           <a:xfrm>
-            <a:off x="5313279" y="1504383"/>
+            <a:off x="5038959" y="1147767"/>
             <a:ext cx="457200" cy="457200"/>
           </a:xfrm>
           <a:prstGeom prst="rect">
@@ -19045,7 +18936,7 @@
           <p:nvPr/>
         </p:nvPicPr>
         <p:blipFill>
-          <a:blip r:embed="rId17">
+          <a:blip r:embed="rId15">
             <a:extLst>
               <a:ext uri="{28A0092B-C50C-407E-A947-70E740481C1C}">
                 <a14:useLocalDpi xmlns:a14="http://schemas.microsoft.com/office/drawing/2010/main" val="0"/>
@@ -19059,7 +18950,7 @@
         </p:blipFill>
         <p:spPr bwMode="auto">
           <a:xfrm>
-            <a:off x="5290464" y="3222215"/>
+            <a:off x="5016144" y="2865599"/>
             <a:ext cx="457200" cy="457200"/>
           </a:xfrm>
           <a:prstGeom prst="rect">
@@ -19105,7 +18996,7 @@
           <p:nvPr/>
         </p:nvPicPr>
         <p:blipFill>
-          <a:blip r:embed="rId18">
+          <a:blip r:embed="rId16">
             <a:extLst>
               <a:ext uri="{28A0092B-C50C-407E-A947-70E740481C1C}">
                 <a14:useLocalDpi xmlns:a14="http://schemas.microsoft.com/office/drawing/2010/main" val="0"/>
@@ -19119,7 +19010,7 @@
         </p:blipFill>
         <p:spPr bwMode="auto">
           <a:xfrm>
-            <a:off x="1241389" y="4936356"/>
+            <a:off x="967069" y="4579740"/>
             <a:ext cx="762000" cy="762000"/>
           </a:xfrm>
           <a:prstGeom prst="rect">
@@ -19166,7 +19057,7 @@
         </p:nvSpPr>
         <p:spPr bwMode="auto">
           <a:xfrm>
-            <a:off x="492089" y="5699943"/>
+            <a:off x="217769" y="5343327"/>
             <a:ext cx="2243137" cy="276999"/>
           </a:xfrm>
           <a:prstGeom prst="rect">
@@ -19326,7 +19217,7 @@
           <p:nvPr/>
         </p:nvPicPr>
         <p:blipFill>
-          <a:blip r:embed="rId19">
+          <a:blip r:embed="rId17">
             <a:extLst>
               <a:ext uri="{28A0092B-C50C-407E-A947-70E740481C1C}">
                 <a14:useLocalDpi xmlns:a14="http://schemas.microsoft.com/office/drawing/2010/main" val="0"/>
@@ -19340,7 +19231,7 @@
         </p:blipFill>
         <p:spPr bwMode="auto">
           <a:xfrm>
-            <a:off x="2666498" y="4957559"/>
+            <a:off x="2392178" y="4600943"/>
             <a:ext cx="762000" cy="762000"/>
           </a:xfrm>
           <a:prstGeom prst="rect">
@@ -19387,7 +19278,7 @@
         </p:nvSpPr>
         <p:spPr bwMode="auto">
           <a:xfrm>
-            <a:off x="1909261" y="5717971"/>
+            <a:off x="1634941" y="5361355"/>
             <a:ext cx="2292350" cy="276999"/>
           </a:xfrm>
           <a:prstGeom prst="rect">
@@ -19547,7 +19438,7 @@
           <p:nvPr/>
         </p:nvPicPr>
         <p:blipFill>
-          <a:blip r:embed="rId19">
+          <a:blip r:embed="rId17">
             <a:extLst>
               <a:ext uri="{28A0092B-C50C-407E-A947-70E740481C1C}">
                 <a14:useLocalDpi xmlns:a14="http://schemas.microsoft.com/office/drawing/2010/main" val="0"/>
@@ -19561,7 +19452,7 @@
         </p:blipFill>
         <p:spPr bwMode="auto">
           <a:xfrm>
-            <a:off x="7645802" y="4984738"/>
+            <a:off x="7371482" y="4628122"/>
             <a:ext cx="762000" cy="762000"/>
           </a:xfrm>
           <a:prstGeom prst="rect">
@@ -19608,7 +19499,7 @@
         </p:nvSpPr>
         <p:spPr bwMode="auto">
           <a:xfrm>
-            <a:off x="6888565" y="5745150"/>
+            <a:off x="6614245" y="5388534"/>
             <a:ext cx="2292350" cy="276999"/>
           </a:xfrm>
           <a:prstGeom prst="rect">
@@ -19769,7 +19660,7 @@
         </p:nvSpPr>
         <p:spPr bwMode="auto">
           <a:xfrm>
-            <a:off x="4824330" y="5661757"/>
+            <a:off x="4550010" y="5305141"/>
             <a:ext cx="1343025" cy="261610"/>
           </a:xfrm>
           <a:prstGeom prst="rect">
@@ -19929,7 +19820,7 @@
           <p:nvPr/>
         </p:nvPicPr>
         <p:blipFill>
-          <a:blip r:embed="rId20">
+          <a:blip r:embed="rId18">
             <a:extLst>
               <a:ext uri="{28A0092B-C50C-407E-A947-70E740481C1C}">
                 <a14:useLocalDpi xmlns:a14="http://schemas.microsoft.com/office/drawing/2010/main" val="0"/>
@@ -19943,7 +19834,7 @@
         </p:blipFill>
         <p:spPr bwMode="auto">
           <a:xfrm>
-            <a:off x="5286568" y="5204557"/>
+            <a:off x="5012248" y="4847941"/>
             <a:ext cx="457200" cy="457200"/>
           </a:xfrm>
           <a:prstGeom prst="rect">
@@ -19989,7 +19880,7 @@
           <p:nvPr/>
         </p:nvPicPr>
         <p:blipFill>
-          <a:blip r:embed="rId21">
+          <a:blip r:embed="rId19">
             <a:extLst>
               <a:ext uri="{28A0092B-C50C-407E-A947-70E740481C1C}">
                 <a14:useLocalDpi xmlns:a14="http://schemas.microsoft.com/office/drawing/2010/main" val="0"/>
@@ -20210,7 +20101,7 @@
           <p:nvPr/>
         </p:nvPicPr>
         <p:blipFill>
-          <a:blip r:embed="rId22">
+          <a:blip r:embed="rId20">
             <a:extLst>
               <a:ext uri="{28A0092B-C50C-407E-A947-70E740481C1C}">
                 <a14:useLocalDpi xmlns:a14="http://schemas.microsoft.com/office/drawing/2010/main" val="0"/>
@@ -20431,7 +20322,7 @@
           <p:nvPr/>
         </p:nvPicPr>
         <p:blipFill>
-          <a:blip r:embed="rId23">
+          <a:blip r:embed="rId21">
             <a:extLst>
               <a:ext uri="{28A0092B-C50C-407E-A947-70E740481C1C}">
                 <a14:useLocalDpi xmlns:a14="http://schemas.microsoft.com/office/drawing/2010/main" val="0"/>
@@ -20652,7 +20543,7 @@
           <p:nvPr/>
         </p:nvPicPr>
         <p:blipFill>
-          <a:blip r:embed="rId24">
+          <a:blip r:embed="rId22">
             <a:extLst>
               <a:ext uri="{28A0092B-C50C-407E-A947-70E740481C1C}">
                 <a14:useLocalDpi xmlns:a14="http://schemas.microsoft.com/office/drawing/2010/main" val="0"/>
@@ -20873,7 +20764,7 @@
           <p:nvPr/>
         </p:nvPicPr>
         <p:blipFill>
-          <a:blip r:embed="rId25">
+          <a:blip r:embed="rId23">
             <a:extLst>
               <a:ext uri="{28A0092B-C50C-407E-A947-70E740481C1C}">
                 <a14:useLocalDpi xmlns:a14="http://schemas.microsoft.com/office/drawing/2010/main" val="0"/>
@@ -21625,23 +21516,20 @@
               <a:tabLst/>
               <a:defRPr/>
             </a:pPr>
-            <a:r>
-              <a:rPr kumimoji="0" lang="en-US" sz="1200" b="0" i="0" u="none" strike="noStrike" kern="1200" cap="none" spc="0" normalizeH="0" baseline="0" noProof="0" dirty="0">
-                <a:ln>
-                  <a:noFill/>
-                </a:ln>
-                <a:solidFill>
-                  <a:sysClr val="windowText" lastClr="000000"/>
-                </a:solidFill>
-                <a:effectLst/>
-                <a:uLnTx/>
-                <a:uFillTx/>
-                <a:latin typeface="Arial" panose="020B0604020202020204" pitchFamily="34" charset="0"/>
-                <a:ea typeface="+mn-ea"/>
-                <a:cs typeface="Arial" panose="020B0604020202020204" pitchFamily="34" charset="0"/>
-              </a:rPr>
-              <a:t>AWS Cloud</a:t>
-            </a:r>
+            <a:endParaRPr kumimoji="0" lang="en-US" sz="1200" b="0" i="0" u="none" strike="noStrike" kern="1200" cap="none" spc="0" normalizeH="0" baseline="0" noProof="0" dirty="0">
+              <a:ln>
+                <a:noFill/>
+              </a:ln>
+              <a:solidFill>
+                <a:sysClr val="windowText" lastClr="000000"/>
+              </a:solidFill>
+              <a:effectLst/>
+              <a:uLnTx/>
+              <a:uFillTx/>
+              <a:latin typeface="Arial" panose="020B0604020202020204" pitchFamily="34" charset="0"/>
+              <a:ea typeface="+mn-ea"/>
+              <a:cs typeface="Arial" panose="020B0604020202020204" pitchFamily="34" charset="0"/>
+            </a:endParaRPr>
           </a:p>
         </p:txBody>
       </p:sp>
@@ -22324,82 +22212,12 @@
           </a:p>
         </p:txBody>
       </p:sp>
-      <p:sp>
-        <p:nvSpPr>
-          <p:cNvPr id="17" name="Rectangle 16">
-            <a:extLst>
-              <a:ext uri="{FF2B5EF4-FFF2-40B4-BE49-F238E27FC236}">
-                <a16:creationId xmlns:a16="http://schemas.microsoft.com/office/drawing/2014/main" id="{225A4F25-4834-AF6E-36DF-39B606D89E2B}"/>
-              </a:ext>
-            </a:extLst>
-          </p:cNvPr>
-          <p:cNvSpPr/>
-          <p:nvPr/>
-        </p:nvSpPr>
-        <p:spPr>
-          <a:xfrm>
-            <a:off x="301625" y="976854"/>
-            <a:ext cx="11712575" cy="5614446"/>
-          </a:xfrm>
-          <a:prstGeom prst="rect">
-            <a:avLst/>
-          </a:prstGeom>
-          <a:noFill/>
-          <a:ln w="12700">
-            <a:solidFill>
-              <a:srgbClr val="5B9CD5"/>
-            </a:solidFill>
-            <a:prstDash val="sysDash"/>
-          </a:ln>
-        </p:spPr>
-        <p:style>
-          <a:lnRef idx="2">
-            <a:schemeClr val="accent1">
-              <a:shade val="50000"/>
-            </a:schemeClr>
-          </a:lnRef>
-          <a:fillRef idx="1">
-            <a:schemeClr val="accent1"/>
-          </a:fillRef>
-          <a:effectRef idx="0">
-            <a:schemeClr val="accent1"/>
-          </a:effectRef>
-          <a:fontRef idx="minor">
-            <a:schemeClr val="lt1"/>
-          </a:fontRef>
-        </p:style>
-        <p:txBody>
-          <a:bodyPr lIns="502920" tIns="91440"/>
-          <a:lstStyle/>
-          <a:p>
-            <a:pPr eaLnBrk="1" fontAlgn="auto" hangingPunct="1">
-              <a:spcBef>
-                <a:spcPts val="0"/>
-              </a:spcBef>
-              <a:spcAft>
-                <a:spcPts val="0"/>
-              </a:spcAft>
-              <a:defRPr/>
-            </a:pPr>
-            <a:r>
-              <a:rPr lang="en-US" sz="1200" dirty="0">
-                <a:solidFill>
-                  <a:srgbClr val="5B9CD5"/>
-                </a:solidFill>
-                <a:latin typeface="Arial" panose="020B0604020202020204" pitchFamily="34" charset="0"/>
-                <a:cs typeface="Arial" panose="020B0604020202020204" pitchFamily="34" charset="0"/>
-              </a:rPr>
-              <a:t>Region</a:t>
-            </a:r>
-          </a:p>
-        </p:txBody>
-      </p:sp>
       <p:pic>
         <p:nvPicPr>
-          <p:cNvPr id="18" name="Graphic 17">
-            <a:extLst>
-              <a:ext uri="{FF2B5EF4-FFF2-40B4-BE49-F238E27FC236}">
-                <a16:creationId xmlns:a16="http://schemas.microsoft.com/office/drawing/2014/main" id="{2CFAA6A8-0C1F-4661-92D9-DDE965A62643}"/>
+          <p:cNvPr id="19" name="Graphic 18">
+            <a:extLst>
+              <a:ext uri="{FF2B5EF4-FFF2-40B4-BE49-F238E27FC236}">
+                <a16:creationId xmlns:a16="http://schemas.microsoft.com/office/drawing/2014/main" id="{78030678-803C-38E1-8D85-8123CA157855}"/>
               </a:ext>
             </a:extLst>
           </p:cNvPr>
@@ -22422,8 +22240,8 @@
         </p:blipFill>
         <p:spPr>
           <a:xfrm>
-            <a:off x="301625" y="987821"/>
-            <a:ext cx="381000" cy="381000"/>
+            <a:off x="1060220" y="2094594"/>
+            <a:ext cx="295194" cy="295194"/>
           </a:xfrm>
           <a:prstGeom prst="rect">
             <a:avLst/>
@@ -22432,10 +22250,10 @@
       </p:pic>
       <p:pic>
         <p:nvPicPr>
-          <p:cNvPr id="19" name="Graphic 18">
-            <a:extLst>
-              <a:ext uri="{FF2B5EF4-FFF2-40B4-BE49-F238E27FC236}">
-                <a16:creationId xmlns:a16="http://schemas.microsoft.com/office/drawing/2014/main" id="{78030678-803C-38E1-8D85-8123CA157855}"/>
+          <p:cNvPr id="20" name="Graphic 19">
+            <a:extLst>
+              <a:ext uri="{FF2B5EF4-FFF2-40B4-BE49-F238E27FC236}">
+                <a16:creationId xmlns:a16="http://schemas.microsoft.com/office/drawing/2014/main" id="{B95FD5FD-AAC6-B0B2-1217-1BC0F057B5AD}"/>
               </a:ext>
             </a:extLst>
           </p:cNvPr>
@@ -22449,42 +22267,6 @@
             <a:extLst>
               <a:ext uri="{96DAC541-7B7A-43D3-8B79-37D633B846F1}">
                 <asvg:svgBlip xmlns:asvg="http://schemas.microsoft.com/office/drawing/2016/SVG/main" r:embed="rId9"/>
-              </a:ext>
-            </a:extLst>
-          </a:blip>
-          <a:stretch>
-            <a:fillRect/>
-          </a:stretch>
-        </p:blipFill>
-        <p:spPr>
-          <a:xfrm>
-            <a:off x="1060220" y="2094594"/>
-            <a:ext cx="295194" cy="295194"/>
-          </a:xfrm>
-          <a:prstGeom prst="rect">
-            <a:avLst/>
-          </a:prstGeom>
-        </p:spPr>
-      </p:pic>
-      <p:pic>
-        <p:nvPicPr>
-          <p:cNvPr id="20" name="Graphic 19">
-            <a:extLst>
-              <a:ext uri="{FF2B5EF4-FFF2-40B4-BE49-F238E27FC236}">
-                <a16:creationId xmlns:a16="http://schemas.microsoft.com/office/drawing/2014/main" id="{B95FD5FD-AAC6-B0B2-1217-1BC0F057B5AD}"/>
-              </a:ext>
-            </a:extLst>
-          </p:cNvPr>
-          <p:cNvPicPr>
-            <a:picLocks noChangeAspect="1"/>
-          </p:cNvPicPr>
-          <p:nvPr/>
-        </p:nvPicPr>
-        <p:blipFill>
-          <a:blip r:embed="rId10">
-            <a:extLst>
-              <a:ext uri="{96DAC541-7B7A-43D3-8B79-37D633B846F1}">
-                <asvg:svgBlip xmlns:asvg="http://schemas.microsoft.com/office/drawing/2016/SVG/main" r:embed="rId11"/>
               </a:ext>
             </a:extLst>
           </a:blip>
@@ -22932,10 +22714,10 @@
           <p:nvPr/>
         </p:nvPicPr>
         <p:blipFill>
-          <a:blip r:embed="rId8">
+          <a:blip r:embed="rId6">
             <a:extLst>
               <a:ext uri="{96DAC541-7B7A-43D3-8B79-37D633B846F1}">
-                <asvg:svgBlip xmlns:asvg="http://schemas.microsoft.com/office/drawing/2016/SVG/main" r:embed="rId9"/>
+                <asvg:svgBlip xmlns:asvg="http://schemas.microsoft.com/office/drawing/2016/SVG/main" r:embed="rId7"/>
               </a:ext>
             </a:extLst>
           </a:blip>
@@ -22968,10 +22750,10 @@
           <p:nvPr/>
         </p:nvPicPr>
         <p:blipFill>
-          <a:blip r:embed="rId10">
+          <a:blip r:embed="rId8">
             <a:extLst>
               <a:ext uri="{96DAC541-7B7A-43D3-8B79-37D633B846F1}">
-                <asvg:svgBlip xmlns:asvg="http://schemas.microsoft.com/office/drawing/2016/SVG/main" r:embed="rId11"/>
+                <asvg:svgBlip xmlns:asvg="http://schemas.microsoft.com/office/drawing/2016/SVG/main" r:embed="rId9"/>
               </a:ext>
             </a:extLst>
           </a:blip>
@@ -23537,7 +23319,7 @@
           <p:nvPr/>
         </p:nvPicPr>
         <p:blipFill>
-          <a:blip r:embed="rId12">
+          <a:blip r:embed="rId10">
             <a:extLst>
               <a:ext uri="{28A0092B-C50C-407E-A947-70E740481C1C}">
                 <a14:useLocalDpi xmlns:a14="http://schemas.microsoft.com/office/drawing/2010/main" val="0"/>
@@ -23783,7 +23565,7 @@
           <p:nvPr/>
         </p:nvPicPr>
         <p:blipFill>
-          <a:blip r:embed="rId12">
+          <a:blip r:embed="rId10">
             <a:extLst>
               <a:ext uri="{28A0092B-C50C-407E-A947-70E740481C1C}">
                 <a14:useLocalDpi xmlns:a14="http://schemas.microsoft.com/office/drawing/2010/main" val="0"/>
@@ -24356,7 +24138,7 @@
           <p:nvPr/>
         </p:nvPicPr>
         <p:blipFill>
-          <a:blip r:embed="rId13">
+          <a:blip r:embed="rId11">
             <a:extLst>
               <a:ext uri="{28A0092B-C50C-407E-A947-70E740481C1C}">
                 <a14:useLocalDpi xmlns:a14="http://schemas.microsoft.com/office/drawing/2010/main" val="0"/>
@@ -24416,10 +24198,10 @@
           <p:nvPr/>
         </p:nvPicPr>
         <p:blipFill>
-          <a:blip r:embed="rId14">
+          <a:blip r:embed="rId12">
             <a:extLst>
               <a:ext uri="{96DAC541-7B7A-43D3-8B79-37D633B846F1}">
-                <asvg:svgBlip xmlns:asvg="http://schemas.microsoft.com/office/drawing/2016/SVG/main" r:embed="rId15"/>
+                <asvg:svgBlip xmlns:asvg="http://schemas.microsoft.com/office/drawing/2016/SVG/main" r:embed="rId13"/>
               </a:ext>
             </a:extLst>
           </a:blip>
@@ -24452,10 +24234,10 @@
           <p:nvPr/>
         </p:nvPicPr>
         <p:blipFill>
-          <a:blip r:embed="rId14">
+          <a:blip r:embed="rId12">
             <a:extLst>
               <a:ext uri="{96DAC541-7B7A-43D3-8B79-37D633B846F1}">
-                <asvg:svgBlip xmlns:asvg="http://schemas.microsoft.com/office/drawing/2016/SVG/main" r:embed="rId15"/>
+                <asvg:svgBlip xmlns:asvg="http://schemas.microsoft.com/office/drawing/2016/SVG/main" r:embed="rId13"/>
               </a:ext>
             </a:extLst>
           </a:blip>
@@ -24488,7 +24270,7 @@
           <p:nvPr/>
         </p:nvPicPr>
         <p:blipFill>
-          <a:blip r:embed="rId13">
+          <a:blip r:embed="rId11">
             <a:extLst>
               <a:ext uri="{28A0092B-C50C-407E-A947-70E740481C1C}">
                 <a14:useLocalDpi xmlns:a14="http://schemas.microsoft.com/office/drawing/2010/main" val="0"/>
@@ -24548,7 +24330,7 @@
           <p:nvPr/>
         </p:nvPicPr>
         <p:blipFill>
-          <a:blip r:embed="rId12">
+          <a:blip r:embed="rId10">
             <a:extLst>
               <a:ext uri="{28A0092B-C50C-407E-A947-70E740481C1C}">
                 <a14:useLocalDpi xmlns:a14="http://schemas.microsoft.com/office/drawing/2010/main" val="0"/>
@@ -24608,7 +24390,7 @@
           <p:nvPr/>
         </p:nvPicPr>
         <p:blipFill>
-          <a:blip r:embed="rId12">
+          <a:blip r:embed="rId10">
             <a:extLst>
               <a:ext uri="{28A0092B-C50C-407E-A947-70E740481C1C}">
                 <a14:useLocalDpi xmlns:a14="http://schemas.microsoft.com/office/drawing/2010/main" val="0"/>
@@ -24668,7 +24450,7 @@
           <p:nvPr/>
         </p:nvPicPr>
         <p:blipFill>
-          <a:blip r:embed="rId12">
+          <a:blip r:embed="rId10">
             <a:extLst>
               <a:ext uri="{28A0092B-C50C-407E-A947-70E740481C1C}">
                 <a14:useLocalDpi xmlns:a14="http://schemas.microsoft.com/office/drawing/2010/main" val="0"/>
@@ -24728,7 +24510,7 @@
           <p:nvPr/>
         </p:nvPicPr>
         <p:blipFill>
-          <a:blip r:embed="rId16">
+          <a:blip r:embed="rId14">
             <a:extLst>
               <a:ext uri="{28A0092B-C50C-407E-A947-70E740481C1C}">
                 <a14:useLocalDpi xmlns:a14="http://schemas.microsoft.com/office/drawing/2010/main" val="0"/>
@@ -24788,7 +24570,7 @@
           <p:nvPr/>
         </p:nvPicPr>
         <p:blipFill>
-          <a:blip r:embed="rId17">
+          <a:blip r:embed="rId15">
             <a:extLst>
               <a:ext uri="{28A0092B-C50C-407E-A947-70E740481C1C}">
                 <a14:useLocalDpi xmlns:a14="http://schemas.microsoft.com/office/drawing/2010/main" val="0"/>
@@ -24848,7 +24630,7 @@
           <p:nvPr/>
         </p:nvPicPr>
         <p:blipFill>
-          <a:blip r:embed="rId18">
+          <a:blip r:embed="rId16">
             <a:extLst>
               <a:ext uri="{28A0092B-C50C-407E-A947-70E740481C1C}">
                 <a14:useLocalDpi xmlns:a14="http://schemas.microsoft.com/office/drawing/2010/main" val="0"/>
@@ -25069,7 +24851,7 @@
           <p:nvPr/>
         </p:nvPicPr>
         <p:blipFill>
-          <a:blip r:embed="rId19">
+          <a:blip r:embed="rId17">
             <a:extLst>
               <a:ext uri="{28A0092B-C50C-407E-A947-70E740481C1C}">
                 <a14:useLocalDpi xmlns:a14="http://schemas.microsoft.com/office/drawing/2010/main" val="0"/>
@@ -25290,7 +25072,7 @@
           <p:nvPr/>
         </p:nvPicPr>
         <p:blipFill>
-          <a:blip r:embed="rId19">
+          <a:blip r:embed="rId17">
             <a:extLst>
               <a:ext uri="{28A0092B-C50C-407E-A947-70E740481C1C}">
                 <a14:useLocalDpi xmlns:a14="http://schemas.microsoft.com/office/drawing/2010/main" val="0"/>
@@ -25511,7 +25293,7 @@
           <p:nvPr/>
         </p:nvPicPr>
         <p:blipFill>
-          <a:blip r:embed="rId20">
+          <a:blip r:embed="rId18">
             <a:extLst>
               <a:ext uri="{28A0092B-C50C-407E-A947-70E740481C1C}">
                 <a14:useLocalDpi xmlns:a14="http://schemas.microsoft.com/office/drawing/2010/main" val="0"/>
@@ -25525,7 +25307,7 @@
         </p:blipFill>
         <p:spPr bwMode="auto">
           <a:xfrm>
-            <a:off x="10724200" y="1031176"/>
+            <a:off x="10760776" y="939736"/>
             <a:ext cx="762000" cy="762000"/>
           </a:xfrm>
           <a:prstGeom prst="rect">
@@ -25572,7 +25354,7 @@
         </p:nvSpPr>
         <p:spPr bwMode="auto">
           <a:xfrm>
-            <a:off x="9984425" y="1794763"/>
+            <a:off x="10021001" y="1703323"/>
             <a:ext cx="2243137" cy="461665"/>
           </a:xfrm>
           <a:prstGeom prst="rect">
@@ -25732,7 +25514,7 @@
           <p:nvPr/>
         </p:nvPicPr>
         <p:blipFill>
-          <a:blip r:embed="rId21">
+          <a:blip r:embed="rId19">
             <a:extLst>
               <a:ext uri="{28A0092B-C50C-407E-A947-70E740481C1C}">
                 <a14:useLocalDpi xmlns:a14="http://schemas.microsoft.com/office/drawing/2010/main" val="0"/>
@@ -25746,7 +25528,7 @@
         </p:blipFill>
         <p:spPr bwMode="auto">
           <a:xfrm>
-            <a:off x="10713390" y="2214225"/>
+            <a:off x="10749966" y="2122785"/>
             <a:ext cx="762000" cy="762000"/>
           </a:xfrm>
           <a:prstGeom prst="rect">
@@ -25793,7 +25575,7 @@
         </p:nvSpPr>
         <p:spPr bwMode="auto">
           <a:xfrm>
-            <a:off x="9956153" y="2976225"/>
+            <a:off x="9992729" y="2884785"/>
             <a:ext cx="2292350" cy="276999"/>
           </a:xfrm>
           <a:prstGeom prst="rect">
@@ -25953,7 +25735,7 @@
           <p:nvPr/>
         </p:nvPicPr>
         <p:blipFill>
-          <a:blip r:embed="rId22">
+          <a:blip r:embed="rId20">
             <a:extLst>
               <a:ext uri="{28A0092B-C50C-407E-A947-70E740481C1C}">
                 <a14:useLocalDpi xmlns:a14="http://schemas.microsoft.com/office/drawing/2010/main" val="0"/>
@@ -25967,7 +25749,7 @@
         </p:blipFill>
         <p:spPr bwMode="auto">
           <a:xfrm>
-            <a:off x="10724657" y="3222215"/>
+            <a:off x="10761233" y="3130775"/>
             <a:ext cx="762000" cy="762000"/>
           </a:xfrm>
           <a:prstGeom prst="rect">
@@ -26014,7 +25796,7 @@
         </p:nvSpPr>
         <p:spPr bwMode="auto">
           <a:xfrm>
-            <a:off x="9965832" y="3984215"/>
+            <a:off x="10002408" y="3892775"/>
             <a:ext cx="2292350" cy="276999"/>
           </a:xfrm>
           <a:prstGeom prst="rect">
@@ -26174,7 +25956,7 @@
           <p:nvPr/>
         </p:nvPicPr>
         <p:blipFill>
-          <a:blip r:embed="rId23">
+          <a:blip r:embed="rId21">
             <a:extLst>
               <a:ext uri="{28A0092B-C50C-407E-A947-70E740481C1C}">
                 <a14:useLocalDpi xmlns:a14="http://schemas.microsoft.com/office/drawing/2010/main" val="0"/>
@@ -26188,7 +25970,7 @@
         </p:blipFill>
         <p:spPr bwMode="auto">
           <a:xfrm>
-            <a:off x="10716342" y="4276485"/>
+            <a:off x="10752918" y="4185045"/>
             <a:ext cx="762000" cy="762000"/>
           </a:xfrm>
           <a:prstGeom prst="rect">
@@ -26235,7 +26017,7 @@
         </p:nvSpPr>
         <p:spPr bwMode="auto">
           <a:xfrm>
-            <a:off x="9959105" y="5048010"/>
+            <a:off x="9995681" y="4956570"/>
             <a:ext cx="2292350" cy="276999"/>
           </a:xfrm>
           <a:prstGeom prst="rect">
@@ -26395,7 +26177,7 @@
           <p:nvPr/>
         </p:nvPicPr>
         <p:blipFill>
-          <a:blip r:embed="rId24">
+          <a:blip r:embed="rId22">
             <a:extLst>
               <a:ext uri="{28A0092B-C50C-407E-A947-70E740481C1C}">
                 <a14:useLocalDpi xmlns:a14="http://schemas.microsoft.com/office/drawing/2010/main" val="0"/>
@@ -26409,7 +26191,7 @@
         </p:blipFill>
         <p:spPr bwMode="auto">
           <a:xfrm>
-            <a:off x="10703407" y="5400645"/>
+            <a:off x="10739983" y="5309205"/>
             <a:ext cx="762000" cy="762000"/>
           </a:xfrm>
           <a:prstGeom prst="rect">
@@ -26456,7 +26238,7 @@
         </p:nvSpPr>
         <p:spPr bwMode="auto">
           <a:xfrm>
-            <a:off x="9944582" y="6161851"/>
+            <a:off x="9981158" y="6070411"/>
             <a:ext cx="2292350" cy="276999"/>
           </a:xfrm>
           <a:prstGeom prst="rect">
@@ -26792,7 +26574,7 @@
           <p:nvPr/>
         </p:nvPicPr>
         <p:blipFill>
-          <a:blip r:embed="rId25">
+          <a:blip r:embed="rId23">
             <a:extLst>
               <a:ext uri="{28A0092B-C50C-407E-A947-70E740481C1C}">
                 <a14:useLocalDpi xmlns:a14="http://schemas.microsoft.com/office/drawing/2010/main" val="0"/>
@@ -27028,7 +26810,7 @@
           <p:nvPr/>
         </p:nvPicPr>
         <p:blipFill>
-          <a:blip r:embed="rId25">
+          <a:blip r:embed="rId23">
             <a:extLst>
               <a:ext uri="{28A0092B-C50C-407E-A947-70E740481C1C}">
                 <a14:useLocalDpi xmlns:a14="http://schemas.microsoft.com/office/drawing/2010/main" val="0"/>
@@ -27427,23 +27209,20 @@
               <a:tabLst/>
               <a:defRPr/>
             </a:pPr>
-            <a:r>
-              <a:rPr kumimoji="0" lang="en-US" sz="1200" b="0" i="0" u="none" strike="noStrike" kern="1200" cap="none" spc="0" normalizeH="0" baseline="0" noProof="0" dirty="0">
-                <a:ln>
-                  <a:noFill/>
-                </a:ln>
-                <a:solidFill>
-                  <a:sysClr val="windowText" lastClr="000000"/>
-                </a:solidFill>
-                <a:effectLst/>
-                <a:uLnTx/>
-                <a:uFillTx/>
-                <a:latin typeface="Arial" panose="020B0604020202020204" pitchFamily="34" charset="0"/>
-                <a:ea typeface="+mn-ea"/>
-                <a:cs typeface="Arial" panose="020B0604020202020204" pitchFamily="34" charset="0"/>
-              </a:rPr>
-              <a:t>AWS Cloud</a:t>
-            </a:r>
+            <a:endParaRPr kumimoji="0" lang="en-US" sz="1200" b="0" i="0" u="none" strike="noStrike" kern="1200" cap="none" spc="0" normalizeH="0" baseline="0" noProof="0" dirty="0">
+              <a:ln>
+                <a:noFill/>
+              </a:ln>
+              <a:solidFill>
+                <a:sysClr val="windowText" lastClr="000000"/>
+              </a:solidFill>
+              <a:effectLst/>
+              <a:uLnTx/>
+              <a:uFillTx/>
+              <a:latin typeface="Arial" panose="020B0604020202020204" pitchFamily="34" charset="0"/>
+              <a:ea typeface="+mn-ea"/>
+              <a:cs typeface="Arial" panose="020B0604020202020204" pitchFamily="34" charset="0"/>
+            </a:endParaRPr>
           </a:p>
         </p:txBody>
       </p:sp>
@@ -28126,82 +27905,12 @@
           </a:p>
         </p:txBody>
       </p:sp>
-      <p:sp>
-        <p:nvSpPr>
-          <p:cNvPr id="44" name="Rectangle 43">
-            <a:extLst>
-              <a:ext uri="{FF2B5EF4-FFF2-40B4-BE49-F238E27FC236}">
-                <a16:creationId xmlns:a16="http://schemas.microsoft.com/office/drawing/2014/main" id="{4537C86D-7502-434C-AB1C-77DB11C905B6}"/>
-              </a:ext>
-            </a:extLst>
-          </p:cNvPr>
-          <p:cNvSpPr/>
-          <p:nvPr/>
-        </p:nvSpPr>
-        <p:spPr>
-          <a:xfrm>
-            <a:off x="301625" y="976854"/>
-            <a:ext cx="11712575" cy="5614446"/>
-          </a:xfrm>
-          <a:prstGeom prst="rect">
-            <a:avLst/>
-          </a:prstGeom>
-          <a:noFill/>
-          <a:ln w="12700">
-            <a:solidFill>
-              <a:srgbClr val="5B9CD5"/>
-            </a:solidFill>
-            <a:prstDash val="sysDash"/>
-          </a:ln>
-        </p:spPr>
-        <p:style>
-          <a:lnRef idx="2">
-            <a:schemeClr val="accent1">
-              <a:shade val="50000"/>
-            </a:schemeClr>
-          </a:lnRef>
-          <a:fillRef idx="1">
-            <a:schemeClr val="accent1"/>
-          </a:fillRef>
-          <a:effectRef idx="0">
-            <a:schemeClr val="accent1"/>
-          </a:effectRef>
-          <a:fontRef idx="minor">
-            <a:schemeClr val="lt1"/>
-          </a:fontRef>
-        </p:style>
-        <p:txBody>
-          <a:bodyPr lIns="502920" tIns="91440"/>
-          <a:lstStyle/>
-          <a:p>
-            <a:pPr eaLnBrk="1" fontAlgn="auto" hangingPunct="1">
-              <a:spcBef>
-                <a:spcPts val="0"/>
-              </a:spcBef>
-              <a:spcAft>
-                <a:spcPts val="0"/>
-              </a:spcAft>
-              <a:defRPr/>
-            </a:pPr>
-            <a:r>
-              <a:rPr lang="en-US" sz="1200" dirty="0">
-                <a:solidFill>
-                  <a:srgbClr val="5B9CD5"/>
-                </a:solidFill>
-                <a:latin typeface="Arial" panose="020B0604020202020204" pitchFamily="34" charset="0"/>
-                <a:cs typeface="Arial" panose="020B0604020202020204" pitchFamily="34" charset="0"/>
-              </a:rPr>
-              <a:t>Region</a:t>
-            </a:r>
-          </a:p>
-        </p:txBody>
-      </p:sp>
       <p:pic>
         <p:nvPicPr>
-          <p:cNvPr id="46" name="Graphic 45">
-            <a:extLst>
-              <a:ext uri="{FF2B5EF4-FFF2-40B4-BE49-F238E27FC236}">
-                <a16:creationId xmlns:a16="http://schemas.microsoft.com/office/drawing/2014/main" id="{3BD774D2-D444-9F41-8C2D-95BD2DA8A293}"/>
+          <p:cNvPr id="49" name="Graphic 48">
+            <a:extLst>
+              <a:ext uri="{FF2B5EF4-FFF2-40B4-BE49-F238E27FC236}">
+                <a16:creationId xmlns:a16="http://schemas.microsoft.com/office/drawing/2014/main" id="{F88FDB8F-EE69-CA4C-BA7D-77D1617E7A7A}"/>
               </a:ext>
             </a:extLst>
           </p:cNvPr>
@@ -28224,8 +27933,8 @@
         </p:blipFill>
         <p:spPr>
           <a:xfrm>
-            <a:off x="301625" y="987821"/>
-            <a:ext cx="381000" cy="381000"/>
+            <a:off x="1060220" y="2094594"/>
+            <a:ext cx="295194" cy="295194"/>
           </a:xfrm>
           <a:prstGeom prst="rect">
             <a:avLst/>
@@ -28234,10 +27943,10 @@
       </p:pic>
       <p:pic>
         <p:nvPicPr>
-          <p:cNvPr id="49" name="Graphic 48">
-            <a:extLst>
-              <a:ext uri="{FF2B5EF4-FFF2-40B4-BE49-F238E27FC236}">
-                <a16:creationId xmlns:a16="http://schemas.microsoft.com/office/drawing/2014/main" id="{F88FDB8F-EE69-CA4C-BA7D-77D1617E7A7A}"/>
+          <p:cNvPr id="50" name="Graphic 49">
+            <a:extLst>
+              <a:ext uri="{FF2B5EF4-FFF2-40B4-BE49-F238E27FC236}">
+                <a16:creationId xmlns:a16="http://schemas.microsoft.com/office/drawing/2014/main" id="{99CEE759-5B3C-F34D-A7E1-8309D1A608E9}"/>
               </a:ext>
             </a:extLst>
           </p:cNvPr>
@@ -28251,42 +27960,6 @@
             <a:extLst>
               <a:ext uri="{96DAC541-7B7A-43D3-8B79-37D633B846F1}">
                 <asvg:svgBlip xmlns:asvg="http://schemas.microsoft.com/office/drawing/2016/SVG/main" r:embed="rId9"/>
-              </a:ext>
-            </a:extLst>
-          </a:blip>
-          <a:stretch>
-            <a:fillRect/>
-          </a:stretch>
-        </p:blipFill>
-        <p:spPr>
-          <a:xfrm>
-            <a:off x="1060220" y="2094594"/>
-            <a:ext cx="295194" cy="295194"/>
-          </a:xfrm>
-          <a:prstGeom prst="rect">
-            <a:avLst/>
-          </a:prstGeom>
-        </p:spPr>
-      </p:pic>
-      <p:pic>
-        <p:nvPicPr>
-          <p:cNvPr id="50" name="Graphic 49">
-            <a:extLst>
-              <a:ext uri="{FF2B5EF4-FFF2-40B4-BE49-F238E27FC236}">
-                <a16:creationId xmlns:a16="http://schemas.microsoft.com/office/drawing/2014/main" id="{99CEE759-5B3C-F34D-A7E1-8309D1A608E9}"/>
-              </a:ext>
-            </a:extLst>
-          </p:cNvPr>
-          <p:cNvPicPr>
-            <a:picLocks noChangeAspect="1"/>
-          </p:cNvPicPr>
-          <p:nvPr/>
-        </p:nvPicPr>
-        <p:blipFill>
-          <a:blip r:embed="rId10">
-            <a:extLst>
-              <a:ext uri="{96DAC541-7B7A-43D3-8B79-37D633B846F1}">
-                <asvg:svgBlip xmlns:asvg="http://schemas.microsoft.com/office/drawing/2016/SVG/main" r:embed="rId11"/>
               </a:ext>
             </a:extLst>
           </a:blip>
@@ -28734,10 +28407,10 @@
           <p:nvPr/>
         </p:nvPicPr>
         <p:blipFill>
-          <a:blip r:embed="rId8">
+          <a:blip r:embed="rId6">
             <a:extLst>
               <a:ext uri="{96DAC541-7B7A-43D3-8B79-37D633B846F1}">
-                <asvg:svgBlip xmlns:asvg="http://schemas.microsoft.com/office/drawing/2016/SVG/main" r:embed="rId9"/>
+                <asvg:svgBlip xmlns:asvg="http://schemas.microsoft.com/office/drawing/2016/SVG/main" r:embed="rId7"/>
               </a:ext>
             </a:extLst>
           </a:blip>
@@ -28770,10 +28443,10 @@
           <p:nvPr/>
         </p:nvPicPr>
         <p:blipFill>
-          <a:blip r:embed="rId10">
+          <a:blip r:embed="rId8">
             <a:extLst>
               <a:ext uri="{96DAC541-7B7A-43D3-8B79-37D633B846F1}">
-                <asvg:svgBlip xmlns:asvg="http://schemas.microsoft.com/office/drawing/2016/SVG/main" r:embed="rId11"/>
+                <asvg:svgBlip xmlns:asvg="http://schemas.microsoft.com/office/drawing/2016/SVG/main" r:embed="rId9"/>
               </a:ext>
             </a:extLst>
           </a:blip>
@@ -29153,7 +28826,7 @@
           <p:nvPr/>
         </p:nvPicPr>
         <p:blipFill>
-          <a:blip r:embed="rId12">
+          <a:blip r:embed="rId10">
             <a:extLst>
               <a:ext uri="{28A0092B-C50C-407E-A947-70E740481C1C}">
                 <a14:useLocalDpi xmlns:a14="http://schemas.microsoft.com/office/drawing/2010/main" val="0"/>
@@ -29399,7 +29072,7 @@
           <p:nvPr/>
         </p:nvPicPr>
         <p:blipFill>
-          <a:blip r:embed="rId12">
+          <a:blip r:embed="rId10">
             <a:extLst>
               <a:ext uri="{28A0092B-C50C-407E-A947-70E740481C1C}">
                 <a14:useLocalDpi xmlns:a14="http://schemas.microsoft.com/office/drawing/2010/main" val="0"/>
@@ -30062,7 +29735,7 @@
           <p:nvPr/>
         </p:nvPicPr>
         <p:blipFill>
-          <a:blip r:embed="rId13">
+          <a:blip r:embed="rId11">
             <a:extLst>
               <a:ext uri="{28A0092B-C50C-407E-A947-70E740481C1C}">
                 <a14:useLocalDpi xmlns:a14="http://schemas.microsoft.com/office/drawing/2010/main" val="0"/>
@@ -30122,10 +29795,10 @@
           <p:nvPr/>
         </p:nvPicPr>
         <p:blipFill>
-          <a:blip r:embed="rId14">
+          <a:blip r:embed="rId12">
             <a:extLst>
               <a:ext uri="{96DAC541-7B7A-43D3-8B79-37D633B846F1}">
-                <asvg:svgBlip xmlns:asvg="http://schemas.microsoft.com/office/drawing/2016/SVG/main" r:embed="rId15"/>
+                <asvg:svgBlip xmlns:asvg="http://schemas.microsoft.com/office/drawing/2016/SVG/main" r:embed="rId13"/>
               </a:ext>
             </a:extLst>
           </a:blip>
@@ -30158,10 +29831,10 @@
           <p:nvPr/>
         </p:nvPicPr>
         <p:blipFill>
-          <a:blip r:embed="rId14">
+          <a:blip r:embed="rId12">
             <a:extLst>
               <a:ext uri="{96DAC541-7B7A-43D3-8B79-37D633B846F1}">
-                <asvg:svgBlip xmlns:asvg="http://schemas.microsoft.com/office/drawing/2016/SVG/main" r:embed="rId15"/>
+                <asvg:svgBlip xmlns:asvg="http://schemas.microsoft.com/office/drawing/2016/SVG/main" r:embed="rId13"/>
               </a:ext>
             </a:extLst>
           </a:blip>
@@ -30194,7 +29867,7 @@
           <p:nvPr/>
         </p:nvPicPr>
         <p:blipFill>
-          <a:blip r:embed="rId13">
+          <a:blip r:embed="rId11">
             <a:extLst>
               <a:ext uri="{28A0092B-C50C-407E-A947-70E740481C1C}">
                 <a14:useLocalDpi xmlns:a14="http://schemas.microsoft.com/office/drawing/2010/main" val="0"/>
@@ -30254,7 +29927,7 @@
           <p:nvPr/>
         </p:nvPicPr>
         <p:blipFill>
-          <a:blip r:embed="rId12">
+          <a:blip r:embed="rId10">
             <a:extLst>
               <a:ext uri="{28A0092B-C50C-407E-A947-70E740481C1C}">
                 <a14:useLocalDpi xmlns:a14="http://schemas.microsoft.com/office/drawing/2010/main" val="0"/>
@@ -30314,7 +29987,7 @@
           <p:nvPr/>
         </p:nvPicPr>
         <p:blipFill>
-          <a:blip r:embed="rId12">
+          <a:blip r:embed="rId10">
             <a:extLst>
               <a:ext uri="{28A0092B-C50C-407E-A947-70E740481C1C}">
                 <a14:useLocalDpi xmlns:a14="http://schemas.microsoft.com/office/drawing/2010/main" val="0"/>
@@ -30374,7 +30047,7 @@
           <p:nvPr/>
         </p:nvPicPr>
         <p:blipFill>
-          <a:blip r:embed="rId16">
+          <a:blip r:embed="rId14">
             <a:extLst>
               <a:ext uri="{28A0092B-C50C-407E-A947-70E740481C1C}">
                 <a14:useLocalDpi xmlns:a14="http://schemas.microsoft.com/office/drawing/2010/main" val="0"/>
@@ -30434,7 +30107,7 @@
           <p:nvPr/>
         </p:nvPicPr>
         <p:blipFill>
-          <a:blip r:embed="rId17">
+          <a:blip r:embed="rId15">
             <a:extLst>
               <a:ext uri="{28A0092B-C50C-407E-A947-70E740481C1C}">
                 <a14:useLocalDpi xmlns:a14="http://schemas.microsoft.com/office/drawing/2010/main" val="0"/>
@@ -30494,7 +30167,7 @@
           <p:nvPr/>
         </p:nvPicPr>
         <p:blipFill>
-          <a:blip r:embed="rId18">
+          <a:blip r:embed="rId16">
             <a:extLst>
               <a:ext uri="{28A0092B-C50C-407E-A947-70E740481C1C}">
                 <a14:useLocalDpi xmlns:a14="http://schemas.microsoft.com/office/drawing/2010/main" val="0"/>
@@ -30715,7 +30388,7 @@
           <p:nvPr/>
         </p:nvPicPr>
         <p:blipFill>
-          <a:blip r:embed="rId19">
+          <a:blip r:embed="rId17">
             <a:extLst>
               <a:ext uri="{28A0092B-C50C-407E-A947-70E740481C1C}">
                 <a14:useLocalDpi xmlns:a14="http://schemas.microsoft.com/office/drawing/2010/main" val="0"/>
@@ -30936,7 +30609,7 @@
           <p:nvPr/>
         </p:nvPicPr>
         <p:blipFill>
-          <a:blip r:embed="rId19">
+          <a:blip r:embed="rId17">
             <a:extLst>
               <a:ext uri="{28A0092B-C50C-407E-A947-70E740481C1C}">
                 <a14:useLocalDpi xmlns:a14="http://schemas.microsoft.com/office/drawing/2010/main" val="0"/>
@@ -31157,7 +30830,7 @@
           <p:nvPr/>
         </p:nvPicPr>
         <p:blipFill>
-          <a:blip r:embed="rId20">
+          <a:blip r:embed="rId18">
             <a:extLst>
               <a:ext uri="{28A0092B-C50C-407E-A947-70E740481C1C}">
                 <a14:useLocalDpi xmlns:a14="http://schemas.microsoft.com/office/drawing/2010/main" val="0"/>
@@ -31378,7 +31051,7 @@
           <p:nvPr/>
         </p:nvPicPr>
         <p:blipFill>
-          <a:blip r:embed="rId21">
+          <a:blip r:embed="rId19">
             <a:extLst>
               <a:ext uri="{28A0092B-C50C-407E-A947-70E740481C1C}">
                 <a14:useLocalDpi xmlns:a14="http://schemas.microsoft.com/office/drawing/2010/main" val="0"/>
@@ -31599,7 +31272,7 @@
           <p:nvPr/>
         </p:nvPicPr>
         <p:blipFill>
-          <a:blip r:embed="rId22">
+          <a:blip r:embed="rId20">
             <a:extLst>
               <a:ext uri="{28A0092B-C50C-407E-A947-70E740481C1C}">
                 <a14:useLocalDpi xmlns:a14="http://schemas.microsoft.com/office/drawing/2010/main" val="0"/>
@@ -31820,7 +31493,7 @@
           <p:nvPr/>
         </p:nvPicPr>
         <p:blipFill>
-          <a:blip r:embed="rId23">
+          <a:blip r:embed="rId21">
             <a:extLst>
               <a:ext uri="{28A0092B-C50C-407E-A947-70E740481C1C}">
                 <a14:useLocalDpi xmlns:a14="http://schemas.microsoft.com/office/drawing/2010/main" val="0"/>
@@ -32041,7 +31714,7 @@
           <p:nvPr/>
         </p:nvPicPr>
         <p:blipFill>
-          <a:blip r:embed="rId24">
+          <a:blip r:embed="rId22">
             <a:extLst>
               <a:ext uri="{28A0092B-C50C-407E-A947-70E740481C1C}">
                 <a14:useLocalDpi xmlns:a14="http://schemas.microsoft.com/office/drawing/2010/main" val="0"/>
@@ -32262,7 +31935,7 @@
           <p:nvPr/>
         </p:nvPicPr>
         <p:blipFill>
-          <a:blip r:embed="rId25">
+          <a:blip r:embed="rId23">
             <a:extLst>
               <a:ext uri="{28A0092B-C50C-407E-A947-70E740481C1C}">
                 <a14:useLocalDpi xmlns:a14="http://schemas.microsoft.com/office/drawing/2010/main" val="0"/>

--- a/docs/deployment_guide/images/Quick Start Ref. Arch.pptx
+++ b/docs/deployment_guide/images/Quick Start Ref. Arch.pptx
@@ -15368,40 +15368,6 @@
       </p:sp>
       <p:sp>
         <p:nvSpPr>
-          <p:cNvPr id="47105" name="Title 1">
-            <a:extLst>
-              <a:ext uri="{FF2B5EF4-FFF2-40B4-BE49-F238E27FC236}">
-                <a16:creationId xmlns:a16="http://schemas.microsoft.com/office/drawing/2014/main" id="{6EA39E97-4C97-AD40-972C-394E863845C9}"/>
-              </a:ext>
-            </a:extLst>
-          </p:cNvPr>
-          <p:cNvSpPr>
-            <a:spLocks noGrp="1" noChangeArrowheads="1"/>
-          </p:cNvSpPr>
-          <p:nvPr>
-            <p:ph type="title"/>
-          </p:nvPr>
-        </p:nvSpPr>
-        <p:spPr>
-          <a:xfrm>
-            <a:off x="241300" y="-98029"/>
-            <a:ext cx="11709400" cy="644525"/>
-          </a:xfrm>
-        </p:spPr>
-        <p:txBody>
-          <a:bodyPr/>
-          <a:lstStyle/>
-          <a:p>
-            <a:pPr algn="ctr" eaLnBrk="1" hangingPunct="1"/>
-            <a:r>
-              <a:rPr lang="en-US" altLang="en-US" sz="2400" dirty="0"/>
-              <a:t>Amazon WorkSpaces Quick Start – Self-Managed AD</a:t>
-            </a:r>
-          </a:p>
-        </p:txBody>
-      </p:sp>
-      <p:sp>
-        <p:nvSpPr>
           <p:cNvPr id="4" name="Rectangle 3">
             <a:extLst>
               <a:ext uri="{FF2B5EF4-FFF2-40B4-BE49-F238E27FC236}">
@@ -15664,8 +15630,8 @@
         </p:nvSpPr>
         <p:spPr bwMode="auto">
           <a:xfrm>
-            <a:off x="1112838" y="2553017"/>
-            <a:ext cx="1767152" cy="246221"/>
+            <a:off x="527262" y="2554253"/>
+            <a:ext cx="1767152" cy="276999"/>
           </a:xfrm>
           <a:prstGeom prst="rect">
             <a:avLst/>
@@ -15815,7 +15781,7 @@
               <a:defRPr/>
             </a:pPr>
             <a:r>
-              <a:rPr kumimoji="0" lang="en-US" altLang="en-US" sz="1000" b="0" i="0" u="none" strike="noStrike" kern="1200" cap="none" spc="0" normalizeH="0" baseline="0" noProof="0" dirty="0">
+              <a:rPr kumimoji="0" lang="en-US" altLang="en-US" sz="1200" b="0" i="0" u="none" strike="noStrike" kern="1200" cap="none" spc="0" normalizeH="0" baseline="0" noProof="0" dirty="0">
                 <a:ln>
                   <a:noFill/>
                 </a:ln>
@@ -15850,8 +15816,8 @@
         </p:nvSpPr>
         <p:spPr bwMode="auto">
           <a:xfrm>
-            <a:off x="2420810" y="4175878"/>
-            <a:ext cx="1307913" cy="246221"/>
+            <a:off x="2382710" y="4175878"/>
+            <a:ext cx="1307913" cy="276999"/>
           </a:xfrm>
           <a:prstGeom prst="rect">
             <a:avLst/>
@@ -16001,7 +15967,7 @@
               <a:defRPr/>
             </a:pPr>
             <a:r>
-              <a:rPr kumimoji="0" lang="en-US" altLang="en-US" sz="1000" b="0" i="0" u="none" strike="noStrike" kern="1200" cap="none" spc="0" normalizeH="0" baseline="0" noProof="0" dirty="0">
+              <a:rPr kumimoji="0" lang="en-US" altLang="en-US" sz="1200" b="0" i="0" u="none" strike="noStrike" kern="1200" cap="none" spc="0" normalizeH="0" baseline="0" noProof="0" dirty="0">
                 <a:ln>
                   <a:noFill/>
                 </a:ln>
@@ -16047,7 +16013,7 @@
         </p:blipFill>
         <p:spPr>
           <a:xfrm>
-            <a:off x="122428" y="400192"/>
+            <a:off x="113697" y="383524"/>
             <a:ext cx="381000" cy="381000"/>
           </a:xfrm>
           <a:prstGeom prst="rect">
@@ -16083,7 +16049,7 @@
         </p:blipFill>
         <p:spPr>
           <a:xfrm>
-            <a:off x="238298" y="1368568"/>
+            <a:off x="240679" y="1366187"/>
             <a:ext cx="381000" cy="381000"/>
           </a:xfrm>
           <a:prstGeom prst="rect">
@@ -16223,7 +16189,7 @@
               <a:defRPr/>
             </a:pPr>
             <a:r>
-              <a:rPr kumimoji="0" lang="en-US" sz="1000" b="0" i="0" u="none" strike="noStrike" kern="1200" cap="none" spc="0" normalizeH="0" baseline="0" noProof="0" dirty="0">
+              <a:rPr kumimoji="0" lang="en-US" sz="1200" b="0" i="0" u="none" strike="noStrike" kern="1200" cap="none" spc="0" normalizeH="0" baseline="0" noProof="0" dirty="0">
                 <a:ln>
                   <a:noFill/>
                 </a:ln>
@@ -16270,7 +16236,7 @@
         </p:blipFill>
         <p:spPr>
           <a:xfrm>
-            <a:off x="785900" y="1737978"/>
+            <a:off x="785900" y="1726073"/>
             <a:ext cx="295194" cy="295194"/>
           </a:xfrm>
           <a:prstGeom prst="rect">
@@ -16306,7 +16272,7 @@
         </p:blipFill>
         <p:spPr>
           <a:xfrm>
-            <a:off x="775105" y="3132965"/>
+            <a:off x="784629" y="3130584"/>
             <a:ext cx="381000" cy="381000"/>
           </a:xfrm>
           <a:prstGeom prst="rect">
@@ -16328,7 +16294,7 @@
         </p:nvSpPr>
         <p:spPr>
           <a:xfrm>
-            <a:off x="6931355" y="3092631"/>
+            <a:off x="6931355" y="3130731"/>
             <a:ext cx="2760031" cy="2712603"/>
           </a:xfrm>
           <a:prstGeom prst="rect">
@@ -16472,7 +16438,7 @@
         </p:nvSpPr>
         <p:spPr bwMode="auto">
           <a:xfrm>
-            <a:off x="6870363" y="1063005"/>
+            <a:off x="6870363" y="1056655"/>
             <a:ext cx="2962812" cy="5019228"/>
           </a:xfrm>
           <a:prstGeom prst="rect">
@@ -16559,8 +16525,8 @@
         </p:nvSpPr>
         <p:spPr bwMode="auto">
           <a:xfrm>
-            <a:off x="8155044" y="2461100"/>
-            <a:ext cx="1767152" cy="246221"/>
+            <a:off x="8155044" y="2542510"/>
+            <a:ext cx="1767152" cy="276999"/>
           </a:xfrm>
           <a:prstGeom prst="rect">
             <a:avLst/>
@@ -16710,7 +16676,7 @@
               <a:defRPr/>
             </a:pPr>
             <a:r>
-              <a:rPr kumimoji="0" lang="en-US" altLang="en-US" sz="1000" b="0" i="0" u="none" strike="noStrike" kern="1200" cap="none" spc="0" normalizeH="0" baseline="0" noProof="0" dirty="0">
+              <a:rPr kumimoji="0" lang="en-US" altLang="en-US" sz="1200" b="0" i="0" u="none" strike="noStrike" kern="1200" cap="none" spc="0" normalizeH="0" baseline="0" noProof="0" dirty="0">
                 <a:ln>
                   <a:noFill/>
                 </a:ln>
@@ -16745,8 +16711,8 @@
         </p:nvSpPr>
         <p:spPr bwMode="auto">
           <a:xfrm>
-            <a:off x="8136535" y="4141720"/>
-            <a:ext cx="1767152" cy="246221"/>
+            <a:off x="8123835" y="4175054"/>
+            <a:ext cx="1767152" cy="276999"/>
           </a:xfrm>
           <a:prstGeom prst="rect">
             <a:avLst/>
@@ -16896,7 +16862,7 @@
               <a:defRPr/>
             </a:pPr>
             <a:r>
-              <a:rPr kumimoji="0" lang="en-US" altLang="en-US" sz="1000" b="0" i="0" u="none" strike="noStrike" kern="1200" cap="none" spc="0" normalizeH="0" baseline="0" noProof="0" dirty="0">
+              <a:rPr kumimoji="0" lang="en-US" altLang="en-US" sz="1200" b="0" i="0" u="none" strike="noStrike" kern="1200" cap="none" spc="0" normalizeH="0" baseline="0" noProof="0" dirty="0">
                 <a:ln>
                   <a:noFill/>
                 </a:ln>
@@ -16943,7 +16909,7 @@
         </p:blipFill>
         <p:spPr>
           <a:xfrm>
-            <a:off x="6928673" y="1616363"/>
+            <a:off x="6926292" y="1606839"/>
             <a:ext cx="309246" cy="309246"/>
           </a:xfrm>
           <a:prstGeom prst="rect">
@@ -16979,7 +16945,7 @@
         </p:blipFill>
         <p:spPr>
           <a:xfrm>
-            <a:off x="6917878" y="3094476"/>
+            <a:off x="6929783" y="3092095"/>
             <a:ext cx="381000" cy="381000"/>
           </a:xfrm>
           <a:prstGeom prst="rect">
@@ -17003,8 +16969,8 @@
         </p:nvSpPr>
         <p:spPr bwMode="auto">
           <a:xfrm>
-            <a:off x="4565884" y="1546730"/>
-            <a:ext cx="1403350" cy="246221"/>
+            <a:off x="4515084" y="1641980"/>
+            <a:ext cx="1403350" cy="276999"/>
           </a:xfrm>
           <a:prstGeom prst="rect">
             <a:avLst/>
@@ -17138,7 +17104,7 @@
           <a:p>
             <a:pPr algn="ctr" eaLnBrk="1" hangingPunct="1"/>
             <a:r>
-              <a:rPr lang="en-US" altLang="en-US" sz="1000" dirty="0">
+              <a:rPr lang="en-US" altLang="en-US" sz="1200" dirty="0">
                 <a:latin typeface="Arial" panose="020B0604020202020204" pitchFamily="34" charset="0"/>
                 <a:ea typeface="Amazon Ember" panose="020B0603020204020204" pitchFamily="34" charset="0"/>
                 <a:cs typeface="Arial" panose="020B0604020202020204" pitchFamily="34" charset="0"/>
@@ -17164,8 +17130,8 @@
         </p:nvSpPr>
         <p:spPr bwMode="auto">
           <a:xfrm>
-            <a:off x="559602" y="4076791"/>
-            <a:ext cx="1767152" cy="246221"/>
+            <a:off x="585062" y="4173948"/>
+            <a:ext cx="1767152" cy="276999"/>
           </a:xfrm>
           <a:prstGeom prst="rect">
             <a:avLst/>
@@ -17315,7 +17281,7 @@
               <a:defRPr/>
             </a:pPr>
             <a:r>
-              <a:rPr kumimoji="0" lang="en-US" altLang="en-US" sz="1000" b="0" i="0" u="none" strike="noStrike" kern="1200" cap="none" spc="0" normalizeH="0" baseline="0" noProof="0" dirty="0">
+              <a:rPr kumimoji="0" lang="en-US" altLang="en-US" sz="1200" b="0" i="0" u="none" strike="noStrike" kern="1200" cap="none" spc="0" normalizeH="0" baseline="0" noProof="0" dirty="0">
                 <a:ln>
                   <a:noFill/>
                 </a:ln>
@@ -17350,8 +17316,8 @@
         </p:nvSpPr>
         <p:spPr bwMode="auto">
           <a:xfrm>
-            <a:off x="6757649" y="4165219"/>
-            <a:ext cx="1434306" cy="246221"/>
+            <a:off x="6732249" y="4165219"/>
+            <a:ext cx="1434306" cy="276999"/>
           </a:xfrm>
           <a:prstGeom prst="rect">
             <a:avLst/>
@@ -17501,7 +17467,7 @@
               <a:defRPr/>
             </a:pPr>
             <a:r>
-              <a:rPr kumimoji="0" lang="en-US" altLang="en-US" sz="1000" b="0" i="0" u="none" strike="noStrike" kern="1200" cap="none" spc="0" normalizeH="0" baseline="0" noProof="0" dirty="0">
+              <a:rPr kumimoji="0" lang="en-US" altLang="en-US" sz="1200" b="0" i="0" u="none" strike="noStrike" kern="1200" cap="none" spc="0" normalizeH="0" baseline="0" noProof="0" dirty="0">
                 <a:ln>
                   <a:noFill/>
                 </a:ln>
@@ -17597,7 +17563,7 @@
         <p:spPr bwMode="auto">
           <a:xfrm>
             <a:off x="2136799" y="2542752"/>
-            <a:ext cx="1767152" cy="246221"/>
+            <a:ext cx="1767152" cy="276999"/>
           </a:xfrm>
           <a:prstGeom prst="rect">
             <a:avLst/>
@@ -17747,7 +17713,7 @@
               <a:defRPr/>
             </a:pPr>
             <a:r>
-              <a:rPr kumimoji="0" lang="en-US" altLang="en-US" sz="1000" b="0" i="0" u="none" strike="noStrike" kern="1200" cap="none" spc="0" normalizeH="0" baseline="0" noProof="0" dirty="0">
+              <a:rPr kumimoji="0" lang="en-US" altLang="en-US" sz="1200" b="0" i="0" u="none" strike="noStrike" kern="1200" cap="none" spc="0" normalizeH="0" baseline="0" noProof="0" dirty="0">
                 <a:ln>
                   <a:noFill/>
                 </a:ln>
@@ -17795,7 +17761,7 @@
         </p:blipFill>
         <p:spPr bwMode="auto">
           <a:xfrm>
-            <a:off x="7188527" y="2058493"/>
+            <a:off x="7188527" y="2083893"/>
             <a:ext cx="469900" cy="469900"/>
           </a:xfrm>
           <a:prstGeom prst="rect">
@@ -17842,8 +17808,8 @@
         </p:nvSpPr>
         <p:spPr bwMode="auto">
           <a:xfrm>
-            <a:off x="6539518" y="2503863"/>
-            <a:ext cx="1767152" cy="246221"/>
+            <a:off x="6539518" y="2529263"/>
+            <a:ext cx="1767152" cy="276999"/>
           </a:xfrm>
           <a:prstGeom prst="rect">
             <a:avLst/>
@@ -17993,7 +17959,7 @@
               <a:defRPr/>
             </a:pPr>
             <a:r>
-              <a:rPr kumimoji="0" lang="en-US" altLang="en-US" sz="1000" b="0" i="0" u="none" strike="noStrike" kern="1200" cap="none" spc="0" normalizeH="0" baseline="0" noProof="0" dirty="0">
+              <a:rPr kumimoji="0" lang="en-US" altLang="en-US" sz="1200" b="0" i="0" u="none" strike="noStrike" kern="1200" cap="none" spc="0" normalizeH="0" baseline="0" noProof="0" dirty="0">
                 <a:ln>
                   <a:noFill/>
                 </a:ln>
@@ -18144,7 +18110,7 @@
               <a:defRPr/>
             </a:pPr>
             <a:r>
-              <a:rPr kumimoji="0" lang="en-US" sz="1000" b="0" i="0" u="none" strike="noStrike" kern="1200" cap="none" spc="0" normalizeH="0" baseline="0" noProof="0" dirty="0">
+              <a:rPr kumimoji="0" lang="en-US" sz="1200" b="0" i="0" u="none" strike="noStrike" kern="1200" cap="none" spc="0" normalizeH="0" baseline="0" noProof="0" dirty="0">
                 <a:ln>
                   <a:noFill/>
                 </a:ln>
@@ -18179,8 +18145,8 @@
         </p:nvSpPr>
         <p:spPr bwMode="auto">
           <a:xfrm>
-            <a:off x="4612335" y="3290204"/>
-            <a:ext cx="1255028" cy="400110"/>
+            <a:off x="3846000" y="3290204"/>
+            <a:ext cx="2789696" cy="276999"/>
           </a:xfrm>
           <a:prstGeom prst="rect">
             <a:avLst/>
@@ -18314,27 +18280,12 @@
           <a:p>
             <a:pPr algn="ctr" eaLnBrk="1" hangingPunct="1"/>
             <a:r>
-              <a:rPr lang="en-US" altLang="en-US" sz="1000" dirty="0">
+              <a:rPr lang="en-US" altLang="en-US" sz="1200" dirty="0">
                 <a:latin typeface="Arial" panose="020B0604020202020204" pitchFamily="34" charset="0"/>
                 <a:ea typeface="Amazon Ember" panose="020B0603020204020204" pitchFamily="34" charset="0"/>
                 <a:cs typeface="Arial" panose="020B0604020202020204" pitchFamily="34" charset="0"/>
               </a:rPr>
-              <a:t>Application Load </a:t>
-            </a:r>
-            <a:br>
-              <a:rPr lang="en-US" altLang="en-US" sz="1000" dirty="0">
-                <a:latin typeface="Arial" panose="020B0604020202020204" pitchFamily="34" charset="0"/>
-                <a:ea typeface="Amazon Ember" panose="020B0603020204020204" pitchFamily="34" charset="0"/>
-                <a:cs typeface="Arial" panose="020B0604020202020204" pitchFamily="34" charset="0"/>
-              </a:rPr>
-            </a:br>
-            <a:r>
-              <a:rPr lang="en-US" altLang="en-US" sz="1000" dirty="0">
-                <a:latin typeface="Arial" panose="020B0604020202020204" pitchFamily="34" charset="0"/>
-                <a:ea typeface="Amazon Ember" panose="020B0603020204020204" pitchFamily="34" charset="0"/>
-                <a:cs typeface="Arial" panose="020B0604020202020204" pitchFamily="34" charset="0"/>
-              </a:rPr>
-              <a:t>Balancer</a:t>
+              <a:t>Application Load Balancer</a:t>
             </a:r>
           </a:p>
         </p:txBody>
@@ -18458,7 +18409,7 @@
         </p:blipFill>
         <p:spPr bwMode="auto">
           <a:xfrm>
-            <a:off x="1753882" y="2094384"/>
+            <a:off x="1162459" y="2121186"/>
             <a:ext cx="469900" cy="469900"/>
           </a:xfrm>
           <a:prstGeom prst="rect">
@@ -18517,7 +18468,7 @@
         </p:blipFill>
         <p:spPr>
           <a:xfrm>
-            <a:off x="4982958" y="2029253"/>
+            <a:off x="5008358" y="2026870"/>
             <a:ext cx="381000" cy="381000"/>
           </a:xfrm>
           <a:prstGeom prst="rect">
@@ -18553,7 +18504,7 @@
         </p:blipFill>
         <p:spPr>
           <a:xfrm>
-            <a:off x="5077059" y="3712520"/>
+            <a:off x="5032609" y="3693470"/>
             <a:ext cx="381000" cy="381000"/>
           </a:xfrm>
           <a:prstGeom prst="rect">
@@ -18590,7 +18541,7 @@
         </p:blipFill>
         <p:spPr bwMode="auto">
           <a:xfrm>
-            <a:off x="8714639" y="1986780"/>
+            <a:off x="8764674" y="2087542"/>
             <a:ext cx="469900" cy="469900"/>
           </a:xfrm>
           <a:prstGeom prst="rect">
@@ -18650,7 +18601,7 @@
         </p:blipFill>
         <p:spPr bwMode="auto">
           <a:xfrm>
-            <a:off x="7147891" y="3683091"/>
+            <a:off x="7211391" y="3710870"/>
             <a:ext cx="469900" cy="469900"/>
           </a:xfrm>
           <a:prstGeom prst="rect">
@@ -18710,7 +18661,7 @@
         </p:blipFill>
         <p:spPr bwMode="auto">
           <a:xfrm>
-            <a:off x="8785161" y="3641907"/>
+            <a:off x="8770187" y="3715725"/>
             <a:ext cx="469900" cy="469900"/>
           </a:xfrm>
           <a:prstGeom prst="rect">
@@ -18770,7 +18721,7 @@
         </p:blipFill>
         <p:spPr bwMode="auto">
           <a:xfrm>
-            <a:off x="2790167" y="3708618"/>
+            <a:off x="2796517" y="3708618"/>
             <a:ext cx="469900" cy="469900"/>
           </a:xfrm>
           <a:prstGeom prst="rect">
@@ -18830,7 +18781,7 @@
         </p:blipFill>
         <p:spPr bwMode="auto">
           <a:xfrm>
-            <a:off x="1033620" y="3619119"/>
+            <a:off x="1176505" y="3745469"/>
             <a:ext cx="469900" cy="469900"/>
           </a:xfrm>
           <a:prstGeom prst="rect">
@@ -18863,10 +18814,10 @@
       </p:pic>
       <p:pic>
         <p:nvPicPr>
-          <p:cNvPr id="13" name="Graphic 10">
-            <a:extLst>
-              <a:ext uri="{FF2B5EF4-FFF2-40B4-BE49-F238E27FC236}">
-                <a16:creationId xmlns:a16="http://schemas.microsoft.com/office/drawing/2014/main" id="{DFD3EEB9-FBB2-FFC8-006E-A3D192BA2F46}"/>
+          <p:cNvPr id="14" name="Graphic 8">
+            <a:extLst>
+              <a:ext uri="{FF2B5EF4-FFF2-40B4-BE49-F238E27FC236}">
+                <a16:creationId xmlns:a16="http://schemas.microsoft.com/office/drawing/2014/main" id="{D1B554F6-CD6E-9E33-52C7-F59A0DC7673A}"/>
               </a:ext>
             </a:extLst>
           </p:cNvPr>
@@ -18890,7 +18841,7 @@
         </p:blipFill>
         <p:spPr bwMode="auto">
           <a:xfrm>
-            <a:off x="5038959" y="1147767"/>
+            <a:off x="4984394" y="2865599"/>
             <a:ext cx="457200" cy="457200"/>
           </a:xfrm>
           <a:prstGeom prst="rect">
@@ -18923,10 +18874,10 @@
       </p:pic>
       <p:pic>
         <p:nvPicPr>
-          <p:cNvPr id="14" name="Graphic 8">
-            <a:extLst>
-              <a:ext uri="{FF2B5EF4-FFF2-40B4-BE49-F238E27FC236}">
-                <a16:creationId xmlns:a16="http://schemas.microsoft.com/office/drawing/2014/main" id="{D1B554F6-CD6E-9E33-52C7-F59A0DC7673A}"/>
+          <p:cNvPr id="15" name="Graphic 7">
+            <a:extLst>
+              <a:ext uri="{FF2B5EF4-FFF2-40B4-BE49-F238E27FC236}">
+                <a16:creationId xmlns:a16="http://schemas.microsoft.com/office/drawing/2014/main" id="{15DB8C92-F348-CD3D-F320-6008EA6CFD4C}"/>
               </a:ext>
             </a:extLst>
           </p:cNvPr>
@@ -18950,8 +18901,8 @@
         </p:blipFill>
         <p:spPr bwMode="auto">
           <a:xfrm>
-            <a:off x="5016144" y="2865599"/>
-            <a:ext cx="457200" cy="457200"/>
+            <a:off x="1024219" y="4624190"/>
+            <a:ext cx="762000" cy="762000"/>
           </a:xfrm>
           <a:prstGeom prst="rect">
             <a:avLst/>
@@ -18981,66 +18932,6 @@
           </a:extLst>
         </p:spPr>
       </p:pic>
-      <p:pic>
-        <p:nvPicPr>
-          <p:cNvPr id="15" name="Graphic 7">
-            <a:extLst>
-              <a:ext uri="{FF2B5EF4-FFF2-40B4-BE49-F238E27FC236}">
-                <a16:creationId xmlns:a16="http://schemas.microsoft.com/office/drawing/2014/main" id="{15DB8C92-F348-CD3D-F320-6008EA6CFD4C}"/>
-              </a:ext>
-            </a:extLst>
-          </p:cNvPr>
-          <p:cNvPicPr>
-            <a:picLocks noChangeAspect="1" noChangeArrowheads="1"/>
-          </p:cNvPicPr>
-          <p:nvPr/>
-        </p:nvPicPr>
-        <p:blipFill>
-          <a:blip r:embed="rId16">
-            <a:extLst>
-              <a:ext uri="{28A0092B-C50C-407E-A947-70E740481C1C}">
-                <a14:useLocalDpi xmlns:a14="http://schemas.microsoft.com/office/drawing/2010/main" val="0"/>
-              </a:ext>
-            </a:extLst>
-          </a:blip>
-          <a:srcRect/>
-          <a:stretch>
-            <a:fillRect/>
-          </a:stretch>
-        </p:blipFill>
-        <p:spPr bwMode="auto">
-          <a:xfrm>
-            <a:off x="967069" y="4579740"/>
-            <a:ext cx="762000" cy="762000"/>
-          </a:xfrm>
-          <a:prstGeom prst="rect">
-            <a:avLst/>
-          </a:prstGeom>
-          <a:noFill/>
-          <a:ln>
-            <a:noFill/>
-          </a:ln>
-          <a:extLst>
-            <a:ext uri="{909E8E84-426E-40DD-AFC4-6F175D3DCCD1}">
-              <a14:hiddenFill xmlns:a14="http://schemas.microsoft.com/office/drawing/2010/main">
-                <a:solidFill>
-                  <a:srgbClr val="FFFFFF"/>
-                </a:solidFill>
-              </a14:hiddenFill>
-            </a:ext>
-            <a:ext uri="{91240B29-F687-4F45-9708-019B960494DF}">
-              <a14:hiddenLine xmlns:a14="http://schemas.microsoft.com/office/drawing/2010/main" w="9525">
-                <a:solidFill>
-                  <a:srgbClr val="000000"/>
-                </a:solidFill>
-                <a:miter lim="800000"/>
-                <a:headEnd/>
-                <a:tailEnd/>
-              </a14:hiddenLine>
-            </a:ext>
-          </a:extLst>
-        </p:spPr>
-      </p:pic>
       <p:sp>
         <p:nvSpPr>
           <p:cNvPr id="16" name="TextBox 9">
@@ -19057,7 +18948,7 @@
         </p:nvSpPr>
         <p:spPr bwMode="auto">
           <a:xfrm>
-            <a:off x="217769" y="5343327"/>
+            <a:off x="274919" y="5381427"/>
             <a:ext cx="2243137" cy="276999"/>
           </a:xfrm>
           <a:prstGeom prst="rect">
@@ -19217,7 +19108,7 @@
           <p:nvPr/>
         </p:nvPicPr>
         <p:blipFill>
-          <a:blip r:embed="rId17">
+          <a:blip r:embed="rId16">
             <a:extLst>
               <a:ext uri="{28A0092B-C50C-407E-A947-70E740481C1C}">
                 <a14:useLocalDpi xmlns:a14="http://schemas.microsoft.com/office/drawing/2010/main" val="0"/>
@@ -19231,7 +19122,7 @@
         </p:blipFill>
         <p:spPr bwMode="auto">
           <a:xfrm>
-            <a:off x="2392178" y="4600943"/>
+            <a:off x="2423928" y="4619993"/>
             <a:ext cx="762000" cy="762000"/>
           </a:xfrm>
           <a:prstGeom prst="rect">
@@ -19278,7 +19169,7 @@
         </p:nvSpPr>
         <p:spPr bwMode="auto">
           <a:xfrm>
-            <a:off x="1634941" y="5361355"/>
+            <a:off x="1634941" y="5380405"/>
             <a:ext cx="2292350" cy="276999"/>
           </a:xfrm>
           <a:prstGeom prst="rect">
@@ -19438,7 +19329,7 @@
           <p:nvPr/>
         </p:nvPicPr>
         <p:blipFill>
-          <a:blip r:embed="rId17">
+          <a:blip r:embed="rId16">
             <a:extLst>
               <a:ext uri="{28A0092B-C50C-407E-A947-70E740481C1C}">
                 <a14:useLocalDpi xmlns:a14="http://schemas.microsoft.com/office/drawing/2010/main" val="0"/>
@@ -19452,7 +19343,7 @@
         </p:blipFill>
         <p:spPr bwMode="auto">
           <a:xfrm>
-            <a:off x="7371482" y="4628122"/>
+            <a:off x="7320682" y="4583672"/>
             <a:ext cx="762000" cy="762000"/>
           </a:xfrm>
           <a:prstGeom prst="rect">
@@ -19499,7 +19390,7 @@
         </p:nvSpPr>
         <p:spPr bwMode="auto">
           <a:xfrm>
-            <a:off x="6614245" y="5388534"/>
+            <a:off x="6557095" y="5363134"/>
             <a:ext cx="2292350" cy="276999"/>
           </a:xfrm>
           <a:prstGeom prst="rect">
@@ -19661,7 +19552,7 @@
         <p:spPr bwMode="auto">
           <a:xfrm>
             <a:off x="4550010" y="5305141"/>
-            <a:ext cx="1343025" cy="261610"/>
+            <a:ext cx="1343025" cy="276999"/>
           </a:xfrm>
           <a:prstGeom prst="rect">
             <a:avLst/>
@@ -19795,7 +19686,7 @@
           <a:p>
             <a:pPr algn="ctr" eaLnBrk="1" hangingPunct="1"/>
             <a:r>
-              <a:rPr lang="en-US" altLang="en-US" sz="1100" dirty="0">
+              <a:rPr lang="en-US" altLang="en-US" sz="1200" dirty="0">
                 <a:latin typeface="Arial" panose="020B0604020202020204" pitchFamily="34" charset="0"/>
                 <a:ea typeface="Amazon Ember" panose="020B0603020204020204" pitchFamily="34" charset="0"/>
                 <a:cs typeface="Arial" panose="020B0604020202020204" pitchFamily="34" charset="0"/>
@@ -19811,6 +19702,66 @@
             <a:extLst>
               <a:ext uri="{FF2B5EF4-FFF2-40B4-BE49-F238E27FC236}">
                 <a16:creationId xmlns:a16="http://schemas.microsoft.com/office/drawing/2014/main" id="{3D8D04F0-80BE-B516-F498-00D26865DB4B}"/>
+              </a:ext>
+            </a:extLst>
+          </p:cNvPr>
+          <p:cNvPicPr>
+            <a:picLocks noChangeAspect="1" noChangeArrowheads="1"/>
+          </p:cNvPicPr>
+          <p:nvPr/>
+        </p:nvPicPr>
+        <p:blipFill>
+          <a:blip r:embed="rId17">
+            <a:extLst>
+              <a:ext uri="{28A0092B-C50C-407E-A947-70E740481C1C}">
+                <a14:useLocalDpi xmlns:a14="http://schemas.microsoft.com/office/drawing/2010/main" val="0"/>
+              </a:ext>
+            </a:extLst>
+          </a:blip>
+          <a:srcRect/>
+          <a:stretch>
+            <a:fillRect/>
+          </a:stretch>
+        </p:blipFill>
+        <p:spPr bwMode="auto">
+          <a:xfrm>
+            <a:off x="5012248" y="4847941"/>
+            <a:ext cx="457200" cy="457200"/>
+          </a:xfrm>
+          <a:prstGeom prst="rect">
+            <a:avLst/>
+          </a:prstGeom>
+          <a:noFill/>
+          <a:ln>
+            <a:noFill/>
+          </a:ln>
+          <a:extLst>
+            <a:ext uri="{909E8E84-426E-40DD-AFC4-6F175D3DCCD1}">
+              <a14:hiddenFill xmlns:a14="http://schemas.microsoft.com/office/drawing/2010/main">
+                <a:solidFill>
+                  <a:srgbClr val="FFFFFF"/>
+                </a:solidFill>
+              </a14:hiddenFill>
+            </a:ext>
+            <a:ext uri="{91240B29-F687-4F45-9708-019B960494DF}">
+              <a14:hiddenLine xmlns:a14="http://schemas.microsoft.com/office/drawing/2010/main" w="9525">
+                <a:solidFill>
+                  <a:srgbClr val="000000"/>
+                </a:solidFill>
+                <a:miter lim="800000"/>
+                <a:headEnd/>
+                <a:tailEnd/>
+              </a14:hiddenLine>
+            </a:ext>
+          </a:extLst>
+        </p:spPr>
+      </p:pic>
+      <p:pic>
+        <p:nvPicPr>
+          <p:cNvPr id="23" name="Graphic 7">
+            <a:extLst>
+              <a:ext uri="{FF2B5EF4-FFF2-40B4-BE49-F238E27FC236}">
+                <a16:creationId xmlns:a16="http://schemas.microsoft.com/office/drawing/2014/main" id="{331A1279-6BE8-9A72-6B2E-84F10C607B28}"/>
               </a:ext>
             </a:extLst>
           </p:cNvPr>
@@ -19821,66 +19772,6 @@
         </p:nvPicPr>
         <p:blipFill>
           <a:blip r:embed="rId18">
-            <a:extLst>
-              <a:ext uri="{28A0092B-C50C-407E-A947-70E740481C1C}">
-                <a14:useLocalDpi xmlns:a14="http://schemas.microsoft.com/office/drawing/2010/main" val="0"/>
-              </a:ext>
-            </a:extLst>
-          </a:blip>
-          <a:srcRect/>
-          <a:stretch>
-            <a:fillRect/>
-          </a:stretch>
-        </p:blipFill>
-        <p:spPr bwMode="auto">
-          <a:xfrm>
-            <a:off x="5012248" y="4847941"/>
-            <a:ext cx="457200" cy="457200"/>
-          </a:xfrm>
-          <a:prstGeom prst="rect">
-            <a:avLst/>
-          </a:prstGeom>
-          <a:noFill/>
-          <a:ln>
-            <a:noFill/>
-          </a:ln>
-          <a:extLst>
-            <a:ext uri="{909E8E84-426E-40DD-AFC4-6F175D3DCCD1}">
-              <a14:hiddenFill xmlns:a14="http://schemas.microsoft.com/office/drawing/2010/main">
-                <a:solidFill>
-                  <a:srgbClr val="FFFFFF"/>
-                </a:solidFill>
-              </a14:hiddenFill>
-            </a:ext>
-            <a:ext uri="{91240B29-F687-4F45-9708-019B960494DF}">
-              <a14:hiddenLine xmlns:a14="http://schemas.microsoft.com/office/drawing/2010/main" w="9525">
-                <a:solidFill>
-                  <a:srgbClr val="000000"/>
-                </a:solidFill>
-                <a:miter lim="800000"/>
-                <a:headEnd/>
-                <a:tailEnd/>
-              </a14:hiddenLine>
-            </a:ext>
-          </a:extLst>
-        </p:spPr>
-      </p:pic>
-      <p:pic>
-        <p:nvPicPr>
-          <p:cNvPr id="23" name="Graphic 7">
-            <a:extLst>
-              <a:ext uri="{FF2B5EF4-FFF2-40B4-BE49-F238E27FC236}">
-                <a16:creationId xmlns:a16="http://schemas.microsoft.com/office/drawing/2014/main" id="{331A1279-6BE8-9A72-6B2E-84F10C607B28}"/>
-              </a:ext>
-            </a:extLst>
-          </p:cNvPr>
-          <p:cNvPicPr>
-            <a:picLocks noChangeAspect="1" noChangeArrowheads="1"/>
-          </p:cNvPicPr>
-          <p:nvPr/>
-        </p:nvPicPr>
-        <p:blipFill>
-          <a:blip r:embed="rId19">
             <a:extLst>
               <a:ext uri="{28A0092B-C50C-407E-A947-70E740481C1C}">
                 <a14:useLocalDpi xmlns:a14="http://schemas.microsoft.com/office/drawing/2010/main" val="0"/>
@@ -20101,7 +19992,7 @@
           <p:nvPr/>
         </p:nvPicPr>
         <p:blipFill>
-          <a:blip r:embed="rId20">
+          <a:blip r:embed="rId19">
             <a:extLst>
               <a:ext uri="{28A0092B-C50C-407E-A947-70E740481C1C}">
                 <a14:useLocalDpi xmlns:a14="http://schemas.microsoft.com/office/drawing/2010/main" val="0"/>
@@ -20322,7 +20213,7 @@
           <p:nvPr/>
         </p:nvPicPr>
         <p:blipFill>
-          <a:blip r:embed="rId21">
+          <a:blip r:embed="rId20">
             <a:extLst>
               <a:ext uri="{28A0092B-C50C-407E-A947-70E740481C1C}">
                 <a14:useLocalDpi xmlns:a14="http://schemas.microsoft.com/office/drawing/2010/main" val="0"/>
@@ -20543,7 +20434,7 @@
           <p:nvPr/>
         </p:nvPicPr>
         <p:blipFill>
-          <a:blip r:embed="rId22">
+          <a:blip r:embed="rId21">
             <a:extLst>
               <a:ext uri="{28A0092B-C50C-407E-A947-70E740481C1C}">
                 <a14:useLocalDpi xmlns:a14="http://schemas.microsoft.com/office/drawing/2010/main" val="0"/>
@@ -20764,7 +20655,7 @@
           <p:nvPr/>
         </p:nvPicPr>
         <p:blipFill>
-          <a:blip r:embed="rId23">
+          <a:blip r:embed="rId22">
             <a:extLst>
               <a:ext uri="{28A0092B-C50C-407E-A947-70E740481C1C}">
                 <a14:useLocalDpi xmlns:a14="http://schemas.microsoft.com/office/drawing/2010/main" val="0"/>
@@ -20970,6 +20861,49 @@
           </a:p>
         </p:txBody>
       </p:sp>
+      <p:pic>
+        <p:nvPicPr>
+          <p:cNvPr id="13" name="Graphic 10">
+            <a:extLst>
+              <a:ext uri="{FF2B5EF4-FFF2-40B4-BE49-F238E27FC236}">
+                <a16:creationId xmlns:a16="http://schemas.microsoft.com/office/drawing/2014/main" id="{DFD3EEB9-FBB2-FFC8-006E-A3D192BA2F46}"/>
+              </a:ext>
+            </a:extLst>
+          </p:cNvPr>
+          <p:cNvPicPr>
+            <a:picLocks noChangeAspect="1" noChangeArrowheads="1"/>
+          </p:cNvPicPr>
+          <p:nvPr/>
+        </p:nvPicPr>
+        <p:blipFill>
+          <a:blip r:embed="rId23">
+            <a:extLst>
+              <a:ext uri="{28A0092B-C50C-407E-A947-70E740481C1C}">
+                <a14:useLocalDpi xmlns:a14="http://schemas.microsoft.com/office/drawing/2010/main" val="0"/>
+              </a:ext>
+            </a:extLst>
+          </a:blip>
+          <a:srcRect/>
+          <a:stretch>
+            <a:fillRect/>
+          </a:stretch>
+        </p:blipFill>
+        <p:spPr bwMode="auto">
+          <a:xfrm>
+            <a:off x="4975459" y="1147767"/>
+            <a:ext cx="457200" cy="457200"/>
+          </a:xfrm>
+          <a:prstGeom prst="rect">
+            <a:avLst/>
+          </a:prstGeom>
+          <a:solidFill>
+            <a:schemeClr val="bg1"/>
+          </a:solidFill>
+          <a:ln>
+            <a:noFill/>
+          </a:ln>
+        </p:spPr>
+      </p:pic>
     </p:spTree>
     <p:extLst>
       <p:ext uri="{BB962C8B-B14F-4D97-AF65-F5344CB8AC3E}">
@@ -22240,7 +22174,7 @@
         </p:blipFill>
         <p:spPr>
           <a:xfrm>
-            <a:off x="1060220" y="2094594"/>
+            <a:off x="1060220" y="2080308"/>
             <a:ext cx="295194" cy="295194"/>
           </a:xfrm>
           <a:prstGeom prst="rect">
@@ -22276,7 +22210,7 @@
         </p:blipFill>
         <p:spPr>
           <a:xfrm>
-            <a:off x="1049425" y="3489581"/>
+            <a:off x="1058949" y="3489581"/>
             <a:ext cx="381000" cy="381000"/>
           </a:xfrm>
           <a:prstGeom prst="rect">
@@ -22298,7 +22232,7 @@
         </p:nvSpPr>
         <p:spPr>
           <a:xfrm>
-            <a:off x="7205675" y="3449247"/>
+            <a:off x="7205675" y="3451628"/>
             <a:ext cx="2760031" cy="2989603"/>
           </a:xfrm>
           <a:prstGeom prst="rect">
@@ -22529,7 +22463,7 @@
         </p:nvSpPr>
         <p:spPr bwMode="auto">
           <a:xfrm>
-            <a:off x="8429364" y="2817716"/>
+            <a:off x="8429364" y="2870100"/>
             <a:ext cx="1767152" cy="246221"/>
           </a:xfrm>
           <a:prstGeom prst="rect">
@@ -22727,7 +22661,7 @@
         </p:blipFill>
         <p:spPr>
           <a:xfrm>
-            <a:off x="7202993" y="1972979"/>
+            <a:off x="7202993" y="1963455"/>
             <a:ext cx="309246" cy="309246"/>
           </a:xfrm>
           <a:prstGeom prst="rect">
@@ -22763,7 +22697,7 @@
         </p:blipFill>
         <p:spPr>
           <a:xfrm>
-            <a:off x="7192198" y="3451092"/>
+            <a:off x="7204103" y="3451092"/>
             <a:ext cx="381000" cy="381000"/>
           </a:xfrm>
           <a:prstGeom prst="rect">
@@ -24211,7 +24145,7 @@
         </p:blipFill>
         <p:spPr>
           <a:xfrm>
-            <a:off x="5257278" y="2385869"/>
+            <a:off x="5257278" y="2402536"/>
             <a:ext cx="381000" cy="381000"/>
           </a:xfrm>
           <a:prstGeom prst="rect">
@@ -24284,7 +24218,7 @@
         </p:blipFill>
         <p:spPr bwMode="auto">
           <a:xfrm>
-            <a:off x="8988959" y="2343396"/>
+            <a:off x="8988959" y="2410067"/>
             <a:ext cx="469900" cy="469900"/>
           </a:xfrm>
           <a:prstGeom prst="rect">
@@ -24344,7 +24278,7 @@
         </p:blipFill>
         <p:spPr bwMode="auto">
           <a:xfrm>
-            <a:off x="7422211" y="4039707"/>
+            <a:off x="7422211" y="4063517"/>
             <a:ext cx="469900" cy="469900"/>
           </a:xfrm>
           <a:prstGeom prst="rect">
@@ -25134,7 +25068,7 @@
         <p:spPr bwMode="auto">
           <a:xfrm>
             <a:off x="6888565" y="6138850"/>
-            <a:ext cx="2292350" cy="276999"/>
+            <a:ext cx="2292350" cy="246221"/>
           </a:xfrm>
           <a:prstGeom prst="rect">
             <a:avLst/>
@@ -25268,7 +25202,7 @@
           <a:p>
             <a:pPr algn="ctr" eaLnBrk="1" hangingPunct="1"/>
             <a:r>
-              <a:rPr lang="en-US" altLang="en-US" sz="1200" dirty="0">
+              <a:rPr lang="en-US" altLang="en-US" sz="1000" dirty="0">
                 <a:latin typeface="Arial" panose="020B0604020202020204" pitchFamily="34" charset="0"/>
                 <a:ea typeface="Amazon Ember" panose="020B0603020204020204" pitchFamily="34" charset="0"/>
                 <a:cs typeface="Arial" panose="020B0604020202020204" pitchFamily="34" charset="0"/>
@@ -26399,8 +26333,8 @@
         </p:nvSpPr>
         <p:spPr bwMode="auto">
           <a:xfrm>
-            <a:off x="8397367" y="4336623"/>
-            <a:ext cx="1343025" cy="430887"/>
+            <a:off x="8397367" y="4467586"/>
+            <a:ext cx="1343025" cy="400110"/>
           </a:xfrm>
           <a:prstGeom prst="rect">
             <a:avLst/>
@@ -26534,7 +26468,7 @@
           <a:p>
             <a:pPr algn="ctr" eaLnBrk="1" hangingPunct="1"/>
             <a:r>
-              <a:rPr lang="en-US" altLang="en-US" sz="1100" dirty="0">
+              <a:rPr lang="en-US" altLang="en-US" sz="1000" dirty="0">
                 <a:latin typeface="Arial" panose="020B0604020202020204" pitchFamily="34" charset="0"/>
                 <a:ea typeface="Amazon Ember" panose="020B0603020204020204" pitchFamily="34" charset="0"/>
                 <a:cs typeface="Arial" panose="020B0604020202020204" pitchFamily="34" charset="0"/>
@@ -26542,14 +26476,14 @@
               <a:t>AWS Managed</a:t>
             </a:r>
             <a:br>
-              <a:rPr lang="en-US" altLang="en-US" sz="1100" dirty="0">
+              <a:rPr lang="en-US" altLang="en-US" sz="1000" dirty="0">
                 <a:latin typeface="Arial" panose="020B0604020202020204" pitchFamily="34" charset="0"/>
                 <a:ea typeface="Amazon Ember" panose="020B0603020204020204" pitchFamily="34" charset="0"/>
                 <a:cs typeface="Arial" panose="020B0604020202020204" pitchFamily="34" charset="0"/>
               </a:rPr>
             </a:br>
             <a:r>
-              <a:rPr lang="en-US" altLang="en-US" sz="1100" dirty="0">
+              <a:rPr lang="en-US" altLang="en-US" sz="1000" dirty="0">
                 <a:latin typeface="Arial" panose="020B0604020202020204" pitchFamily="34" charset="0"/>
                 <a:ea typeface="Amazon Ember" panose="020B0603020204020204" pitchFamily="34" charset="0"/>
                 <a:cs typeface="Arial" panose="020B0604020202020204" pitchFamily="34" charset="0"/>
@@ -26588,7 +26522,7 @@
         </p:blipFill>
         <p:spPr bwMode="auto">
           <a:xfrm>
-            <a:off x="8846905" y="3879423"/>
+            <a:off x="8846905" y="4086594"/>
             <a:ext cx="457200" cy="457200"/>
           </a:xfrm>
           <a:prstGeom prst="rect">
@@ -27933,7 +27867,7 @@
         </p:blipFill>
         <p:spPr>
           <a:xfrm>
-            <a:off x="1060220" y="2094594"/>
+            <a:off x="1060220" y="2077927"/>
             <a:ext cx="295194" cy="295194"/>
           </a:xfrm>
           <a:prstGeom prst="rect">
@@ -27969,7 +27903,7 @@
         </p:blipFill>
         <p:spPr>
           <a:xfrm>
-            <a:off x="1049425" y="3489581"/>
+            <a:off x="1058949" y="3489581"/>
             <a:ext cx="381000" cy="381000"/>
           </a:xfrm>
           <a:prstGeom prst="rect">
@@ -28222,7 +28156,7 @@
         </p:nvSpPr>
         <p:spPr bwMode="auto">
           <a:xfrm>
-            <a:off x="8429364" y="2817716"/>
+            <a:off x="8429364" y="2870103"/>
             <a:ext cx="1767152" cy="246221"/>
           </a:xfrm>
           <a:prstGeom prst="rect">
@@ -28420,7 +28354,7 @@
         </p:blipFill>
         <p:spPr>
           <a:xfrm>
-            <a:off x="7202993" y="1972979"/>
+            <a:off x="7202993" y="1963455"/>
             <a:ext cx="309246" cy="309246"/>
           </a:xfrm>
           <a:prstGeom prst="rect">
@@ -28456,7 +28390,7 @@
         </p:blipFill>
         <p:spPr>
           <a:xfrm>
-            <a:off x="7192198" y="3451092"/>
+            <a:off x="7206484" y="3451092"/>
             <a:ext cx="381000" cy="381000"/>
           </a:xfrm>
           <a:prstGeom prst="rect">
@@ -29086,7 +29020,7 @@
         </p:blipFill>
         <p:spPr bwMode="auto">
           <a:xfrm>
-            <a:off x="7462847" y="2415109"/>
+            <a:off x="7462847" y="2403204"/>
             <a:ext cx="469900" cy="469900"/>
           </a:xfrm>
           <a:prstGeom prst="rect">
@@ -29808,7 +29742,7 @@
         </p:blipFill>
         <p:spPr>
           <a:xfrm>
-            <a:off x="5257278" y="2385869"/>
+            <a:off x="5257278" y="2402536"/>
             <a:ext cx="381000" cy="381000"/>
           </a:xfrm>
           <a:prstGeom prst="rect">
@@ -29844,7 +29778,7 @@
         </p:blipFill>
         <p:spPr>
           <a:xfrm>
-            <a:off x="5351379" y="4069136"/>
+            <a:off x="5351379" y="4071517"/>
             <a:ext cx="381000" cy="381000"/>
           </a:xfrm>
           <a:prstGeom prst="rect">
@@ -29881,7 +29815,7 @@
         </p:blipFill>
         <p:spPr bwMode="auto">
           <a:xfrm>
-            <a:off x="8988959" y="2343396"/>
+            <a:off x="8988959" y="2407686"/>
             <a:ext cx="469900" cy="469900"/>
           </a:xfrm>
           <a:prstGeom prst="rect">
@@ -29941,7 +29875,7 @@
         </p:blipFill>
         <p:spPr bwMode="auto">
           <a:xfrm>
-            <a:off x="7422211" y="4039707"/>
+            <a:off x="7422211" y="4065898"/>
             <a:ext cx="469900" cy="469900"/>
           </a:xfrm>
           <a:prstGeom prst="rect">
@@ -30229,7 +30163,7 @@
         <p:spPr bwMode="auto">
           <a:xfrm>
             <a:off x="542889" y="4963343"/>
-            <a:ext cx="2243137" cy="276999"/>
+            <a:ext cx="2243137" cy="246221"/>
           </a:xfrm>
           <a:prstGeom prst="rect">
             <a:avLst/>
@@ -30363,7 +30297,7 @@
           <a:p>
             <a:pPr algn="ctr" eaLnBrk="1" hangingPunct="1"/>
             <a:r>
-              <a:rPr lang="en-US" altLang="en-US" sz="1200" dirty="0">
+              <a:rPr lang="en-US" altLang="en-US" sz="1000" dirty="0">
                 <a:latin typeface="Arial" panose="020B0604020202020204" pitchFamily="34" charset="0"/>
                 <a:ea typeface="Amazon Ember" panose="020B0603020204020204" pitchFamily="34" charset="0"/>
                 <a:cs typeface="Arial" panose="020B0604020202020204" pitchFamily="34" charset="0"/>
@@ -30450,7 +30384,7 @@
         <p:spPr bwMode="auto">
           <a:xfrm>
             <a:off x="1909261" y="5717971"/>
-            <a:ext cx="2292350" cy="276999"/>
+            <a:ext cx="2292350" cy="246221"/>
           </a:xfrm>
           <a:prstGeom prst="rect">
             <a:avLst/>
@@ -30584,7 +30518,7 @@
           <a:p>
             <a:pPr algn="ctr" eaLnBrk="1" hangingPunct="1"/>
             <a:r>
-              <a:rPr lang="en-US" altLang="en-US" sz="1200" dirty="0">
+              <a:rPr lang="en-US" altLang="en-US" sz="1000" dirty="0">
                 <a:latin typeface="Arial" panose="020B0604020202020204" pitchFamily="34" charset="0"/>
                 <a:ea typeface="Amazon Ember" panose="020B0603020204020204" pitchFamily="34" charset="0"/>
                 <a:cs typeface="Arial" panose="020B0604020202020204" pitchFamily="34" charset="0"/>
@@ -30671,7 +30605,7 @@
         <p:spPr bwMode="auto">
           <a:xfrm>
             <a:off x="6888565" y="5745150"/>
-            <a:ext cx="2292350" cy="276999"/>
+            <a:ext cx="2292350" cy="246221"/>
           </a:xfrm>
           <a:prstGeom prst="rect">
             <a:avLst/>
@@ -30805,7 +30739,7 @@
           <a:p>
             <a:pPr algn="ctr" eaLnBrk="1" hangingPunct="1"/>
             <a:r>
-              <a:rPr lang="en-US" altLang="en-US" sz="1200" dirty="0">
+              <a:rPr lang="en-US" altLang="en-US" sz="1000" dirty="0">
                 <a:latin typeface="Arial" panose="020B0604020202020204" pitchFamily="34" charset="0"/>
                 <a:ea typeface="Amazon Ember" panose="020B0603020204020204" pitchFamily="34" charset="0"/>
                 <a:cs typeface="Arial" panose="020B0604020202020204" pitchFamily="34" charset="0"/>
@@ -31997,7 +31931,7 @@
         <p:spPr bwMode="auto">
           <a:xfrm>
             <a:off x="4344763" y="5782943"/>
-            <a:ext cx="2243137" cy="461665"/>
+            <a:ext cx="2243137" cy="400110"/>
           </a:xfrm>
           <a:prstGeom prst="rect">
             <a:avLst/>
@@ -32131,7 +32065,7 @@
           <a:p>
             <a:pPr algn="ctr" eaLnBrk="1" hangingPunct="1"/>
             <a:r>
-              <a:rPr lang="en-US" altLang="en-US" sz="1200" dirty="0">
+              <a:rPr lang="en-US" altLang="en-US" sz="1000" dirty="0">
                 <a:latin typeface="Arial" panose="020B0604020202020204" pitchFamily="34" charset="0"/>
                 <a:ea typeface="Amazon Ember" panose="020B0603020204020204" pitchFamily="34" charset="0"/>
                 <a:cs typeface="Arial" panose="020B0604020202020204" pitchFamily="34" charset="0"/>
@@ -32139,14 +32073,14 @@
               <a:t>AWS Directory</a:t>
             </a:r>
             <a:br>
-              <a:rPr lang="en-US" altLang="en-US" sz="1200" dirty="0">
+              <a:rPr lang="en-US" altLang="en-US" sz="1000" dirty="0">
                 <a:latin typeface="Arial" panose="020B0604020202020204" pitchFamily="34" charset="0"/>
                 <a:ea typeface="Amazon Ember" panose="020B0603020204020204" pitchFamily="34" charset="0"/>
                 <a:cs typeface="Arial" panose="020B0604020202020204" pitchFamily="34" charset="0"/>
               </a:rPr>
             </a:br>
             <a:r>
-              <a:rPr lang="en-US" altLang="en-US" sz="1200" dirty="0">
+              <a:rPr lang="en-US" altLang="en-US" sz="1000" dirty="0">
                 <a:latin typeface="Arial" panose="020B0604020202020204" pitchFamily="34" charset="0"/>
                 <a:ea typeface="Amazon Ember" panose="020B0603020204020204" pitchFamily="34" charset="0"/>
                 <a:cs typeface="Arial" panose="020B0604020202020204" pitchFamily="34" charset="0"/>

--- a/docs/deployment_guide/images/Quick Start Ref. Arch.pptx
+++ b/docs/deployment_guide/images/Quick Start Ref. Arch.pptx
@@ -15236,7 +15236,7 @@
         </p:nvSpPr>
         <p:spPr>
           <a:xfrm>
-            <a:off x="788582" y="3131120"/>
+            <a:off x="914918" y="3173232"/>
             <a:ext cx="2760031" cy="2712603"/>
           </a:xfrm>
           <a:prstGeom prst="rect">
@@ -15308,7 +15308,7 @@
         </p:nvSpPr>
         <p:spPr>
           <a:xfrm>
-            <a:off x="785265" y="1723226"/>
+            <a:off x="911601" y="1765338"/>
             <a:ext cx="2763348" cy="1266028"/>
           </a:xfrm>
           <a:prstGeom prst="rect">
@@ -15380,7 +15380,7 @@
         </p:nvSpPr>
         <p:spPr bwMode="auto">
           <a:xfrm>
-            <a:off x="238298" y="1359761"/>
+            <a:off x="364634" y="1401873"/>
             <a:ext cx="9694623" cy="4576501"/>
           </a:xfrm>
           <a:prstGeom prst="rect">
@@ -15543,7 +15543,7 @@
         </p:nvSpPr>
         <p:spPr bwMode="auto">
           <a:xfrm>
-            <a:off x="700094" y="1043480"/>
+            <a:off x="826430" y="1085592"/>
             <a:ext cx="2990308" cy="5041433"/>
           </a:xfrm>
           <a:prstGeom prst="rect">
@@ -15630,7 +15630,7 @@
         </p:nvSpPr>
         <p:spPr bwMode="auto">
           <a:xfrm>
-            <a:off x="527262" y="2554253"/>
+            <a:off x="653598" y="2596365"/>
             <a:ext cx="1767152" cy="276999"/>
           </a:xfrm>
           <a:prstGeom prst="rect">
@@ -15816,7 +15816,7 @@
         </p:nvSpPr>
         <p:spPr bwMode="auto">
           <a:xfrm>
-            <a:off x="2382710" y="4175878"/>
+            <a:off x="2509046" y="4217990"/>
             <a:ext cx="1307913" cy="276999"/>
           </a:xfrm>
           <a:prstGeom prst="rect">
@@ -16049,7 +16049,7 @@
         </p:blipFill>
         <p:spPr>
           <a:xfrm>
-            <a:off x="240679" y="1366187"/>
+            <a:off x="367015" y="1408299"/>
             <a:ext cx="381000" cy="381000"/>
           </a:xfrm>
           <a:prstGeom prst="rect">
@@ -16071,7 +16071,7 @@
         </p:nvSpPr>
         <p:spPr>
           <a:xfrm>
-            <a:off x="2458821" y="2034339"/>
+            <a:off x="2585157" y="2076451"/>
             <a:ext cx="5494139" cy="753131"/>
           </a:xfrm>
           <a:prstGeom prst="rect">
@@ -16236,7 +16236,7 @@
         </p:blipFill>
         <p:spPr>
           <a:xfrm>
-            <a:off x="785900" y="1726073"/>
+            <a:off x="912236" y="1768185"/>
             <a:ext cx="295194" cy="295194"/>
           </a:xfrm>
           <a:prstGeom prst="rect">
@@ -16272,7 +16272,7 @@
         </p:blipFill>
         <p:spPr>
           <a:xfrm>
-            <a:off x="784629" y="3130584"/>
+            <a:off x="910965" y="3172696"/>
             <a:ext cx="381000" cy="381000"/>
           </a:xfrm>
           <a:prstGeom prst="rect">
@@ -16294,7 +16294,7 @@
         </p:nvSpPr>
         <p:spPr>
           <a:xfrm>
-            <a:off x="6931355" y="3130731"/>
+            <a:off x="7057691" y="3172843"/>
             <a:ext cx="2760031" cy="2712603"/>
           </a:xfrm>
           <a:prstGeom prst="rect">
@@ -16366,7 +16366,7 @@
         </p:nvSpPr>
         <p:spPr>
           <a:xfrm>
-            <a:off x="6928038" y="1607150"/>
+            <a:off x="7054374" y="1649262"/>
             <a:ext cx="2763348" cy="1343616"/>
           </a:xfrm>
           <a:prstGeom prst="rect">
@@ -16438,7 +16438,7 @@
         </p:nvSpPr>
         <p:spPr bwMode="auto">
           <a:xfrm>
-            <a:off x="6870363" y="1056655"/>
+            <a:off x="6996699" y="1098767"/>
             <a:ext cx="2962812" cy="5019228"/>
           </a:xfrm>
           <a:prstGeom prst="rect">
@@ -16525,7 +16525,7 @@
         </p:nvSpPr>
         <p:spPr bwMode="auto">
           <a:xfrm>
-            <a:off x="8155044" y="2542510"/>
+            <a:off x="8281380" y="2584622"/>
             <a:ext cx="1767152" cy="276999"/>
           </a:xfrm>
           <a:prstGeom prst="rect">
@@ -16711,7 +16711,7 @@
         </p:nvSpPr>
         <p:spPr bwMode="auto">
           <a:xfrm>
-            <a:off x="8123835" y="4175054"/>
+            <a:off x="8250171" y="4217166"/>
             <a:ext cx="1767152" cy="276999"/>
           </a:xfrm>
           <a:prstGeom prst="rect">
@@ -16909,7 +16909,7 @@
         </p:blipFill>
         <p:spPr>
           <a:xfrm>
-            <a:off x="6926292" y="1606839"/>
+            <a:off x="7052628" y="1648951"/>
             <a:ext cx="309246" cy="309246"/>
           </a:xfrm>
           <a:prstGeom prst="rect">
@@ -16945,7 +16945,7 @@
         </p:blipFill>
         <p:spPr>
           <a:xfrm>
-            <a:off x="6929783" y="3092095"/>
+            <a:off x="7056119" y="3134207"/>
             <a:ext cx="381000" cy="381000"/>
           </a:xfrm>
           <a:prstGeom prst="rect">
@@ -16969,7 +16969,7 @@
         </p:nvSpPr>
         <p:spPr bwMode="auto">
           <a:xfrm>
-            <a:off x="4515084" y="1641980"/>
+            <a:off x="4641420" y="1684092"/>
             <a:ext cx="1403350" cy="276999"/>
           </a:xfrm>
           <a:prstGeom prst="rect">
@@ -17130,7 +17130,7 @@
         </p:nvSpPr>
         <p:spPr bwMode="auto">
           <a:xfrm>
-            <a:off x="585062" y="4173948"/>
+            <a:off x="711398" y="4216060"/>
             <a:ext cx="1767152" cy="276999"/>
           </a:xfrm>
           <a:prstGeom prst="rect">
@@ -17316,7 +17316,7 @@
         </p:nvSpPr>
         <p:spPr bwMode="auto">
           <a:xfrm>
-            <a:off x="6732249" y="4165219"/>
+            <a:off x="6858585" y="4207331"/>
             <a:ext cx="1434306" cy="276999"/>
           </a:xfrm>
           <a:prstGeom prst="rect">
@@ -17515,7 +17515,7 @@
         </p:blipFill>
         <p:spPr bwMode="auto">
           <a:xfrm>
-            <a:off x="2785808" y="2097382"/>
+            <a:off x="2912144" y="2139494"/>
             <a:ext cx="469900" cy="469900"/>
           </a:xfrm>
           <a:prstGeom prst="rect">
@@ -17562,7 +17562,7 @@
         </p:nvSpPr>
         <p:spPr bwMode="auto">
           <a:xfrm>
-            <a:off x="2136799" y="2542752"/>
+            <a:off x="2263135" y="2584864"/>
             <a:ext cx="1767152" cy="276999"/>
           </a:xfrm>
           <a:prstGeom prst="rect">
@@ -17761,7 +17761,7 @@
         </p:blipFill>
         <p:spPr bwMode="auto">
           <a:xfrm>
-            <a:off x="7188527" y="2083893"/>
+            <a:off x="7314863" y="2126005"/>
             <a:ext cx="469900" cy="469900"/>
           </a:xfrm>
           <a:prstGeom prst="rect">
@@ -17808,7 +17808,7 @@
         </p:nvSpPr>
         <p:spPr bwMode="auto">
           <a:xfrm>
-            <a:off x="6539518" y="2529263"/>
+            <a:off x="6665854" y="2571375"/>
             <a:ext cx="1767152" cy="276999"/>
           </a:xfrm>
           <a:prstGeom prst="rect">
@@ -17992,7 +17992,7 @@
         </p:nvSpPr>
         <p:spPr>
           <a:xfrm>
-            <a:off x="2494742" y="3702314"/>
+            <a:off x="2621078" y="3744426"/>
             <a:ext cx="5500004" cy="734347"/>
           </a:xfrm>
           <a:prstGeom prst="rect">
@@ -18145,7 +18145,7 @@
         </p:nvSpPr>
         <p:spPr bwMode="auto">
           <a:xfrm>
-            <a:off x="3846000" y="3290204"/>
+            <a:off x="3972336" y="3332316"/>
             <a:ext cx="2789696" cy="276999"/>
           </a:xfrm>
           <a:prstGeom prst="rect">
@@ -18306,7 +18306,7 @@
         </p:nvCxnSpPr>
         <p:spPr bwMode="auto">
           <a:xfrm>
-            <a:off x="5508982" y="5051658"/>
+            <a:off x="5635318" y="5093770"/>
             <a:ext cx="1579393" cy="0"/>
           </a:xfrm>
           <a:prstGeom prst="straightConnector1">
@@ -18351,7 +18351,7 @@
         </p:nvCxnSpPr>
         <p:spPr bwMode="auto">
           <a:xfrm>
-            <a:off x="3422109" y="5051658"/>
+            <a:off x="3548445" y="5093770"/>
             <a:ext cx="1564001" cy="0"/>
           </a:xfrm>
           <a:prstGeom prst="straightConnector1">
@@ -18409,7 +18409,7 @@
         </p:blipFill>
         <p:spPr bwMode="auto">
           <a:xfrm>
-            <a:off x="1162459" y="2121186"/>
+            <a:off x="1288795" y="2163298"/>
             <a:ext cx="469900" cy="469900"/>
           </a:xfrm>
           <a:prstGeom prst="rect">
@@ -18468,7 +18468,7 @@
         </p:blipFill>
         <p:spPr>
           <a:xfrm>
-            <a:off x="5008358" y="2026870"/>
+            <a:off x="5134694" y="2068982"/>
             <a:ext cx="381000" cy="381000"/>
           </a:xfrm>
           <a:prstGeom prst="rect">
@@ -18504,7 +18504,7 @@
         </p:blipFill>
         <p:spPr>
           <a:xfrm>
-            <a:off x="5032609" y="3693470"/>
+            <a:off x="5158945" y="3735582"/>
             <a:ext cx="381000" cy="381000"/>
           </a:xfrm>
           <a:prstGeom prst="rect">
@@ -18541,7 +18541,7 @@
         </p:blipFill>
         <p:spPr bwMode="auto">
           <a:xfrm>
-            <a:off x="8764674" y="2087542"/>
+            <a:off x="8891010" y="2129654"/>
             <a:ext cx="469900" cy="469900"/>
           </a:xfrm>
           <a:prstGeom prst="rect">
@@ -18601,7 +18601,7 @@
         </p:blipFill>
         <p:spPr bwMode="auto">
           <a:xfrm>
-            <a:off x="7211391" y="3710870"/>
+            <a:off x="7337727" y="3752982"/>
             <a:ext cx="469900" cy="469900"/>
           </a:xfrm>
           <a:prstGeom prst="rect">
@@ -18661,7 +18661,7 @@
         </p:blipFill>
         <p:spPr bwMode="auto">
           <a:xfrm>
-            <a:off x="8770187" y="3715725"/>
+            <a:off x="8896523" y="3757837"/>
             <a:ext cx="469900" cy="469900"/>
           </a:xfrm>
           <a:prstGeom prst="rect">
@@ -18721,7 +18721,7 @@
         </p:blipFill>
         <p:spPr bwMode="auto">
           <a:xfrm>
-            <a:off x="2796517" y="3708618"/>
+            <a:off x="2922853" y="3750730"/>
             <a:ext cx="469900" cy="469900"/>
           </a:xfrm>
           <a:prstGeom prst="rect">
@@ -18781,7 +18781,7 @@
         </p:blipFill>
         <p:spPr bwMode="auto">
           <a:xfrm>
-            <a:off x="1176505" y="3745469"/>
+            <a:off x="1302841" y="3787581"/>
             <a:ext cx="469900" cy="469900"/>
           </a:xfrm>
           <a:prstGeom prst="rect">
@@ -18841,7 +18841,7 @@
         </p:blipFill>
         <p:spPr bwMode="auto">
           <a:xfrm>
-            <a:off x="4984394" y="2865599"/>
+            <a:off x="5110730" y="2907711"/>
             <a:ext cx="457200" cy="457200"/>
           </a:xfrm>
           <a:prstGeom prst="rect">
@@ -18901,7 +18901,7 @@
         </p:blipFill>
         <p:spPr bwMode="auto">
           <a:xfrm>
-            <a:off x="1024219" y="4624190"/>
+            <a:off x="1150555" y="4666302"/>
             <a:ext cx="762000" cy="762000"/>
           </a:xfrm>
           <a:prstGeom prst="rect">
@@ -18948,7 +18948,7 @@
         </p:nvSpPr>
         <p:spPr bwMode="auto">
           <a:xfrm>
-            <a:off x="274919" y="5381427"/>
+            <a:off x="401255" y="5423539"/>
             <a:ext cx="2243137" cy="276999"/>
           </a:xfrm>
           <a:prstGeom prst="rect">
@@ -19122,7 +19122,7 @@
         </p:blipFill>
         <p:spPr bwMode="auto">
           <a:xfrm>
-            <a:off x="2423928" y="4619993"/>
+            <a:off x="2550264" y="4662105"/>
             <a:ext cx="762000" cy="762000"/>
           </a:xfrm>
           <a:prstGeom prst="rect">
@@ -19169,7 +19169,7 @@
         </p:nvSpPr>
         <p:spPr bwMode="auto">
           <a:xfrm>
-            <a:off x="1634941" y="5380405"/>
+            <a:off x="1761277" y="5422517"/>
             <a:ext cx="2292350" cy="276999"/>
           </a:xfrm>
           <a:prstGeom prst="rect">
@@ -19343,7 +19343,7 @@
         </p:blipFill>
         <p:spPr bwMode="auto">
           <a:xfrm>
-            <a:off x="7320682" y="4583672"/>
+            <a:off x="7447018" y="4625784"/>
             <a:ext cx="762000" cy="762000"/>
           </a:xfrm>
           <a:prstGeom prst="rect">
@@ -19390,7 +19390,7 @@
         </p:nvSpPr>
         <p:spPr bwMode="auto">
           <a:xfrm>
-            <a:off x="6557095" y="5363134"/>
+            <a:off x="6683431" y="5405246"/>
             <a:ext cx="2292350" cy="276999"/>
           </a:xfrm>
           <a:prstGeom prst="rect">
@@ -19551,7 +19551,7 @@
         </p:nvSpPr>
         <p:spPr bwMode="auto">
           <a:xfrm>
-            <a:off x="4550010" y="5305141"/>
+            <a:off x="4676346" y="5347253"/>
             <a:ext cx="1343025" cy="276999"/>
           </a:xfrm>
           <a:prstGeom prst="rect">
@@ -19725,7 +19725,7 @@
         </p:blipFill>
         <p:spPr bwMode="auto">
           <a:xfrm>
-            <a:off x="5012248" y="4847941"/>
+            <a:off x="5138584" y="4890053"/>
             <a:ext cx="457200" cy="457200"/>
           </a:xfrm>
           <a:prstGeom prst="rect">
@@ -20890,7 +20890,7 @@
         </p:blipFill>
         <p:spPr bwMode="auto">
           <a:xfrm>
-            <a:off x="4975459" y="1147767"/>
+            <a:off x="5101795" y="1189879"/>
             <a:ext cx="457200" cy="457200"/>
           </a:xfrm>
           <a:prstGeom prst="rect">
@@ -20948,7 +20948,7 @@
         </p:nvSpPr>
         <p:spPr>
           <a:xfrm>
-            <a:off x="1062902" y="3487736"/>
+            <a:off x="1062902" y="3132803"/>
             <a:ext cx="2760031" cy="2989603"/>
           </a:xfrm>
           <a:prstGeom prst="rect">
@@ -21020,7 +21020,7 @@
         </p:nvSpPr>
         <p:spPr>
           <a:xfrm>
-            <a:off x="1059585" y="2079842"/>
+            <a:off x="1059585" y="1724909"/>
             <a:ext cx="2763348" cy="1266028"/>
           </a:xfrm>
           <a:prstGeom prst="rect">
@@ -21080,232 +21080,6 @@
       </p:sp>
       <p:sp>
         <p:nvSpPr>
-          <p:cNvPr id="8" name="Title 1">
-            <a:extLst>
-              <a:ext uri="{FF2B5EF4-FFF2-40B4-BE49-F238E27FC236}">
-                <a16:creationId xmlns:a16="http://schemas.microsoft.com/office/drawing/2014/main" id="{76D65F8B-1DF0-AC5A-81E3-26060C07CBFC}"/>
-              </a:ext>
-            </a:extLst>
-          </p:cNvPr>
-          <p:cNvSpPr txBox="1">
-            <a:spLocks noChangeArrowheads="1"/>
-          </p:cNvSpPr>
-          <p:nvPr/>
-        </p:nvSpPr>
-        <p:spPr bwMode="auto">
-          <a:xfrm>
-            <a:off x="241300" y="-98029"/>
-            <a:ext cx="11709400" cy="644525"/>
-          </a:xfrm>
-          <a:prstGeom prst="rect">
-            <a:avLst/>
-          </a:prstGeom>
-          <a:noFill/>
-          <a:ln>
-            <a:noFill/>
-          </a:ln>
-          <a:extLst>
-            <a:ext uri="{909E8E84-426E-40DD-AFC4-6F175D3DCCD1}">
-              <a14:hiddenFill xmlns:a14="http://schemas.microsoft.com/office/drawing/2010/main">
-                <a:solidFill>
-                  <a:srgbClr val="FFFFFF"/>
-                </a:solidFill>
-              </a14:hiddenFill>
-            </a:ext>
-            <a:ext uri="{91240B29-F687-4F45-9708-019B960494DF}">
-              <a14:hiddenLine xmlns:a14="http://schemas.microsoft.com/office/drawing/2010/main" w="9525">
-                <a:solidFill>
-                  <a:srgbClr val="000000"/>
-                </a:solidFill>
-                <a:miter lim="800000"/>
-                <a:headEnd/>
-                <a:tailEnd/>
-              </a14:hiddenLine>
-            </a:ext>
-          </a:extLst>
-        </p:spPr>
-        <p:txBody>
-          <a:bodyPr vert="horz" wrap="square" lIns="91440" tIns="45720" rIns="91440" bIns="45720" numCol="1" anchor="ctr" anchorCtr="0" compatLnSpc="1">
-            <a:prstTxWarp prst="textNoShape">
-              <a:avLst/>
-            </a:prstTxWarp>
-          </a:bodyPr>
-          <a:lstStyle>
-            <a:lvl1pPr algn="l" rtl="0" eaLnBrk="0" fontAlgn="base" hangingPunct="0">
-              <a:lnSpc>
-                <a:spcPct val="90000"/>
-              </a:lnSpc>
-              <a:spcBef>
-                <a:spcPct val="0"/>
-              </a:spcBef>
-              <a:spcAft>
-                <a:spcPct val="0"/>
-              </a:spcAft>
-              <a:defRPr sz="2800" b="1" kern="1200">
-                <a:solidFill>
-                  <a:srgbClr val="161E2D"/>
-                </a:solidFill>
-                <a:latin typeface="Arial" panose="020B0604020202020204" pitchFamily="34" charset="0"/>
-                <a:ea typeface="+mj-ea"/>
-                <a:cs typeface="Arial" panose="020B0604020202020204" pitchFamily="34" charset="0"/>
-              </a:defRPr>
-            </a:lvl1pPr>
-            <a:lvl2pPr algn="l" rtl="0" eaLnBrk="0" fontAlgn="base" hangingPunct="0">
-              <a:lnSpc>
-                <a:spcPct val="90000"/>
-              </a:lnSpc>
-              <a:spcBef>
-                <a:spcPct val="0"/>
-              </a:spcBef>
-              <a:spcAft>
-                <a:spcPct val="0"/>
-              </a:spcAft>
-              <a:defRPr sz="2800" b="1">
-                <a:solidFill>
-                  <a:srgbClr val="161E2D"/>
-                </a:solidFill>
-                <a:latin typeface="Arial" panose="020B0604020202020204" pitchFamily="34" charset="0"/>
-                <a:cs typeface="Arial" panose="020B0604020202020204" pitchFamily="34" charset="0"/>
-              </a:defRPr>
-            </a:lvl2pPr>
-            <a:lvl3pPr algn="l" rtl="0" eaLnBrk="0" fontAlgn="base" hangingPunct="0">
-              <a:lnSpc>
-                <a:spcPct val="90000"/>
-              </a:lnSpc>
-              <a:spcBef>
-                <a:spcPct val="0"/>
-              </a:spcBef>
-              <a:spcAft>
-                <a:spcPct val="0"/>
-              </a:spcAft>
-              <a:defRPr sz="2800" b="1">
-                <a:solidFill>
-                  <a:srgbClr val="161E2D"/>
-                </a:solidFill>
-                <a:latin typeface="Arial" panose="020B0604020202020204" pitchFamily="34" charset="0"/>
-                <a:cs typeface="Arial" panose="020B0604020202020204" pitchFamily="34" charset="0"/>
-              </a:defRPr>
-            </a:lvl3pPr>
-            <a:lvl4pPr algn="l" rtl="0" eaLnBrk="0" fontAlgn="base" hangingPunct="0">
-              <a:lnSpc>
-                <a:spcPct val="90000"/>
-              </a:lnSpc>
-              <a:spcBef>
-                <a:spcPct val="0"/>
-              </a:spcBef>
-              <a:spcAft>
-                <a:spcPct val="0"/>
-              </a:spcAft>
-              <a:defRPr sz="2800" b="1">
-                <a:solidFill>
-                  <a:srgbClr val="161E2D"/>
-                </a:solidFill>
-                <a:latin typeface="Arial" panose="020B0604020202020204" pitchFamily="34" charset="0"/>
-                <a:cs typeface="Arial" panose="020B0604020202020204" pitchFamily="34" charset="0"/>
-              </a:defRPr>
-            </a:lvl4pPr>
-            <a:lvl5pPr algn="l" rtl="0" eaLnBrk="0" fontAlgn="base" hangingPunct="0">
-              <a:lnSpc>
-                <a:spcPct val="90000"/>
-              </a:lnSpc>
-              <a:spcBef>
-                <a:spcPct val="0"/>
-              </a:spcBef>
-              <a:spcAft>
-                <a:spcPct val="0"/>
-              </a:spcAft>
-              <a:defRPr sz="2800" b="1">
-                <a:solidFill>
-                  <a:srgbClr val="161E2D"/>
-                </a:solidFill>
-                <a:latin typeface="Arial" panose="020B0604020202020204" pitchFamily="34" charset="0"/>
-                <a:cs typeface="Arial" panose="020B0604020202020204" pitchFamily="34" charset="0"/>
-              </a:defRPr>
-            </a:lvl5pPr>
-            <a:lvl6pPr marL="457200" algn="l" rtl="0" fontAlgn="base">
-              <a:lnSpc>
-                <a:spcPct val="90000"/>
-              </a:lnSpc>
-              <a:spcBef>
-                <a:spcPct val="0"/>
-              </a:spcBef>
-              <a:spcAft>
-                <a:spcPct val="0"/>
-              </a:spcAft>
-              <a:defRPr sz="2800" b="1">
-                <a:solidFill>
-                  <a:srgbClr val="161E2D"/>
-                </a:solidFill>
-                <a:latin typeface="Arial" panose="020B0604020202020204" pitchFamily="34" charset="0"/>
-                <a:cs typeface="Arial" panose="020B0604020202020204" pitchFamily="34" charset="0"/>
-              </a:defRPr>
-            </a:lvl6pPr>
-            <a:lvl7pPr marL="914400" algn="l" rtl="0" fontAlgn="base">
-              <a:lnSpc>
-                <a:spcPct val="90000"/>
-              </a:lnSpc>
-              <a:spcBef>
-                <a:spcPct val="0"/>
-              </a:spcBef>
-              <a:spcAft>
-                <a:spcPct val="0"/>
-              </a:spcAft>
-              <a:defRPr sz="2800" b="1">
-                <a:solidFill>
-                  <a:srgbClr val="161E2D"/>
-                </a:solidFill>
-                <a:latin typeface="Arial" panose="020B0604020202020204" pitchFamily="34" charset="0"/>
-                <a:cs typeface="Arial" panose="020B0604020202020204" pitchFamily="34" charset="0"/>
-              </a:defRPr>
-            </a:lvl7pPr>
-            <a:lvl8pPr marL="1371600" algn="l" rtl="0" fontAlgn="base">
-              <a:lnSpc>
-                <a:spcPct val="90000"/>
-              </a:lnSpc>
-              <a:spcBef>
-                <a:spcPct val="0"/>
-              </a:spcBef>
-              <a:spcAft>
-                <a:spcPct val="0"/>
-              </a:spcAft>
-              <a:defRPr sz="2800" b="1">
-                <a:solidFill>
-                  <a:srgbClr val="161E2D"/>
-                </a:solidFill>
-                <a:latin typeface="Arial" panose="020B0604020202020204" pitchFamily="34" charset="0"/>
-                <a:cs typeface="Arial" panose="020B0604020202020204" pitchFamily="34" charset="0"/>
-              </a:defRPr>
-            </a:lvl8pPr>
-            <a:lvl9pPr marL="1828800" algn="l" rtl="0" fontAlgn="base">
-              <a:lnSpc>
-                <a:spcPct val="90000"/>
-              </a:lnSpc>
-              <a:spcBef>
-                <a:spcPct val="0"/>
-              </a:spcBef>
-              <a:spcAft>
-                <a:spcPct val="0"/>
-              </a:spcAft>
-              <a:defRPr sz="2800" b="1">
-                <a:solidFill>
-                  <a:srgbClr val="161E2D"/>
-                </a:solidFill>
-                <a:latin typeface="Arial" panose="020B0604020202020204" pitchFamily="34" charset="0"/>
-                <a:cs typeface="Arial" panose="020B0604020202020204" pitchFamily="34" charset="0"/>
-              </a:defRPr>
-            </a:lvl9pPr>
-          </a:lstStyle>
-          <a:p>
-            <a:pPr algn="ctr" eaLnBrk="1" hangingPunct="1"/>
-            <a:r>
-              <a:rPr lang="en-US" altLang="en-US" sz="2400" dirty="0"/>
-              <a:t>Amazon WorkSpaces Quick Start – AWS Managed AD</a:t>
-            </a:r>
-          </a:p>
-        </p:txBody>
-      </p:sp>
-      <p:sp>
-        <p:nvSpPr>
           <p:cNvPr id="9" name="Rectangle 8">
             <a:extLst>
               <a:ext uri="{FF2B5EF4-FFF2-40B4-BE49-F238E27FC236}">
@@ -21318,7 +21092,7 @@
         </p:nvSpPr>
         <p:spPr bwMode="auto">
           <a:xfrm>
-            <a:off x="512618" y="1716377"/>
+            <a:off x="512618" y="1361444"/>
             <a:ext cx="9694623" cy="4722473"/>
           </a:xfrm>
           <a:prstGeom prst="rect">
@@ -21481,7 +21255,7 @@
         </p:nvSpPr>
         <p:spPr bwMode="auto">
           <a:xfrm>
-            <a:off x="974414" y="1400096"/>
+            <a:off x="974414" y="1045163"/>
             <a:ext cx="2990308" cy="5091010"/>
           </a:xfrm>
           <a:prstGeom prst="rect">
@@ -21568,7 +21342,7 @@
         </p:nvSpPr>
         <p:spPr bwMode="auto">
           <a:xfrm>
-            <a:off x="1387158" y="2909633"/>
+            <a:off x="1387158" y="2554700"/>
             <a:ext cx="1767152" cy="246221"/>
           </a:xfrm>
           <a:prstGeom prst="rect">
@@ -21754,7 +21528,7 @@
         </p:nvSpPr>
         <p:spPr bwMode="auto">
           <a:xfrm>
-            <a:off x="2695130" y="4532494"/>
+            <a:off x="2695130" y="4177561"/>
             <a:ext cx="1307913" cy="246221"/>
           </a:xfrm>
           <a:prstGeom prst="rect">
@@ -21987,7 +21761,7 @@
         </p:blipFill>
         <p:spPr>
           <a:xfrm>
-            <a:off x="512618" y="1725184"/>
+            <a:off x="512618" y="1370251"/>
             <a:ext cx="381000" cy="381000"/>
           </a:xfrm>
           <a:prstGeom prst="rect">
@@ -22009,7 +21783,7 @@
         </p:nvSpPr>
         <p:spPr>
           <a:xfrm>
-            <a:off x="2733141" y="2390955"/>
+            <a:off x="2733141" y="2036022"/>
             <a:ext cx="5494139" cy="753131"/>
           </a:xfrm>
           <a:prstGeom prst="rect">
@@ -22174,7 +21948,7 @@
         </p:blipFill>
         <p:spPr>
           <a:xfrm>
-            <a:off x="1060220" y="2080308"/>
+            <a:off x="1060220" y="1725375"/>
             <a:ext cx="295194" cy="295194"/>
           </a:xfrm>
           <a:prstGeom prst="rect">
@@ -22210,7 +21984,7 @@
         </p:blipFill>
         <p:spPr>
           <a:xfrm>
-            <a:off x="1058949" y="3489581"/>
+            <a:off x="1058949" y="3134648"/>
             <a:ext cx="381000" cy="381000"/>
           </a:xfrm>
           <a:prstGeom prst="rect">
@@ -22232,7 +22006,7 @@
         </p:nvSpPr>
         <p:spPr>
           <a:xfrm>
-            <a:off x="7205675" y="3451628"/>
+            <a:off x="7205675" y="3096695"/>
             <a:ext cx="2760031" cy="2989603"/>
           </a:xfrm>
           <a:prstGeom prst="rect">
@@ -22304,7 +22078,7 @@
         </p:nvSpPr>
         <p:spPr>
           <a:xfrm>
-            <a:off x="7202358" y="1963766"/>
+            <a:off x="7202358" y="1608833"/>
             <a:ext cx="2763348" cy="1343616"/>
           </a:xfrm>
           <a:prstGeom prst="rect">
@@ -22376,7 +22150,7 @@
         </p:nvSpPr>
         <p:spPr bwMode="auto">
           <a:xfrm>
-            <a:off x="7144683" y="1419620"/>
+            <a:off x="7144683" y="1064687"/>
             <a:ext cx="2962812" cy="5068587"/>
           </a:xfrm>
           <a:prstGeom prst="rect">
@@ -22463,7 +22237,7 @@
         </p:nvSpPr>
         <p:spPr bwMode="auto">
           <a:xfrm>
-            <a:off x="8429364" y="2870100"/>
+            <a:off x="8429364" y="2515167"/>
             <a:ext cx="1767152" cy="246221"/>
           </a:xfrm>
           <a:prstGeom prst="rect">
@@ -22661,7 +22435,7 @@
         </p:blipFill>
         <p:spPr>
           <a:xfrm>
-            <a:off x="7202993" y="1963455"/>
+            <a:off x="7202993" y="1608522"/>
             <a:ext cx="309246" cy="309246"/>
           </a:xfrm>
           <a:prstGeom prst="rect">
@@ -22697,7 +22471,7 @@
         </p:blipFill>
         <p:spPr>
           <a:xfrm>
-            <a:off x="7204103" y="3451092"/>
+            <a:off x="7204103" y="3096159"/>
             <a:ext cx="381000" cy="381000"/>
           </a:xfrm>
           <a:prstGeom prst="rect">
@@ -22721,7 +22495,7 @@
         </p:nvSpPr>
         <p:spPr bwMode="auto">
           <a:xfrm>
-            <a:off x="4840204" y="1903346"/>
+            <a:off x="4840204" y="1548413"/>
             <a:ext cx="1403350" cy="246221"/>
           </a:xfrm>
           <a:prstGeom prst="rect">
@@ -22882,7 +22656,7 @@
         </p:nvSpPr>
         <p:spPr bwMode="auto">
           <a:xfrm>
-            <a:off x="973881" y="4395510"/>
+            <a:off x="973881" y="4040577"/>
             <a:ext cx="1194280" cy="246221"/>
           </a:xfrm>
           <a:prstGeom prst="rect">
@@ -23068,7 +22842,7 @@
         </p:nvSpPr>
         <p:spPr bwMode="auto">
           <a:xfrm>
-            <a:off x="7031969" y="4521835"/>
+            <a:off x="7031969" y="4166902"/>
             <a:ext cx="1434306" cy="246221"/>
           </a:xfrm>
           <a:prstGeom prst="rect">
@@ -23267,7 +23041,7 @@
         </p:blipFill>
         <p:spPr bwMode="auto">
           <a:xfrm>
-            <a:off x="3060128" y="2453998"/>
+            <a:off x="3060128" y="2099065"/>
             <a:ext cx="469900" cy="469900"/>
           </a:xfrm>
           <a:prstGeom prst="rect">
@@ -23314,7 +23088,7 @@
         </p:nvSpPr>
         <p:spPr bwMode="auto">
           <a:xfrm>
-            <a:off x="2411119" y="2899368"/>
+            <a:off x="2411119" y="2544435"/>
             <a:ext cx="1767152" cy="246221"/>
           </a:xfrm>
           <a:prstGeom prst="rect">
@@ -23513,7 +23287,7 @@
         </p:blipFill>
         <p:spPr bwMode="auto">
           <a:xfrm>
-            <a:off x="7462847" y="2415109"/>
+            <a:off x="7462847" y="2060176"/>
             <a:ext cx="469900" cy="469900"/>
           </a:xfrm>
           <a:prstGeom prst="rect">
@@ -23560,7 +23334,7 @@
         </p:nvSpPr>
         <p:spPr bwMode="auto">
           <a:xfrm>
-            <a:off x="6813838" y="2860479"/>
+            <a:off x="6813838" y="2505546"/>
             <a:ext cx="1767152" cy="246221"/>
           </a:xfrm>
           <a:prstGeom prst="rect">
@@ -23744,7 +23518,7 @@
         </p:nvSpPr>
         <p:spPr>
           <a:xfrm>
-            <a:off x="2769062" y="4058930"/>
+            <a:off x="2769062" y="3703997"/>
             <a:ext cx="5500004" cy="734347"/>
           </a:xfrm>
           <a:prstGeom prst="rect">
@@ -23897,7 +23671,7 @@
         </p:nvSpPr>
         <p:spPr bwMode="auto">
           <a:xfrm>
-            <a:off x="4886655" y="3646820"/>
+            <a:off x="4886655" y="3291887"/>
             <a:ext cx="1255028" cy="400110"/>
           </a:xfrm>
           <a:prstGeom prst="rect">
@@ -24086,7 +23860,7 @@
         </p:blipFill>
         <p:spPr bwMode="auto">
           <a:xfrm>
-            <a:off x="2028202" y="2451000"/>
+            <a:off x="2028202" y="2096067"/>
             <a:ext cx="469900" cy="469900"/>
           </a:xfrm>
           <a:prstGeom prst="rect">
@@ -24145,7 +23919,7 @@
         </p:blipFill>
         <p:spPr>
           <a:xfrm>
-            <a:off x="5257278" y="2402536"/>
+            <a:off x="5257278" y="2047603"/>
             <a:ext cx="381000" cy="381000"/>
           </a:xfrm>
           <a:prstGeom prst="rect">
@@ -24181,7 +23955,7 @@
         </p:blipFill>
         <p:spPr>
           <a:xfrm>
-            <a:off x="5351379" y="4069136"/>
+            <a:off x="5351379" y="3714203"/>
             <a:ext cx="381000" cy="381000"/>
           </a:xfrm>
           <a:prstGeom prst="rect">
@@ -24218,7 +23992,7 @@
         </p:blipFill>
         <p:spPr bwMode="auto">
           <a:xfrm>
-            <a:off x="8988959" y="2410067"/>
+            <a:off x="8988959" y="2055134"/>
             <a:ext cx="469900" cy="469900"/>
           </a:xfrm>
           <a:prstGeom prst="rect">
@@ -24278,7 +24052,7 @@
         </p:blipFill>
         <p:spPr bwMode="auto">
           <a:xfrm>
-            <a:off x="7422211" y="4063517"/>
+            <a:off x="7422211" y="3708584"/>
             <a:ext cx="469900" cy="469900"/>
           </a:xfrm>
           <a:prstGeom prst="rect">
@@ -24338,7 +24112,7 @@
         </p:blipFill>
         <p:spPr bwMode="auto">
           <a:xfrm>
-            <a:off x="3064487" y="4065234"/>
+            <a:off x="3064487" y="3710301"/>
             <a:ext cx="469900" cy="469900"/>
           </a:xfrm>
           <a:prstGeom prst="rect">
@@ -24398,7 +24172,7 @@
         </p:blipFill>
         <p:spPr bwMode="auto">
           <a:xfrm>
-            <a:off x="1307940" y="3975735"/>
+            <a:off x="1307940" y="3620802"/>
             <a:ext cx="469900" cy="469900"/>
           </a:xfrm>
           <a:prstGeom prst="rect">
@@ -24458,7 +24232,7 @@
         </p:blipFill>
         <p:spPr bwMode="auto">
           <a:xfrm>
-            <a:off x="5313279" y="1504383"/>
+            <a:off x="5313279" y="1149450"/>
             <a:ext cx="457200" cy="457200"/>
           </a:xfrm>
           <a:prstGeom prst="rect">
@@ -24518,7 +24292,7 @@
         </p:blipFill>
         <p:spPr bwMode="auto">
           <a:xfrm>
-            <a:off x="5290464" y="3222215"/>
+            <a:off x="5290464" y="2867282"/>
             <a:ext cx="457200" cy="457200"/>
           </a:xfrm>
           <a:prstGeom prst="rect">
@@ -24578,7 +24352,7 @@
         </p:blipFill>
         <p:spPr bwMode="auto">
           <a:xfrm>
-            <a:off x="1241389" y="5330056"/>
+            <a:off x="1241389" y="4975123"/>
             <a:ext cx="762000" cy="762000"/>
           </a:xfrm>
           <a:prstGeom prst="rect">
@@ -24625,7 +24399,7 @@
         </p:nvSpPr>
         <p:spPr bwMode="auto">
           <a:xfrm>
-            <a:off x="492089" y="6093643"/>
+            <a:off x="492089" y="5738710"/>
             <a:ext cx="2243137" cy="276999"/>
           </a:xfrm>
           <a:prstGeom prst="rect">
@@ -24799,7 +24573,7 @@
         </p:blipFill>
         <p:spPr bwMode="auto">
           <a:xfrm>
-            <a:off x="2666498" y="5351259"/>
+            <a:off x="2666498" y="4996326"/>
             <a:ext cx="762000" cy="762000"/>
           </a:xfrm>
           <a:prstGeom prst="rect">
@@ -24846,7 +24620,7 @@
         </p:nvSpPr>
         <p:spPr bwMode="auto">
           <a:xfrm>
-            <a:off x="1909261" y="6111671"/>
+            <a:off x="1909261" y="5756738"/>
             <a:ext cx="2292350" cy="276999"/>
           </a:xfrm>
           <a:prstGeom prst="rect">
@@ -25020,7 +24794,7 @@
         </p:blipFill>
         <p:spPr bwMode="auto">
           <a:xfrm>
-            <a:off x="7645802" y="5378438"/>
+            <a:off x="7645802" y="5023505"/>
             <a:ext cx="762000" cy="762000"/>
           </a:xfrm>
           <a:prstGeom prst="rect">
@@ -25067,7 +24841,7 @@
         </p:nvSpPr>
         <p:spPr bwMode="auto">
           <a:xfrm>
-            <a:off x="6888565" y="6138850"/>
+            <a:off x="6888565" y="5783917"/>
             <a:ext cx="2292350" cy="246221"/>
           </a:xfrm>
           <a:prstGeom prst="rect">
@@ -26333,7 +26107,7 @@
         </p:nvSpPr>
         <p:spPr bwMode="auto">
           <a:xfrm>
-            <a:off x="8397367" y="4467586"/>
+            <a:off x="8397367" y="4112653"/>
             <a:ext cx="1343025" cy="400110"/>
           </a:xfrm>
           <a:prstGeom prst="rect">
@@ -26522,7 +26296,7 @@
         </p:blipFill>
         <p:spPr bwMode="auto">
           <a:xfrm>
-            <a:off x="8846905" y="4086594"/>
+            <a:off x="8846905" y="3731661"/>
             <a:ext cx="457200" cy="457200"/>
           </a:xfrm>
           <a:prstGeom prst="rect">
@@ -26569,7 +26343,7 @@
         </p:nvSpPr>
         <p:spPr bwMode="auto">
           <a:xfrm>
-            <a:off x="1591183" y="4779389"/>
+            <a:off x="1591183" y="4424456"/>
             <a:ext cx="1343025" cy="430887"/>
           </a:xfrm>
           <a:prstGeom prst="rect">
@@ -26758,7 +26532,7 @@
         </p:blipFill>
         <p:spPr bwMode="auto">
           <a:xfrm>
-            <a:off x="2040721" y="4322189"/>
+            <a:off x="2040721" y="3967256"/>
             <a:ext cx="457200" cy="457200"/>
           </a:xfrm>
           <a:prstGeom prst="rect">

--- a/docs/deployment_guide/images/Quick Start Ref. Arch.pptx
+++ b/docs/deployment_guide/images/Quick Start Ref. Arch.pptx
@@ -15543,7 +15543,7 @@
         </p:nvSpPr>
         <p:spPr bwMode="auto">
           <a:xfrm>
-            <a:off x="826430" y="1085592"/>
+            <a:off x="778805" y="1085592"/>
             <a:ext cx="2990308" cy="5041433"/>
           </a:xfrm>
           <a:prstGeom prst="rect">
@@ -16438,7 +16438,7 @@
         </p:nvSpPr>
         <p:spPr bwMode="auto">
           <a:xfrm>
-            <a:off x="6996699" y="1098767"/>
+            <a:off x="6977649" y="1098767"/>
             <a:ext cx="2962812" cy="5019228"/>
           </a:xfrm>
           <a:prstGeom prst="rect">
@@ -17515,7 +17515,7 @@
         </p:blipFill>
         <p:spPr bwMode="auto">
           <a:xfrm>
-            <a:off x="2912144" y="2139494"/>
+            <a:off x="2912144" y="2082344"/>
             <a:ext cx="469900" cy="469900"/>
           </a:xfrm>
           <a:prstGeom prst="rect">
@@ -17562,7 +17562,7 @@
         </p:nvSpPr>
         <p:spPr bwMode="auto">
           <a:xfrm>
-            <a:off x="2263135" y="2584864"/>
+            <a:off x="2263135" y="2518600"/>
             <a:ext cx="1767152" cy="276999"/>
           </a:xfrm>
           <a:prstGeom prst="rect">
@@ -17761,7 +17761,7 @@
         </p:blipFill>
         <p:spPr bwMode="auto">
           <a:xfrm>
-            <a:off x="7314863" y="2126005"/>
+            <a:off x="7314863" y="2087905"/>
             <a:ext cx="469900" cy="469900"/>
           </a:xfrm>
           <a:prstGeom prst="rect">
@@ -17808,7 +17808,7 @@
         </p:nvSpPr>
         <p:spPr bwMode="auto">
           <a:xfrm>
-            <a:off x="6665854" y="2571375"/>
+            <a:off x="6683431" y="2513509"/>
             <a:ext cx="1767152" cy="276999"/>
           </a:xfrm>
           <a:prstGeom prst="rect">
@@ -18306,7 +18306,7 @@
         </p:nvCxnSpPr>
         <p:spPr bwMode="auto">
           <a:xfrm>
-            <a:off x="5635318" y="5093770"/>
+            <a:off x="5597218" y="5093770"/>
             <a:ext cx="1579393" cy="0"/>
           </a:xfrm>
           <a:prstGeom prst="straightConnector1">
@@ -18351,7 +18351,7 @@
         </p:nvCxnSpPr>
         <p:spPr bwMode="auto">
           <a:xfrm>
-            <a:off x="3548445" y="5093770"/>
+            <a:off x="3529395" y="5093770"/>
             <a:ext cx="1564001" cy="0"/>
           </a:xfrm>
           <a:prstGeom prst="straightConnector1">
@@ -18468,7 +18468,7 @@
         </p:blipFill>
         <p:spPr>
           <a:xfrm>
-            <a:off x="5134694" y="2068982"/>
+            <a:off x="5134694" y="2078507"/>
             <a:ext cx="381000" cy="381000"/>
           </a:xfrm>
           <a:prstGeom prst="rect">
@@ -18504,7 +18504,7 @@
         </p:blipFill>
         <p:spPr>
           <a:xfrm>
-            <a:off x="5158945" y="3735582"/>
+            <a:off x="5158945" y="3745107"/>
             <a:ext cx="381000" cy="381000"/>
           </a:xfrm>
           <a:prstGeom prst="rect">
@@ -18901,7 +18901,7 @@
         </p:blipFill>
         <p:spPr bwMode="auto">
           <a:xfrm>
-            <a:off x="1150555" y="4666302"/>
+            <a:off x="1150555" y="4713927"/>
             <a:ext cx="762000" cy="762000"/>
           </a:xfrm>
           <a:prstGeom prst="rect">
@@ -18948,7 +18948,7 @@
         </p:nvSpPr>
         <p:spPr bwMode="auto">
           <a:xfrm>
-            <a:off x="401255" y="5423539"/>
+            <a:off x="401255" y="5471164"/>
             <a:ext cx="2243137" cy="276999"/>
           </a:xfrm>
           <a:prstGeom prst="rect">
@@ -19122,7 +19122,7 @@
         </p:blipFill>
         <p:spPr bwMode="auto">
           <a:xfrm>
-            <a:off x="2550264" y="4662105"/>
+            <a:off x="2550264" y="4709730"/>
             <a:ext cx="762000" cy="762000"/>
           </a:xfrm>
           <a:prstGeom prst="rect">
@@ -19169,7 +19169,7 @@
         </p:nvSpPr>
         <p:spPr bwMode="auto">
           <a:xfrm>
-            <a:off x="1761277" y="5422517"/>
+            <a:off x="1761277" y="5470142"/>
             <a:ext cx="2292350" cy="276999"/>
           </a:xfrm>
           <a:prstGeom prst="rect">
@@ -19343,7 +19343,7 @@
         </p:blipFill>
         <p:spPr bwMode="auto">
           <a:xfrm>
-            <a:off x="7447018" y="4625784"/>
+            <a:off x="7447018" y="4673409"/>
             <a:ext cx="762000" cy="762000"/>
           </a:xfrm>
           <a:prstGeom prst="rect">
@@ -19390,7 +19390,7 @@
         </p:nvSpPr>
         <p:spPr bwMode="auto">
           <a:xfrm>
-            <a:off x="6683431" y="5405246"/>
+            <a:off x="6683431" y="5452871"/>
             <a:ext cx="2292350" cy="276999"/>
           </a:xfrm>
           <a:prstGeom prst="rect">
@@ -19551,7 +19551,7 @@
         </p:nvSpPr>
         <p:spPr bwMode="auto">
           <a:xfrm>
-            <a:off x="4676346" y="5347253"/>
+            <a:off x="4651281" y="5280578"/>
             <a:ext cx="1343025" cy="276999"/>
           </a:xfrm>
           <a:prstGeom prst="rect">
@@ -19725,7 +19725,7 @@
         </p:blipFill>
         <p:spPr bwMode="auto">
           <a:xfrm>
-            <a:off x="5138584" y="4890053"/>
+            <a:off x="5119534" y="4890053"/>
             <a:ext cx="457200" cy="457200"/>
           </a:xfrm>
           <a:prstGeom prst="rect">
@@ -19785,7 +19785,7 @@
         </p:blipFill>
         <p:spPr bwMode="auto">
           <a:xfrm>
-            <a:off x="10724200" y="1031176"/>
+            <a:off x="10724200" y="859726"/>
             <a:ext cx="762000" cy="762000"/>
           </a:xfrm>
           <a:prstGeom prst="rect">
@@ -19832,7 +19832,7 @@
         </p:nvSpPr>
         <p:spPr bwMode="auto">
           <a:xfrm>
-            <a:off x="9984425" y="1794763"/>
+            <a:off x="9984425" y="1623313"/>
             <a:ext cx="2243137" cy="461665"/>
           </a:xfrm>
           <a:prstGeom prst="rect">
@@ -20006,7 +20006,7 @@
         </p:blipFill>
         <p:spPr bwMode="auto">
           <a:xfrm>
-            <a:off x="10713390" y="2214225"/>
+            <a:off x="10713390" y="2128500"/>
             <a:ext cx="762000" cy="762000"/>
           </a:xfrm>
           <a:prstGeom prst="rect">
@@ -20053,7 +20053,7 @@
         </p:nvSpPr>
         <p:spPr bwMode="auto">
           <a:xfrm>
-            <a:off x="9956153" y="2976225"/>
+            <a:off x="9956153" y="2919075"/>
             <a:ext cx="2292350" cy="276999"/>
           </a:xfrm>
           <a:prstGeom prst="rect">
@@ -20948,8 +20948,8 @@
         </p:nvSpPr>
         <p:spPr>
           <a:xfrm>
-            <a:off x="1062902" y="3132803"/>
-            <a:ext cx="2760031" cy="2989603"/>
+            <a:off x="1005752" y="3132803"/>
+            <a:ext cx="2760031" cy="2715768"/>
           </a:xfrm>
           <a:prstGeom prst="rect">
             <a:avLst/>
@@ -21020,7 +21020,7 @@
         </p:nvSpPr>
         <p:spPr>
           <a:xfrm>
-            <a:off x="1059585" y="1724909"/>
+            <a:off x="1002435" y="1724909"/>
             <a:ext cx="2763348" cy="1266028"/>
           </a:xfrm>
           <a:prstGeom prst="rect">
@@ -21092,7 +21092,7 @@
         </p:nvSpPr>
         <p:spPr bwMode="auto">
           <a:xfrm>
-            <a:off x="512618" y="1361444"/>
+            <a:off x="455468" y="1361444"/>
             <a:ext cx="9694623" cy="4722473"/>
           </a:xfrm>
           <a:prstGeom prst="rect">
@@ -21174,7 +21174,7 @@
         </p:nvSpPr>
         <p:spPr bwMode="auto">
           <a:xfrm>
-            <a:off x="241300" y="546495"/>
+            <a:off x="184150" y="546495"/>
             <a:ext cx="11836400" cy="6160211"/>
           </a:xfrm>
           <a:prstGeom prst="rect">
@@ -21255,7 +21255,7 @@
         </p:nvSpPr>
         <p:spPr bwMode="auto">
           <a:xfrm>
-            <a:off x="974414" y="1045163"/>
+            <a:off x="869639" y="1045163"/>
             <a:ext cx="2990308" cy="5091010"/>
           </a:xfrm>
           <a:prstGeom prst="rect">
@@ -21342,8 +21342,8 @@
         </p:nvSpPr>
         <p:spPr bwMode="auto">
           <a:xfrm>
-            <a:off x="1387158" y="2554700"/>
-            <a:ext cx="1767152" cy="246221"/>
+            <a:off x="686024" y="2534873"/>
+            <a:ext cx="1767152" cy="276999"/>
           </a:xfrm>
           <a:prstGeom prst="rect">
             <a:avLst/>
@@ -21493,7 +21493,7 @@
               <a:defRPr/>
             </a:pPr>
             <a:r>
-              <a:rPr kumimoji="0" lang="en-US" altLang="en-US" sz="1000" b="0" i="0" u="none" strike="noStrike" kern="1200" cap="none" spc="0" normalizeH="0" baseline="0" noProof="0" dirty="0">
+              <a:rPr kumimoji="0" lang="en-US" altLang="en-US" sz="1200" b="0" i="0" u="none" strike="noStrike" kern="1200" cap="none" spc="0" normalizeH="0" baseline="0" noProof="0" dirty="0">
                 <a:ln>
                   <a:noFill/>
                 </a:ln>
@@ -21528,8 +21528,8 @@
         </p:nvSpPr>
         <p:spPr bwMode="auto">
           <a:xfrm>
-            <a:off x="2695130" y="4177561"/>
-            <a:ext cx="1307913" cy="246221"/>
+            <a:off x="2637980" y="4139461"/>
+            <a:ext cx="1307913" cy="276999"/>
           </a:xfrm>
           <a:prstGeom prst="rect">
             <a:avLst/>
@@ -21679,7 +21679,7 @@
               <a:defRPr/>
             </a:pPr>
             <a:r>
-              <a:rPr kumimoji="0" lang="en-US" altLang="en-US" sz="1000" b="0" i="0" u="none" strike="noStrike" kern="1200" cap="none" spc="0" normalizeH="0" baseline="0" noProof="0" dirty="0">
+              <a:rPr kumimoji="0" lang="en-US" altLang="en-US" sz="1200" b="0" i="0" u="none" strike="noStrike" kern="1200" cap="none" spc="0" normalizeH="0" baseline="0" noProof="0" dirty="0">
                 <a:ln>
                   <a:noFill/>
                 </a:ln>
@@ -21725,7 +21725,7 @@
         </p:blipFill>
         <p:spPr>
           <a:xfrm>
-            <a:off x="241300" y="546496"/>
+            <a:off x="184150" y="546496"/>
             <a:ext cx="381000" cy="381000"/>
           </a:xfrm>
           <a:prstGeom prst="rect">
@@ -21761,7 +21761,7 @@
         </p:blipFill>
         <p:spPr>
           <a:xfrm>
-            <a:off x="512618" y="1370251"/>
+            <a:off x="455468" y="1370251"/>
             <a:ext cx="381000" cy="381000"/>
           </a:xfrm>
           <a:prstGeom prst="rect">
@@ -21783,7 +21783,7 @@
         </p:nvSpPr>
         <p:spPr>
           <a:xfrm>
-            <a:off x="2733141" y="2036022"/>
+            <a:off x="2675991" y="2036022"/>
             <a:ext cx="5494139" cy="753131"/>
           </a:xfrm>
           <a:prstGeom prst="rect">
@@ -21901,7 +21901,7 @@
               <a:defRPr/>
             </a:pPr>
             <a:r>
-              <a:rPr kumimoji="0" lang="en-US" sz="1000" b="0" i="0" u="none" strike="noStrike" kern="1200" cap="none" spc="0" normalizeH="0" baseline="0" noProof="0" dirty="0">
+              <a:rPr kumimoji="0" lang="en-US" sz="1200" b="0" i="0" u="none" strike="noStrike" kern="1200" cap="none" spc="0" normalizeH="0" baseline="0" noProof="0" dirty="0">
                 <a:ln>
                   <a:noFill/>
                 </a:ln>
@@ -21948,7 +21948,7 @@
         </p:blipFill>
         <p:spPr>
           <a:xfrm>
-            <a:off x="1060220" y="1725375"/>
+            <a:off x="1003070" y="1725375"/>
             <a:ext cx="295194" cy="295194"/>
           </a:xfrm>
           <a:prstGeom prst="rect">
@@ -21984,7 +21984,7 @@
         </p:blipFill>
         <p:spPr>
           <a:xfrm>
-            <a:off x="1058949" y="3134648"/>
+            <a:off x="1001799" y="3134648"/>
             <a:ext cx="381000" cy="381000"/>
           </a:xfrm>
           <a:prstGeom prst="rect">
@@ -22006,8 +22006,8 @@
         </p:nvSpPr>
         <p:spPr>
           <a:xfrm>
-            <a:off x="7205675" y="3096695"/>
-            <a:ext cx="2760031" cy="2989603"/>
+            <a:off x="7148525" y="3096695"/>
+            <a:ext cx="2760031" cy="2715768"/>
           </a:xfrm>
           <a:prstGeom prst="rect">
             <a:avLst/>
@@ -22078,7 +22078,7 @@
         </p:nvSpPr>
         <p:spPr>
           <a:xfrm>
-            <a:off x="7202358" y="1608833"/>
+            <a:off x="7145208" y="1608833"/>
             <a:ext cx="2763348" cy="1343616"/>
           </a:xfrm>
           <a:prstGeom prst="rect">
@@ -22150,7 +22150,7 @@
         </p:nvSpPr>
         <p:spPr bwMode="auto">
           <a:xfrm>
-            <a:off x="7144683" y="1064687"/>
+            <a:off x="7068483" y="1064687"/>
             <a:ext cx="2962812" cy="5068587"/>
           </a:xfrm>
           <a:prstGeom prst="rect">
@@ -22237,8 +22237,8 @@
         </p:nvSpPr>
         <p:spPr bwMode="auto">
           <a:xfrm>
-            <a:off x="8429364" y="2515167"/>
-            <a:ext cx="1767152" cy="246221"/>
+            <a:off x="8439162" y="2496991"/>
+            <a:ext cx="1767152" cy="276999"/>
           </a:xfrm>
           <a:prstGeom prst="rect">
             <a:avLst/>
@@ -22388,7 +22388,7 @@
               <a:defRPr/>
             </a:pPr>
             <a:r>
-              <a:rPr kumimoji="0" lang="en-US" altLang="en-US" sz="1000" b="0" i="0" u="none" strike="noStrike" kern="1200" cap="none" spc="0" normalizeH="0" baseline="0" noProof="0" dirty="0">
+              <a:rPr kumimoji="0" lang="en-US" altLang="en-US" sz="1200" b="0" i="0" u="none" strike="noStrike" kern="1200" cap="none" spc="0" normalizeH="0" baseline="0" noProof="0" dirty="0">
                 <a:ln>
                   <a:noFill/>
                 </a:ln>
@@ -22435,7 +22435,7 @@
         </p:blipFill>
         <p:spPr>
           <a:xfrm>
-            <a:off x="7202993" y="1608522"/>
+            <a:off x="7145843" y="1608522"/>
             <a:ext cx="309246" cy="309246"/>
           </a:xfrm>
           <a:prstGeom prst="rect">
@@ -22471,7 +22471,7 @@
         </p:blipFill>
         <p:spPr>
           <a:xfrm>
-            <a:off x="7204103" y="3096159"/>
+            <a:off x="7146953" y="3096159"/>
             <a:ext cx="381000" cy="381000"/>
           </a:xfrm>
           <a:prstGeom prst="rect">
@@ -22495,8 +22495,8 @@
         </p:nvSpPr>
         <p:spPr bwMode="auto">
           <a:xfrm>
-            <a:off x="4840204" y="1548413"/>
-            <a:ext cx="1403350" cy="246221"/>
+            <a:off x="4707390" y="1571461"/>
+            <a:ext cx="1403350" cy="276999"/>
           </a:xfrm>
           <a:prstGeom prst="rect">
             <a:avLst/>
@@ -22630,7 +22630,7 @@
           <a:p>
             <a:pPr algn="ctr" eaLnBrk="1" hangingPunct="1"/>
             <a:r>
-              <a:rPr lang="en-US" altLang="en-US" sz="1000" dirty="0">
+              <a:rPr lang="en-US" altLang="en-US" sz="1200" dirty="0">
                 <a:latin typeface="Arial" panose="020B0604020202020204" pitchFamily="34" charset="0"/>
                 <a:ea typeface="Amazon Ember" panose="020B0603020204020204" pitchFamily="34" charset="0"/>
                 <a:cs typeface="Arial" panose="020B0604020202020204" pitchFamily="34" charset="0"/>
@@ -22656,8 +22656,8 @@
         </p:nvSpPr>
         <p:spPr bwMode="auto">
           <a:xfrm>
-            <a:off x="973881" y="4040577"/>
-            <a:ext cx="1194280" cy="246221"/>
+            <a:off x="955304" y="4147777"/>
+            <a:ext cx="1194280" cy="276999"/>
           </a:xfrm>
           <a:prstGeom prst="rect">
             <a:avLst/>
@@ -22807,7 +22807,7 @@
               <a:defRPr/>
             </a:pPr>
             <a:r>
-              <a:rPr kumimoji="0" lang="en-US" altLang="en-US" sz="1000" b="0" i="0" u="none" strike="noStrike" kern="1200" cap="none" spc="0" normalizeH="0" baseline="0" noProof="0" dirty="0">
+              <a:rPr kumimoji="0" lang="en-US" altLang="en-US" sz="1200" b="0" i="0" u="none" strike="noStrike" kern="1200" cap="none" spc="0" normalizeH="0" baseline="0" noProof="0" dirty="0">
                 <a:ln>
                   <a:noFill/>
                 </a:ln>
@@ -22821,8 +22821,39 @@
                 <a:ea typeface="+mn-ea"/>
                 <a:cs typeface="Arial" panose="020B0604020202020204" pitchFamily="34" charset="0"/>
               </a:rPr>
-              <a:t>Management</a:t>
+              <a:t>Windows</a:t>
             </a:r>
+            <a:r>
+              <a:rPr kumimoji="0" lang="en-US" altLang="en-US" sz="1200" b="0" i="0" u="none" strike="noStrike" kern="1200" cap="none" spc="0" normalizeH="0" noProof="0" dirty="0">
+                <a:ln>
+                  <a:noFill/>
+                </a:ln>
+                <a:solidFill>
+                  <a:srgbClr val="232F3E"/>
+                </a:solidFill>
+                <a:effectLst/>
+                <a:uLnTx/>
+                <a:uFillTx/>
+                <a:latin typeface="Arial" panose="020B0604020202020204" pitchFamily="34" charset="0"/>
+                <a:ea typeface="+mn-ea"/>
+                <a:cs typeface="Arial" panose="020B0604020202020204" pitchFamily="34" charset="0"/>
+              </a:rPr>
+              <a:t> EC2</a:t>
+            </a:r>
+            <a:endParaRPr kumimoji="0" lang="en-US" altLang="en-US" sz="1200" b="0" i="0" u="none" strike="noStrike" kern="1200" cap="none" spc="0" normalizeH="0" baseline="0" noProof="0" dirty="0">
+              <a:ln>
+                <a:noFill/>
+              </a:ln>
+              <a:solidFill>
+                <a:srgbClr val="232F3E"/>
+              </a:solidFill>
+              <a:effectLst/>
+              <a:uLnTx/>
+              <a:uFillTx/>
+              <a:latin typeface="Arial" panose="020B0604020202020204" pitchFamily="34" charset="0"/>
+              <a:ea typeface="+mn-ea"/>
+              <a:cs typeface="Arial" panose="020B0604020202020204" pitchFamily="34" charset="0"/>
+            </a:endParaRPr>
           </a:p>
         </p:txBody>
       </p:sp>
@@ -22842,8 +22873,8 @@
         </p:nvSpPr>
         <p:spPr bwMode="auto">
           <a:xfrm>
-            <a:off x="7031969" y="4166902"/>
-            <a:ext cx="1434306" cy="246221"/>
+            <a:off x="6974819" y="4128802"/>
+            <a:ext cx="1434306" cy="276999"/>
           </a:xfrm>
           <a:prstGeom prst="rect">
             <a:avLst/>
@@ -22993,7 +23024,7 @@
               <a:defRPr/>
             </a:pPr>
             <a:r>
-              <a:rPr kumimoji="0" lang="en-US" altLang="en-US" sz="1000" b="0" i="0" u="none" strike="noStrike" kern="1200" cap="none" spc="0" normalizeH="0" baseline="0" noProof="0" dirty="0">
+              <a:rPr kumimoji="0" lang="en-US" altLang="en-US" sz="1200" b="0" i="0" u="none" strike="noStrike" kern="1200" cap="none" spc="0" normalizeH="0" baseline="0" noProof="0" dirty="0">
                 <a:ln>
                   <a:noFill/>
                 </a:ln>
@@ -23041,7 +23072,7 @@
         </p:blipFill>
         <p:spPr bwMode="auto">
           <a:xfrm>
-            <a:off x="3060128" y="2099065"/>
+            <a:off x="3061688" y="2051440"/>
             <a:ext cx="469900" cy="469900"/>
           </a:xfrm>
           <a:prstGeom prst="rect">
@@ -23088,8 +23119,8 @@
         </p:nvSpPr>
         <p:spPr bwMode="auto">
           <a:xfrm>
-            <a:off x="2411119" y="2544435"/>
-            <a:ext cx="1767152" cy="246221"/>
+            <a:off x="2420644" y="2496810"/>
+            <a:ext cx="1767152" cy="276999"/>
           </a:xfrm>
           <a:prstGeom prst="rect">
             <a:avLst/>
@@ -23239,7 +23270,7 @@
               <a:defRPr/>
             </a:pPr>
             <a:r>
-              <a:rPr kumimoji="0" lang="en-US" altLang="en-US" sz="1000" b="0" i="0" u="none" strike="noStrike" kern="1200" cap="none" spc="0" normalizeH="0" baseline="0" noProof="0" dirty="0">
+              <a:rPr kumimoji="0" lang="en-US" altLang="en-US" sz="1200" b="0" i="0" u="none" strike="noStrike" kern="1200" cap="none" spc="0" normalizeH="0" baseline="0" noProof="0" dirty="0">
                 <a:ln>
                   <a:noFill/>
                 </a:ln>
@@ -23287,7 +23318,7 @@
         </p:blipFill>
         <p:spPr bwMode="auto">
           <a:xfrm>
-            <a:off x="7462847" y="2060176"/>
+            <a:off x="7348322" y="2050651"/>
             <a:ext cx="469900" cy="469900"/>
           </a:xfrm>
           <a:prstGeom prst="rect">
@@ -23334,8 +23365,8 @@
         </p:nvSpPr>
         <p:spPr bwMode="auto">
           <a:xfrm>
-            <a:off x="6813838" y="2505546"/>
-            <a:ext cx="1767152" cy="246221"/>
+            <a:off x="6699538" y="2486496"/>
+            <a:ext cx="1767152" cy="276999"/>
           </a:xfrm>
           <a:prstGeom prst="rect">
             <a:avLst/>
@@ -23485,7 +23516,7 @@
               <a:defRPr/>
             </a:pPr>
             <a:r>
-              <a:rPr kumimoji="0" lang="en-US" altLang="en-US" sz="1000" b="0" i="0" u="none" strike="noStrike" kern="1200" cap="none" spc="0" normalizeH="0" baseline="0" noProof="0" dirty="0">
+              <a:rPr kumimoji="0" lang="en-US" altLang="en-US" sz="1200" b="0" i="0" u="none" strike="noStrike" kern="1200" cap="none" spc="0" normalizeH="0" baseline="0" noProof="0" dirty="0">
                 <a:ln>
                   <a:noFill/>
                 </a:ln>
@@ -23518,7 +23549,7 @@
         </p:nvSpPr>
         <p:spPr>
           <a:xfrm>
-            <a:off x="2769062" y="3703997"/>
+            <a:off x="2711912" y="3703997"/>
             <a:ext cx="5500004" cy="734347"/>
           </a:xfrm>
           <a:prstGeom prst="rect">
@@ -23636,7 +23667,7 @@
               <a:defRPr/>
             </a:pPr>
             <a:r>
-              <a:rPr kumimoji="0" lang="en-US" sz="1000" b="0" i="0" u="none" strike="noStrike" kern="1200" cap="none" spc="0" normalizeH="0" baseline="0" noProof="0" dirty="0">
+              <a:rPr kumimoji="0" lang="en-US" sz="1200" b="0" i="0" u="none" strike="noStrike" kern="1200" cap="none" spc="0" normalizeH="0" baseline="0" noProof="0" dirty="0">
                 <a:ln>
                   <a:noFill/>
                 </a:ln>
@@ -23671,8 +23702,8 @@
         </p:nvSpPr>
         <p:spPr bwMode="auto">
           <a:xfrm>
-            <a:off x="4886655" y="3291887"/>
-            <a:ext cx="1255028" cy="400110"/>
+            <a:off x="4240965" y="3310937"/>
+            <a:ext cx="2280912" cy="276999"/>
           </a:xfrm>
           <a:prstGeom prst="rect">
             <a:avLst/>
@@ -23806,27 +23837,12 @@
           <a:p>
             <a:pPr algn="ctr" eaLnBrk="1" hangingPunct="1"/>
             <a:r>
-              <a:rPr lang="en-US" altLang="en-US" sz="1000" dirty="0">
+              <a:rPr lang="en-US" altLang="en-US" sz="1200" dirty="0">
                 <a:latin typeface="Arial" panose="020B0604020202020204" pitchFamily="34" charset="0"/>
                 <a:ea typeface="Amazon Ember" panose="020B0603020204020204" pitchFamily="34" charset="0"/>
                 <a:cs typeface="Arial" panose="020B0604020202020204" pitchFamily="34" charset="0"/>
               </a:rPr>
-              <a:t>Application Load </a:t>
-            </a:r>
-            <a:br>
-              <a:rPr lang="en-US" altLang="en-US" sz="1000" dirty="0">
-                <a:latin typeface="Arial" panose="020B0604020202020204" pitchFamily="34" charset="0"/>
-                <a:ea typeface="Amazon Ember" panose="020B0603020204020204" pitchFamily="34" charset="0"/>
-                <a:cs typeface="Arial" panose="020B0604020202020204" pitchFamily="34" charset="0"/>
-              </a:rPr>
-            </a:br>
-            <a:r>
-              <a:rPr lang="en-US" altLang="en-US" sz="1000" dirty="0">
-                <a:latin typeface="Arial" panose="020B0604020202020204" pitchFamily="34" charset="0"/>
-                <a:ea typeface="Amazon Ember" panose="020B0603020204020204" pitchFamily="34" charset="0"/>
-                <a:cs typeface="Arial" panose="020B0604020202020204" pitchFamily="34" charset="0"/>
-              </a:rPr>
-              <a:t>Balancer</a:t>
+              <a:t>Application Load Balancer</a:t>
             </a:r>
           </a:p>
         </p:txBody>
@@ -23860,7 +23876,7 @@
         </p:blipFill>
         <p:spPr bwMode="auto">
           <a:xfrm>
-            <a:off x="2028202" y="2096067"/>
+            <a:off x="1334650" y="2079668"/>
             <a:ext cx="469900" cy="469900"/>
           </a:xfrm>
           <a:prstGeom prst="rect">
@@ -23919,7 +23935,7 @@
         </p:blipFill>
         <p:spPr>
           <a:xfrm>
-            <a:off x="5257278" y="2047603"/>
+            <a:off x="5200128" y="2038078"/>
             <a:ext cx="381000" cy="381000"/>
           </a:xfrm>
           <a:prstGeom prst="rect">
@@ -23955,7 +23971,7 @@
         </p:blipFill>
         <p:spPr>
           <a:xfrm>
-            <a:off x="5351379" y="3714203"/>
+            <a:off x="5214264" y="3704192"/>
             <a:ext cx="381000" cy="381000"/>
           </a:xfrm>
           <a:prstGeom prst="rect">
@@ -23992,7 +24008,7 @@
         </p:blipFill>
         <p:spPr bwMode="auto">
           <a:xfrm>
-            <a:off x="8988959" y="2055134"/>
+            <a:off x="9089677" y="2055134"/>
             <a:ext cx="469900" cy="469900"/>
           </a:xfrm>
           <a:prstGeom prst="rect">
@@ -24052,7 +24068,7 @@
         </p:blipFill>
         <p:spPr bwMode="auto">
           <a:xfrm>
-            <a:off x="7422211" y="3708584"/>
+            <a:off x="7365061" y="3708584"/>
             <a:ext cx="469900" cy="469900"/>
           </a:xfrm>
           <a:prstGeom prst="rect">
@@ -24112,7 +24128,7 @@
         </p:blipFill>
         <p:spPr bwMode="auto">
           <a:xfrm>
-            <a:off x="3064487" y="3710301"/>
+            <a:off x="3007337" y="3710301"/>
             <a:ext cx="469900" cy="469900"/>
           </a:xfrm>
           <a:prstGeom prst="rect">
@@ -24172,7 +24188,7 @@
         </p:blipFill>
         <p:spPr bwMode="auto">
           <a:xfrm>
-            <a:off x="1307940" y="3620802"/>
+            <a:off x="1334650" y="3697002"/>
             <a:ext cx="469900" cy="469900"/>
           </a:xfrm>
           <a:prstGeom prst="rect">
@@ -24232,7 +24248,50 @@
         </p:blipFill>
         <p:spPr bwMode="auto">
           <a:xfrm>
-            <a:off x="5313279" y="1149450"/>
+            <a:off x="5180465" y="1149450"/>
+            <a:ext cx="457200" cy="457200"/>
+          </a:xfrm>
+          <a:prstGeom prst="rect">
+            <a:avLst/>
+          </a:prstGeom>
+          <a:solidFill>
+            <a:schemeClr val="bg1"/>
+          </a:solidFill>
+          <a:ln>
+            <a:noFill/>
+          </a:ln>
+        </p:spPr>
+      </p:pic>
+      <p:pic>
+        <p:nvPicPr>
+          <p:cNvPr id="47108" name="Graphic 8">
+            <a:extLst>
+              <a:ext uri="{FF2B5EF4-FFF2-40B4-BE49-F238E27FC236}">
+                <a16:creationId xmlns:a16="http://schemas.microsoft.com/office/drawing/2014/main" id="{5FE654E1-C03D-BB34-BD43-F26DA7363458}"/>
+              </a:ext>
+            </a:extLst>
+          </p:cNvPr>
+          <p:cNvPicPr>
+            <a:picLocks noChangeAspect="1" noChangeArrowheads="1"/>
+          </p:cNvPicPr>
+          <p:nvPr/>
+        </p:nvPicPr>
+        <p:blipFill>
+          <a:blip r:embed="rId15">
+            <a:extLst>
+              <a:ext uri="{28A0092B-C50C-407E-A947-70E740481C1C}">
+                <a14:useLocalDpi xmlns:a14="http://schemas.microsoft.com/office/drawing/2010/main" val="0"/>
+              </a:ext>
+            </a:extLst>
+          </a:blip>
+          <a:srcRect/>
+          <a:stretch>
+            <a:fillRect/>
+          </a:stretch>
+        </p:blipFill>
+        <p:spPr bwMode="auto">
+          <a:xfrm>
+            <a:off x="5158797" y="2887279"/>
             <a:ext cx="457200" cy="457200"/>
           </a:xfrm>
           <a:prstGeom prst="rect">
@@ -24265,10 +24324,10 @@
       </p:pic>
       <p:pic>
         <p:nvPicPr>
-          <p:cNvPr id="47108" name="Graphic 8">
-            <a:extLst>
-              <a:ext uri="{FF2B5EF4-FFF2-40B4-BE49-F238E27FC236}">
-                <a16:creationId xmlns:a16="http://schemas.microsoft.com/office/drawing/2014/main" id="{5FE654E1-C03D-BB34-BD43-F26DA7363458}"/>
+          <p:cNvPr id="47109" name="Graphic 7">
+            <a:extLst>
+              <a:ext uri="{FF2B5EF4-FFF2-40B4-BE49-F238E27FC236}">
+                <a16:creationId xmlns:a16="http://schemas.microsoft.com/office/drawing/2014/main" id="{6B49CB1E-8BDC-989B-0D86-AE41725B6E1A}"/>
               </a:ext>
             </a:extLst>
           </p:cNvPr>
@@ -24278,7 +24337,7 @@
           <p:nvPr/>
         </p:nvPicPr>
         <p:blipFill>
-          <a:blip r:embed="rId15">
+          <a:blip r:embed="rId16">
             <a:extLst>
               <a:ext uri="{28A0092B-C50C-407E-A947-70E740481C1C}">
                 <a14:useLocalDpi xmlns:a14="http://schemas.microsoft.com/office/drawing/2010/main" val="0"/>
@@ -24292,8 +24351,8 @@
         </p:blipFill>
         <p:spPr bwMode="auto">
           <a:xfrm>
-            <a:off x="5290464" y="2867282"/>
-            <a:ext cx="457200" cy="457200"/>
+            <a:off x="1194002" y="4755749"/>
+            <a:ext cx="762000" cy="762000"/>
           </a:xfrm>
           <a:prstGeom prst="rect">
             <a:avLst/>
@@ -24323,66 +24382,6 @@
           </a:extLst>
         </p:spPr>
       </p:pic>
-      <p:pic>
-        <p:nvPicPr>
-          <p:cNvPr id="47109" name="Graphic 7">
-            <a:extLst>
-              <a:ext uri="{FF2B5EF4-FFF2-40B4-BE49-F238E27FC236}">
-                <a16:creationId xmlns:a16="http://schemas.microsoft.com/office/drawing/2014/main" id="{6B49CB1E-8BDC-989B-0D86-AE41725B6E1A}"/>
-              </a:ext>
-            </a:extLst>
-          </p:cNvPr>
-          <p:cNvPicPr>
-            <a:picLocks noChangeAspect="1" noChangeArrowheads="1"/>
-          </p:cNvPicPr>
-          <p:nvPr/>
-        </p:nvPicPr>
-        <p:blipFill>
-          <a:blip r:embed="rId16">
-            <a:extLst>
-              <a:ext uri="{28A0092B-C50C-407E-A947-70E740481C1C}">
-                <a14:useLocalDpi xmlns:a14="http://schemas.microsoft.com/office/drawing/2010/main" val="0"/>
-              </a:ext>
-            </a:extLst>
-          </a:blip>
-          <a:srcRect/>
-          <a:stretch>
-            <a:fillRect/>
-          </a:stretch>
-        </p:blipFill>
-        <p:spPr bwMode="auto">
-          <a:xfrm>
-            <a:off x="1241389" y="4975123"/>
-            <a:ext cx="762000" cy="762000"/>
-          </a:xfrm>
-          <a:prstGeom prst="rect">
-            <a:avLst/>
-          </a:prstGeom>
-          <a:noFill/>
-          <a:ln>
-            <a:noFill/>
-          </a:ln>
-          <a:extLst>
-            <a:ext uri="{909E8E84-426E-40DD-AFC4-6F175D3DCCD1}">
-              <a14:hiddenFill xmlns:a14="http://schemas.microsoft.com/office/drawing/2010/main">
-                <a:solidFill>
-                  <a:srgbClr val="FFFFFF"/>
-                </a:solidFill>
-              </a14:hiddenFill>
-            </a:ext>
-            <a:ext uri="{91240B29-F687-4F45-9708-019B960494DF}">
-              <a14:hiddenLine xmlns:a14="http://schemas.microsoft.com/office/drawing/2010/main" w="9525">
-                <a:solidFill>
-                  <a:srgbClr val="000000"/>
-                </a:solidFill>
-                <a:miter lim="800000"/>
-                <a:headEnd/>
-                <a:tailEnd/>
-              </a14:hiddenLine>
-            </a:ext>
-          </a:extLst>
-        </p:spPr>
-      </p:pic>
       <p:sp>
         <p:nvSpPr>
           <p:cNvPr id="47110" name="TextBox 9">
@@ -24399,7 +24398,7 @@
         </p:nvSpPr>
         <p:spPr bwMode="auto">
           <a:xfrm>
-            <a:off x="492089" y="5738710"/>
+            <a:off x="434939" y="5558040"/>
             <a:ext cx="2243137" cy="276999"/>
           </a:xfrm>
           <a:prstGeom prst="rect">
@@ -24573,7 +24572,7 @@
         </p:blipFill>
         <p:spPr bwMode="auto">
           <a:xfrm>
-            <a:off x="2666498" y="4996326"/>
+            <a:off x="2676023" y="4744652"/>
             <a:ext cx="762000" cy="762000"/>
           </a:xfrm>
           <a:prstGeom prst="rect">
@@ -24620,7 +24619,7 @@
         </p:nvSpPr>
         <p:spPr bwMode="auto">
           <a:xfrm>
-            <a:off x="1909261" y="5756738"/>
+            <a:off x="1915513" y="5549742"/>
             <a:ext cx="2292350" cy="276999"/>
           </a:xfrm>
           <a:prstGeom prst="rect">
@@ -24794,7 +24793,7 @@
         </p:blipFill>
         <p:spPr bwMode="auto">
           <a:xfrm>
-            <a:off x="7645802" y="5023505"/>
+            <a:off x="7506049" y="4757318"/>
             <a:ext cx="762000" cy="762000"/>
           </a:xfrm>
           <a:prstGeom prst="rect">
@@ -24841,8 +24840,8 @@
         </p:nvSpPr>
         <p:spPr bwMode="auto">
           <a:xfrm>
-            <a:off x="6888565" y="5783917"/>
-            <a:ext cx="2292350" cy="246221"/>
+            <a:off x="6745936" y="5558040"/>
+            <a:ext cx="2292350" cy="276999"/>
           </a:xfrm>
           <a:prstGeom prst="rect">
             <a:avLst/>
@@ -24976,7 +24975,7 @@
           <a:p>
             <a:pPr algn="ctr" eaLnBrk="1" hangingPunct="1"/>
             <a:r>
-              <a:rPr lang="en-US" altLang="en-US" sz="1000" dirty="0">
+              <a:rPr lang="en-US" altLang="en-US" sz="1200" dirty="0">
                 <a:latin typeface="Arial" panose="020B0604020202020204" pitchFamily="34" charset="0"/>
                 <a:ea typeface="Amazon Ember" panose="020B0603020204020204" pitchFamily="34" charset="0"/>
                 <a:cs typeface="Arial" panose="020B0604020202020204" pitchFamily="34" charset="0"/>
@@ -25015,7 +25014,7 @@
         </p:blipFill>
         <p:spPr bwMode="auto">
           <a:xfrm>
-            <a:off x="10760776" y="939736"/>
+            <a:off x="10703626" y="920686"/>
             <a:ext cx="762000" cy="762000"/>
           </a:xfrm>
           <a:prstGeom prst="rect">
@@ -25062,7 +25061,7 @@
         </p:nvSpPr>
         <p:spPr bwMode="auto">
           <a:xfrm>
-            <a:off x="10021001" y="1703323"/>
+            <a:off x="10021001" y="1684273"/>
             <a:ext cx="2243137" cy="461665"/>
           </a:xfrm>
           <a:prstGeom prst="rect">
@@ -25236,7 +25235,7 @@
         </p:blipFill>
         <p:spPr bwMode="auto">
           <a:xfrm>
-            <a:off x="10749966" y="2122785"/>
+            <a:off x="10692816" y="2160885"/>
             <a:ext cx="762000" cy="762000"/>
           </a:xfrm>
           <a:prstGeom prst="rect">
@@ -25283,7 +25282,7 @@
         </p:nvSpPr>
         <p:spPr bwMode="auto">
           <a:xfrm>
-            <a:off x="9992729" y="2884785"/>
+            <a:off x="9992729" y="2922885"/>
             <a:ext cx="2292350" cy="276999"/>
           </a:xfrm>
           <a:prstGeom prst="rect">
@@ -25457,7 +25456,7 @@
         </p:blipFill>
         <p:spPr bwMode="auto">
           <a:xfrm>
-            <a:off x="10761233" y="3130775"/>
+            <a:off x="10704083" y="3206975"/>
             <a:ext cx="762000" cy="762000"/>
           </a:xfrm>
           <a:prstGeom prst="rect">
@@ -25504,7 +25503,7 @@
         </p:nvSpPr>
         <p:spPr bwMode="auto">
           <a:xfrm>
-            <a:off x="10002408" y="3892775"/>
+            <a:off x="10002408" y="3968975"/>
             <a:ext cx="2292350" cy="276999"/>
           </a:xfrm>
           <a:prstGeom prst="rect">
@@ -25678,7 +25677,7 @@
         </p:blipFill>
         <p:spPr bwMode="auto">
           <a:xfrm>
-            <a:off x="10752918" y="4185045"/>
+            <a:off x="10695768" y="4261245"/>
             <a:ext cx="762000" cy="762000"/>
           </a:xfrm>
           <a:prstGeom prst="rect">
@@ -25725,7 +25724,7 @@
         </p:nvSpPr>
         <p:spPr bwMode="auto">
           <a:xfrm>
-            <a:off x="9995681" y="4956570"/>
+            <a:off x="9995681" y="5032770"/>
             <a:ext cx="2292350" cy="276999"/>
           </a:xfrm>
           <a:prstGeom prst="rect">
@@ -25899,7 +25898,7 @@
         </p:blipFill>
         <p:spPr bwMode="auto">
           <a:xfrm>
-            <a:off x="10739983" y="5309205"/>
+            <a:off x="10682833" y="5347305"/>
             <a:ext cx="762000" cy="762000"/>
           </a:xfrm>
           <a:prstGeom prst="rect">
@@ -25946,7 +25945,7 @@
         </p:nvSpPr>
         <p:spPr bwMode="auto">
           <a:xfrm>
-            <a:off x="9981158" y="6070411"/>
+            <a:off x="9981158" y="6108511"/>
             <a:ext cx="2292350" cy="276999"/>
           </a:xfrm>
           <a:prstGeom prst="rect">
@@ -26093,10 +26092,10 @@
       </p:sp>
       <p:sp>
         <p:nvSpPr>
-          <p:cNvPr id="47127" name="TextBox 18">
-            <a:extLst>
-              <a:ext uri="{FF2B5EF4-FFF2-40B4-BE49-F238E27FC236}">
-                <a16:creationId xmlns:a16="http://schemas.microsoft.com/office/drawing/2014/main" id="{1CE962CE-823B-F243-93B8-77B7543245D9}"/>
+          <p:cNvPr id="47131" name="TextBox 18">
+            <a:extLst>
+              <a:ext uri="{FF2B5EF4-FFF2-40B4-BE49-F238E27FC236}">
+                <a16:creationId xmlns:a16="http://schemas.microsoft.com/office/drawing/2014/main" id="{E65B8D94-04BA-D89F-B59F-E12414F30B53}"/>
               </a:ext>
             </a:extLst>
           </p:cNvPr>
@@ -26107,8 +26106,8 @@
         </p:nvSpPr>
         <p:spPr bwMode="auto">
           <a:xfrm>
-            <a:off x="8397367" y="4112653"/>
-            <a:ext cx="1343025" cy="400110"/>
+            <a:off x="4391174" y="5360165"/>
+            <a:ext cx="2187109" cy="276999"/>
           </a:xfrm>
           <a:prstGeom prst="rect">
             <a:avLst/>
@@ -26242,37 +26241,22 @@
           <a:p>
             <a:pPr algn="ctr" eaLnBrk="1" hangingPunct="1"/>
             <a:r>
-              <a:rPr lang="en-US" altLang="en-US" sz="1000" dirty="0">
+              <a:rPr lang="en-US" altLang="en-US" sz="1200" dirty="0">
                 <a:latin typeface="Arial" panose="020B0604020202020204" pitchFamily="34" charset="0"/>
                 <a:ea typeface="Amazon Ember" panose="020B0603020204020204" pitchFamily="34" charset="0"/>
                 <a:cs typeface="Arial" panose="020B0604020202020204" pitchFamily="34" charset="0"/>
               </a:rPr>
-              <a:t>AWS Managed</a:t>
-            </a:r>
-            <a:br>
-              <a:rPr lang="en-US" altLang="en-US" sz="1000" dirty="0">
-                <a:latin typeface="Arial" panose="020B0604020202020204" pitchFamily="34" charset="0"/>
-                <a:ea typeface="Amazon Ember" panose="020B0603020204020204" pitchFamily="34" charset="0"/>
-                <a:cs typeface="Arial" panose="020B0604020202020204" pitchFamily="34" charset="0"/>
-              </a:rPr>
-            </a:br>
-            <a:r>
-              <a:rPr lang="en-US" altLang="en-US" sz="1000" dirty="0">
-                <a:latin typeface="Arial" panose="020B0604020202020204" pitchFamily="34" charset="0"/>
-                <a:ea typeface="Amazon Ember" panose="020B0603020204020204" pitchFamily="34" charset="0"/>
-                <a:cs typeface="Arial" panose="020B0604020202020204" pitchFamily="34" charset="0"/>
-              </a:rPr>
-              <a:t>Microsoft AD</a:t>
+              <a:t>AWS Managed Microsoft AD</a:t>
             </a:r>
           </a:p>
         </p:txBody>
       </p:sp>
       <p:pic>
         <p:nvPicPr>
-          <p:cNvPr id="47130" name="Graphic 31">
-            <a:extLst>
-              <a:ext uri="{FF2B5EF4-FFF2-40B4-BE49-F238E27FC236}">
-                <a16:creationId xmlns:a16="http://schemas.microsoft.com/office/drawing/2014/main" id="{EE3A7E78-BB59-77FA-5219-C0176BE2D0F9}"/>
+          <p:cNvPr id="47132" name="Graphic 31">
+            <a:extLst>
+              <a:ext uri="{FF2B5EF4-FFF2-40B4-BE49-F238E27FC236}">
+                <a16:creationId xmlns:a16="http://schemas.microsoft.com/office/drawing/2014/main" id="{E50BD9EE-AC8A-8BC1-AEDB-CDBF4A1EA632}"/>
               </a:ext>
             </a:extLst>
           </p:cNvPr>
@@ -26296,7 +26280,7 @@
         </p:blipFill>
         <p:spPr bwMode="auto">
           <a:xfrm>
-            <a:off x="8846905" y="3731661"/>
+            <a:off x="5214264" y="4920547"/>
             <a:ext cx="457200" cy="457200"/>
           </a:xfrm>
           <a:prstGeom prst="rect">
@@ -26327,242 +26311,96 @@
           </a:extLst>
         </p:spPr>
       </p:pic>
-      <p:sp>
-        <p:nvSpPr>
-          <p:cNvPr id="47131" name="TextBox 18">
-            <a:extLst>
-              <a:ext uri="{FF2B5EF4-FFF2-40B4-BE49-F238E27FC236}">
-                <a16:creationId xmlns:a16="http://schemas.microsoft.com/office/drawing/2014/main" id="{E65B8D94-04BA-D89F-B59F-E12414F30B53}"/>
-              </a:ext>
-            </a:extLst>
-          </p:cNvPr>
-          <p:cNvSpPr txBox="1">
-            <a:spLocks noChangeArrowheads="1"/>
-          </p:cNvSpPr>
+      <p:cxnSp>
+        <p:nvCxnSpPr>
+          <p:cNvPr id="58" name="Straight Arrow Connector 57">
+            <a:extLst>
+              <a:ext uri="{FF2B5EF4-FFF2-40B4-BE49-F238E27FC236}">
+                <a16:creationId xmlns:a16="http://schemas.microsoft.com/office/drawing/2014/main" id="{C54D33AA-5288-49F9-A5D2-74434CBADA48}"/>
+              </a:ext>
+            </a:extLst>
+          </p:cNvPr>
+          <p:cNvCxnSpPr>
+            <a:cxnSpLocks/>
+          </p:cNvCxnSpPr>
           <p:nvPr/>
-        </p:nvSpPr>
+        </p:nvCxnSpPr>
         <p:spPr bwMode="auto">
           <a:xfrm>
-            <a:off x="1591183" y="4424456"/>
-            <a:ext cx="1343025" cy="430887"/>
-          </a:xfrm>
-          <a:prstGeom prst="rect">
-            <a:avLst/>
-          </a:prstGeom>
-          <a:noFill/>
-          <a:ln>
-            <a:noFill/>
+            <a:off x="3623371" y="5154700"/>
+            <a:ext cx="1564001" cy="0"/>
+          </a:xfrm>
+          <a:prstGeom prst="straightConnector1">
+            <a:avLst/>
+          </a:prstGeom>
+          <a:ln w="12700">
+            <a:solidFill>
+              <a:srgbClr val="545B64"/>
+            </a:solidFill>
+            <a:headEnd type="arrow" w="med" len="sm"/>
+            <a:tailEnd type="none" w="med" len="sm"/>
           </a:ln>
-          <a:extLst>
-            <a:ext uri="{909E8E84-426E-40DD-AFC4-6F175D3DCCD1}">
-              <a14:hiddenFill xmlns:a14="http://schemas.microsoft.com/office/drawing/2010/main">
-                <a:solidFill>
-                  <a:srgbClr val="FFFFFF"/>
-                </a:solidFill>
-              </a14:hiddenFill>
-            </a:ext>
-            <a:ext uri="{91240B29-F687-4F45-9708-019B960494DF}">
-              <a14:hiddenLine xmlns:a14="http://schemas.microsoft.com/office/drawing/2010/main" w="9525">
-                <a:solidFill>
-                  <a:srgbClr val="000000"/>
-                </a:solidFill>
-                <a:miter lim="800000"/>
-                <a:headEnd/>
-                <a:tailEnd/>
-              </a14:hiddenLine>
-            </a:ext>
-          </a:extLst>
-        </p:spPr>
-        <p:txBody>
-          <a:bodyPr wrap="square">
-            <a:spAutoFit/>
-          </a:bodyPr>
-          <a:lstStyle>
-            <a:lvl1pPr>
-              <a:defRPr>
-                <a:solidFill>
-                  <a:schemeClr val="tx1"/>
-                </a:solidFill>
-                <a:latin typeface="Calibri" panose="020F0502020204030204" pitchFamily="34" charset="0"/>
-              </a:defRPr>
-            </a:lvl1pPr>
-            <a:lvl2pPr marL="742950" indent="-285750">
-              <a:defRPr>
-                <a:solidFill>
-                  <a:schemeClr val="tx1"/>
-                </a:solidFill>
-                <a:latin typeface="Calibri" panose="020F0502020204030204" pitchFamily="34" charset="0"/>
-              </a:defRPr>
-            </a:lvl2pPr>
-            <a:lvl3pPr marL="1143000" indent="-228600">
-              <a:defRPr>
-                <a:solidFill>
-                  <a:schemeClr val="tx1"/>
-                </a:solidFill>
-                <a:latin typeface="Calibri" panose="020F0502020204030204" pitchFamily="34" charset="0"/>
-              </a:defRPr>
-            </a:lvl3pPr>
-            <a:lvl4pPr marL="1600200" indent="-228600">
-              <a:defRPr>
-                <a:solidFill>
-                  <a:schemeClr val="tx1"/>
-                </a:solidFill>
-                <a:latin typeface="Calibri" panose="020F0502020204030204" pitchFamily="34" charset="0"/>
-              </a:defRPr>
-            </a:lvl4pPr>
-            <a:lvl5pPr marL="2057400" indent="-228600">
-              <a:defRPr>
-                <a:solidFill>
-                  <a:schemeClr val="tx1"/>
-                </a:solidFill>
-                <a:latin typeface="Calibri" panose="020F0502020204030204" pitchFamily="34" charset="0"/>
-              </a:defRPr>
-            </a:lvl5pPr>
-            <a:lvl6pPr marL="2514600" indent="-228600" eaLnBrk="0" fontAlgn="base" hangingPunct="0">
-              <a:spcBef>
-                <a:spcPct val="0"/>
-              </a:spcBef>
-              <a:spcAft>
-                <a:spcPct val="0"/>
-              </a:spcAft>
-              <a:defRPr>
-                <a:solidFill>
-                  <a:schemeClr val="tx1"/>
-                </a:solidFill>
-                <a:latin typeface="Calibri" panose="020F0502020204030204" pitchFamily="34" charset="0"/>
-              </a:defRPr>
-            </a:lvl6pPr>
-            <a:lvl7pPr marL="2971800" indent="-228600" eaLnBrk="0" fontAlgn="base" hangingPunct="0">
-              <a:spcBef>
-                <a:spcPct val="0"/>
-              </a:spcBef>
-              <a:spcAft>
-                <a:spcPct val="0"/>
-              </a:spcAft>
-              <a:defRPr>
-                <a:solidFill>
-                  <a:schemeClr val="tx1"/>
-                </a:solidFill>
-                <a:latin typeface="Calibri" panose="020F0502020204030204" pitchFamily="34" charset="0"/>
-              </a:defRPr>
-            </a:lvl7pPr>
-            <a:lvl8pPr marL="3429000" indent="-228600" eaLnBrk="0" fontAlgn="base" hangingPunct="0">
-              <a:spcBef>
-                <a:spcPct val="0"/>
-              </a:spcBef>
-              <a:spcAft>
-                <a:spcPct val="0"/>
-              </a:spcAft>
-              <a:defRPr>
-                <a:solidFill>
-                  <a:schemeClr val="tx1"/>
-                </a:solidFill>
-                <a:latin typeface="Calibri" panose="020F0502020204030204" pitchFamily="34" charset="0"/>
-              </a:defRPr>
-            </a:lvl8pPr>
-            <a:lvl9pPr marL="3886200" indent="-228600" eaLnBrk="0" fontAlgn="base" hangingPunct="0">
-              <a:spcBef>
-                <a:spcPct val="0"/>
-              </a:spcBef>
-              <a:spcAft>
-                <a:spcPct val="0"/>
-              </a:spcAft>
-              <a:defRPr>
-                <a:solidFill>
-                  <a:schemeClr val="tx1"/>
-                </a:solidFill>
-                <a:latin typeface="Calibri" panose="020F0502020204030204" pitchFamily="34" charset="0"/>
-              </a:defRPr>
-            </a:lvl9pPr>
-          </a:lstStyle>
-          <a:p>
-            <a:pPr algn="ctr" eaLnBrk="1" hangingPunct="1"/>
-            <a:r>
-              <a:rPr lang="en-US" altLang="en-US" sz="1100" dirty="0">
-                <a:latin typeface="Arial" panose="020B0604020202020204" pitchFamily="34" charset="0"/>
-                <a:ea typeface="Amazon Ember" panose="020B0603020204020204" pitchFamily="34" charset="0"/>
-                <a:cs typeface="Arial" panose="020B0604020202020204" pitchFamily="34" charset="0"/>
-              </a:rPr>
-              <a:t>AWS Managed</a:t>
-            </a:r>
-            <a:br>
-              <a:rPr lang="en-US" altLang="en-US" sz="1100" dirty="0">
-                <a:latin typeface="Arial" panose="020B0604020202020204" pitchFamily="34" charset="0"/>
-                <a:ea typeface="Amazon Ember" panose="020B0603020204020204" pitchFamily="34" charset="0"/>
-                <a:cs typeface="Arial" panose="020B0604020202020204" pitchFamily="34" charset="0"/>
-              </a:rPr>
-            </a:br>
-            <a:r>
-              <a:rPr lang="en-US" altLang="en-US" sz="1100" dirty="0">
-                <a:latin typeface="Arial" panose="020B0604020202020204" pitchFamily="34" charset="0"/>
-                <a:ea typeface="Amazon Ember" panose="020B0603020204020204" pitchFamily="34" charset="0"/>
-                <a:cs typeface="Arial" panose="020B0604020202020204" pitchFamily="34" charset="0"/>
-              </a:rPr>
-              <a:t>Microsoft AD</a:t>
-            </a:r>
-          </a:p>
-        </p:txBody>
-      </p:sp>
-      <p:pic>
-        <p:nvPicPr>
-          <p:cNvPr id="47132" name="Graphic 31">
-            <a:extLst>
-              <a:ext uri="{FF2B5EF4-FFF2-40B4-BE49-F238E27FC236}">
-                <a16:creationId xmlns:a16="http://schemas.microsoft.com/office/drawing/2014/main" id="{E50BD9EE-AC8A-8BC1-AEDB-CDBF4A1EA632}"/>
-              </a:ext>
-            </a:extLst>
-          </p:cNvPr>
-          <p:cNvPicPr>
-            <a:picLocks noChangeAspect="1" noChangeArrowheads="1"/>
-          </p:cNvPicPr>
+        </p:spPr>
+        <p:style>
+          <a:lnRef idx="1">
+            <a:schemeClr val="accent1"/>
+          </a:lnRef>
+          <a:fillRef idx="0">
+            <a:schemeClr val="accent1"/>
+          </a:fillRef>
+          <a:effectRef idx="0">
+            <a:schemeClr val="accent1"/>
+          </a:effectRef>
+          <a:fontRef idx="minor">
+            <a:schemeClr val="tx1"/>
+          </a:fontRef>
+        </p:style>
+      </p:cxnSp>
+      <p:cxnSp>
+        <p:nvCxnSpPr>
+          <p:cNvPr id="59" name="Straight Arrow Connector 58">
+            <a:extLst>
+              <a:ext uri="{FF2B5EF4-FFF2-40B4-BE49-F238E27FC236}">
+                <a16:creationId xmlns:a16="http://schemas.microsoft.com/office/drawing/2014/main" id="{28166D67-1069-49C0-8836-A2D872E7D4AB}"/>
+              </a:ext>
+            </a:extLst>
+          </p:cNvPr>
+          <p:cNvCxnSpPr>
+            <a:cxnSpLocks/>
+          </p:cNvCxnSpPr>
           <p:nvPr/>
-        </p:nvPicPr>
-        <p:blipFill>
-          <a:blip r:embed="rId23">
-            <a:extLst>
-              <a:ext uri="{28A0092B-C50C-407E-A947-70E740481C1C}">
-                <a14:useLocalDpi xmlns:a14="http://schemas.microsoft.com/office/drawing/2010/main" val="0"/>
-              </a:ext>
-            </a:extLst>
-          </a:blip>
-          <a:srcRect/>
-          <a:stretch>
-            <a:fillRect/>
-          </a:stretch>
-        </p:blipFill>
+        </p:nvCxnSpPr>
         <p:spPr bwMode="auto">
           <a:xfrm>
-            <a:off x="2040721" y="3967256"/>
-            <a:ext cx="457200" cy="457200"/>
-          </a:xfrm>
-          <a:prstGeom prst="rect">
-            <a:avLst/>
-          </a:prstGeom>
-          <a:noFill/>
-          <a:ln>
-            <a:noFill/>
+            <a:off x="5713130" y="5164225"/>
+            <a:ext cx="1579393" cy="0"/>
+          </a:xfrm>
+          <a:prstGeom prst="straightConnector1">
+            <a:avLst/>
+          </a:prstGeom>
+          <a:ln w="12700">
+            <a:solidFill>
+              <a:srgbClr val="545B64"/>
+            </a:solidFill>
+            <a:headEnd type="none" w="med" len="sm"/>
+            <a:tailEnd type="arrow" w="med" len="sm"/>
           </a:ln>
-          <a:extLst>
-            <a:ext uri="{909E8E84-426E-40DD-AFC4-6F175D3DCCD1}">
-              <a14:hiddenFill xmlns:a14="http://schemas.microsoft.com/office/drawing/2010/main">
-                <a:solidFill>
-                  <a:srgbClr val="FFFFFF"/>
-                </a:solidFill>
-              </a14:hiddenFill>
-            </a:ext>
-            <a:ext uri="{91240B29-F687-4F45-9708-019B960494DF}">
-              <a14:hiddenLine xmlns:a14="http://schemas.microsoft.com/office/drawing/2010/main" w="9525">
-                <a:solidFill>
-                  <a:srgbClr val="000000"/>
-                </a:solidFill>
-                <a:miter lim="800000"/>
-                <a:headEnd/>
-                <a:tailEnd/>
-              </a14:hiddenLine>
-            </a:ext>
-          </a:extLst>
-        </p:spPr>
-      </p:pic>
+        </p:spPr>
+        <p:style>
+          <a:lnRef idx="1">
+            <a:schemeClr val="accent1"/>
+          </a:lnRef>
+          <a:fillRef idx="0">
+            <a:schemeClr val="accent1"/>
+          </a:fillRef>
+          <a:effectRef idx="0">
+            <a:schemeClr val="accent1"/>
+          </a:effectRef>
+          <a:fontRef idx="minor">
+            <a:schemeClr val="tx1"/>
+          </a:fontRef>
+        </p:style>
+      </p:cxnSp>
     </p:spTree>
     <p:extLst>
       <p:ext uri="{BB962C8B-B14F-4D97-AF65-F5344CB8AC3E}">
@@ -26607,7 +26445,7 @@
         </p:nvSpPr>
         <p:spPr>
           <a:xfrm>
-            <a:off x="1062902" y="3487736"/>
+            <a:off x="1062902" y="3268661"/>
             <a:ext cx="2760031" cy="2712603"/>
           </a:xfrm>
           <a:prstGeom prst="rect">
@@ -26679,7 +26517,7 @@
         </p:nvSpPr>
         <p:spPr>
           <a:xfrm>
-            <a:off x="1059585" y="2079842"/>
+            <a:off x="1059585" y="1860767"/>
             <a:ext cx="2763348" cy="1266028"/>
           </a:xfrm>
           <a:prstGeom prst="rect">
@@ -26739,40 +26577,6 @@
       </p:sp>
       <p:sp>
         <p:nvSpPr>
-          <p:cNvPr id="47105" name="Title 1">
-            <a:extLst>
-              <a:ext uri="{FF2B5EF4-FFF2-40B4-BE49-F238E27FC236}">
-                <a16:creationId xmlns:a16="http://schemas.microsoft.com/office/drawing/2014/main" id="{6EA39E97-4C97-AD40-972C-394E863845C9}"/>
-              </a:ext>
-            </a:extLst>
-          </p:cNvPr>
-          <p:cNvSpPr>
-            <a:spLocks noGrp="1" noChangeArrowheads="1"/>
-          </p:cNvSpPr>
-          <p:nvPr>
-            <p:ph type="title"/>
-          </p:nvPr>
-        </p:nvSpPr>
-        <p:spPr>
-          <a:xfrm>
-            <a:off x="241300" y="-98029"/>
-            <a:ext cx="11709400" cy="644525"/>
-          </a:xfrm>
-        </p:spPr>
-        <p:txBody>
-          <a:bodyPr/>
-          <a:lstStyle/>
-          <a:p>
-            <a:pPr algn="ctr" eaLnBrk="1" hangingPunct="1"/>
-            <a:r>
-              <a:rPr lang="en-US" altLang="en-US" sz="2400" dirty="0"/>
-              <a:t>Amazon WorkSpaces Quick Start – Self-Managed AD</a:t>
-            </a:r>
-          </a:p>
-        </p:txBody>
-      </p:sp>
-      <p:sp>
-        <p:nvSpPr>
           <p:cNvPr id="4" name="Rectangle 3">
             <a:extLst>
               <a:ext uri="{FF2B5EF4-FFF2-40B4-BE49-F238E27FC236}">
@@ -26785,7 +26589,7 @@
         </p:nvSpPr>
         <p:spPr bwMode="auto">
           <a:xfrm>
-            <a:off x="512618" y="1716377"/>
+            <a:off x="512618" y="1497302"/>
             <a:ext cx="9694623" cy="4576501"/>
           </a:xfrm>
           <a:prstGeom prst="rect">
@@ -26867,7 +26671,7 @@
         </p:nvSpPr>
         <p:spPr bwMode="auto">
           <a:xfrm>
-            <a:off x="241300" y="546495"/>
+            <a:off x="174625" y="403620"/>
             <a:ext cx="11836400" cy="6160211"/>
           </a:xfrm>
           <a:prstGeom prst="rect">
@@ -26948,7 +26752,7 @@
         </p:nvSpPr>
         <p:spPr bwMode="auto">
           <a:xfrm>
-            <a:off x="974414" y="1400096"/>
+            <a:off x="926789" y="1181021"/>
             <a:ext cx="2990308" cy="5041433"/>
           </a:xfrm>
           <a:prstGeom prst="rect">
@@ -27035,8 +26839,8 @@
         </p:nvSpPr>
         <p:spPr bwMode="auto">
           <a:xfrm>
-            <a:off x="1387158" y="2909633"/>
-            <a:ext cx="1767152" cy="246221"/>
+            <a:off x="1387158" y="2690558"/>
+            <a:ext cx="1767152" cy="276999"/>
           </a:xfrm>
           <a:prstGeom prst="rect">
             <a:avLst/>
@@ -27186,7 +26990,7 @@
               <a:defRPr/>
             </a:pPr>
             <a:r>
-              <a:rPr kumimoji="0" lang="en-US" altLang="en-US" sz="1000" b="0" i="0" u="none" strike="noStrike" kern="1200" cap="none" spc="0" normalizeH="0" baseline="0" noProof="0" dirty="0">
+              <a:rPr kumimoji="0" lang="en-US" altLang="en-US" sz="1200" b="0" i="0" u="none" strike="noStrike" kern="1200" cap="none" spc="0" normalizeH="0" baseline="0" noProof="0" dirty="0">
                 <a:ln>
                   <a:noFill/>
                 </a:ln>
@@ -27221,8 +27025,8 @@
         </p:nvSpPr>
         <p:spPr bwMode="auto">
           <a:xfrm>
-            <a:off x="2695130" y="4532494"/>
-            <a:ext cx="1307913" cy="246221"/>
+            <a:off x="2695130" y="4313419"/>
+            <a:ext cx="1307913" cy="276999"/>
           </a:xfrm>
           <a:prstGeom prst="rect">
             <a:avLst/>
@@ -27372,7 +27176,7 @@
               <a:defRPr/>
             </a:pPr>
             <a:r>
-              <a:rPr kumimoji="0" lang="en-US" altLang="en-US" sz="1000" b="0" i="0" u="none" strike="noStrike" kern="1200" cap="none" spc="0" normalizeH="0" baseline="0" noProof="0" dirty="0">
+              <a:rPr kumimoji="0" lang="en-US" altLang="en-US" sz="1200" b="0" i="0" u="none" strike="noStrike" kern="1200" cap="none" spc="0" normalizeH="0" baseline="0" noProof="0" dirty="0">
                 <a:ln>
                   <a:noFill/>
                 </a:ln>
@@ -27418,7 +27222,7 @@
         </p:blipFill>
         <p:spPr>
           <a:xfrm>
-            <a:off x="241300" y="546496"/>
+            <a:off x="174625" y="403620"/>
             <a:ext cx="381000" cy="381000"/>
           </a:xfrm>
           <a:prstGeom prst="rect">
@@ -27454,7 +27258,79 @@
         </p:blipFill>
         <p:spPr>
           <a:xfrm>
-            <a:off x="512618" y="1725184"/>
+            <a:off x="512618" y="1506109"/>
+            <a:ext cx="381000" cy="381000"/>
+          </a:xfrm>
+          <a:prstGeom prst="rect">
+            <a:avLst/>
+          </a:prstGeom>
+        </p:spPr>
+      </p:pic>
+      <p:pic>
+        <p:nvPicPr>
+          <p:cNvPr id="49" name="Graphic 48">
+            <a:extLst>
+              <a:ext uri="{FF2B5EF4-FFF2-40B4-BE49-F238E27FC236}">
+                <a16:creationId xmlns:a16="http://schemas.microsoft.com/office/drawing/2014/main" id="{F88FDB8F-EE69-CA4C-BA7D-77D1617E7A7A}"/>
+              </a:ext>
+            </a:extLst>
+          </p:cNvPr>
+          <p:cNvPicPr>
+            <a:picLocks noChangeAspect="1"/>
+          </p:cNvPicPr>
+          <p:nvPr/>
+        </p:nvPicPr>
+        <p:blipFill>
+          <a:blip r:embed="rId6">
+            <a:extLst>
+              <a:ext uri="{96DAC541-7B7A-43D3-8B79-37D633B846F1}">
+                <asvg:svgBlip xmlns:asvg="http://schemas.microsoft.com/office/drawing/2016/SVG/main" r:embed="rId7"/>
+              </a:ext>
+            </a:extLst>
+          </a:blip>
+          <a:stretch>
+            <a:fillRect/>
+          </a:stretch>
+        </p:blipFill>
+        <p:spPr>
+          <a:xfrm>
+            <a:off x="1060220" y="1858852"/>
+            <a:ext cx="295194" cy="295194"/>
+          </a:xfrm>
+          <a:prstGeom prst="rect">
+            <a:avLst/>
+          </a:prstGeom>
+        </p:spPr>
+      </p:pic>
+      <p:pic>
+        <p:nvPicPr>
+          <p:cNvPr id="50" name="Graphic 49">
+            <a:extLst>
+              <a:ext uri="{FF2B5EF4-FFF2-40B4-BE49-F238E27FC236}">
+                <a16:creationId xmlns:a16="http://schemas.microsoft.com/office/drawing/2014/main" id="{99CEE759-5B3C-F34D-A7E1-8309D1A608E9}"/>
+              </a:ext>
+            </a:extLst>
+          </p:cNvPr>
+          <p:cNvPicPr>
+            <a:picLocks noChangeAspect="1"/>
+          </p:cNvPicPr>
+          <p:nvPr/>
+        </p:nvPicPr>
+        <p:blipFill>
+          <a:blip r:embed="rId8">
+            <a:extLst>
+              <a:ext uri="{96DAC541-7B7A-43D3-8B79-37D633B846F1}">
+                <asvg:svgBlip xmlns:asvg="http://schemas.microsoft.com/office/drawing/2016/SVG/main" r:embed="rId9"/>
+              </a:ext>
+            </a:extLst>
+          </a:blip>
+          <a:stretch>
+            <a:fillRect/>
+          </a:stretch>
+        </p:blipFill>
+        <p:spPr>
+          <a:xfrm>
+            <a:off x="1058949" y="3270506"/>
             <a:ext cx="381000" cy="381000"/>
           </a:xfrm>
           <a:prstGeom prst="rect">
@@ -27464,10 +27340,10 @@
       </p:pic>
       <p:sp>
         <p:nvSpPr>
-          <p:cNvPr id="41" name="Rectangle 40">
-            <a:extLst>
-              <a:ext uri="{FF2B5EF4-FFF2-40B4-BE49-F238E27FC236}">
-                <a16:creationId xmlns:a16="http://schemas.microsoft.com/office/drawing/2014/main" id="{39EEFFD5-B07A-CD4C-A9C4-8DBFAB9447D6}"/>
+          <p:cNvPr id="56" name="Rectangle 55">
+            <a:extLst>
+              <a:ext uri="{FF2B5EF4-FFF2-40B4-BE49-F238E27FC236}">
+                <a16:creationId xmlns:a16="http://schemas.microsoft.com/office/drawing/2014/main" id="{2BD351F1-3F5B-144D-A3CB-8114C507BB78}"/>
               </a:ext>
             </a:extLst>
           </p:cNvPr>
@@ -27476,8 +27352,842 @@
         </p:nvSpPr>
         <p:spPr>
           <a:xfrm>
-            <a:off x="2733141" y="2390955"/>
-            <a:ext cx="5494139" cy="753131"/>
+            <a:off x="7205675" y="3230172"/>
+            <a:ext cx="2760031" cy="2712603"/>
+          </a:xfrm>
+          <a:prstGeom prst="rect">
+            <a:avLst/>
+          </a:prstGeom>
+          <a:solidFill>
+            <a:srgbClr val="007CBC">
+              <a:alpha val="9804"/>
+            </a:srgbClr>
+          </a:solidFill>
+          <a:ln w="12700">
+            <a:noFill/>
+            <a:prstDash val="dash"/>
+          </a:ln>
+        </p:spPr>
+        <p:style>
+          <a:lnRef idx="2">
+            <a:schemeClr val="accent1">
+              <a:shade val="50000"/>
+            </a:schemeClr>
+          </a:lnRef>
+          <a:fillRef idx="1">
+            <a:schemeClr val="accent1"/>
+          </a:fillRef>
+          <a:effectRef idx="0">
+            <a:schemeClr val="accent1"/>
+          </a:effectRef>
+          <a:fontRef idx="minor">
+            <a:schemeClr val="lt1"/>
+          </a:fontRef>
+        </p:style>
+        <p:txBody>
+          <a:bodyPr lIns="502920"/>
+          <a:lstStyle/>
+          <a:p>
+            <a:pPr eaLnBrk="1" fontAlgn="auto" hangingPunct="1">
+              <a:spcBef>
+                <a:spcPts val="0"/>
+              </a:spcBef>
+              <a:spcAft>
+                <a:spcPts val="0"/>
+              </a:spcAft>
+              <a:defRPr/>
+            </a:pPr>
+            <a:r>
+              <a:rPr lang="en-US" sz="1200" dirty="0">
+                <a:solidFill>
+                  <a:srgbClr val="5B9CD5"/>
+                </a:solidFill>
+                <a:latin typeface="Arial" panose="020B0604020202020204" pitchFamily="34" charset="0"/>
+                <a:cs typeface="Arial" panose="020B0604020202020204" pitchFamily="34" charset="0"/>
+              </a:rPr>
+              <a:t>Private subnet</a:t>
+            </a:r>
+          </a:p>
+        </p:txBody>
+      </p:sp>
+      <p:sp>
+        <p:nvSpPr>
+          <p:cNvPr id="57" name="Rectangle 56">
+            <a:extLst>
+              <a:ext uri="{FF2B5EF4-FFF2-40B4-BE49-F238E27FC236}">
+                <a16:creationId xmlns:a16="http://schemas.microsoft.com/office/drawing/2014/main" id="{0BD21FFD-C80D-A74F-8C33-DF6266EEE923}"/>
+              </a:ext>
+            </a:extLst>
+          </p:cNvPr>
+          <p:cNvSpPr/>
+          <p:nvPr/>
+        </p:nvSpPr>
+        <p:spPr>
+          <a:xfrm>
+            <a:off x="7202358" y="1744691"/>
+            <a:ext cx="2763348" cy="1343616"/>
+          </a:xfrm>
+          <a:prstGeom prst="rect">
+            <a:avLst/>
+          </a:prstGeom>
+          <a:solidFill>
+            <a:srgbClr val="1D8900">
+              <a:alpha val="9804"/>
+            </a:srgbClr>
+          </a:solidFill>
+          <a:ln w="12700">
+            <a:noFill/>
+            <a:prstDash val="dash"/>
+          </a:ln>
+        </p:spPr>
+        <p:style>
+          <a:lnRef idx="2">
+            <a:schemeClr val="accent1">
+              <a:shade val="50000"/>
+            </a:schemeClr>
+          </a:lnRef>
+          <a:fillRef idx="1">
+            <a:schemeClr val="accent1"/>
+          </a:fillRef>
+          <a:effectRef idx="0">
+            <a:schemeClr val="accent1"/>
+          </a:effectRef>
+          <a:fontRef idx="minor">
+            <a:schemeClr val="lt1"/>
+          </a:fontRef>
+        </p:style>
+        <p:txBody>
+          <a:bodyPr lIns="502920"/>
+          <a:lstStyle/>
+          <a:p>
+            <a:pPr eaLnBrk="1" fontAlgn="auto" hangingPunct="1">
+              <a:spcBef>
+                <a:spcPts val="0"/>
+              </a:spcBef>
+              <a:spcAft>
+                <a:spcPts val="0"/>
+              </a:spcAft>
+              <a:defRPr/>
+            </a:pPr>
+            <a:r>
+              <a:rPr lang="en-US" sz="1200" dirty="0">
+                <a:solidFill>
+                  <a:srgbClr val="1E8900"/>
+                </a:solidFill>
+                <a:latin typeface="Arial" panose="020B0604020202020204" pitchFamily="34" charset="0"/>
+                <a:cs typeface="Arial" panose="020B0604020202020204" pitchFamily="34" charset="0"/>
+              </a:rPr>
+              <a:t>Public subnet</a:t>
+            </a:r>
+          </a:p>
+        </p:txBody>
+      </p:sp>
+      <p:sp>
+        <p:nvSpPr>
+          <p:cNvPr id="58" name="Rectangle 57">
+            <a:extLst>
+              <a:ext uri="{FF2B5EF4-FFF2-40B4-BE49-F238E27FC236}">
+                <a16:creationId xmlns:a16="http://schemas.microsoft.com/office/drawing/2014/main" id="{A67CB6E5-FED0-1643-95C9-597CDFECC02A}"/>
+              </a:ext>
+            </a:extLst>
+          </p:cNvPr>
+          <p:cNvSpPr/>
+          <p:nvPr/>
+        </p:nvSpPr>
+        <p:spPr bwMode="auto">
+          <a:xfrm>
+            <a:off x="7125633" y="1200546"/>
+            <a:ext cx="2962812" cy="5019228"/>
+          </a:xfrm>
+          <a:prstGeom prst="rect">
+            <a:avLst/>
+          </a:prstGeom>
+          <a:noFill/>
+          <a:ln w="12700">
+            <a:solidFill>
+              <a:srgbClr val="5B9CD5"/>
+            </a:solidFill>
+            <a:prstDash val="dash"/>
+          </a:ln>
+        </p:spPr>
+        <p:style>
+          <a:lnRef idx="2">
+            <a:schemeClr val="accent1">
+              <a:shade val="50000"/>
+            </a:schemeClr>
+          </a:lnRef>
+          <a:fillRef idx="1">
+            <a:schemeClr val="accent1"/>
+          </a:fillRef>
+          <a:effectRef idx="0">
+            <a:schemeClr val="accent1"/>
+          </a:effectRef>
+          <a:fontRef idx="minor">
+            <a:schemeClr val="lt1"/>
+          </a:fontRef>
+        </p:style>
+        <p:txBody>
+          <a:bodyPr tIns="91440"/>
+          <a:lstStyle/>
+          <a:p>
+            <a:pPr marL="0" marR="0" lvl="0" indent="0" algn="ctr" defTabSz="914400" rtl="0" eaLnBrk="1" fontAlgn="auto" latinLnBrk="0" hangingPunct="1">
+              <a:lnSpc>
+                <a:spcPct val="100000"/>
+              </a:lnSpc>
+              <a:spcBef>
+                <a:spcPts val="0"/>
+              </a:spcBef>
+              <a:spcAft>
+                <a:spcPts val="0"/>
+              </a:spcAft>
+              <a:buClrTx/>
+              <a:buSzTx/>
+              <a:buFontTx/>
+              <a:buNone/>
+              <a:tabLst/>
+              <a:defRPr/>
+            </a:pPr>
+            <a:r>
+              <a:rPr kumimoji="0" lang="en-US" sz="1200" b="0" i="0" u="none" strike="noStrike" kern="1200" cap="none" spc="0" normalizeH="0" baseline="0" noProof="0" dirty="0">
+                <a:ln>
+                  <a:noFill/>
+                </a:ln>
+                <a:solidFill>
+                  <a:srgbClr val="5B9CD5"/>
+                </a:solidFill>
+                <a:effectLst/>
+                <a:uLnTx/>
+                <a:uFillTx/>
+                <a:latin typeface="Arial" panose="020B0604020202020204" pitchFamily="34" charset="0"/>
+                <a:ea typeface="+mn-ea"/>
+                <a:cs typeface="Arial" panose="020B0604020202020204" pitchFamily="34" charset="0"/>
+              </a:rPr>
+              <a:t>Availability Zone 2</a:t>
+            </a:r>
+          </a:p>
+        </p:txBody>
+      </p:sp>
+      <p:sp>
+        <p:nvSpPr>
+          <p:cNvPr id="60" name="TextBox 14">
+            <a:extLst>
+              <a:ext uri="{FF2B5EF4-FFF2-40B4-BE49-F238E27FC236}">
+                <a16:creationId xmlns:a16="http://schemas.microsoft.com/office/drawing/2014/main" id="{3DA53A85-9347-1045-8931-DF0819FAAE27}"/>
+              </a:ext>
+            </a:extLst>
+          </p:cNvPr>
+          <p:cNvSpPr txBox="1">
+            <a:spLocks noChangeArrowheads="1"/>
+          </p:cNvSpPr>
+          <p:nvPr/>
+        </p:nvSpPr>
+        <p:spPr bwMode="auto">
+          <a:xfrm>
+            <a:off x="7694672" y="2669330"/>
+            <a:ext cx="1767152" cy="276999"/>
+          </a:xfrm>
+          <a:prstGeom prst="rect">
+            <a:avLst/>
+          </a:prstGeom>
+          <a:noFill/>
+          <a:ln>
+            <a:noFill/>
+          </a:ln>
+          <a:extLst>
+            <a:ext uri="{909E8E84-426E-40DD-AFC4-6F175D3DCCD1}">
+              <a14:hiddenFill xmlns:a14="http://schemas.microsoft.com/office/drawing/2010/main">
+                <a:solidFill>
+                  <a:srgbClr val="FFFFFF"/>
+                </a:solidFill>
+              </a14:hiddenFill>
+            </a:ext>
+            <a:ext uri="{91240B29-F687-4F45-9708-019B960494DF}">
+              <a14:hiddenLine xmlns:a14="http://schemas.microsoft.com/office/drawing/2010/main" w="9525">
+                <a:solidFill>
+                  <a:srgbClr val="000000"/>
+                </a:solidFill>
+                <a:miter lim="800000"/>
+                <a:headEnd/>
+                <a:tailEnd/>
+              </a14:hiddenLine>
+            </a:ext>
+          </a:extLst>
+        </p:spPr>
+        <p:txBody>
+          <a:bodyPr>
+            <a:spAutoFit/>
+          </a:bodyPr>
+          <a:lstStyle>
+            <a:lvl1pPr>
+              <a:defRPr>
+                <a:solidFill>
+                  <a:schemeClr val="tx1"/>
+                </a:solidFill>
+                <a:latin typeface="Calibri" panose="020F0502020204030204" pitchFamily="34" charset="0"/>
+              </a:defRPr>
+            </a:lvl1pPr>
+            <a:lvl2pPr marL="742950" indent="-285750">
+              <a:defRPr>
+                <a:solidFill>
+                  <a:schemeClr val="tx1"/>
+                </a:solidFill>
+                <a:latin typeface="Calibri" panose="020F0502020204030204" pitchFamily="34" charset="0"/>
+              </a:defRPr>
+            </a:lvl2pPr>
+            <a:lvl3pPr marL="1143000" indent="-228600">
+              <a:defRPr>
+                <a:solidFill>
+                  <a:schemeClr val="tx1"/>
+                </a:solidFill>
+                <a:latin typeface="Calibri" panose="020F0502020204030204" pitchFamily="34" charset="0"/>
+              </a:defRPr>
+            </a:lvl3pPr>
+            <a:lvl4pPr marL="1600200" indent="-228600">
+              <a:defRPr>
+                <a:solidFill>
+                  <a:schemeClr val="tx1"/>
+                </a:solidFill>
+                <a:latin typeface="Calibri" panose="020F0502020204030204" pitchFamily="34" charset="0"/>
+              </a:defRPr>
+            </a:lvl4pPr>
+            <a:lvl5pPr marL="2057400" indent="-228600">
+              <a:defRPr>
+                <a:solidFill>
+                  <a:schemeClr val="tx1"/>
+                </a:solidFill>
+                <a:latin typeface="Calibri" panose="020F0502020204030204" pitchFamily="34" charset="0"/>
+              </a:defRPr>
+            </a:lvl5pPr>
+            <a:lvl6pPr marL="2514600" indent="-228600" eaLnBrk="0" fontAlgn="base" hangingPunct="0">
+              <a:spcBef>
+                <a:spcPct val="0"/>
+              </a:spcBef>
+              <a:spcAft>
+                <a:spcPct val="0"/>
+              </a:spcAft>
+              <a:defRPr>
+                <a:solidFill>
+                  <a:schemeClr val="tx1"/>
+                </a:solidFill>
+                <a:latin typeface="Calibri" panose="020F0502020204030204" pitchFamily="34" charset="0"/>
+              </a:defRPr>
+            </a:lvl6pPr>
+            <a:lvl7pPr marL="2971800" indent="-228600" eaLnBrk="0" fontAlgn="base" hangingPunct="0">
+              <a:spcBef>
+                <a:spcPct val="0"/>
+              </a:spcBef>
+              <a:spcAft>
+                <a:spcPct val="0"/>
+              </a:spcAft>
+              <a:defRPr>
+                <a:solidFill>
+                  <a:schemeClr val="tx1"/>
+                </a:solidFill>
+                <a:latin typeface="Calibri" panose="020F0502020204030204" pitchFamily="34" charset="0"/>
+              </a:defRPr>
+            </a:lvl7pPr>
+            <a:lvl8pPr marL="3429000" indent="-228600" eaLnBrk="0" fontAlgn="base" hangingPunct="0">
+              <a:spcBef>
+                <a:spcPct val="0"/>
+              </a:spcBef>
+              <a:spcAft>
+                <a:spcPct val="0"/>
+              </a:spcAft>
+              <a:defRPr>
+                <a:solidFill>
+                  <a:schemeClr val="tx1"/>
+                </a:solidFill>
+                <a:latin typeface="Calibri" panose="020F0502020204030204" pitchFamily="34" charset="0"/>
+              </a:defRPr>
+            </a:lvl8pPr>
+            <a:lvl9pPr marL="3886200" indent="-228600" eaLnBrk="0" fontAlgn="base" hangingPunct="0">
+              <a:spcBef>
+                <a:spcPct val="0"/>
+              </a:spcBef>
+              <a:spcAft>
+                <a:spcPct val="0"/>
+              </a:spcAft>
+              <a:defRPr>
+                <a:solidFill>
+                  <a:schemeClr val="tx1"/>
+                </a:solidFill>
+                <a:latin typeface="Calibri" panose="020F0502020204030204" pitchFamily="34" charset="0"/>
+              </a:defRPr>
+            </a:lvl9pPr>
+          </a:lstStyle>
+          <a:p>
+            <a:pPr marL="0" marR="0" lvl="0" indent="0" algn="ctr" defTabSz="914400" rtl="0" eaLnBrk="1" fontAlgn="base" latinLnBrk="0" hangingPunct="1">
+              <a:lnSpc>
+                <a:spcPct val="100000"/>
+              </a:lnSpc>
+              <a:spcBef>
+                <a:spcPct val="0"/>
+              </a:spcBef>
+              <a:spcAft>
+                <a:spcPct val="0"/>
+              </a:spcAft>
+              <a:buClrTx/>
+              <a:buSzTx/>
+              <a:buFontTx/>
+              <a:buNone/>
+              <a:tabLst/>
+              <a:defRPr/>
+            </a:pPr>
+            <a:r>
+              <a:rPr kumimoji="0" lang="en-US" altLang="en-US" sz="1200" b="0" i="0" u="none" strike="noStrike" kern="1200" cap="none" spc="0" normalizeH="0" baseline="0" noProof="0" dirty="0">
+                <a:ln>
+                  <a:noFill/>
+                </a:ln>
+                <a:solidFill>
+                  <a:srgbClr val="232F3E"/>
+                </a:solidFill>
+                <a:effectLst/>
+                <a:uLnTx/>
+                <a:uFillTx/>
+                <a:latin typeface="Arial" panose="020B0604020202020204" pitchFamily="34" charset="0"/>
+                <a:ea typeface="+mn-ea"/>
+                <a:cs typeface="Arial" panose="020B0604020202020204" pitchFamily="34" charset="0"/>
+              </a:rPr>
+              <a:t>NAT gateway</a:t>
+            </a:r>
+          </a:p>
+        </p:txBody>
+      </p:sp>
+      <p:pic>
+        <p:nvPicPr>
+          <p:cNvPr id="63" name="Graphic 62">
+            <a:extLst>
+              <a:ext uri="{FF2B5EF4-FFF2-40B4-BE49-F238E27FC236}">
+                <a16:creationId xmlns:a16="http://schemas.microsoft.com/office/drawing/2014/main" id="{503C64AB-5A3E-8F47-8941-0590B1290A56}"/>
+              </a:ext>
+            </a:extLst>
+          </p:cNvPr>
+          <p:cNvPicPr>
+            <a:picLocks noChangeAspect="1"/>
+          </p:cNvPicPr>
+          <p:nvPr/>
+        </p:nvPicPr>
+        <p:blipFill>
+          <a:blip r:embed="rId6">
+            <a:extLst>
+              <a:ext uri="{96DAC541-7B7A-43D3-8B79-37D633B846F1}">
+                <asvg:svgBlip xmlns:asvg="http://schemas.microsoft.com/office/drawing/2016/SVG/main" r:embed="rId7"/>
+              </a:ext>
+            </a:extLst>
+          </a:blip>
+          <a:stretch>
+            <a:fillRect/>
+          </a:stretch>
+        </p:blipFill>
+        <p:spPr>
+          <a:xfrm>
+            <a:off x="7202993" y="1744380"/>
+            <a:ext cx="309246" cy="309246"/>
+          </a:xfrm>
+          <a:prstGeom prst="rect">
+            <a:avLst/>
+          </a:prstGeom>
+        </p:spPr>
+      </p:pic>
+      <p:pic>
+        <p:nvPicPr>
+          <p:cNvPr id="64" name="Graphic 63">
+            <a:extLst>
+              <a:ext uri="{FF2B5EF4-FFF2-40B4-BE49-F238E27FC236}">
+                <a16:creationId xmlns:a16="http://schemas.microsoft.com/office/drawing/2014/main" id="{B0C037B8-F7FB-2944-A79A-2A8C09C863CE}"/>
+              </a:ext>
+            </a:extLst>
+          </p:cNvPr>
+          <p:cNvPicPr>
+            <a:picLocks noChangeAspect="1"/>
+          </p:cNvPicPr>
+          <p:nvPr/>
+        </p:nvPicPr>
+        <p:blipFill>
+          <a:blip r:embed="rId8">
+            <a:extLst>
+              <a:ext uri="{96DAC541-7B7A-43D3-8B79-37D633B846F1}">
+                <asvg:svgBlip xmlns:asvg="http://schemas.microsoft.com/office/drawing/2016/SVG/main" r:embed="rId9"/>
+              </a:ext>
+            </a:extLst>
+          </a:blip>
+          <a:stretch>
+            <a:fillRect/>
+          </a:stretch>
+        </p:blipFill>
+        <p:spPr>
+          <a:xfrm>
+            <a:off x="7206484" y="3232017"/>
+            <a:ext cx="381000" cy="381000"/>
+          </a:xfrm>
+          <a:prstGeom prst="rect">
+            <a:avLst/>
+          </a:prstGeom>
+        </p:spPr>
+      </p:pic>
+      <p:sp>
+        <p:nvSpPr>
+          <p:cNvPr id="78" name="TextBox 12">
+            <a:extLst>
+              <a:ext uri="{FF2B5EF4-FFF2-40B4-BE49-F238E27FC236}">
+                <a16:creationId xmlns:a16="http://schemas.microsoft.com/office/drawing/2014/main" id="{FD1D5076-2EB7-AC48-9BB5-DF7900D47544}"/>
+              </a:ext>
+            </a:extLst>
+          </p:cNvPr>
+          <p:cNvSpPr txBox="1">
+            <a:spLocks noChangeArrowheads="1"/>
+          </p:cNvSpPr>
+          <p:nvPr/>
+        </p:nvSpPr>
+        <p:spPr bwMode="auto">
+          <a:xfrm>
+            <a:off x="4840204" y="1684271"/>
+            <a:ext cx="1403350" cy="276999"/>
+          </a:xfrm>
+          <a:prstGeom prst="rect">
+            <a:avLst/>
+          </a:prstGeom>
+          <a:noFill/>
+          <a:ln>
+            <a:noFill/>
+          </a:ln>
+          <a:extLst>
+            <a:ext uri="{909E8E84-426E-40DD-AFC4-6F175D3DCCD1}">
+              <a14:hiddenFill xmlns:a14="http://schemas.microsoft.com/office/drawing/2010/main">
+                <a:solidFill>
+                  <a:srgbClr val="FFFFFF"/>
+                </a:solidFill>
+              </a14:hiddenFill>
+            </a:ext>
+            <a:ext uri="{91240B29-F687-4F45-9708-019B960494DF}">
+              <a14:hiddenLine xmlns:a14="http://schemas.microsoft.com/office/drawing/2010/main" w="9525">
+                <a:solidFill>
+                  <a:srgbClr val="000000"/>
+                </a:solidFill>
+                <a:miter lim="800000"/>
+                <a:headEnd/>
+                <a:tailEnd/>
+              </a14:hiddenLine>
+            </a:ext>
+          </a:extLst>
+        </p:spPr>
+        <p:txBody>
+          <a:bodyPr>
+            <a:spAutoFit/>
+          </a:bodyPr>
+          <a:lstStyle>
+            <a:lvl1pPr>
+              <a:defRPr>
+                <a:solidFill>
+                  <a:schemeClr val="tx1"/>
+                </a:solidFill>
+                <a:latin typeface="Calibri" panose="020F0502020204030204" pitchFamily="34" charset="0"/>
+              </a:defRPr>
+            </a:lvl1pPr>
+            <a:lvl2pPr marL="742950" indent="-285750">
+              <a:defRPr>
+                <a:solidFill>
+                  <a:schemeClr val="tx1"/>
+                </a:solidFill>
+                <a:latin typeface="Calibri" panose="020F0502020204030204" pitchFamily="34" charset="0"/>
+              </a:defRPr>
+            </a:lvl2pPr>
+            <a:lvl3pPr marL="1143000" indent="-228600">
+              <a:defRPr>
+                <a:solidFill>
+                  <a:schemeClr val="tx1"/>
+                </a:solidFill>
+                <a:latin typeface="Calibri" panose="020F0502020204030204" pitchFamily="34" charset="0"/>
+              </a:defRPr>
+            </a:lvl3pPr>
+            <a:lvl4pPr marL="1600200" indent="-228600">
+              <a:defRPr>
+                <a:solidFill>
+                  <a:schemeClr val="tx1"/>
+                </a:solidFill>
+                <a:latin typeface="Calibri" panose="020F0502020204030204" pitchFamily="34" charset="0"/>
+              </a:defRPr>
+            </a:lvl4pPr>
+            <a:lvl5pPr marL="2057400" indent="-228600">
+              <a:defRPr>
+                <a:solidFill>
+                  <a:schemeClr val="tx1"/>
+                </a:solidFill>
+                <a:latin typeface="Calibri" panose="020F0502020204030204" pitchFamily="34" charset="0"/>
+              </a:defRPr>
+            </a:lvl5pPr>
+            <a:lvl6pPr marL="2514600" indent="-228600" eaLnBrk="0" fontAlgn="base" hangingPunct="0">
+              <a:spcBef>
+                <a:spcPct val="0"/>
+              </a:spcBef>
+              <a:spcAft>
+                <a:spcPct val="0"/>
+              </a:spcAft>
+              <a:defRPr>
+                <a:solidFill>
+                  <a:schemeClr val="tx1"/>
+                </a:solidFill>
+                <a:latin typeface="Calibri" panose="020F0502020204030204" pitchFamily="34" charset="0"/>
+              </a:defRPr>
+            </a:lvl6pPr>
+            <a:lvl7pPr marL="2971800" indent="-228600" eaLnBrk="0" fontAlgn="base" hangingPunct="0">
+              <a:spcBef>
+                <a:spcPct val="0"/>
+              </a:spcBef>
+              <a:spcAft>
+                <a:spcPct val="0"/>
+              </a:spcAft>
+              <a:defRPr>
+                <a:solidFill>
+                  <a:schemeClr val="tx1"/>
+                </a:solidFill>
+                <a:latin typeface="Calibri" panose="020F0502020204030204" pitchFamily="34" charset="0"/>
+              </a:defRPr>
+            </a:lvl7pPr>
+            <a:lvl8pPr marL="3429000" indent="-228600" eaLnBrk="0" fontAlgn="base" hangingPunct="0">
+              <a:spcBef>
+                <a:spcPct val="0"/>
+              </a:spcBef>
+              <a:spcAft>
+                <a:spcPct val="0"/>
+              </a:spcAft>
+              <a:defRPr>
+                <a:solidFill>
+                  <a:schemeClr val="tx1"/>
+                </a:solidFill>
+                <a:latin typeface="Calibri" panose="020F0502020204030204" pitchFamily="34" charset="0"/>
+              </a:defRPr>
+            </a:lvl8pPr>
+            <a:lvl9pPr marL="3886200" indent="-228600" eaLnBrk="0" fontAlgn="base" hangingPunct="0">
+              <a:spcBef>
+                <a:spcPct val="0"/>
+              </a:spcBef>
+              <a:spcAft>
+                <a:spcPct val="0"/>
+              </a:spcAft>
+              <a:defRPr>
+                <a:solidFill>
+                  <a:schemeClr val="tx1"/>
+                </a:solidFill>
+                <a:latin typeface="Calibri" panose="020F0502020204030204" pitchFamily="34" charset="0"/>
+              </a:defRPr>
+            </a:lvl9pPr>
+          </a:lstStyle>
+          <a:p>
+            <a:pPr algn="ctr" eaLnBrk="1" hangingPunct="1"/>
+            <a:r>
+              <a:rPr lang="en-US" altLang="en-US" sz="1200" dirty="0">
+                <a:latin typeface="Arial" panose="020B0604020202020204" pitchFamily="34" charset="0"/>
+                <a:ea typeface="Amazon Ember" panose="020B0603020204020204" pitchFamily="34" charset="0"/>
+                <a:cs typeface="Arial" panose="020B0604020202020204" pitchFamily="34" charset="0"/>
+              </a:rPr>
+              <a:t>Internet gateway</a:t>
+            </a:r>
+          </a:p>
+        </p:txBody>
+      </p:sp>
+      <p:sp>
+        <p:nvSpPr>
+          <p:cNvPr id="83" name="TextBox 20">
+            <a:extLst>
+              <a:ext uri="{FF2B5EF4-FFF2-40B4-BE49-F238E27FC236}">
+                <a16:creationId xmlns:a16="http://schemas.microsoft.com/office/drawing/2014/main" id="{594861DE-2D58-A64E-B072-913B821B66BC}"/>
+              </a:ext>
+            </a:extLst>
+          </p:cNvPr>
+          <p:cNvSpPr txBox="1">
+            <a:spLocks noChangeArrowheads="1"/>
+          </p:cNvSpPr>
+          <p:nvPr/>
+        </p:nvSpPr>
+        <p:spPr bwMode="auto">
+          <a:xfrm>
+            <a:off x="7031969" y="4302760"/>
+            <a:ext cx="1434306" cy="276999"/>
+          </a:xfrm>
+          <a:prstGeom prst="rect">
+            <a:avLst/>
+          </a:prstGeom>
+          <a:noFill/>
+          <a:ln>
+            <a:noFill/>
+          </a:ln>
+          <a:extLst>
+            <a:ext uri="{909E8E84-426E-40DD-AFC4-6F175D3DCCD1}">
+              <a14:hiddenFill xmlns:a14="http://schemas.microsoft.com/office/drawing/2010/main">
+                <a:solidFill>
+                  <a:srgbClr val="FFFFFF"/>
+                </a:solidFill>
+              </a14:hiddenFill>
+            </a:ext>
+            <a:ext uri="{91240B29-F687-4F45-9708-019B960494DF}">
+              <a14:hiddenLine xmlns:a14="http://schemas.microsoft.com/office/drawing/2010/main" w="9525">
+                <a:solidFill>
+                  <a:srgbClr val="000000"/>
+                </a:solidFill>
+                <a:miter lim="800000"/>
+                <a:headEnd/>
+                <a:tailEnd/>
+              </a14:hiddenLine>
+            </a:ext>
+          </a:extLst>
+        </p:spPr>
+        <p:txBody>
+          <a:bodyPr wrap="square">
+            <a:spAutoFit/>
+          </a:bodyPr>
+          <a:lstStyle>
+            <a:lvl1pPr>
+              <a:defRPr>
+                <a:solidFill>
+                  <a:schemeClr val="tx1"/>
+                </a:solidFill>
+                <a:latin typeface="Calibri" panose="020F0502020204030204" pitchFamily="34" charset="0"/>
+              </a:defRPr>
+            </a:lvl1pPr>
+            <a:lvl2pPr marL="742950" indent="-285750">
+              <a:defRPr>
+                <a:solidFill>
+                  <a:schemeClr val="tx1"/>
+                </a:solidFill>
+                <a:latin typeface="Calibri" panose="020F0502020204030204" pitchFamily="34" charset="0"/>
+              </a:defRPr>
+            </a:lvl2pPr>
+            <a:lvl3pPr marL="1143000" indent="-228600">
+              <a:defRPr>
+                <a:solidFill>
+                  <a:schemeClr val="tx1"/>
+                </a:solidFill>
+                <a:latin typeface="Calibri" panose="020F0502020204030204" pitchFamily="34" charset="0"/>
+              </a:defRPr>
+            </a:lvl3pPr>
+            <a:lvl4pPr marL="1600200" indent="-228600">
+              <a:defRPr>
+                <a:solidFill>
+                  <a:schemeClr val="tx1"/>
+                </a:solidFill>
+                <a:latin typeface="Calibri" panose="020F0502020204030204" pitchFamily="34" charset="0"/>
+              </a:defRPr>
+            </a:lvl4pPr>
+            <a:lvl5pPr marL="2057400" indent="-228600">
+              <a:defRPr>
+                <a:solidFill>
+                  <a:schemeClr val="tx1"/>
+                </a:solidFill>
+                <a:latin typeface="Calibri" panose="020F0502020204030204" pitchFamily="34" charset="0"/>
+              </a:defRPr>
+            </a:lvl5pPr>
+            <a:lvl6pPr marL="2514600" indent="-228600" eaLnBrk="0" fontAlgn="base" hangingPunct="0">
+              <a:spcBef>
+                <a:spcPct val="0"/>
+              </a:spcBef>
+              <a:spcAft>
+                <a:spcPct val="0"/>
+              </a:spcAft>
+              <a:defRPr>
+                <a:solidFill>
+                  <a:schemeClr val="tx1"/>
+                </a:solidFill>
+                <a:latin typeface="Calibri" panose="020F0502020204030204" pitchFamily="34" charset="0"/>
+              </a:defRPr>
+            </a:lvl6pPr>
+            <a:lvl7pPr marL="2971800" indent="-228600" eaLnBrk="0" fontAlgn="base" hangingPunct="0">
+              <a:spcBef>
+                <a:spcPct val="0"/>
+              </a:spcBef>
+              <a:spcAft>
+                <a:spcPct val="0"/>
+              </a:spcAft>
+              <a:defRPr>
+                <a:solidFill>
+                  <a:schemeClr val="tx1"/>
+                </a:solidFill>
+                <a:latin typeface="Calibri" panose="020F0502020204030204" pitchFamily="34" charset="0"/>
+              </a:defRPr>
+            </a:lvl7pPr>
+            <a:lvl8pPr marL="3429000" indent="-228600" eaLnBrk="0" fontAlgn="base" hangingPunct="0">
+              <a:spcBef>
+                <a:spcPct val="0"/>
+              </a:spcBef>
+              <a:spcAft>
+                <a:spcPct val="0"/>
+              </a:spcAft>
+              <a:defRPr>
+                <a:solidFill>
+                  <a:schemeClr val="tx1"/>
+                </a:solidFill>
+                <a:latin typeface="Calibri" panose="020F0502020204030204" pitchFamily="34" charset="0"/>
+              </a:defRPr>
+            </a:lvl8pPr>
+            <a:lvl9pPr marL="3886200" indent="-228600" eaLnBrk="0" fontAlgn="base" hangingPunct="0">
+              <a:spcBef>
+                <a:spcPct val="0"/>
+              </a:spcBef>
+              <a:spcAft>
+                <a:spcPct val="0"/>
+              </a:spcAft>
+              <a:defRPr>
+                <a:solidFill>
+                  <a:schemeClr val="tx1"/>
+                </a:solidFill>
+                <a:latin typeface="Calibri" panose="020F0502020204030204" pitchFamily="34" charset="0"/>
+              </a:defRPr>
+            </a:lvl9pPr>
+          </a:lstStyle>
+          <a:p>
+            <a:pPr marL="0" marR="0" lvl="0" indent="0" algn="ctr" defTabSz="914400" rtl="0" eaLnBrk="1" fontAlgn="base" latinLnBrk="0" hangingPunct="1">
+              <a:lnSpc>
+                <a:spcPct val="100000"/>
+              </a:lnSpc>
+              <a:spcBef>
+                <a:spcPct val="0"/>
+              </a:spcBef>
+              <a:spcAft>
+                <a:spcPct val="0"/>
+              </a:spcAft>
+              <a:buClrTx/>
+              <a:buSzTx/>
+              <a:buFontTx/>
+              <a:buNone/>
+              <a:tabLst/>
+              <a:defRPr/>
+            </a:pPr>
+            <a:r>
+              <a:rPr kumimoji="0" lang="en-US" altLang="en-US" sz="1200" b="0" i="0" u="none" strike="noStrike" kern="1200" cap="none" spc="0" normalizeH="0" baseline="0" noProof="0" dirty="0">
+                <a:ln>
+                  <a:noFill/>
+                </a:ln>
+                <a:solidFill>
+                  <a:srgbClr val="232F3E"/>
+                </a:solidFill>
+                <a:effectLst/>
+                <a:uLnTx/>
+                <a:uFillTx/>
+                <a:latin typeface="Arial" panose="020B0604020202020204" pitchFamily="34" charset="0"/>
+                <a:ea typeface="+mn-ea"/>
+                <a:cs typeface="Arial" panose="020B0604020202020204" pitchFamily="34" charset="0"/>
+              </a:rPr>
+              <a:t>RADIUS Server</a:t>
+            </a:r>
+          </a:p>
+        </p:txBody>
+      </p:sp>
+      <p:sp>
+        <p:nvSpPr>
+          <p:cNvPr id="88" name="Rectangle 87">
+            <a:extLst>
+              <a:ext uri="{FF2B5EF4-FFF2-40B4-BE49-F238E27FC236}">
+                <a16:creationId xmlns:a16="http://schemas.microsoft.com/office/drawing/2014/main" id="{C859C9C4-CDD9-2643-8D93-606FE8119AF5}"/>
+              </a:ext>
+            </a:extLst>
+          </p:cNvPr>
+          <p:cNvSpPr/>
+          <p:nvPr/>
+        </p:nvSpPr>
+        <p:spPr>
+          <a:xfrm>
+            <a:off x="2769062" y="3839855"/>
+            <a:ext cx="5500004" cy="734347"/>
           </a:xfrm>
           <a:prstGeom prst="rect">
             <a:avLst/>
@@ -27594,7 +28304,7 @@
               <a:defRPr/>
             </a:pPr>
             <a:r>
-              <a:rPr kumimoji="0" lang="en-US" sz="1000" b="0" i="0" u="none" strike="noStrike" kern="1200" cap="none" spc="0" normalizeH="0" baseline="0" noProof="0" dirty="0">
+              <a:rPr kumimoji="0" lang="en-US" sz="1200" b="0" i="0" u="none" strike="noStrike" kern="1200" cap="none" spc="0" normalizeH="0" baseline="0" noProof="0" dirty="0">
                 <a:ln>
                   <a:noFill/>
                 </a:ln>
@@ -27613,313 +28323,12 @@
           </a:p>
         </p:txBody>
       </p:sp>
-      <p:pic>
-        <p:nvPicPr>
-          <p:cNvPr id="49" name="Graphic 48">
-            <a:extLst>
-              <a:ext uri="{FF2B5EF4-FFF2-40B4-BE49-F238E27FC236}">
-                <a16:creationId xmlns:a16="http://schemas.microsoft.com/office/drawing/2014/main" id="{F88FDB8F-EE69-CA4C-BA7D-77D1617E7A7A}"/>
-              </a:ext>
-            </a:extLst>
-          </p:cNvPr>
-          <p:cNvPicPr>
-            <a:picLocks noChangeAspect="1"/>
-          </p:cNvPicPr>
-          <p:nvPr/>
-        </p:nvPicPr>
-        <p:blipFill>
-          <a:blip r:embed="rId6">
-            <a:extLst>
-              <a:ext uri="{96DAC541-7B7A-43D3-8B79-37D633B846F1}">
-                <asvg:svgBlip xmlns:asvg="http://schemas.microsoft.com/office/drawing/2016/SVG/main" r:embed="rId7"/>
-              </a:ext>
-            </a:extLst>
-          </a:blip>
-          <a:stretch>
-            <a:fillRect/>
-          </a:stretch>
-        </p:blipFill>
-        <p:spPr>
-          <a:xfrm>
-            <a:off x="1060220" y="2077927"/>
-            <a:ext cx="295194" cy="295194"/>
-          </a:xfrm>
-          <a:prstGeom prst="rect">
-            <a:avLst/>
-          </a:prstGeom>
-        </p:spPr>
-      </p:pic>
-      <p:pic>
-        <p:nvPicPr>
-          <p:cNvPr id="50" name="Graphic 49">
-            <a:extLst>
-              <a:ext uri="{FF2B5EF4-FFF2-40B4-BE49-F238E27FC236}">
-                <a16:creationId xmlns:a16="http://schemas.microsoft.com/office/drawing/2014/main" id="{99CEE759-5B3C-F34D-A7E1-8309D1A608E9}"/>
-              </a:ext>
-            </a:extLst>
-          </p:cNvPr>
-          <p:cNvPicPr>
-            <a:picLocks noChangeAspect="1"/>
-          </p:cNvPicPr>
-          <p:nvPr/>
-        </p:nvPicPr>
-        <p:blipFill>
-          <a:blip r:embed="rId8">
-            <a:extLst>
-              <a:ext uri="{96DAC541-7B7A-43D3-8B79-37D633B846F1}">
-                <asvg:svgBlip xmlns:asvg="http://schemas.microsoft.com/office/drawing/2016/SVG/main" r:embed="rId9"/>
-              </a:ext>
-            </a:extLst>
-          </a:blip>
-          <a:stretch>
-            <a:fillRect/>
-          </a:stretch>
-        </p:blipFill>
-        <p:spPr>
-          <a:xfrm>
-            <a:off x="1058949" y="3489581"/>
-            <a:ext cx="381000" cy="381000"/>
-          </a:xfrm>
-          <a:prstGeom prst="rect">
-            <a:avLst/>
-          </a:prstGeom>
-        </p:spPr>
-      </p:pic>
       <p:sp>
         <p:nvSpPr>
-          <p:cNvPr id="56" name="Rectangle 55">
-            <a:extLst>
-              <a:ext uri="{FF2B5EF4-FFF2-40B4-BE49-F238E27FC236}">
-                <a16:creationId xmlns:a16="http://schemas.microsoft.com/office/drawing/2014/main" id="{2BD351F1-3F5B-144D-A3CB-8114C507BB78}"/>
-              </a:ext>
-            </a:extLst>
-          </p:cNvPr>
-          <p:cNvSpPr/>
-          <p:nvPr/>
-        </p:nvSpPr>
-        <p:spPr>
-          <a:xfrm>
-            <a:off x="7205675" y="3449247"/>
-            <a:ext cx="2760031" cy="2712603"/>
-          </a:xfrm>
-          <a:prstGeom prst="rect">
-            <a:avLst/>
-          </a:prstGeom>
-          <a:solidFill>
-            <a:srgbClr val="007CBC">
-              <a:alpha val="9804"/>
-            </a:srgbClr>
-          </a:solidFill>
-          <a:ln w="12700">
-            <a:noFill/>
-            <a:prstDash val="dash"/>
-          </a:ln>
-        </p:spPr>
-        <p:style>
-          <a:lnRef idx="2">
-            <a:schemeClr val="accent1">
-              <a:shade val="50000"/>
-            </a:schemeClr>
-          </a:lnRef>
-          <a:fillRef idx="1">
-            <a:schemeClr val="accent1"/>
-          </a:fillRef>
-          <a:effectRef idx="0">
-            <a:schemeClr val="accent1"/>
-          </a:effectRef>
-          <a:fontRef idx="minor">
-            <a:schemeClr val="lt1"/>
-          </a:fontRef>
-        </p:style>
-        <p:txBody>
-          <a:bodyPr lIns="502920"/>
-          <a:lstStyle/>
-          <a:p>
-            <a:pPr eaLnBrk="1" fontAlgn="auto" hangingPunct="1">
-              <a:spcBef>
-                <a:spcPts val="0"/>
-              </a:spcBef>
-              <a:spcAft>
-                <a:spcPts val="0"/>
-              </a:spcAft>
-              <a:defRPr/>
-            </a:pPr>
-            <a:r>
-              <a:rPr lang="en-US" sz="1200" dirty="0">
-                <a:solidFill>
-                  <a:srgbClr val="5B9CD5"/>
-                </a:solidFill>
-                <a:latin typeface="Arial" panose="020B0604020202020204" pitchFamily="34" charset="0"/>
-                <a:cs typeface="Arial" panose="020B0604020202020204" pitchFamily="34" charset="0"/>
-              </a:rPr>
-              <a:t>Private subnet</a:t>
-            </a:r>
-          </a:p>
-        </p:txBody>
-      </p:sp>
-      <p:sp>
-        <p:nvSpPr>
-          <p:cNvPr id="57" name="Rectangle 56">
-            <a:extLst>
-              <a:ext uri="{FF2B5EF4-FFF2-40B4-BE49-F238E27FC236}">
-                <a16:creationId xmlns:a16="http://schemas.microsoft.com/office/drawing/2014/main" id="{0BD21FFD-C80D-A74F-8C33-DF6266EEE923}"/>
-              </a:ext>
-            </a:extLst>
-          </p:cNvPr>
-          <p:cNvSpPr/>
-          <p:nvPr/>
-        </p:nvSpPr>
-        <p:spPr>
-          <a:xfrm>
-            <a:off x="7202358" y="1963766"/>
-            <a:ext cx="2763348" cy="1343616"/>
-          </a:xfrm>
-          <a:prstGeom prst="rect">
-            <a:avLst/>
-          </a:prstGeom>
-          <a:solidFill>
-            <a:srgbClr val="1D8900">
-              <a:alpha val="9804"/>
-            </a:srgbClr>
-          </a:solidFill>
-          <a:ln w="12700">
-            <a:noFill/>
-            <a:prstDash val="dash"/>
-          </a:ln>
-        </p:spPr>
-        <p:style>
-          <a:lnRef idx="2">
-            <a:schemeClr val="accent1">
-              <a:shade val="50000"/>
-            </a:schemeClr>
-          </a:lnRef>
-          <a:fillRef idx="1">
-            <a:schemeClr val="accent1"/>
-          </a:fillRef>
-          <a:effectRef idx="0">
-            <a:schemeClr val="accent1"/>
-          </a:effectRef>
-          <a:fontRef idx="minor">
-            <a:schemeClr val="lt1"/>
-          </a:fontRef>
-        </p:style>
-        <p:txBody>
-          <a:bodyPr lIns="502920"/>
-          <a:lstStyle/>
-          <a:p>
-            <a:pPr eaLnBrk="1" fontAlgn="auto" hangingPunct="1">
-              <a:spcBef>
-                <a:spcPts val="0"/>
-              </a:spcBef>
-              <a:spcAft>
-                <a:spcPts val="0"/>
-              </a:spcAft>
-              <a:defRPr/>
-            </a:pPr>
-            <a:r>
-              <a:rPr lang="en-US" sz="1200" dirty="0">
-                <a:solidFill>
-                  <a:srgbClr val="1E8900"/>
-                </a:solidFill>
-                <a:latin typeface="Arial" panose="020B0604020202020204" pitchFamily="34" charset="0"/>
-                <a:cs typeface="Arial" panose="020B0604020202020204" pitchFamily="34" charset="0"/>
-              </a:rPr>
-              <a:t>Public subnet</a:t>
-            </a:r>
-          </a:p>
-        </p:txBody>
-      </p:sp>
-      <p:sp>
-        <p:nvSpPr>
-          <p:cNvPr id="58" name="Rectangle 57">
-            <a:extLst>
-              <a:ext uri="{FF2B5EF4-FFF2-40B4-BE49-F238E27FC236}">
-                <a16:creationId xmlns:a16="http://schemas.microsoft.com/office/drawing/2014/main" id="{A67CB6E5-FED0-1643-95C9-597CDFECC02A}"/>
-              </a:ext>
-            </a:extLst>
-          </p:cNvPr>
-          <p:cNvSpPr/>
-          <p:nvPr/>
-        </p:nvSpPr>
-        <p:spPr bwMode="auto">
-          <a:xfrm>
-            <a:off x="7144683" y="1419621"/>
-            <a:ext cx="2962812" cy="5019228"/>
-          </a:xfrm>
-          <a:prstGeom prst="rect">
-            <a:avLst/>
-          </a:prstGeom>
-          <a:noFill/>
-          <a:ln w="12700">
-            <a:solidFill>
-              <a:srgbClr val="5B9CD5"/>
-            </a:solidFill>
-            <a:prstDash val="dash"/>
-          </a:ln>
-        </p:spPr>
-        <p:style>
-          <a:lnRef idx="2">
-            <a:schemeClr val="accent1">
-              <a:shade val="50000"/>
-            </a:schemeClr>
-          </a:lnRef>
-          <a:fillRef idx="1">
-            <a:schemeClr val="accent1"/>
-          </a:fillRef>
-          <a:effectRef idx="0">
-            <a:schemeClr val="accent1"/>
-          </a:effectRef>
-          <a:fontRef idx="minor">
-            <a:schemeClr val="lt1"/>
-          </a:fontRef>
-        </p:style>
-        <p:txBody>
-          <a:bodyPr tIns="91440"/>
-          <a:lstStyle/>
-          <a:p>
-            <a:pPr marL="0" marR="0" lvl="0" indent="0" algn="ctr" defTabSz="914400" rtl="0" eaLnBrk="1" fontAlgn="auto" latinLnBrk="0" hangingPunct="1">
-              <a:lnSpc>
-                <a:spcPct val="100000"/>
-              </a:lnSpc>
-              <a:spcBef>
-                <a:spcPts val="0"/>
-              </a:spcBef>
-              <a:spcAft>
-                <a:spcPts val="0"/>
-              </a:spcAft>
-              <a:buClrTx/>
-              <a:buSzTx/>
-              <a:buFontTx/>
-              <a:buNone/>
-              <a:tabLst/>
-              <a:defRPr/>
-            </a:pPr>
-            <a:r>
-              <a:rPr kumimoji="0" lang="en-US" sz="1200" b="0" i="0" u="none" strike="noStrike" kern="1200" cap="none" spc="0" normalizeH="0" baseline="0" noProof="0" dirty="0">
-                <a:ln>
-                  <a:noFill/>
-                </a:ln>
-                <a:solidFill>
-                  <a:srgbClr val="5B9CD5"/>
-                </a:solidFill>
-                <a:effectLst/>
-                <a:uLnTx/>
-                <a:uFillTx/>
-                <a:latin typeface="Arial" panose="020B0604020202020204" pitchFamily="34" charset="0"/>
-                <a:ea typeface="+mn-ea"/>
-                <a:cs typeface="Arial" panose="020B0604020202020204" pitchFamily="34" charset="0"/>
-              </a:rPr>
-              <a:t>Availability Zone 2</a:t>
-            </a:r>
-          </a:p>
-        </p:txBody>
-      </p:sp>
-      <p:sp>
-        <p:nvSpPr>
-          <p:cNvPr id="60" name="TextBox 14">
-            <a:extLst>
-              <a:ext uri="{FF2B5EF4-FFF2-40B4-BE49-F238E27FC236}">
-                <a16:creationId xmlns:a16="http://schemas.microsoft.com/office/drawing/2014/main" id="{3DA53A85-9347-1045-8931-DF0819FAAE27}"/>
+          <p:cNvPr id="94" name="TextBox 19">
+            <a:extLst>
+              <a:ext uri="{FF2B5EF4-FFF2-40B4-BE49-F238E27FC236}">
+                <a16:creationId xmlns:a16="http://schemas.microsoft.com/office/drawing/2014/main" id="{76DB11B8-9FC3-A141-B5DF-78B2D38518E1}"/>
               </a:ext>
             </a:extLst>
           </p:cNvPr>
@@ -27930,8 +28339,8 @@
         </p:nvSpPr>
         <p:spPr bwMode="auto">
           <a:xfrm>
-            <a:off x="8429364" y="2870103"/>
-            <a:ext cx="1767152" cy="246221"/>
+            <a:off x="4022397" y="2712818"/>
+            <a:ext cx="2990308" cy="276999"/>
           </a:xfrm>
           <a:prstGeom prst="rect">
             <a:avLst/>
@@ -27961,425 +28370,6 @@
           </a:extLst>
         </p:spPr>
         <p:txBody>
-          <a:bodyPr>
-            <a:spAutoFit/>
-          </a:bodyPr>
-          <a:lstStyle>
-            <a:lvl1pPr>
-              <a:defRPr>
-                <a:solidFill>
-                  <a:schemeClr val="tx1"/>
-                </a:solidFill>
-                <a:latin typeface="Calibri" panose="020F0502020204030204" pitchFamily="34" charset="0"/>
-              </a:defRPr>
-            </a:lvl1pPr>
-            <a:lvl2pPr marL="742950" indent="-285750">
-              <a:defRPr>
-                <a:solidFill>
-                  <a:schemeClr val="tx1"/>
-                </a:solidFill>
-                <a:latin typeface="Calibri" panose="020F0502020204030204" pitchFamily="34" charset="0"/>
-              </a:defRPr>
-            </a:lvl2pPr>
-            <a:lvl3pPr marL="1143000" indent="-228600">
-              <a:defRPr>
-                <a:solidFill>
-                  <a:schemeClr val="tx1"/>
-                </a:solidFill>
-                <a:latin typeface="Calibri" panose="020F0502020204030204" pitchFamily="34" charset="0"/>
-              </a:defRPr>
-            </a:lvl3pPr>
-            <a:lvl4pPr marL="1600200" indent="-228600">
-              <a:defRPr>
-                <a:solidFill>
-                  <a:schemeClr val="tx1"/>
-                </a:solidFill>
-                <a:latin typeface="Calibri" panose="020F0502020204030204" pitchFamily="34" charset="0"/>
-              </a:defRPr>
-            </a:lvl4pPr>
-            <a:lvl5pPr marL="2057400" indent="-228600">
-              <a:defRPr>
-                <a:solidFill>
-                  <a:schemeClr val="tx1"/>
-                </a:solidFill>
-                <a:latin typeface="Calibri" panose="020F0502020204030204" pitchFamily="34" charset="0"/>
-              </a:defRPr>
-            </a:lvl5pPr>
-            <a:lvl6pPr marL="2514600" indent="-228600" eaLnBrk="0" fontAlgn="base" hangingPunct="0">
-              <a:spcBef>
-                <a:spcPct val="0"/>
-              </a:spcBef>
-              <a:spcAft>
-                <a:spcPct val="0"/>
-              </a:spcAft>
-              <a:defRPr>
-                <a:solidFill>
-                  <a:schemeClr val="tx1"/>
-                </a:solidFill>
-                <a:latin typeface="Calibri" panose="020F0502020204030204" pitchFamily="34" charset="0"/>
-              </a:defRPr>
-            </a:lvl6pPr>
-            <a:lvl7pPr marL="2971800" indent="-228600" eaLnBrk="0" fontAlgn="base" hangingPunct="0">
-              <a:spcBef>
-                <a:spcPct val="0"/>
-              </a:spcBef>
-              <a:spcAft>
-                <a:spcPct val="0"/>
-              </a:spcAft>
-              <a:defRPr>
-                <a:solidFill>
-                  <a:schemeClr val="tx1"/>
-                </a:solidFill>
-                <a:latin typeface="Calibri" panose="020F0502020204030204" pitchFamily="34" charset="0"/>
-              </a:defRPr>
-            </a:lvl7pPr>
-            <a:lvl8pPr marL="3429000" indent="-228600" eaLnBrk="0" fontAlgn="base" hangingPunct="0">
-              <a:spcBef>
-                <a:spcPct val="0"/>
-              </a:spcBef>
-              <a:spcAft>
-                <a:spcPct val="0"/>
-              </a:spcAft>
-              <a:defRPr>
-                <a:solidFill>
-                  <a:schemeClr val="tx1"/>
-                </a:solidFill>
-                <a:latin typeface="Calibri" panose="020F0502020204030204" pitchFamily="34" charset="0"/>
-              </a:defRPr>
-            </a:lvl8pPr>
-            <a:lvl9pPr marL="3886200" indent="-228600" eaLnBrk="0" fontAlgn="base" hangingPunct="0">
-              <a:spcBef>
-                <a:spcPct val="0"/>
-              </a:spcBef>
-              <a:spcAft>
-                <a:spcPct val="0"/>
-              </a:spcAft>
-              <a:defRPr>
-                <a:solidFill>
-                  <a:schemeClr val="tx1"/>
-                </a:solidFill>
-                <a:latin typeface="Calibri" panose="020F0502020204030204" pitchFamily="34" charset="0"/>
-              </a:defRPr>
-            </a:lvl9pPr>
-          </a:lstStyle>
-          <a:p>
-            <a:pPr marL="0" marR="0" lvl="0" indent="0" algn="ctr" defTabSz="914400" rtl="0" eaLnBrk="1" fontAlgn="base" latinLnBrk="0" hangingPunct="1">
-              <a:lnSpc>
-                <a:spcPct val="100000"/>
-              </a:lnSpc>
-              <a:spcBef>
-                <a:spcPct val="0"/>
-              </a:spcBef>
-              <a:spcAft>
-                <a:spcPct val="0"/>
-              </a:spcAft>
-              <a:buClrTx/>
-              <a:buSzTx/>
-              <a:buFontTx/>
-              <a:buNone/>
-              <a:tabLst/>
-              <a:defRPr/>
-            </a:pPr>
-            <a:r>
-              <a:rPr kumimoji="0" lang="en-US" altLang="en-US" sz="1000" b="0" i="0" u="none" strike="noStrike" kern="1200" cap="none" spc="0" normalizeH="0" baseline="0" noProof="0" dirty="0">
-                <a:ln>
-                  <a:noFill/>
-                </a:ln>
-                <a:solidFill>
-                  <a:srgbClr val="232F3E"/>
-                </a:solidFill>
-                <a:effectLst/>
-                <a:uLnTx/>
-                <a:uFillTx/>
-                <a:latin typeface="Arial" panose="020B0604020202020204" pitchFamily="34" charset="0"/>
-                <a:ea typeface="+mn-ea"/>
-                <a:cs typeface="Arial" panose="020B0604020202020204" pitchFamily="34" charset="0"/>
-              </a:rPr>
-              <a:t>NAT gateway</a:t>
-            </a:r>
-          </a:p>
-        </p:txBody>
-      </p:sp>
-      <p:pic>
-        <p:nvPicPr>
-          <p:cNvPr id="63" name="Graphic 62">
-            <a:extLst>
-              <a:ext uri="{FF2B5EF4-FFF2-40B4-BE49-F238E27FC236}">
-                <a16:creationId xmlns:a16="http://schemas.microsoft.com/office/drawing/2014/main" id="{503C64AB-5A3E-8F47-8941-0590B1290A56}"/>
-              </a:ext>
-            </a:extLst>
-          </p:cNvPr>
-          <p:cNvPicPr>
-            <a:picLocks noChangeAspect="1"/>
-          </p:cNvPicPr>
-          <p:nvPr/>
-        </p:nvPicPr>
-        <p:blipFill>
-          <a:blip r:embed="rId6">
-            <a:extLst>
-              <a:ext uri="{96DAC541-7B7A-43D3-8B79-37D633B846F1}">
-                <asvg:svgBlip xmlns:asvg="http://schemas.microsoft.com/office/drawing/2016/SVG/main" r:embed="rId7"/>
-              </a:ext>
-            </a:extLst>
-          </a:blip>
-          <a:stretch>
-            <a:fillRect/>
-          </a:stretch>
-        </p:blipFill>
-        <p:spPr>
-          <a:xfrm>
-            <a:off x="7202993" y="1963455"/>
-            <a:ext cx="309246" cy="309246"/>
-          </a:xfrm>
-          <a:prstGeom prst="rect">
-            <a:avLst/>
-          </a:prstGeom>
-        </p:spPr>
-      </p:pic>
-      <p:pic>
-        <p:nvPicPr>
-          <p:cNvPr id="64" name="Graphic 63">
-            <a:extLst>
-              <a:ext uri="{FF2B5EF4-FFF2-40B4-BE49-F238E27FC236}">
-                <a16:creationId xmlns:a16="http://schemas.microsoft.com/office/drawing/2014/main" id="{B0C037B8-F7FB-2944-A79A-2A8C09C863CE}"/>
-              </a:ext>
-            </a:extLst>
-          </p:cNvPr>
-          <p:cNvPicPr>
-            <a:picLocks noChangeAspect="1"/>
-          </p:cNvPicPr>
-          <p:nvPr/>
-        </p:nvPicPr>
-        <p:blipFill>
-          <a:blip r:embed="rId8">
-            <a:extLst>
-              <a:ext uri="{96DAC541-7B7A-43D3-8B79-37D633B846F1}">
-                <asvg:svgBlip xmlns:asvg="http://schemas.microsoft.com/office/drawing/2016/SVG/main" r:embed="rId9"/>
-              </a:ext>
-            </a:extLst>
-          </a:blip>
-          <a:stretch>
-            <a:fillRect/>
-          </a:stretch>
-        </p:blipFill>
-        <p:spPr>
-          <a:xfrm>
-            <a:off x="7206484" y="3451092"/>
-            <a:ext cx="381000" cy="381000"/>
-          </a:xfrm>
-          <a:prstGeom prst="rect">
-            <a:avLst/>
-          </a:prstGeom>
-        </p:spPr>
-      </p:pic>
-      <p:sp>
-        <p:nvSpPr>
-          <p:cNvPr id="78" name="TextBox 12">
-            <a:extLst>
-              <a:ext uri="{FF2B5EF4-FFF2-40B4-BE49-F238E27FC236}">
-                <a16:creationId xmlns:a16="http://schemas.microsoft.com/office/drawing/2014/main" id="{FD1D5076-2EB7-AC48-9BB5-DF7900D47544}"/>
-              </a:ext>
-            </a:extLst>
-          </p:cNvPr>
-          <p:cNvSpPr txBox="1">
-            <a:spLocks noChangeArrowheads="1"/>
-          </p:cNvSpPr>
-          <p:nvPr/>
-        </p:nvSpPr>
-        <p:spPr bwMode="auto">
-          <a:xfrm>
-            <a:off x="4840204" y="1903346"/>
-            <a:ext cx="1403350" cy="246221"/>
-          </a:xfrm>
-          <a:prstGeom prst="rect">
-            <a:avLst/>
-          </a:prstGeom>
-          <a:noFill/>
-          <a:ln>
-            <a:noFill/>
-          </a:ln>
-          <a:extLst>
-            <a:ext uri="{909E8E84-426E-40DD-AFC4-6F175D3DCCD1}">
-              <a14:hiddenFill xmlns:a14="http://schemas.microsoft.com/office/drawing/2010/main">
-                <a:solidFill>
-                  <a:srgbClr val="FFFFFF"/>
-                </a:solidFill>
-              </a14:hiddenFill>
-            </a:ext>
-            <a:ext uri="{91240B29-F687-4F45-9708-019B960494DF}">
-              <a14:hiddenLine xmlns:a14="http://schemas.microsoft.com/office/drawing/2010/main" w="9525">
-                <a:solidFill>
-                  <a:srgbClr val="000000"/>
-                </a:solidFill>
-                <a:miter lim="800000"/>
-                <a:headEnd/>
-                <a:tailEnd/>
-              </a14:hiddenLine>
-            </a:ext>
-          </a:extLst>
-        </p:spPr>
-        <p:txBody>
-          <a:bodyPr>
-            <a:spAutoFit/>
-          </a:bodyPr>
-          <a:lstStyle>
-            <a:lvl1pPr>
-              <a:defRPr>
-                <a:solidFill>
-                  <a:schemeClr val="tx1"/>
-                </a:solidFill>
-                <a:latin typeface="Calibri" panose="020F0502020204030204" pitchFamily="34" charset="0"/>
-              </a:defRPr>
-            </a:lvl1pPr>
-            <a:lvl2pPr marL="742950" indent="-285750">
-              <a:defRPr>
-                <a:solidFill>
-                  <a:schemeClr val="tx1"/>
-                </a:solidFill>
-                <a:latin typeface="Calibri" panose="020F0502020204030204" pitchFamily="34" charset="0"/>
-              </a:defRPr>
-            </a:lvl2pPr>
-            <a:lvl3pPr marL="1143000" indent="-228600">
-              <a:defRPr>
-                <a:solidFill>
-                  <a:schemeClr val="tx1"/>
-                </a:solidFill>
-                <a:latin typeface="Calibri" panose="020F0502020204030204" pitchFamily="34" charset="0"/>
-              </a:defRPr>
-            </a:lvl3pPr>
-            <a:lvl4pPr marL="1600200" indent="-228600">
-              <a:defRPr>
-                <a:solidFill>
-                  <a:schemeClr val="tx1"/>
-                </a:solidFill>
-                <a:latin typeface="Calibri" panose="020F0502020204030204" pitchFamily="34" charset="0"/>
-              </a:defRPr>
-            </a:lvl4pPr>
-            <a:lvl5pPr marL="2057400" indent="-228600">
-              <a:defRPr>
-                <a:solidFill>
-                  <a:schemeClr val="tx1"/>
-                </a:solidFill>
-                <a:latin typeface="Calibri" panose="020F0502020204030204" pitchFamily="34" charset="0"/>
-              </a:defRPr>
-            </a:lvl5pPr>
-            <a:lvl6pPr marL="2514600" indent="-228600" eaLnBrk="0" fontAlgn="base" hangingPunct="0">
-              <a:spcBef>
-                <a:spcPct val="0"/>
-              </a:spcBef>
-              <a:spcAft>
-                <a:spcPct val="0"/>
-              </a:spcAft>
-              <a:defRPr>
-                <a:solidFill>
-                  <a:schemeClr val="tx1"/>
-                </a:solidFill>
-                <a:latin typeface="Calibri" panose="020F0502020204030204" pitchFamily="34" charset="0"/>
-              </a:defRPr>
-            </a:lvl6pPr>
-            <a:lvl7pPr marL="2971800" indent="-228600" eaLnBrk="0" fontAlgn="base" hangingPunct="0">
-              <a:spcBef>
-                <a:spcPct val="0"/>
-              </a:spcBef>
-              <a:spcAft>
-                <a:spcPct val="0"/>
-              </a:spcAft>
-              <a:defRPr>
-                <a:solidFill>
-                  <a:schemeClr val="tx1"/>
-                </a:solidFill>
-                <a:latin typeface="Calibri" panose="020F0502020204030204" pitchFamily="34" charset="0"/>
-              </a:defRPr>
-            </a:lvl7pPr>
-            <a:lvl8pPr marL="3429000" indent="-228600" eaLnBrk="0" fontAlgn="base" hangingPunct="0">
-              <a:spcBef>
-                <a:spcPct val="0"/>
-              </a:spcBef>
-              <a:spcAft>
-                <a:spcPct val="0"/>
-              </a:spcAft>
-              <a:defRPr>
-                <a:solidFill>
-                  <a:schemeClr val="tx1"/>
-                </a:solidFill>
-                <a:latin typeface="Calibri" panose="020F0502020204030204" pitchFamily="34" charset="0"/>
-              </a:defRPr>
-            </a:lvl8pPr>
-            <a:lvl9pPr marL="3886200" indent="-228600" eaLnBrk="0" fontAlgn="base" hangingPunct="0">
-              <a:spcBef>
-                <a:spcPct val="0"/>
-              </a:spcBef>
-              <a:spcAft>
-                <a:spcPct val="0"/>
-              </a:spcAft>
-              <a:defRPr>
-                <a:solidFill>
-                  <a:schemeClr val="tx1"/>
-                </a:solidFill>
-                <a:latin typeface="Calibri" panose="020F0502020204030204" pitchFamily="34" charset="0"/>
-              </a:defRPr>
-            </a:lvl9pPr>
-          </a:lstStyle>
-          <a:p>
-            <a:pPr algn="ctr" eaLnBrk="1" hangingPunct="1"/>
-            <a:r>
-              <a:rPr lang="en-US" altLang="en-US" sz="1000" dirty="0">
-                <a:latin typeface="Arial" panose="020B0604020202020204" pitchFamily="34" charset="0"/>
-                <a:ea typeface="Amazon Ember" panose="020B0603020204020204" pitchFamily="34" charset="0"/>
-                <a:cs typeface="Arial" panose="020B0604020202020204" pitchFamily="34" charset="0"/>
-              </a:rPr>
-              <a:t>Internet gateway</a:t>
-            </a:r>
-          </a:p>
-        </p:txBody>
-      </p:sp>
-      <p:sp>
-        <p:nvSpPr>
-          <p:cNvPr id="83" name="TextBox 20">
-            <a:extLst>
-              <a:ext uri="{FF2B5EF4-FFF2-40B4-BE49-F238E27FC236}">
-                <a16:creationId xmlns:a16="http://schemas.microsoft.com/office/drawing/2014/main" id="{594861DE-2D58-A64E-B072-913B821B66BC}"/>
-              </a:ext>
-            </a:extLst>
-          </p:cNvPr>
-          <p:cNvSpPr txBox="1">
-            <a:spLocks noChangeArrowheads="1"/>
-          </p:cNvSpPr>
-          <p:nvPr/>
-        </p:nvSpPr>
-        <p:spPr bwMode="auto">
-          <a:xfrm>
-            <a:off x="7031969" y="4521835"/>
-            <a:ext cx="1434306" cy="246221"/>
-          </a:xfrm>
-          <a:prstGeom prst="rect">
-            <a:avLst/>
-          </a:prstGeom>
-          <a:noFill/>
-          <a:ln>
-            <a:noFill/>
-          </a:ln>
-          <a:extLst>
-            <a:ext uri="{909E8E84-426E-40DD-AFC4-6F175D3DCCD1}">
-              <a14:hiddenFill xmlns:a14="http://schemas.microsoft.com/office/drawing/2010/main">
-                <a:solidFill>
-                  <a:srgbClr val="FFFFFF"/>
-                </a:solidFill>
-              </a14:hiddenFill>
-            </a:ext>
-            <a:ext uri="{91240B29-F687-4F45-9708-019B960494DF}">
-              <a14:hiddenLine xmlns:a14="http://schemas.microsoft.com/office/drawing/2010/main" w="9525">
-                <a:solidFill>
-                  <a:srgbClr val="000000"/>
-                </a:solidFill>
-                <a:miter lim="800000"/>
-                <a:headEnd/>
-                <a:tailEnd/>
-              </a14:hiddenLine>
-            </a:ext>
-          </a:extLst>
-        </p:spPr>
-        <p:txBody>
           <a:bodyPr wrap="square">
             <a:spAutoFit/>
           </a:bodyPr>
@@ -28482,858 +28472,14 @@
             </a:lvl9pPr>
           </a:lstStyle>
           <a:p>
-            <a:pPr marL="0" marR="0" lvl="0" indent="0" algn="ctr" defTabSz="914400" rtl="0" eaLnBrk="1" fontAlgn="base" latinLnBrk="0" hangingPunct="1">
-              <a:lnSpc>
-                <a:spcPct val="100000"/>
-              </a:lnSpc>
-              <a:spcBef>
-                <a:spcPct val="0"/>
-              </a:spcBef>
-              <a:spcAft>
-                <a:spcPct val="0"/>
-              </a:spcAft>
-              <a:buClrTx/>
-              <a:buSzTx/>
-              <a:buFontTx/>
-              <a:buNone/>
-              <a:tabLst/>
-              <a:defRPr/>
-            </a:pPr>
-            <a:r>
-              <a:rPr kumimoji="0" lang="en-US" altLang="en-US" sz="1000" b="0" i="0" u="none" strike="noStrike" kern="1200" cap="none" spc="0" normalizeH="0" baseline="0" noProof="0" dirty="0">
-                <a:ln>
-                  <a:noFill/>
-                </a:ln>
-                <a:solidFill>
-                  <a:srgbClr val="232F3E"/>
-                </a:solidFill>
-                <a:effectLst/>
-                <a:uLnTx/>
-                <a:uFillTx/>
-                <a:latin typeface="Arial" panose="020B0604020202020204" pitchFamily="34" charset="0"/>
-                <a:ea typeface="+mn-ea"/>
-                <a:cs typeface="Arial" panose="020B0604020202020204" pitchFamily="34" charset="0"/>
-              </a:rPr>
-              <a:t>RADIUS Server</a:t>
-            </a:r>
-          </a:p>
-        </p:txBody>
-      </p:sp>
-      <p:pic>
-        <p:nvPicPr>
-          <p:cNvPr id="84" name="Graphic 19">
-            <a:extLst>
-              <a:ext uri="{FF2B5EF4-FFF2-40B4-BE49-F238E27FC236}">
-                <a16:creationId xmlns:a16="http://schemas.microsoft.com/office/drawing/2014/main" id="{C2E6913B-0D8E-0445-AA66-B82AD9CFF6D5}"/>
-              </a:ext>
-            </a:extLst>
-          </p:cNvPr>
-          <p:cNvPicPr>
-            <a:picLocks noChangeAspect="1" noChangeArrowheads="1"/>
-          </p:cNvPicPr>
-          <p:nvPr/>
-        </p:nvPicPr>
-        <p:blipFill>
-          <a:blip r:embed="rId10">
-            <a:extLst>
-              <a:ext uri="{28A0092B-C50C-407E-A947-70E740481C1C}">
-                <a14:useLocalDpi xmlns:a14="http://schemas.microsoft.com/office/drawing/2010/main" val="0"/>
-              </a:ext>
-            </a:extLst>
-          </a:blip>
-          <a:srcRect/>
-          <a:stretch>
-            <a:fillRect/>
-          </a:stretch>
-        </p:blipFill>
-        <p:spPr bwMode="auto">
-          <a:xfrm>
-            <a:off x="3060128" y="2453998"/>
-            <a:ext cx="469900" cy="469900"/>
-          </a:xfrm>
-          <a:prstGeom prst="rect">
-            <a:avLst/>
-          </a:prstGeom>
-          <a:noFill/>
-          <a:ln>
-            <a:noFill/>
-          </a:ln>
-          <a:extLst>
-            <a:ext uri="{909E8E84-426E-40DD-AFC4-6F175D3DCCD1}">
-              <a14:hiddenFill xmlns:a14="http://schemas.microsoft.com/office/drawing/2010/main">
-                <a:solidFill>
-                  <a:srgbClr val="FFFFFF"/>
-                </a:solidFill>
-              </a14:hiddenFill>
-            </a:ext>
-            <a:ext uri="{91240B29-F687-4F45-9708-019B960494DF}">
-              <a14:hiddenLine xmlns:a14="http://schemas.microsoft.com/office/drawing/2010/main" w="9525">
-                <a:solidFill>
-                  <a:srgbClr val="000000"/>
-                </a:solidFill>
-                <a:miter lim="800000"/>
-                <a:headEnd/>
-                <a:tailEnd/>
-              </a14:hiddenLine>
-            </a:ext>
-          </a:extLst>
-        </p:spPr>
-      </p:pic>
-      <p:sp>
-        <p:nvSpPr>
-          <p:cNvPr id="85" name="TextBox 20">
-            <a:extLst>
-              <a:ext uri="{FF2B5EF4-FFF2-40B4-BE49-F238E27FC236}">
-                <a16:creationId xmlns:a16="http://schemas.microsoft.com/office/drawing/2014/main" id="{037C5889-18DD-8641-B8F5-26BF56DB84BE}"/>
-              </a:ext>
-            </a:extLst>
-          </p:cNvPr>
-          <p:cNvSpPr txBox="1">
-            <a:spLocks noChangeArrowheads="1"/>
-          </p:cNvSpPr>
-          <p:nvPr/>
-        </p:nvSpPr>
-        <p:spPr bwMode="auto">
-          <a:xfrm>
-            <a:off x="2411119" y="2899368"/>
-            <a:ext cx="1767152" cy="246221"/>
-          </a:xfrm>
-          <a:prstGeom prst="rect">
-            <a:avLst/>
-          </a:prstGeom>
-          <a:noFill/>
-          <a:ln>
-            <a:noFill/>
-          </a:ln>
-          <a:extLst>
-            <a:ext uri="{909E8E84-426E-40DD-AFC4-6F175D3DCCD1}">
-              <a14:hiddenFill xmlns:a14="http://schemas.microsoft.com/office/drawing/2010/main">
-                <a:solidFill>
-                  <a:srgbClr val="FFFFFF"/>
-                </a:solidFill>
-              </a14:hiddenFill>
-            </a:ext>
-            <a:ext uri="{91240B29-F687-4F45-9708-019B960494DF}">
-              <a14:hiddenLine xmlns:a14="http://schemas.microsoft.com/office/drawing/2010/main" w="9525">
-                <a:solidFill>
-                  <a:srgbClr val="000000"/>
-                </a:solidFill>
-                <a:miter lim="800000"/>
-                <a:headEnd/>
-                <a:tailEnd/>
-              </a14:hiddenLine>
-            </a:ext>
-          </a:extLst>
-        </p:spPr>
-        <p:txBody>
-          <a:bodyPr>
-            <a:spAutoFit/>
-          </a:bodyPr>
-          <a:lstStyle>
-            <a:lvl1pPr>
-              <a:defRPr>
-                <a:solidFill>
-                  <a:schemeClr val="tx1"/>
-                </a:solidFill>
-                <a:latin typeface="Calibri" panose="020F0502020204030204" pitchFamily="34" charset="0"/>
-              </a:defRPr>
-            </a:lvl1pPr>
-            <a:lvl2pPr marL="742950" indent="-285750">
-              <a:defRPr>
-                <a:solidFill>
-                  <a:schemeClr val="tx1"/>
-                </a:solidFill>
-                <a:latin typeface="Calibri" panose="020F0502020204030204" pitchFamily="34" charset="0"/>
-              </a:defRPr>
-            </a:lvl2pPr>
-            <a:lvl3pPr marL="1143000" indent="-228600">
-              <a:defRPr>
-                <a:solidFill>
-                  <a:schemeClr val="tx1"/>
-                </a:solidFill>
-                <a:latin typeface="Calibri" panose="020F0502020204030204" pitchFamily="34" charset="0"/>
-              </a:defRPr>
-            </a:lvl3pPr>
-            <a:lvl4pPr marL="1600200" indent="-228600">
-              <a:defRPr>
-                <a:solidFill>
-                  <a:schemeClr val="tx1"/>
-                </a:solidFill>
-                <a:latin typeface="Calibri" panose="020F0502020204030204" pitchFamily="34" charset="0"/>
-              </a:defRPr>
-            </a:lvl4pPr>
-            <a:lvl5pPr marL="2057400" indent="-228600">
-              <a:defRPr>
-                <a:solidFill>
-                  <a:schemeClr val="tx1"/>
-                </a:solidFill>
-                <a:latin typeface="Calibri" panose="020F0502020204030204" pitchFamily="34" charset="0"/>
-              </a:defRPr>
-            </a:lvl5pPr>
-            <a:lvl6pPr marL="2514600" indent="-228600" eaLnBrk="0" fontAlgn="base" hangingPunct="0">
-              <a:spcBef>
-                <a:spcPct val="0"/>
-              </a:spcBef>
-              <a:spcAft>
-                <a:spcPct val="0"/>
-              </a:spcAft>
-              <a:defRPr>
-                <a:solidFill>
-                  <a:schemeClr val="tx1"/>
-                </a:solidFill>
-                <a:latin typeface="Calibri" panose="020F0502020204030204" pitchFamily="34" charset="0"/>
-              </a:defRPr>
-            </a:lvl6pPr>
-            <a:lvl7pPr marL="2971800" indent="-228600" eaLnBrk="0" fontAlgn="base" hangingPunct="0">
-              <a:spcBef>
-                <a:spcPct val="0"/>
-              </a:spcBef>
-              <a:spcAft>
-                <a:spcPct val="0"/>
-              </a:spcAft>
-              <a:defRPr>
-                <a:solidFill>
-                  <a:schemeClr val="tx1"/>
-                </a:solidFill>
-                <a:latin typeface="Calibri" panose="020F0502020204030204" pitchFamily="34" charset="0"/>
-              </a:defRPr>
-            </a:lvl7pPr>
-            <a:lvl8pPr marL="3429000" indent="-228600" eaLnBrk="0" fontAlgn="base" hangingPunct="0">
-              <a:spcBef>
-                <a:spcPct val="0"/>
-              </a:spcBef>
-              <a:spcAft>
-                <a:spcPct val="0"/>
-              </a:spcAft>
-              <a:defRPr>
-                <a:solidFill>
-                  <a:schemeClr val="tx1"/>
-                </a:solidFill>
-                <a:latin typeface="Calibri" panose="020F0502020204030204" pitchFamily="34" charset="0"/>
-              </a:defRPr>
-            </a:lvl8pPr>
-            <a:lvl9pPr marL="3886200" indent="-228600" eaLnBrk="0" fontAlgn="base" hangingPunct="0">
-              <a:spcBef>
-                <a:spcPct val="0"/>
-              </a:spcBef>
-              <a:spcAft>
-                <a:spcPct val="0"/>
-              </a:spcAft>
-              <a:defRPr>
-                <a:solidFill>
-                  <a:schemeClr val="tx1"/>
-                </a:solidFill>
-                <a:latin typeface="Calibri" panose="020F0502020204030204" pitchFamily="34" charset="0"/>
-              </a:defRPr>
-            </a:lvl9pPr>
-          </a:lstStyle>
-          <a:p>
-            <a:pPr marL="0" marR="0" lvl="0" indent="0" algn="ctr" defTabSz="914400" rtl="0" eaLnBrk="1" fontAlgn="base" latinLnBrk="0" hangingPunct="1">
-              <a:lnSpc>
-                <a:spcPct val="100000"/>
-              </a:lnSpc>
-              <a:spcBef>
-                <a:spcPct val="0"/>
-              </a:spcBef>
-              <a:spcAft>
-                <a:spcPct val="0"/>
-              </a:spcAft>
-              <a:buClrTx/>
-              <a:buSzTx/>
-              <a:buFontTx/>
-              <a:buNone/>
-              <a:tabLst/>
-              <a:defRPr/>
-            </a:pPr>
-            <a:r>
-              <a:rPr kumimoji="0" lang="en-US" altLang="en-US" sz="1000" b="0" i="0" u="none" strike="noStrike" kern="1200" cap="none" spc="0" normalizeH="0" baseline="0" noProof="0" dirty="0">
-                <a:ln>
-                  <a:noFill/>
-                </a:ln>
-                <a:solidFill>
-                  <a:srgbClr val="232F3E"/>
-                </a:solidFill>
-                <a:effectLst/>
-                <a:uLnTx/>
-                <a:uFillTx/>
-                <a:latin typeface="Arial" panose="020B0604020202020204" pitchFamily="34" charset="0"/>
-                <a:ea typeface="+mn-ea"/>
-                <a:cs typeface="Arial" panose="020B0604020202020204" pitchFamily="34" charset="0"/>
-              </a:rPr>
-              <a:t>RD Gateway</a:t>
-            </a:r>
-          </a:p>
-        </p:txBody>
-      </p:sp>
-      <p:pic>
-        <p:nvPicPr>
-          <p:cNvPr id="86" name="Graphic 19">
-            <a:extLst>
-              <a:ext uri="{FF2B5EF4-FFF2-40B4-BE49-F238E27FC236}">
-                <a16:creationId xmlns:a16="http://schemas.microsoft.com/office/drawing/2014/main" id="{E89E247C-5E73-DE4F-BC02-57445FD6E212}"/>
-              </a:ext>
-            </a:extLst>
-          </p:cNvPr>
-          <p:cNvPicPr>
-            <a:picLocks noChangeAspect="1" noChangeArrowheads="1"/>
-          </p:cNvPicPr>
-          <p:nvPr/>
-        </p:nvPicPr>
-        <p:blipFill>
-          <a:blip r:embed="rId10">
-            <a:extLst>
-              <a:ext uri="{28A0092B-C50C-407E-A947-70E740481C1C}">
-                <a14:useLocalDpi xmlns:a14="http://schemas.microsoft.com/office/drawing/2010/main" val="0"/>
-              </a:ext>
-            </a:extLst>
-          </a:blip>
-          <a:srcRect/>
-          <a:stretch>
-            <a:fillRect/>
-          </a:stretch>
-        </p:blipFill>
-        <p:spPr bwMode="auto">
-          <a:xfrm>
-            <a:off x="7462847" y="2403204"/>
-            <a:ext cx="469900" cy="469900"/>
-          </a:xfrm>
-          <a:prstGeom prst="rect">
-            <a:avLst/>
-          </a:prstGeom>
-          <a:noFill/>
-          <a:ln>
-            <a:noFill/>
-          </a:ln>
-          <a:extLst>
-            <a:ext uri="{909E8E84-426E-40DD-AFC4-6F175D3DCCD1}">
-              <a14:hiddenFill xmlns:a14="http://schemas.microsoft.com/office/drawing/2010/main">
-                <a:solidFill>
-                  <a:srgbClr val="FFFFFF"/>
-                </a:solidFill>
-              </a14:hiddenFill>
-            </a:ext>
-            <a:ext uri="{91240B29-F687-4F45-9708-019B960494DF}">
-              <a14:hiddenLine xmlns:a14="http://schemas.microsoft.com/office/drawing/2010/main" w="9525">
-                <a:solidFill>
-                  <a:srgbClr val="000000"/>
-                </a:solidFill>
-                <a:miter lim="800000"/>
-                <a:headEnd/>
-                <a:tailEnd/>
-              </a14:hiddenLine>
-            </a:ext>
-          </a:extLst>
-        </p:spPr>
-      </p:pic>
-      <p:sp>
-        <p:nvSpPr>
-          <p:cNvPr id="87" name="TextBox 20">
-            <a:extLst>
-              <a:ext uri="{FF2B5EF4-FFF2-40B4-BE49-F238E27FC236}">
-                <a16:creationId xmlns:a16="http://schemas.microsoft.com/office/drawing/2014/main" id="{F8CA980C-A579-E64C-9A1B-983CDEA43C31}"/>
-              </a:ext>
-            </a:extLst>
-          </p:cNvPr>
-          <p:cNvSpPr txBox="1">
-            <a:spLocks noChangeArrowheads="1"/>
-          </p:cNvSpPr>
-          <p:nvPr/>
-        </p:nvSpPr>
-        <p:spPr bwMode="auto">
-          <a:xfrm>
-            <a:off x="6813838" y="2860479"/>
-            <a:ext cx="1767152" cy="246221"/>
-          </a:xfrm>
-          <a:prstGeom prst="rect">
-            <a:avLst/>
-          </a:prstGeom>
-          <a:noFill/>
-          <a:ln>
-            <a:noFill/>
-          </a:ln>
-          <a:extLst>
-            <a:ext uri="{909E8E84-426E-40DD-AFC4-6F175D3DCCD1}">
-              <a14:hiddenFill xmlns:a14="http://schemas.microsoft.com/office/drawing/2010/main">
-                <a:solidFill>
-                  <a:srgbClr val="FFFFFF"/>
-                </a:solidFill>
-              </a14:hiddenFill>
-            </a:ext>
-            <a:ext uri="{91240B29-F687-4F45-9708-019B960494DF}">
-              <a14:hiddenLine xmlns:a14="http://schemas.microsoft.com/office/drawing/2010/main" w="9525">
-                <a:solidFill>
-                  <a:srgbClr val="000000"/>
-                </a:solidFill>
-                <a:miter lim="800000"/>
-                <a:headEnd/>
-                <a:tailEnd/>
-              </a14:hiddenLine>
-            </a:ext>
-          </a:extLst>
-        </p:spPr>
-        <p:txBody>
-          <a:bodyPr>
-            <a:spAutoFit/>
-          </a:bodyPr>
-          <a:lstStyle>
-            <a:lvl1pPr>
-              <a:defRPr>
-                <a:solidFill>
-                  <a:schemeClr val="tx1"/>
-                </a:solidFill>
-                <a:latin typeface="Calibri" panose="020F0502020204030204" pitchFamily="34" charset="0"/>
-              </a:defRPr>
-            </a:lvl1pPr>
-            <a:lvl2pPr marL="742950" indent="-285750">
-              <a:defRPr>
-                <a:solidFill>
-                  <a:schemeClr val="tx1"/>
-                </a:solidFill>
-                <a:latin typeface="Calibri" panose="020F0502020204030204" pitchFamily="34" charset="0"/>
-              </a:defRPr>
-            </a:lvl2pPr>
-            <a:lvl3pPr marL="1143000" indent="-228600">
-              <a:defRPr>
-                <a:solidFill>
-                  <a:schemeClr val="tx1"/>
-                </a:solidFill>
-                <a:latin typeface="Calibri" panose="020F0502020204030204" pitchFamily="34" charset="0"/>
-              </a:defRPr>
-            </a:lvl3pPr>
-            <a:lvl4pPr marL="1600200" indent="-228600">
-              <a:defRPr>
-                <a:solidFill>
-                  <a:schemeClr val="tx1"/>
-                </a:solidFill>
-                <a:latin typeface="Calibri" panose="020F0502020204030204" pitchFamily="34" charset="0"/>
-              </a:defRPr>
-            </a:lvl4pPr>
-            <a:lvl5pPr marL="2057400" indent="-228600">
-              <a:defRPr>
-                <a:solidFill>
-                  <a:schemeClr val="tx1"/>
-                </a:solidFill>
-                <a:latin typeface="Calibri" panose="020F0502020204030204" pitchFamily="34" charset="0"/>
-              </a:defRPr>
-            </a:lvl5pPr>
-            <a:lvl6pPr marL="2514600" indent="-228600" eaLnBrk="0" fontAlgn="base" hangingPunct="0">
-              <a:spcBef>
-                <a:spcPct val="0"/>
-              </a:spcBef>
-              <a:spcAft>
-                <a:spcPct val="0"/>
-              </a:spcAft>
-              <a:defRPr>
-                <a:solidFill>
-                  <a:schemeClr val="tx1"/>
-                </a:solidFill>
-                <a:latin typeface="Calibri" panose="020F0502020204030204" pitchFamily="34" charset="0"/>
-              </a:defRPr>
-            </a:lvl6pPr>
-            <a:lvl7pPr marL="2971800" indent="-228600" eaLnBrk="0" fontAlgn="base" hangingPunct="0">
-              <a:spcBef>
-                <a:spcPct val="0"/>
-              </a:spcBef>
-              <a:spcAft>
-                <a:spcPct val="0"/>
-              </a:spcAft>
-              <a:defRPr>
-                <a:solidFill>
-                  <a:schemeClr val="tx1"/>
-                </a:solidFill>
-                <a:latin typeface="Calibri" panose="020F0502020204030204" pitchFamily="34" charset="0"/>
-              </a:defRPr>
-            </a:lvl7pPr>
-            <a:lvl8pPr marL="3429000" indent="-228600" eaLnBrk="0" fontAlgn="base" hangingPunct="0">
-              <a:spcBef>
-                <a:spcPct val="0"/>
-              </a:spcBef>
-              <a:spcAft>
-                <a:spcPct val="0"/>
-              </a:spcAft>
-              <a:defRPr>
-                <a:solidFill>
-                  <a:schemeClr val="tx1"/>
-                </a:solidFill>
-                <a:latin typeface="Calibri" panose="020F0502020204030204" pitchFamily="34" charset="0"/>
-              </a:defRPr>
-            </a:lvl8pPr>
-            <a:lvl9pPr marL="3886200" indent="-228600" eaLnBrk="0" fontAlgn="base" hangingPunct="0">
-              <a:spcBef>
-                <a:spcPct val="0"/>
-              </a:spcBef>
-              <a:spcAft>
-                <a:spcPct val="0"/>
-              </a:spcAft>
-              <a:defRPr>
-                <a:solidFill>
-                  <a:schemeClr val="tx1"/>
-                </a:solidFill>
-                <a:latin typeface="Calibri" panose="020F0502020204030204" pitchFamily="34" charset="0"/>
-              </a:defRPr>
-            </a:lvl9pPr>
-          </a:lstStyle>
-          <a:p>
-            <a:pPr marL="0" marR="0" lvl="0" indent="0" algn="ctr" defTabSz="914400" rtl="0" eaLnBrk="1" fontAlgn="base" latinLnBrk="0" hangingPunct="1">
-              <a:lnSpc>
-                <a:spcPct val="100000"/>
-              </a:lnSpc>
-              <a:spcBef>
-                <a:spcPct val="0"/>
-              </a:spcBef>
-              <a:spcAft>
-                <a:spcPct val="0"/>
-              </a:spcAft>
-              <a:buClrTx/>
-              <a:buSzTx/>
-              <a:buFontTx/>
-              <a:buNone/>
-              <a:tabLst/>
-              <a:defRPr/>
-            </a:pPr>
-            <a:r>
-              <a:rPr kumimoji="0" lang="en-US" altLang="en-US" sz="1000" b="0" i="0" u="none" strike="noStrike" kern="1200" cap="none" spc="0" normalizeH="0" baseline="0" noProof="0" dirty="0">
-                <a:ln>
-                  <a:noFill/>
-                </a:ln>
-                <a:solidFill>
-                  <a:srgbClr val="232F3E"/>
-                </a:solidFill>
-                <a:effectLst/>
-                <a:uLnTx/>
-                <a:uFillTx/>
-                <a:latin typeface="Arial" panose="020B0604020202020204" pitchFamily="34" charset="0"/>
-                <a:ea typeface="+mn-ea"/>
-                <a:cs typeface="Arial" panose="020B0604020202020204" pitchFamily="34" charset="0"/>
-              </a:rPr>
-              <a:t>RD Gateway</a:t>
-            </a:r>
-          </a:p>
-        </p:txBody>
-      </p:sp>
-      <p:sp>
-        <p:nvSpPr>
-          <p:cNvPr id="88" name="Rectangle 87">
-            <a:extLst>
-              <a:ext uri="{FF2B5EF4-FFF2-40B4-BE49-F238E27FC236}">
-                <a16:creationId xmlns:a16="http://schemas.microsoft.com/office/drawing/2014/main" id="{C859C9C4-CDD9-2643-8D93-606FE8119AF5}"/>
-              </a:ext>
-            </a:extLst>
-          </p:cNvPr>
-          <p:cNvSpPr/>
-          <p:nvPr/>
-        </p:nvSpPr>
-        <p:spPr>
-          <a:xfrm>
-            <a:off x="2769062" y="4058930"/>
-            <a:ext cx="5500004" cy="734347"/>
-          </a:xfrm>
-          <a:prstGeom prst="rect">
-            <a:avLst/>
-          </a:prstGeom>
-          <a:noFill/>
-          <a:ln w="12700">
-            <a:solidFill>
-              <a:srgbClr val="D86613"/>
-            </a:solidFill>
-            <a:prstDash val="dash"/>
-          </a:ln>
-        </p:spPr>
-        <p:style>
-          <a:lnRef idx="2">
-            <a:schemeClr val="accent1">
-              <a:shade val="50000"/>
-            </a:schemeClr>
-          </a:lnRef>
-          <a:fillRef idx="1">
-            <a:schemeClr val="accent1"/>
-          </a:fillRef>
-          <a:effectRef idx="0">
-            <a:schemeClr val="accent1"/>
-          </a:effectRef>
-          <a:fontRef idx="minor">
-            <a:schemeClr val="lt1"/>
-          </a:fontRef>
-        </p:style>
-        <p:txBody>
-          <a:bodyPr tIns="91440"/>
-          <a:lstStyle/>
-          <a:p>
-            <a:pPr marL="0" marR="0" lvl="0" indent="0" algn="ctr" defTabSz="914400" rtl="0" eaLnBrk="1" fontAlgn="auto" latinLnBrk="0" hangingPunct="1">
-              <a:lnSpc>
-                <a:spcPct val="100000"/>
-              </a:lnSpc>
-              <a:spcBef>
-                <a:spcPts val="0"/>
-              </a:spcBef>
-              <a:spcAft>
-                <a:spcPts val="0"/>
-              </a:spcAft>
-              <a:buClrTx/>
-              <a:buSzTx/>
-              <a:buFontTx/>
-              <a:buNone/>
-              <a:tabLst/>
-              <a:defRPr/>
-            </a:pPr>
-            <a:endParaRPr kumimoji="0" lang="en-US" sz="1000" b="0" i="0" u="none" strike="noStrike" kern="1200" cap="none" spc="0" normalizeH="0" baseline="0" noProof="0" dirty="0">
-              <a:ln>
-                <a:noFill/>
-              </a:ln>
-              <a:solidFill>
-                <a:srgbClr val="D86613"/>
-              </a:solidFill>
-              <a:effectLst/>
-              <a:uLnTx/>
-              <a:uFillTx/>
-              <a:latin typeface="Arial" panose="020B0604020202020204" pitchFamily="34" charset="0"/>
-              <a:ea typeface="+mn-ea"/>
-              <a:cs typeface="Arial" panose="020B0604020202020204" pitchFamily="34" charset="0"/>
-            </a:endParaRPr>
-          </a:p>
-          <a:p>
-            <a:pPr marL="0" marR="0" lvl="0" indent="0" algn="ctr" defTabSz="914400" rtl="0" eaLnBrk="1" fontAlgn="auto" latinLnBrk="0" hangingPunct="1">
-              <a:lnSpc>
-                <a:spcPct val="100000"/>
-              </a:lnSpc>
-              <a:spcBef>
-                <a:spcPts val="0"/>
-              </a:spcBef>
-              <a:spcAft>
-                <a:spcPts val="0"/>
-              </a:spcAft>
-              <a:buClrTx/>
-              <a:buSzTx/>
-              <a:buFontTx/>
-              <a:buNone/>
-              <a:tabLst/>
-              <a:defRPr/>
-            </a:pPr>
-            <a:endParaRPr kumimoji="0" lang="en-US" sz="1000" b="0" i="0" u="none" strike="noStrike" kern="1200" cap="none" spc="0" normalizeH="0" baseline="0" noProof="0" dirty="0">
-              <a:ln>
-                <a:noFill/>
-              </a:ln>
-              <a:solidFill>
-                <a:srgbClr val="D86613"/>
-              </a:solidFill>
-              <a:effectLst/>
-              <a:uLnTx/>
-              <a:uFillTx/>
-              <a:latin typeface="Arial" panose="020B0604020202020204" pitchFamily="34" charset="0"/>
-              <a:ea typeface="+mn-ea"/>
-              <a:cs typeface="Arial" panose="020B0604020202020204" pitchFamily="34" charset="0"/>
-            </a:endParaRPr>
-          </a:p>
-          <a:p>
-            <a:pPr marL="0" marR="0" lvl="0" indent="0" algn="ctr" defTabSz="914400" rtl="0" eaLnBrk="1" fontAlgn="auto" latinLnBrk="0" hangingPunct="1">
-              <a:lnSpc>
-                <a:spcPct val="100000"/>
-              </a:lnSpc>
-              <a:spcBef>
-                <a:spcPts val="0"/>
-              </a:spcBef>
-              <a:spcAft>
-                <a:spcPts val="0"/>
-              </a:spcAft>
-              <a:buClrTx/>
-              <a:buSzTx/>
-              <a:buFontTx/>
-              <a:buNone/>
-              <a:tabLst/>
-              <a:defRPr/>
-            </a:pPr>
-            <a:r>
-              <a:rPr kumimoji="0" lang="en-US" sz="1000" b="0" i="0" u="none" strike="noStrike" kern="1200" cap="none" spc="0" normalizeH="0" baseline="0" noProof="0" dirty="0">
-                <a:ln>
-                  <a:noFill/>
-                </a:ln>
-                <a:solidFill>
-                  <a:srgbClr val="D86613"/>
-                </a:solidFill>
-                <a:effectLst/>
-                <a:uLnTx/>
-                <a:uFillTx/>
-                <a:latin typeface="Arial" panose="020B0604020202020204" pitchFamily="34" charset="0"/>
-                <a:ea typeface="+mn-ea"/>
-                <a:cs typeface="Arial" panose="020B0604020202020204" pitchFamily="34" charset="0"/>
-              </a:rPr>
-              <a:t>Auto Scaling group</a:t>
-            </a:r>
-          </a:p>
-        </p:txBody>
-      </p:sp>
-      <p:sp>
-        <p:nvSpPr>
-          <p:cNvPr id="94" name="TextBox 19">
-            <a:extLst>
-              <a:ext uri="{FF2B5EF4-FFF2-40B4-BE49-F238E27FC236}">
-                <a16:creationId xmlns:a16="http://schemas.microsoft.com/office/drawing/2014/main" id="{76DB11B8-9FC3-A141-B5DF-78B2D38518E1}"/>
-              </a:ext>
-            </a:extLst>
-          </p:cNvPr>
-          <p:cNvSpPr txBox="1">
-            <a:spLocks noChangeArrowheads="1"/>
-          </p:cNvSpPr>
-          <p:nvPr/>
-        </p:nvSpPr>
-        <p:spPr bwMode="auto">
-          <a:xfrm>
-            <a:off x="4886655" y="3646820"/>
-            <a:ext cx="1255028" cy="400110"/>
-          </a:xfrm>
-          <a:prstGeom prst="rect">
-            <a:avLst/>
-          </a:prstGeom>
-          <a:noFill/>
-          <a:ln>
-            <a:noFill/>
-          </a:ln>
-          <a:extLst>
-            <a:ext uri="{909E8E84-426E-40DD-AFC4-6F175D3DCCD1}">
-              <a14:hiddenFill xmlns:a14="http://schemas.microsoft.com/office/drawing/2010/main">
-                <a:solidFill>
-                  <a:srgbClr val="FFFFFF"/>
-                </a:solidFill>
-              </a14:hiddenFill>
-            </a:ext>
-            <a:ext uri="{91240B29-F687-4F45-9708-019B960494DF}">
-              <a14:hiddenLine xmlns:a14="http://schemas.microsoft.com/office/drawing/2010/main" w="9525">
-                <a:solidFill>
-                  <a:srgbClr val="000000"/>
-                </a:solidFill>
-                <a:miter lim="800000"/>
-                <a:headEnd/>
-                <a:tailEnd/>
-              </a14:hiddenLine>
-            </a:ext>
-          </a:extLst>
-        </p:spPr>
-        <p:txBody>
-          <a:bodyPr wrap="square">
-            <a:spAutoFit/>
-          </a:bodyPr>
-          <a:lstStyle>
-            <a:lvl1pPr>
-              <a:defRPr>
-                <a:solidFill>
-                  <a:schemeClr val="tx1"/>
-                </a:solidFill>
-                <a:latin typeface="Calibri" panose="020F0502020204030204" pitchFamily="34" charset="0"/>
-              </a:defRPr>
-            </a:lvl1pPr>
-            <a:lvl2pPr marL="742950" indent="-285750">
-              <a:defRPr>
-                <a:solidFill>
-                  <a:schemeClr val="tx1"/>
-                </a:solidFill>
-                <a:latin typeface="Calibri" panose="020F0502020204030204" pitchFamily="34" charset="0"/>
-              </a:defRPr>
-            </a:lvl2pPr>
-            <a:lvl3pPr marL="1143000" indent="-228600">
-              <a:defRPr>
-                <a:solidFill>
-                  <a:schemeClr val="tx1"/>
-                </a:solidFill>
-                <a:latin typeface="Calibri" panose="020F0502020204030204" pitchFamily="34" charset="0"/>
-              </a:defRPr>
-            </a:lvl3pPr>
-            <a:lvl4pPr marL="1600200" indent="-228600">
-              <a:defRPr>
-                <a:solidFill>
-                  <a:schemeClr val="tx1"/>
-                </a:solidFill>
-                <a:latin typeface="Calibri" panose="020F0502020204030204" pitchFamily="34" charset="0"/>
-              </a:defRPr>
-            </a:lvl4pPr>
-            <a:lvl5pPr marL="2057400" indent="-228600">
-              <a:defRPr>
-                <a:solidFill>
-                  <a:schemeClr val="tx1"/>
-                </a:solidFill>
-                <a:latin typeface="Calibri" panose="020F0502020204030204" pitchFamily="34" charset="0"/>
-              </a:defRPr>
-            </a:lvl5pPr>
-            <a:lvl6pPr marL="2514600" indent="-228600" eaLnBrk="0" fontAlgn="base" hangingPunct="0">
-              <a:spcBef>
-                <a:spcPct val="0"/>
-              </a:spcBef>
-              <a:spcAft>
-                <a:spcPct val="0"/>
-              </a:spcAft>
-              <a:defRPr>
-                <a:solidFill>
-                  <a:schemeClr val="tx1"/>
-                </a:solidFill>
-                <a:latin typeface="Calibri" panose="020F0502020204030204" pitchFamily="34" charset="0"/>
-              </a:defRPr>
-            </a:lvl6pPr>
-            <a:lvl7pPr marL="2971800" indent="-228600" eaLnBrk="0" fontAlgn="base" hangingPunct="0">
-              <a:spcBef>
-                <a:spcPct val="0"/>
-              </a:spcBef>
-              <a:spcAft>
-                <a:spcPct val="0"/>
-              </a:spcAft>
-              <a:defRPr>
-                <a:solidFill>
-                  <a:schemeClr val="tx1"/>
-                </a:solidFill>
-                <a:latin typeface="Calibri" panose="020F0502020204030204" pitchFamily="34" charset="0"/>
-              </a:defRPr>
-            </a:lvl7pPr>
-            <a:lvl8pPr marL="3429000" indent="-228600" eaLnBrk="0" fontAlgn="base" hangingPunct="0">
-              <a:spcBef>
-                <a:spcPct val="0"/>
-              </a:spcBef>
-              <a:spcAft>
-                <a:spcPct val="0"/>
-              </a:spcAft>
-              <a:defRPr>
-                <a:solidFill>
-                  <a:schemeClr val="tx1"/>
-                </a:solidFill>
-                <a:latin typeface="Calibri" panose="020F0502020204030204" pitchFamily="34" charset="0"/>
-              </a:defRPr>
-            </a:lvl8pPr>
-            <a:lvl9pPr marL="3886200" indent="-228600" eaLnBrk="0" fontAlgn="base" hangingPunct="0">
-              <a:spcBef>
-                <a:spcPct val="0"/>
-              </a:spcBef>
-              <a:spcAft>
-                <a:spcPct val="0"/>
-              </a:spcAft>
-              <a:defRPr>
-                <a:solidFill>
-                  <a:schemeClr val="tx1"/>
-                </a:solidFill>
-                <a:latin typeface="Calibri" panose="020F0502020204030204" pitchFamily="34" charset="0"/>
-              </a:defRPr>
-            </a:lvl9pPr>
-          </a:lstStyle>
-          <a:p>
             <a:pPr algn="ctr" eaLnBrk="1" hangingPunct="1"/>
             <a:r>
-              <a:rPr lang="en-US" altLang="en-US" sz="1000" dirty="0">
+              <a:rPr lang="en-US" altLang="en-US" sz="1200" dirty="0">
                 <a:latin typeface="Arial" panose="020B0604020202020204" pitchFamily="34" charset="0"/>
                 <a:ea typeface="Amazon Ember" panose="020B0603020204020204" pitchFamily="34" charset="0"/>
                 <a:cs typeface="Arial" panose="020B0604020202020204" pitchFamily="34" charset="0"/>
               </a:rPr>
-              <a:t>Application Load </a:t>
-            </a:r>
-            <a:br>
-              <a:rPr lang="en-US" altLang="en-US" sz="1000" dirty="0">
-                <a:latin typeface="Arial" panose="020B0604020202020204" pitchFamily="34" charset="0"/>
-                <a:ea typeface="Amazon Ember" panose="020B0603020204020204" pitchFamily="34" charset="0"/>
-                <a:cs typeface="Arial" panose="020B0604020202020204" pitchFamily="34" charset="0"/>
-              </a:rPr>
-            </a:br>
-            <a:r>
-              <a:rPr lang="en-US" altLang="en-US" sz="1000" dirty="0">
-                <a:latin typeface="Arial" panose="020B0604020202020204" pitchFamily="34" charset="0"/>
-                <a:ea typeface="Amazon Ember" panose="020B0603020204020204" pitchFamily="34" charset="0"/>
-                <a:cs typeface="Arial" panose="020B0604020202020204" pitchFamily="34" charset="0"/>
-              </a:rPr>
-              <a:t>Balancer</a:t>
+              <a:t>Application Load Balancer</a:t>
             </a:r>
           </a:p>
         </p:txBody>
@@ -29354,7 +28500,7 @@
         </p:nvCxnSpPr>
         <p:spPr bwMode="auto">
           <a:xfrm>
-            <a:off x="5981700" y="5408274"/>
+            <a:off x="6019800" y="5189199"/>
             <a:ext cx="1380995" cy="0"/>
           </a:xfrm>
           <a:prstGeom prst="straightConnector1">
@@ -29399,8 +28545,8 @@
         </p:nvCxnSpPr>
         <p:spPr bwMode="auto">
           <a:xfrm>
-            <a:off x="3696429" y="5408274"/>
-            <a:ext cx="1190226" cy="0"/>
+            <a:off x="3639279" y="5189199"/>
+            <a:ext cx="1380744" cy="0"/>
           </a:xfrm>
           <a:prstGeom prst="straightConnector1">
             <a:avLst/>
@@ -29443,7 +28589,7 @@
           <p:nvPr/>
         </p:nvPicPr>
         <p:blipFill>
-          <a:blip r:embed="rId11">
+          <a:blip r:embed="rId10">
             <a:extLst>
               <a:ext uri="{28A0092B-C50C-407E-A947-70E740481C1C}">
                 <a14:useLocalDpi xmlns:a14="http://schemas.microsoft.com/office/drawing/2010/main" val="0"/>
@@ -29457,7 +28603,7 @@
         </p:blipFill>
         <p:spPr bwMode="auto">
           <a:xfrm>
-            <a:off x="2028202" y="2451000"/>
+            <a:off x="2035784" y="2220658"/>
             <a:ext cx="469900" cy="469900"/>
           </a:xfrm>
           <a:prstGeom prst="rect">
@@ -29490,10 +28636,10 @@
       </p:pic>
       <p:pic>
         <p:nvPicPr>
-          <p:cNvPr id="3" name="Graphic 2">
-            <a:extLst>
-              <a:ext uri="{FF2B5EF4-FFF2-40B4-BE49-F238E27FC236}">
-                <a16:creationId xmlns:a16="http://schemas.microsoft.com/office/drawing/2014/main" id="{77C1DEA5-D37D-0BA4-6133-3E1AD5F2364B}"/>
+          <p:cNvPr id="7" name="Graphic 6">
+            <a:extLst>
+              <a:ext uri="{FF2B5EF4-FFF2-40B4-BE49-F238E27FC236}">
+                <a16:creationId xmlns:a16="http://schemas.microsoft.com/office/drawing/2014/main" id="{FBB50175-F649-D4A6-D324-B9D9709F0BCE}"/>
               </a:ext>
             </a:extLst>
           </p:cNvPr>
@@ -29503,10 +28649,10 @@
           <p:nvPr/>
         </p:nvPicPr>
         <p:blipFill>
-          <a:blip r:embed="rId12">
+          <a:blip r:embed="rId11">
             <a:extLst>
               <a:ext uri="{96DAC541-7B7A-43D3-8B79-37D633B846F1}">
-                <asvg:svgBlip xmlns:asvg="http://schemas.microsoft.com/office/drawing/2016/SVG/main" r:embed="rId13"/>
+                <asvg:svgBlip xmlns:asvg="http://schemas.microsoft.com/office/drawing/2016/SVG/main" r:embed="rId12"/>
               </a:ext>
             </a:extLst>
           </a:blip>
@@ -29516,43 +28662,7 @@
         </p:blipFill>
         <p:spPr>
           <a:xfrm>
-            <a:off x="5257278" y="2402536"/>
-            <a:ext cx="381000" cy="381000"/>
-          </a:xfrm>
-          <a:prstGeom prst="rect">
-            <a:avLst/>
-          </a:prstGeom>
-        </p:spPr>
-      </p:pic>
-      <p:pic>
-        <p:nvPicPr>
-          <p:cNvPr id="7" name="Graphic 6">
-            <a:extLst>
-              <a:ext uri="{FF2B5EF4-FFF2-40B4-BE49-F238E27FC236}">
-                <a16:creationId xmlns:a16="http://schemas.microsoft.com/office/drawing/2014/main" id="{FBB50175-F649-D4A6-D324-B9D9709F0BCE}"/>
-              </a:ext>
-            </a:extLst>
-          </p:cNvPr>
-          <p:cNvPicPr>
-            <a:picLocks noChangeAspect="1"/>
-          </p:cNvPicPr>
-          <p:nvPr/>
-        </p:nvPicPr>
-        <p:blipFill>
-          <a:blip r:embed="rId12">
-            <a:extLst>
-              <a:ext uri="{96DAC541-7B7A-43D3-8B79-37D633B846F1}">
-                <asvg:svgBlip xmlns:asvg="http://schemas.microsoft.com/office/drawing/2016/SVG/main" r:embed="rId13"/>
-              </a:ext>
-            </a:extLst>
-          </a:blip>
-          <a:stretch>
-            <a:fillRect/>
-          </a:stretch>
-        </p:blipFill>
-        <p:spPr>
-          <a:xfrm>
-            <a:off x="5351379" y="4071517"/>
+            <a:off x="5333375" y="3842917"/>
             <a:ext cx="381000" cy="381000"/>
           </a:xfrm>
           <a:prstGeom prst="rect">
@@ -29575,7 +28685,7 @@
           <p:nvPr/>
         </p:nvPicPr>
         <p:blipFill>
-          <a:blip r:embed="rId11">
+          <a:blip r:embed="rId10">
             <a:extLst>
               <a:ext uri="{28A0092B-C50C-407E-A947-70E740481C1C}">
                 <a14:useLocalDpi xmlns:a14="http://schemas.microsoft.com/office/drawing/2010/main" val="0"/>
@@ -29589,7 +28699,7 @@
         </p:blipFill>
         <p:spPr bwMode="auto">
           <a:xfrm>
-            <a:off x="8988959" y="2407686"/>
+            <a:off x="8349082" y="2197002"/>
             <a:ext cx="469900" cy="469900"/>
           </a:xfrm>
           <a:prstGeom prst="rect">
@@ -29635,7 +28745,7 @@
           <p:nvPr/>
         </p:nvPicPr>
         <p:blipFill>
-          <a:blip r:embed="rId10">
+          <a:blip r:embed="rId13">
             <a:extLst>
               <a:ext uri="{28A0092B-C50C-407E-A947-70E740481C1C}">
                 <a14:useLocalDpi xmlns:a14="http://schemas.microsoft.com/office/drawing/2010/main" val="0"/>
@@ -29649,7 +28759,7 @@
         </p:blipFill>
         <p:spPr bwMode="auto">
           <a:xfrm>
-            <a:off x="7422211" y="4065898"/>
+            <a:off x="7422211" y="3846823"/>
             <a:ext cx="469900" cy="469900"/>
           </a:xfrm>
           <a:prstGeom prst="rect">
@@ -29695,7 +28805,7 @@
           <p:nvPr/>
         </p:nvPicPr>
         <p:blipFill>
-          <a:blip r:embed="rId10">
+          <a:blip r:embed="rId13">
             <a:extLst>
               <a:ext uri="{28A0092B-C50C-407E-A947-70E740481C1C}">
                 <a14:useLocalDpi xmlns:a14="http://schemas.microsoft.com/office/drawing/2010/main" val="0"/>
@@ -29709,7 +28819,7 @@
         </p:blipFill>
         <p:spPr bwMode="auto">
           <a:xfrm>
-            <a:off x="3064487" y="4065234"/>
+            <a:off x="3064487" y="3846159"/>
             <a:ext cx="469900" cy="469900"/>
           </a:xfrm>
           <a:prstGeom prst="rect">
@@ -29769,7 +28879,50 @@
         </p:blipFill>
         <p:spPr bwMode="auto">
           <a:xfrm>
-            <a:off x="5313279" y="1504383"/>
+            <a:off x="5313279" y="1285308"/>
+            <a:ext cx="457200" cy="457200"/>
+          </a:xfrm>
+          <a:prstGeom prst="rect">
+            <a:avLst/>
+          </a:prstGeom>
+          <a:solidFill>
+            <a:schemeClr val="bg1"/>
+          </a:solidFill>
+          <a:ln>
+            <a:noFill/>
+          </a:ln>
+        </p:spPr>
+      </p:pic>
+      <p:pic>
+        <p:nvPicPr>
+          <p:cNvPr id="14" name="Graphic 8">
+            <a:extLst>
+              <a:ext uri="{FF2B5EF4-FFF2-40B4-BE49-F238E27FC236}">
+                <a16:creationId xmlns:a16="http://schemas.microsoft.com/office/drawing/2014/main" id="{D1B554F6-CD6E-9E33-52C7-F59A0DC7673A}"/>
+              </a:ext>
+            </a:extLst>
+          </p:cNvPr>
+          <p:cNvPicPr>
+            <a:picLocks noChangeAspect="1" noChangeArrowheads="1"/>
+          </p:cNvPicPr>
+          <p:nvPr/>
+        </p:nvPicPr>
+        <p:blipFill>
+          <a:blip r:embed="rId15">
+            <a:extLst>
+              <a:ext uri="{28A0092B-C50C-407E-A947-70E740481C1C}">
+                <a14:useLocalDpi xmlns:a14="http://schemas.microsoft.com/office/drawing/2010/main" val="0"/>
+              </a:ext>
+            </a:extLst>
+          </a:blip>
+          <a:srcRect/>
+          <a:stretch>
+            <a:fillRect/>
+          </a:stretch>
+        </p:blipFill>
+        <p:spPr bwMode="auto">
+          <a:xfrm>
+            <a:off x="5290464" y="2265181"/>
             <a:ext cx="457200" cy="457200"/>
           </a:xfrm>
           <a:prstGeom prst="rect">
@@ -29802,10 +28955,10 @@
       </p:pic>
       <p:pic>
         <p:nvPicPr>
-          <p:cNvPr id="14" name="Graphic 8">
-            <a:extLst>
-              <a:ext uri="{FF2B5EF4-FFF2-40B4-BE49-F238E27FC236}">
-                <a16:creationId xmlns:a16="http://schemas.microsoft.com/office/drawing/2014/main" id="{D1B554F6-CD6E-9E33-52C7-F59A0DC7673A}"/>
+          <p:cNvPr id="15" name="Graphic 7">
+            <a:extLst>
+              <a:ext uri="{FF2B5EF4-FFF2-40B4-BE49-F238E27FC236}">
+                <a16:creationId xmlns:a16="http://schemas.microsoft.com/office/drawing/2014/main" id="{15DB8C92-F348-CD3D-F320-6008EA6CFD4C}"/>
               </a:ext>
             </a:extLst>
           </p:cNvPr>
@@ -29815,7 +28968,7 @@
           <p:nvPr/>
         </p:nvPicPr>
         <p:blipFill>
-          <a:blip r:embed="rId15">
+          <a:blip r:embed="rId16">
             <a:extLst>
               <a:ext uri="{28A0092B-C50C-407E-A947-70E740481C1C}">
                 <a14:useLocalDpi xmlns:a14="http://schemas.microsoft.com/office/drawing/2010/main" val="0"/>
@@ -29829,8 +28982,8 @@
         </p:blipFill>
         <p:spPr bwMode="auto">
           <a:xfrm>
-            <a:off x="5290464" y="3222215"/>
-            <a:ext cx="457200" cy="457200"/>
+            <a:off x="1319960" y="3846823"/>
+            <a:ext cx="762000" cy="762000"/>
           </a:xfrm>
           <a:prstGeom prst="rect">
             <a:avLst/>
@@ -29860,12 +29013,173 @@
           </a:extLst>
         </p:spPr>
       </p:pic>
+      <p:sp>
+        <p:nvSpPr>
+          <p:cNvPr id="16" name="TextBox 9">
+            <a:extLst>
+              <a:ext uri="{FF2B5EF4-FFF2-40B4-BE49-F238E27FC236}">
+                <a16:creationId xmlns:a16="http://schemas.microsoft.com/office/drawing/2014/main" id="{E2EA278F-FE3D-B081-4E31-DAD6AD6E1A89}"/>
+              </a:ext>
+            </a:extLst>
+          </p:cNvPr>
+          <p:cNvSpPr txBox="1">
+            <a:spLocks noChangeArrowheads="1"/>
+          </p:cNvSpPr>
+          <p:nvPr/>
+        </p:nvSpPr>
+        <p:spPr bwMode="auto">
+          <a:xfrm>
+            <a:off x="579391" y="4629700"/>
+            <a:ext cx="2243137" cy="276999"/>
+          </a:xfrm>
+          <a:prstGeom prst="rect">
+            <a:avLst/>
+          </a:prstGeom>
+          <a:noFill/>
+          <a:ln>
+            <a:noFill/>
+          </a:ln>
+          <a:extLst>
+            <a:ext uri="{909E8E84-426E-40DD-AFC4-6F175D3DCCD1}">
+              <a14:hiddenFill xmlns:a14="http://schemas.microsoft.com/office/drawing/2010/main">
+                <a:solidFill>
+                  <a:srgbClr val="FFFFFF"/>
+                </a:solidFill>
+              </a14:hiddenFill>
+            </a:ext>
+            <a:ext uri="{91240B29-F687-4F45-9708-019B960494DF}">
+              <a14:hiddenLine xmlns:a14="http://schemas.microsoft.com/office/drawing/2010/main" w="9525">
+                <a:solidFill>
+                  <a:srgbClr val="000000"/>
+                </a:solidFill>
+                <a:miter lim="800000"/>
+                <a:headEnd/>
+                <a:tailEnd/>
+              </a14:hiddenLine>
+            </a:ext>
+          </a:extLst>
+        </p:spPr>
+        <p:txBody>
+          <a:bodyPr>
+            <a:spAutoFit/>
+          </a:bodyPr>
+          <a:lstStyle>
+            <a:lvl1pPr>
+              <a:defRPr>
+                <a:solidFill>
+                  <a:schemeClr val="tx1"/>
+                </a:solidFill>
+                <a:latin typeface="Calibri" panose="020F0502020204030204" pitchFamily="34" charset="0"/>
+              </a:defRPr>
+            </a:lvl1pPr>
+            <a:lvl2pPr marL="742950" indent="-285750">
+              <a:defRPr>
+                <a:solidFill>
+                  <a:schemeClr val="tx1"/>
+                </a:solidFill>
+                <a:latin typeface="Calibri" panose="020F0502020204030204" pitchFamily="34" charset="0"/>
+              </a:defRPr>
+            </a:lvl2pPr>
+            <a:lvl3pPr marL="1143000" indent="-228600">
+              <a:defRPr>
+                <a:solidFill>
+                  <a:schemeClr val="tx1"/>
+                </a:solidFill>
+                <a:latin typeface="Calibri" panose="020F0502020204030204" pitchFamily="34" charset="0"/>
+              </a:defRPr>
+            </a:lvl3pPr>
+            <a:lvl4pPr marL="1600200" indent="-228600">
+              <a:defRPr>
+                <a:solidFill>
+                  <a:schemeClr val="tx1"/>
+                </a:solidFill>
+                <a:latin typeface="Calibri" panose="020F0502020204030204" pitchFamily="34" charset="0"/>
+              </a:defRPr>
+            </a:lvl4pPr>
+            <a:lvl5pPr marL="2057400" indent="-228600">
+              <a:defRPr>
+                <a:solidFill>
+                  <a:schemeClr val="tx1"/>
+                </a:solidFill>
+                <a:latin typeface="Calibri" panose="020F0502020204030204" pitchFamily="34" charset="0"/>
+              </a:defRPr>
+            </a:lvl5pPr>
+            <a:lvl6pPr marL="2514600" indent="-228600" eaLnBrk="0" fontAlgn="base" hangingPunct="0">
+              <a:spcBef>
+                <a:spcPct val="0"/>
+              </a:spcBef>
+              <a:spcAft>
+                <a:spcPct val="0"/>
+              </a:spcAft>
+              <a:defRPr>
+                <a:solidFill>
+                  <a:schemeClr val="tx1"/>
+                </a:solidFill>
+                <a:latin typeface="Calibri" panose="020F0502020204030204" pitchFamily="34" charset="0"/>
+              </a:defRPr>
+            </a:lvl6pPr>
+            <a:lvl7pPr marL="2971800" indent="-228600" eaLnBrk="0" fontAlgn="base" hangingPunct="0">
+              <a:spcBef>
+                <a:spcPct val="0"/>
+              </a:spcBef>
+              <a:spcAft>
+                <a:spcPct val="0"/>
+              </a:spcAft>
+              <a:defRPr>
+                <a:solidFill>
+                  <a:schemeClr val="tx1"/>
+                </a:solidFill>
+                <a:latin typeface="Calibri" panose="020F0502020204030204" pitchFamily="34" charset="0"/>
+              </a:defRPr>
+            </a:lvl7pPr>
+            <a:lvl8pPr marL="3429000" indent="-228600" eaLnBrk="0" fontAlgn="base" hangingPunct="0">
+              <a:spcBef>
+                <a:spcPct val="0"/>
+              </a:spcBef>
+              <a:spcAft>
+                <a:spcPct val="0"/>
+              </a:spcAft>
+              <a:defRPr>
+                <a:solidFill>
+                  <a:schemeClr val="tx1"/>
+                </a:solidFill>
+                <a:latin typeface="Calibri" panose="020F0502020204030204" pitchFamily="34" charset="0"/>
+              </a:defRPr>
+            </a:lvl8pPr>
+            <a:lvl9pPr marL="3886200" indent="-228600" eaLnBrk="0" fontAlgn="base" hangingPunct="0">
+              <a:spcBef>
+                <a:spcPct val="0"/>
+              </a:spcBef>
+              <a:spcAft>
+                <a:spcPct val="0"/>
+              </a:spcAft>
+              <a:defRPr>
+                <a:solidFill>
+                  <a:schemeClr val="tx1"/>
+                </a:solidFill>
+                <a:latin typeface="Calibri" panose="020F0502020204030204" pitchFamily="34" charset="0"/>
+              </a:defRPr>
+            </a:lvl9pPr>
+          </a:lstStyle>
+          <a:p>
+            <a:pPr algn="ctr" eaLnBrk="1" hangingPunct="1"/>
+            <a:r>
+              <a:rPr lang="en-US" altLang="en-US" sz="1200" dirty="0">
+                <a:latin typeface="Arial" panose="020B0604020202020204" pitchFamily="34" charset="0"/>
+                <a:ea typeface="Amazon Ember" panose="020B0603020204020204" pitchFamily="34" charset="0"/>
+                <a:cs typeface="Arial" panose="020B0604020202020204" pitchFamily="34" charset="0"/>
+              </a:rPr>
+              <a:t>Amazon Aurora</a:t>
+            </a:r>
+          </a:p>
+        </p:txBody>
+      </p:sp>
       <p:pic>
         <p:nvPicPr>
-          <p:cNvPr id="15" name="Graphic 7">
-            <a:extLst>
-              <a:ext uri="{FF2B5EF4-FFF2-40B4-BE49-F238E27FC236}">
-                <a16:creationId xmlns:a16="http://schemas.microsoft.com/office/drawing/2014/main" id="{15DB8C92-F348-CD3D-F320-6008EA6CFD4C}"/>
+          <p:cNvPr id="17" name="Graphic 19">
+            <a:extLst>
+              <a:ext uri="{FF2B5EF4-FFF2-40B4-BE49-F238E27FC236}">
+                <a16:creationId xmlns:a16="http://schemas.microsoft.com/office/drawing/2014/main" id="{677399FB-7439-47C0-CA49-1FBDAF70D321}"/>
               </a:ext>
             </a:extLst>
           </p:cNvPr>
@@ -29875,7 +29189,7 @@
           <p:nvPr/>
         </p:nvPicPr>
         <p:blipFill>
-          <a:blip r:embed="rId16">
+          <a:blip r:embed="rId17">
             <a:extLst>
               <a:ext uri="{28A0092B-C50C-407E-A947-70E740481C1C}">
                 <a14:useLocalDpi xmlns:a14="http://schemas.microsoft.com/office/drawing/2010/main" val="0"/>
@@ -29889,7 +29203,7 @@
         </p:blipFill>
         <p:spPr bwMode="auto">
           <a:xfrm>
-            <a:off x="1292189" y="4199756"/>
+            <a:off x="2666498" y="4738484"/>
             <a:ext cx="762000" cy="762000"/>
           </a:xfrm>
           <a:prstGeom prst="rect">
@@ -29922,10 +29236,10 @@
       </p:pic>
       <p:sp>
         <p:nvSpPr>
-          <p:cNvPr id="16" name="TextBox 9">
-            <a:extLst>
-              <a:ext uri="{FF2B5EF4-FFF2-40B4-BE49-F238E27FC236}">
-                <a16:creationId xmlns:a16="http://schemas.microsoft.com/office/drawing/2014/main" id="{E2EA278F-FE3D-B081-4E31-DAD6AD6E1A89}"/>
+          <p:cNvPr id="18" name="TextBox 11">
+            <a:extLst>
+              <a:ext uri="{FF2B5EF4-FFF2-40B4-BE49-F238E27FC236}">
+                <a16:creationId xmlns:a16="http://schemas.microsoft.com/office/drawing/2014/main" id="{ADE54A24-77B5-EBF5-3A66-469A545AC020}"/>
               </a:ext>
             </a:extLst>
           </p:cNvPr>
@@ -29936,8 +29250,8 @@
         </p:nvSpPr>
         <p:spPr bwMode="auto">
           <a:xfrm>
-            <a:off x="542889" y="4963343"/>
-            <a:ext cx="2243137" cy="246221"/>
+            <a:off x="1909261" y="5498896"/>
+            <a:ext cx="2292350" cy="276999"/>
           </a:xfrm>
           <a:prstGeom prst="rect">
             <a:avLst/>
@@ -30071,22 +29385,22 @@
           <a:p>
             <a:pPr algn="ctr" eaLnBrk="1" hangingPunct="1"/>
             <a:r>
-              <a:rPr lang="en-US" altLang="en-US" sz="1000" dirty="0">
+              <a:rPr lang="en-US" altLang="en-US" sz="1200" dirty="0">
                 <a:latin typeface="Arial" panose="020B0604020202020204" pitchFamily="34" charset="0"/>
                 <a:ea typeface="Amazon Ember" panose="020B0603020204020204" pitchFamily="34" charset="0"/>
                 <a:cs typeface="Arial" panose="020B0604020202020204" pitchFamily="34" charset="0"/>
               </a:rPr>
-              <a:t>Amazon Aurora</a:t>
+              <a:t>Amazon WorkSpaces</a:t>
             </a:r>
           </a:p>
         </p:txBody>
       </p:sp>
       <p:pic>
         <p:nvPicPr>
-          <p:cNvPr id="17" name="Graphic 19">
-            <a:extLst>
-              <a:ext uri="{FF2B5EF4-FFF2-40B4-BE49-F238E27FC236}">
-                <a16:creationId xmlns:a16="http://schemas.microsoft.com/office/drawing/2014/main" id="{677399FB-7439-47C0-CA49-1FBDAF70D321}"/>
+          <p:cNvPr id="19" name="Graphic 19">
+            <a:extLst>
+              <a:ext uri="{FF2B5EF4-FFF2-40B4-BE49-F238E27FC236}">
+                <a16:creationId xmlns:a16="http://schemas.microsoft.com/office/drawing/2014/main" id="{3E981131-AA44-6DD1-4FEB-3DD9A1097F81}"/>
               </a:ext>
             </a:extLst>
           </p:cNvPr>
@@ -30110,7 +29424,7 @@
         </p:blipFill>
         <p:spPr bwMode="auto">
           <a:xfrm>
-            <a:off x="2666498" y="4957559"/>
+            <a:off x="7645802" y="4765663"/>
             <a:ext cx="762000" cy="762000"/>
           </a:xfrm>
           <a:prstGeom prst="rect">
@@ -30143,10 +29457,10 @@
       </p:pic>
       <p:sp>
         <p:nvSpPr>
-          <p:cNvPr id="18" name="TextBox 11">
-            <a:extLst>
-              <a:ext uri="{FF2B5EF4-FFF2-40B4-BE49-F238E27FC236}">
-                <a16:creationId xmlns:a16="http://schemas.microsoft.com/office/drawing/2014/main" id="{ADE54A24-77B5-EBF5-3A66-469A545AC020}"/>
+          <p:cNvPr id="20" name="TextBox 11">
+            <a:extLst>
+              <a:ext uri="{FF2B5EF4-FFF2-40B4-BE49-F238E27FC236}">
+                <a16:creationId xmlns:a16="http://schemas.microsoft.com/office/drawing/2014/main" id="{0C6A3DE5-C819-A705-416D-026C1DAF913D}"/>
               </a:ext>
             </a:extLst>
           </p:cNvPr>
@@ -30157,8 +29471,8 @@
         </p:nvSpPr>
         <p:spPr bwMode="auto">
           <a:xfrm>
-            <a:off x="1909261" y="5717971"/>
-            <a:ext cx="2292350" cy="246221"/>
+            <a:off x="6888565" y="5526075"/>
+            <a:ext cx="2292350" cy="276999"/>
           </a:xfrm>
           <a:prstGeom prst="rect">
             <a:avLst/>
@@ -30292,7 +29606,7 @@
           <a:p>
             <a:pPr algn="ctr" eaLnBrk="1" hangingPunct="1"/>
             <a:r>
-              <a:rPr lang="en-US" altLang="en-US" sz="1000" dirty="0">
+              <a:rPr lang="en-US" altLang="en-US" sz="1200" dirty="0">
                 <a:latin typeface="Arial" panose="020B0604020202020204" pitchFamily="34" charset="0"/>
                 <a:ea typeface="Amazon Ember" panose="020B0603020204020204" pitchFamily="34" charset="0"/>
                 <a:cs typeface="Arial" panose="020B0604020202020204" pitchFamily="34" charset="0"/>
@@ -30304,10 +29618,10 @@
       </p:sp>
       <p:pic>
         <p:nvPicPr>
-          <p:cNvPr id="19" name="Graphic 19">
-            <a:extLst>
-              <a:ext uri="{FF2B5EF4-FFF2-40B4-BE49-F238E27FC236}">
-                <a16:creationId xmlns:a16="http://schemas.microsoft.com/office/drawing/2014/main" id="{3E981131-AA44-6DD1-4FEB-3DD9A1097F81}"/>
+          <p:cNvPr id="23" name="Graphic 7">
+            <a:extLst>
+              <a:ext uri="{FF2B5EF4-FFF2-40B4-BE49-F238E27FC236}">
+                <a16:creationId xmlns:a16="http://schemas.microsoft.com/office/drawing/2014/main" id="{331A1279-6BE8-9A72-6B2E-84F10C607B28}"/>
               </a:ext>
             </a:extLst>
           </p:cNvPr>
@@ -30317,7 +29631,7 @@
           <p:nvPr/>
         </p:nvPicPr>
         <p:blipFill>
-          <a:blip r:embed="rId17">
+          <a:blip r:embed="rId18">
             <a:extLst>
               <a:ext uri="{28A0092B-C50C-407E-A947-70E740481C1C}">
                 <a14:useLocalDpi xmlns:a14="http://schemas.microsoft.com/office/drawing/2010/main" val="0"/>
@@ -30331,7 +29645,7 @@
         </p:blipFill>
         <p:spPr bwMode="auto">
           <a:xfrm>
-            <a:off x="7645802" y="4984738"/>
+            <a:off x="10724200" y="916876"/>
             <a:ext cx="762000" cy="762000"/>
           </a:xfrm>
           <a:prstGeom prst="rect">
@@ -30364,10 +29678,10 @@
       </p:pic>
       <p:sp>
         <p:nvSpPr>
-          <p:cNvPr id="20" name="TextBox 11">
-            <a:extLst>
-              <a:ext uri="{FF2B5EF4-FFF2-40B4-BE49-F238E27FC236}">
-                <a16:creationId xmlns:a16="http://schemas.microsoft.com/office/drawing/2014/main" id="{0C6A3DE5-C819-A705-416D-026C1DAF913D}"/>
+          <p:cNvPr id="24" name="TextBox 9">
+            <a:extLst>
+              <a:ext uri="{FF2B5EF4-FFF2-40B4-BE49-F238E27FC236}">
+                <a16:creationId xmlns:a16="http://schemas.microsoft.com/office/drawing/2014/main" id="{AFE648DD-E2FA-89EA-52D4-909C8BB697C5}"/>
               </a:ext>
             </a:extLst>
           </p:cNvPr>
@@ -30378,228 +29692,7 @@
         </p:nvSpPr>
         <p:spPr bwMode="auto">
           <a:xfrm>
-            <a:off x="6888565" y="5745150"/>
-            <a:ext cx="2292350" cy="246221"/>
-          </a:xfrm>
-          <a:prstGeom prst="rect">
-            <a:avLst/>
-          </a:prstGeom>
-          <a:noFill/>
-          <a:ln>
-            <a:noFill/>
-          </a:ln>
-          <a:extLst>
-            <a:ext uri="{909E8E84-426E-40DD-AFC4-6F175D3DCCD1}">
-              <a14:hiddenFill xmlns:a14="http://schemas.microsoft.com/office/drawing/2010/main">
-                <a:solidFill>
-                  <a:srgbClr val="FFFFFF"/>
-                </a:solidFill>
-              </a14:hiddenFill>
-            </a:ext>
-            <a:ext uri="{91240B29-F687-4F45-9708-019B960494DF}">
-              <a14:hiddenLine xmlns:a14="http://schemas.microsoft.com/office/drawing/2010/main" w="9525">
-                <a:solidFill>
-                  <a:srgbClr val="000000"/>
-                </a:solidFill>
-                <a:miter lim="800000"/>
-                <a:headEnd/>
-                <a:tailEnd/>
-              </a14:hiddenLine>
-            </a:ext>
-          </a:extLst>
-        </p:spPr>
-        <p:txBody>
-          <a:bodyPr>
-            <a:spAutoFit/>
-          </a:bodyPr>
-          <a:lstStyle>
-            <a:lvl1pPr>
-              <a:defRPr>
-                <a:solidFill>
-                  <a:schemeClr val="tx1"/>
-                </a:solidFill>
-                <a:latin typeface="Calibri" panose="020F0502020204030204" pitchFamily="34" charset="0"/>
-              </a:defRPr>
-            </a:lvl1pPr>
-            <a:lvl2pPr marL="742950" indent="-285750">
-              <a:defRPr>
-                <a:solidFill>
-                  <a:schemeClr val="tx1"/>
-                </a:solidFill>
-                <a:latin typeface="Calibri" panose="020F0502020204030204" pitchFamily="34" charset="0"/>
-              </a:defRPr>
-            </a:lvl2pPr>
-            <a:lvl3pPr marL="1143000" indent="-228600">
-              <a:defRPr>
-                <a:solidFill>
-                  <a:schemeClr val="tx1"/>
-                </a:solidFill>
-                <a:latin typeface="Calibri" panose="020F0502020204030204" pitchFamily="34" charset="0"/>
-              </a:defRPr>
-            </a:lvl3pPr>
-            <a:lvl4pPr marL="1600200" indent="-228600">
-              <a:defRPr>
-                <a:solidFill>
-                  <a:schemeClr val="tx1"/>
-                </a:solidFill>
-                <a:latin typeface="Calibri" panose="020F0502020204030204" pitchFamily="34" charset="0"/>
-              </a:defRPr>
-            </a:lvl4pPr>
-            <a:lvl5pPr marL="2057400" indent="-228600">
-              <a:defRPr>
-                <a:solidFill>
-                  <a:schemeClr val="tx1"/>
-                </a:solidFill>
-                <a:latin typeface="Calibri" panose="020F0502020204030204" pitchFamily="34" charset="0"/>
-              </a:defRPr>
-            </a:lvl5pPr>
-            <a:lvl6pPr marL="2514600" indent="-228600" eaLnBrk="0" fontAlgn="base" hangingPunct="0">
-              <a:spcBef>
-                <a:spcPct val="0"/>
-              </a:spcBef>
-              <a:spcAft>
-                <a:spcPct val="0"/>
-              </a:spcAft>
-              <a:defRPr>
-                <a:solidFill>
-                  <a:schemeClr val="tx1"/>
-                </a:solidFill>
-                <a:latin typeface="Calibri" panose="020F0502020204030204" pitchFamily="34" charset="0"/>
-              </a:defRPr>
-            </a:lvl6pPr>
-            <a:lvl7pPr marL="2971800" indent="-228600" eaLnBrk="0" fontAlgn="base" hangingPunct="0">
-              <a:spcBef>
-                <a:spcPct val="0"/>
-              </a:spcBef>
-              <a:spcAft>
-                <a:spcPct val="0"/>
-              </a:spcAft>
-              <a:defRPr>
-                <a:solidFill>
-                  <a:schemeClr val="tx1"/>
-                </a:solidFill>
-                <a:latin typeface="Calibri" panose="020F0502020204030204" pitchFamily="34" charset="0"/>
-              </a:defRPr>
-            </a:lvl7pPr>
-            <a:lvl8pPr marL="3429000" indent="-228600" eaLnBrk="0" fontAlgn="base" hangingPunct="0">
-              <a:spcBef>
-                <a:spcPct val="0"/>
-              </a:spcBef>
-              <a:spcAft>
-                <a:spcPct val="0"/>
-              </a:spcAft>
-              <a:defRPr>
-                <a:solidFill>
-                  <a:schemeClr val="tx1"/>
-                </a:solidFill>
-                <a:latin typeface="Calibri" panose="020F0502020204030204" pitchFamily="34" charset="0"/>
-              </a:defRPr>
-            </a:lvl8pPr>
-            <a:lvl9pPr marL="3886200" indent="-228600" eaLnBrk="0" fontAlgn="base" hangingPunct="0">
-              <a:spcBef>
-                <a:spcPct val="0"/>
-              </a:spcBef>
-              <a:spcAft>
-                <a:spcPct val="0"/>
-              </a:spcAft>
-              <a:defRPr>
-                <a:solidFill>
-                  <a:schemeClr val="tx1"/>
-                </a:solidFill>
-                <a:latin typeface="Calibri" panose="020F0502020204030204" pitchFamily="34" charset="0"/>
-              </a:defRPr>
-            </a:lvl9pPr>
-          </a:lstStyle>
-          <a:p>
-            <a:pPr algn="ctr" eaLnBrk="1" hangingPunct="1"/>
-            <a:r>
-              <a:rPr lang="en-US" altLang="en-US" sz="1000" dirty="0">
-                <a:latin typeface="Arial" panose="020B0604020202020204" pitchFamily="34" charset="0"/>
-                <a:ea typeface="Amazon Ember" panose="020B0603020204020204" pitchFamily="34" charset="0"/>
-                <a:cs typeface="Arial" panose="020B0604020202020204" pitchFamily="34" charset="0"/>
-              </a:rPr>
-              <a:t>Amazon WorkSpaces</a:t>
-            </a:r>
-          </a:p>
-        </p:txBody>
-      </p:sp>
-      <p:pic>
-        <p:nvPicPr>
-          <p:cNvPr id="23" name="Graphic 7">
-            <a:extLst>
-              <a:ext uri="{FF2B5EF4-FFF2-40B4-BE49-F238E27FC236}">
-                <a16:creationId xmlns:a16="http://schemas.microsoft.com/office/drawing/2014/main" id="{331A1279-6BE8-9A72-6B2E-84F10C607B28}"/>
-              </a:ext>
-            </a:extLst>
-          </p:cNvPr>
-          <p:cNvPicPr>
-            <a:picLocks noChangeAspect="1" noChangeArrowheads="1"/>
-          </p:cNvPicPr>
-          <p:nvPr/>
-        </p:nvPicPr>
-        <p:blipFill>
-          <a:blip r:embed="rId18">
-            <a:extLst>
-              <a:ext uri="{28A0092B-C50C-407E-A947-70E740481C1C}">
-                <a14:useLocalDpi xmlns:a14="http://schemas.microsoft.com/office/drawing/2010/main" val="0"/>
-              </a:ext>
-            </a:extLst>
-          </a:blip>
-          <a:srcRect/>
-          <a:stretch>
-            <a:fillRect/>
-          </a:stretch>
-        </p:blipFill>
-        <p:spPr bwMode="auto">
-          <a:xfrm>
-            <a:off x="10724200" y="1031176"/>
-            <a:ext cx="762000" cy="762000"/>
-          </a:xfrm>
-          <a:prstGeom prst="rect">
-            <a:avLst/>
-          </a:prstGeom>
-          <a:noFill/>
-          <a:ln>
-            <a:noFill/>
-          </a:ln>
-          <a:extLst>
-            <a:ext uri="{909E8E84-426E-40DD-AFC4-6F175D3DCCD1}">
-              <a14:hiddenFill xmlns:a14="http://schemas.microsoft.com/office/drawing/2010/main">
-                <a:solidFill>
-                  <a:srgbClr val="FFFFFF"/>
-                </a:solidFill>
-              </a14:hiddenFill>
-            </a:ext>
-            <a:ext uri="{91240B29-F687-4F45-9708-019B960494DF}">
-              <a14:hiddenLine xmlns:a14="http://schemas.microsoft.com/office/drawing/2010/main" w="9525">
-                <a:solidFill>
-                  <a:srgbClr val="000000"/>
-                </a:solidFill>
-                <a:miter lim="800000"/>
-                <a:headEnd/>
-                <a:tailEnd/>
-              </a14:hiddenLine>
-            </a:ext>
-          </a:extLst>
-        </p:spPr>
-      </p:pic>
-      <p:sp>
-        <p:nvSpPr>
-          <p:cNvPr id="24" name="TextBox 9">
-            <a:extLst>
-              <a:ext uri="{FF2B5EF4-FFF2-40B4-BE49-F238E27FC236}">
-                <a16:creationId xmlns:a16="http://schemas.microsoft.com/office/drawing/2014/main" id="{AFE648DD-E2FA-89EA-52D4-909C8BB697C5}"/>
-              </a:ext>
-            </a:extLst>
-          </p:cNvPr>
-          <p:cNvSpPr txBox="1">
-            <a:spLocks noChangeArrowheads="1"/>
-          </p:cNvSpPr>
-          <p:nvPr/>
-        </p:nvSpPr>
-        <p:spPr bwMode="auto">
-          <a:xfrm>
-            <a:off x="9984425" y="1794763"/>
+            <a:off x="9984425" y="1680463"/>
             <a:ext cx="2243137" cy="461665"/>
           </a:xfrm>
           <a:prstGeom prst="rect">
@@ -30773,7 +29866,7 @@
         </p:blipFill>
         <p:spPr bwMode="auto">
           <a:xfrm>
-            <a:off x="10713390" y="2214225"/>
+            <a:off x="10713390" y="2157075"/>
             <a:ext cx="762000" cy="762000"/>
           </a:xfrm>
           <a:prstGeom prst="rect">
@@ -30820,7 +29913,7 @@
         </p:nvSpPr>
         <p:spPr bwMode="auto">
           <a:xfrm>
-            <a:off x="9956153" y="2976225"/>
+            <a:off x="9956153" y="2919075"/>
             <a:ext cx="2292350" cy="276999"/>
           </a:xfrm>
           <a:prstGeom prst="rect">
@@ -31657,7 +30750,7 @@
         </p:blipFill>
         <p:spPr bwMode="auto">
           <a:xfrm>
-            <a:off x="5084538" y="5019645"/>
+            <a:off x="5143187" y="4800570"/>
             <a:ext cx="762000" cy="762000"/>
           </a:xfrm>
           <a:prstGeom prst="rect">
@@ -31704,8 +30797,8 @@
         </p:nvSpPr>
         <p:spPr bwMode="auto">
           <a:xfrm>
-            <a:off x="4344763" y="5782943"/>
-            <a:ext cx="2243137" cy="400110"/>
+            <a:off x="4179995" y="5573259"/>
+            <a:ext cx="2727513" cy="276999"/>
           </a:xfrm>
           <a:prstGeom prst="rect">
             <a:avLst/>
@@ -31735,7 +30828,7 @@
           </a:extLst>
         </p:spPr>
         <p:txBody>
-          <a:bodyPr>
+          <a:bodyPr wrap="square">
             <a:spAutoFit/>
           </a:bodyPr>
           <a:lstStyle>
@@ -31839,27 +30932,12 @@
           <a:p>
             <a:pPr algn="ctr" eaLnBrk="1" hangingPunct="1"/>
             <a:r>
-              <a:rPr lang="en-US" altLang="en-US" sz="1000" dirty="0">
+              <a:rPr lang="en-US" altLang="en-US" sz="1200" dirty="0">
                 <a:latin typeface="Arial" panose="020B0604020202020204" pitchFamily="34" charset="0"/>
                 <a:ea typeface="Amazon Ember" panose="020B0603020204020204" pitchFamily="34" charset="0"/>
                 <a:cs typeface="Arial" panose="020B0604020202020204" pitchFamily="34" charset="0"/>
               </a:rPr>
-              <a:t>AWS Directory</a:t>
-            </a:r>
-            <a:br>
-              <a:rPr lang="en-US" altLang="en-US" sz="1000" dirty="0">
-                <a:latin typeface="Arial" panose="020B0604020202020204" pitchFamily="34" charset="0"/>
-                <a:ea typeface="Amazon Ember" panose="020B0603020204020204" pitchFamily="34" charset="0"/>
-                <a:cs typeface="Arial" panose="020B0604020202020204" pitchFamily="34" charset="0"/>
-              </a:rPr>
-            </a:br>
-            <a:r>
-              <a:rPr lang="en-US" altLang="en-US" sz="1000" dirty="0">
-                <a:latin typeface="Arial" panose="020B0604020202020204" pitchFamily="34" charset="0"/>
-                <a:ea typeface="Amazon Ember" panose="020B0603020204020204" pitchFamily="34" charset="0"/>
-                <a:cs typeface="Arial" panose="020B0604020202020204" pitchFamily="34" charset="0"/>
-              </a:rPr>
-              <a:t>Service</a:t>
+              <a:t>AWS Directory Service</a:t>
             </a:r>
           </a:p>
         </p:txBody>
